--- a/thesis/Quanvolutional neural network.pptx
+++ b/thesis/Quanvolutional neural network.pptx
@@ -487,7 +487,7 @@
   </inkml:definitions>
   <inkml:trace contextRef="#ctx0" brushRef="#br0">6400 17835 0,'24'0'110,"1"0"-95,0 0-15,0 0 16,24 0-16,1 0 15,-25 0-15,24 0 0,1 0 16,49 0 0,1 0-16,-1 0 15,0 0-15,25 0 16,-25-25-16,-49 25 16,-1 0-16,51 0 15,24 0-15,-25 0 16,0 0-16,25 0 15,-49 0-15,24 0 16,0 0 0,-49 0-16,-1 0 15,-24 0-15,25 0 0,-26 0 16,1 0-16,0 0 16,0 0 15,0 0 16,-1 0 359,1 0-359,25 0-32,-25 0 1,-1 0 0,1 0-1,0 0 17</inkml:trace>
   <inkml:trace contextRef="#ctx0" brushRef="#br0" timeOffset="7696.25">2555 6921 0,'0'0'0,"-25"0"79,0 0-64,25 24 1,-25 1-16,25 25 15,-24-25 1,24-1-16,-25 26 16,25-25-16,-25 24 15,25-24-15,0 0 16,0 25 0,-25 24-16,25-49 15,0 49-15,0-49 0,-25 25 16,25 24-1,0-49-15,0 0 16,0 49-16,-24-24 16,-1 24-16,25-24 15,0 24-15,0 1 16,0-1-16,0 25 16,0-49-16,0-1 15,0 51-15,0-76 16,0 26-16,0 0 15,0 24-15,0-24 16,0-1-16,0-24 16,0 25-16,0-26 15,0 76-15,0-51 16,0-24 0,0 0-16,0 0 15,0 49 1,0-49-16,0 0 15,0 0-15,0-1 16,0 1-16,0 0 0,0 0 31,0 0-31,0-1 16,0 1-16,0 0 31,0 0-31,0 0 16,-25-1-16,0 1 15,0 25 1,1-50 0,-1 25-1,0-25 1,0 0 0,0 0-16,1 0 15,-51 0-15,50 0 16,1 0-1,-1 0 1,0 0 15,0 0-15,0 0 15,1 24 63,24 1-78,0 0-1,0 0-15,24 0 16,1-1-1,0 51-15,0-50 16,0 24-16,-25-24 0,24 0 16,1 24-1,-25-24-15,25 0 16,0 0-16,-25 25 16,0-26-16,25 1 15,-1 25-15,-24-1 16,0-24-16,25 0 15,-25 0-15,0 0 16,0-1-16,25 26 16,-25-25-16,0 24 15,25-24-15,-25 25 16,25-1 0,-25-24 15,0 25-31,0-25 15,0-1-15,0 26 16,0 0 15,24-26-31,-24 26 16,25-25-16,-25 0 16,25 24-16,-25-24 15,0 0 1,0 24-16,0 1 15,0-25-15,0 25 16,25-26-16,-25 1 16,0 25-1,0-25-15,0-1 16,0 1-16,0 0 16,0 25-1,0-1-15,0-24 16,25 49-16,-25-24 0,0-25 15,0 24 1,0-24-16,0 0 16,0 25-16,24-26 15,-24 26 1,0-25 0,0 0-16,0-1 15,0 1-15,0 0 16,0 25-16,0-26 15,0 26-15,0-25 32,0 0-32,0 24 0,0-24 15,25 25 1,-25-25 0,0-1-1,0 1 1,0 0-16,25 0 15,-25 0 1,0-1 0,0 1-16,25 0 31,-25 0-15,0 0-1,25-25-15,-25 24 16,24-24 15,1 0 16,-25 25-16,25-25-15,0 25 46,0-25-30,-1 0 14,1 0-14</inkml:trace>
-  <inkml:trace contextRef="#ctx0" brushRef="#br0" timeOffset="25818.11">10344 6896 0,'-25'0'32,"0"0"-1,0 0-16,0 0 1,1 0 0,24 25-1,0-1-15,-25 1 16,25 25-16,0-25 16,0 24-16,0 1 15,-25-1-15,25-24 16,0 25-1,-25 24-15,25-49 0,0 0 16,0 0-16,-25 24 16,25 26-16,0-51 15,0 26 1,0-25-16,0 24 16,0 1-16,0-25 15,0 0-15,0-1 16,0 1-16,0 0 15,0 0-15,0 0 16,0 49-16,0-49 16,0 0-16,0 0 15,0-1-15,0 26 16,0-25-16,0 0 16,0-1-16,0 1 15,0 0-15,0 0 16,0 0-16,0-1 15,0 1 1,0 0 0,0 0-16,0 0 15,-24-25-15,-1 24 0,25 1 16,-25 0 0,0-25-1,0 0 32,75 25 78,-50 0-125,25-25 16,0 24-1,-25 1-15,24 0 16,-24 0-16,25 0 16,-25-1-1,25 1-15,-25 0 16,0 0-1,0 24-15,0-24 16,0 0-16,25 25 16,-25-1-16,25 26 15,-25-1-15,0-24 16,0-1-16,0 1 16,0 0-16,0 24 15,0-24-15,0-1 16,0 1-1,0-1-15,0 1 16,0 0-16,0-1 16,0 1-16,0-1 0,0 1 15,0 0-15,0-1 32,0-24-32,0 50 15,0-51 1,0 26-16,0-25 15,0 0-15,0-1 16,0 26-16,49-25 16,-49 0-1,25-1 1,-25 1-16,25-25 31,-25 25-15</inkml:trace>
+  <inkml:trace contextRef="#ctx0" brushRef="#br0" timeOffset="25818.1">10344 6896 0,'-25'0'32,"0"0"-1,0 0-16,0 0 1,1 0 0,24 25-1,0-1-15,-25 1 16,25 25-16,0-25 16,0 24-16,0 1 15,-25-1-15,25-24 16,0 25-1,-25 24-15,25-49 0,0 0 16,0 0-16,-25 24 16,25 26-16,0-51 15,0 26 1,0-25-16,0 24 16,0 1-16,0-25 15,0 0-15,0-1 16,0 1-16,0 0 15,0 0-15,0 0 16,0 49-16,0-49 16,0 0-16,0 0 15,0-1-15,0 26 16,0-25-16,0 0 16,0-1-16,0 1 15,0 0-15,0 0 16,0 0-16,0-1 15,0 1 1,0 0 0,0 0-16,0 0 15,-24-25-15,-1 24 0,25 1 16,-25 0 0,0-25-1,0 0 32,75 25 78,-50 0-125,25-25 16,0 24-1,-25 1-15,24 0 16,-24 0-16,25 0 16,-25-1-1,25 1-15,-25 0 16,0 0-1,0 24-15,0-24 16,0 0-16,25 25 16,-25-1-16,25 26 15,-25-1-15,0-24 16,0-1-16,0 1 16,0 0-16,0 24 15,0-24-15,0-1 16,0 1-1,0-1-15,0 1 16,0 0-16,0-1 16,0 1-16,0-1 0,0 1 15,0 0-15,0-1 32,0-24-32,0 50 15,0-51 1,0 26-16,0-25 15,0 0-15,0-1 16,0 26-16,49-25 16,-49 0-1,25-1 1,-25 1-16,25-25 31,-25 25-15</inkml:trace>
   <inkml:trace contextRef="#ctx0" brushRef="#br0" timeOffset="49231.78">5904 17338 0,'0'-24'16,"0"-1"15,0 0-31,0 0 31,0 0-15,0-24 15,0 24 1,0 0-17,0 0 16,24 1-15,1-1-16,0 0 31,25 25-15,-50-25 0,24 25-16,1 0 15,0 0 1,0 0-1,0 0-15,-1 0 16,26 0-16,0 0 16,-26 0-1,-24 25 1,50-25-16,0 50 0,-26-26 16,26 1-1,-25-25-15,0 25 0,24 0 16,-24 0-16,0-25 15,0 24 1,-25 1 0,24-25-16,1 25 15,-25 0 17,25 0-17,-25-1 16,0 1-31,0 25 16,0-25-16,0 49 16,0-49-1,0 0-15,0 0 16,0-1-16,0 1 16,0 0-1,-25 25-15,25-26 16,-49-24-16,49 25 15,-25-25-15,0 25 16,0-25-16,0 25 16,-24-25-16,-26 0 15,26 0-15,-1 0 16,-24 0-16,49 0 16,0 0-16,0 0 15,1 0-15</inkml:trace>
   <inkml:trace contextRef="#ctx0" brushRef="#br0" timeOffset="60842.27">23614 7565 0,'0'50'31,"-50"24"-15,26 26-16,-76 24 16,76-75-16,-26 26 0,-24 74 15,-50 49 1,-50 50-16,-49 74 16,24 51-16,-24-1 15,0-50-15,49 1 16,25-100-16,0 0 15,25-25-15,-24 26 16,-26-26-16,0 1 16,1-26-16,-1-24 15,0-50 1,50-49-16,0-25 0,50-25 16,0 0-16,24 0 15</inkml:trace>
   <inkml:trace contextRef="#ctx0" brushRef="#br0" timeOffset="61313.92">20439 7417 0,'0'0'0,"50"24"0,-1 51 15,26 49 1,24 25-16,50 24 0,49 26 16,25 74-1,-49-50-15,49 25 16,1 50-16,48-50 16,-24 0-16,25 49 15,50 51-15,-1 24 16,-74-50-16,0-24 15,-24-25-15,24 24 16,-100-74-16,1 1 16,-50-75-16,1-50 15</inkml:trace>
@@ -606,7 +606,7 @@
           <a:p>
             <a:fld id="{C713C089-A006-49EC-A57B-51E39300CD8B}" type="datetimeFigureOut">
               <a:rPr lang="vi-VN" smtClean="0"/>
-              <a:t>20/08/2022</a:t>
+              <a:t>05/09/2022</a:t>
             </a:fld>
             <a:endParaRPr lang="vi-VN"/>
           </a:p>
@@ -1020,7 +1020,7 @@
           <a:p>
             <a:fld id="{79A0D75B-382B-44F1-95AD-65E71C3FFDF2}" type="datetime1">
               <a:rPr lang="vi-VN" smtClean="0"/>
-              <a:t>20/08/2022</a:t>
+              <a:t>05/09/2022</a:t>
             </a:fld>
             <a:endParaRPr lang="vi-VN"/>
           </a:p>
@@ -1218,7 +1218,7 @@
           <a:p>
             <a:fld id="{EF91B0C2-1DC0-4DA6-B6E3-3AB131C5DF69}" type="datetime1">
               <a:rPr lang="vi-VN" smtClean="0"/>
-              <a:t>20/08/2022</a:t>
+              <a:t>05/09/2022</a:t>
             </a:fld>
             <a:endParaRPr lang="vi-VN"/>
           </a:p>
@@ -1426,7 +1426,7 @@
           <a:p>
             <a:fld id="{E5A84FD5-1303-4CA3-ADA5-7736F53F9041}" type="datetime1">
               <a:rPr lang="vi-VN" smtClean="0"/>
-              <a:t>20/08/2022</a:t>
+              <a:t>05/09/2022</a:t>
             </a:fld>
             <a:endParaRPr lang="vi-VN"/>
           </a:p>
@@ -1624,7 +1624,7 @@
           <a:p>
             <a:fld id="{B6814BC3-EFEE-4CE9-96F6-461933B4C9B3}" type="datetime1">
               <a:rPr lang="vi-VN" smtClean="0"/>
-              <a:t>20/08/2022</a:t>
+              <a:t>05/09/2022</a:t>
             </a:fld>
             <a:endParaRPr lang="vi-VN"/>
           </a:p>
@@ -1899,7 +1899,7 @@
           <a:p>
             <a:fld id="{D685A125-1797-4A1F-B73C-042C34C130AE}" type="datetime1">
               <a:rPr lang="vi-VN" smtClean="0"/>
-              <a:t>20/08/2022</a:t>
+              <a:t>05/09/2022</a:t>
             </a:fld>
             <a:endParaRPr lang="vi-VN"/>
           </a:p>
@@ -2164,7 +2164,7 @@
           <a:p>
             <a:fld id="{A73AC773-7551-4A21-8CD9-725D1D0E13D4}" type="datetime1">
               <a:rPr lang="vi-VN" smtClean="0"/>
-              <a:t>20/08/2022</a:t>
+              <a:t>05/09/2022</a:t>
             </a:fld>
             <a:endParaRPr lang="vi-VN"/>
           </a:p>
@@ -2576,7 +2576,7 @@
           <a:p>
             <a:fld id="{6A2BF65D-F379-40CD-8A40-B3417345A7D0}" type="datetime1">
               <a:rPr lang="vi-VN" smtClean="0"/>
-              <a:t>20/08/2022</a:t>
+              <a:t>05/09/2022</a:t>
             </a:fld>
             <a:endParaRPr lang="vi-VN"/>
           </a:p>
@@ -2717,7 +2717,7 @@
           <a:p>
             <a:fld id="{4973F540-CEFB-4C74-8464-337235A29738}" type="datetime1">
               <a:rPr lang="vi-VN" smtClean="0"/>
-              <a:t>20/08/2022</a:t>
+              <a:t>05/09/2022</a:t>
             </a:fld>
             <a:endParaRPr lang="vi-VN"/>
           </a:p>
@@ -2830,7 +2830,7 @@
           <a:p>
             <a:fld id="{DD4E0017-27D1-4ABF-9EB5-1031ABAE9439}" type="datetime1">
               <a:rPr lang="vi-VN" smtClean="0"/>
-              <a:t>20/08/2022</a:t>
+              <a:t>05/09/2022</a:t>
             </a:fld>
             <a:endParaRPr lang="vi-VN"/>
           </a:p>
@@ -3141,7 +3141,7 @@
           <a:p>
             <a:fld id="{53E46112-6ACE-4A63-B1D7-5B3B6755E5A6}" type="datetime1">
               <a:rPr lang="vi-VN" smtClean="0"/>
-              <a:t>20/08/2022</a:t>
+              <a:t>05/09/2022</a:t>
             </a:fld>
             <a:endParaRPr lang="vi-VN"/>
           </a:p>
@@ -3429,7 +3429,7 @@
           <a:p>
             <a:fld id="{580E5B30-9BCE-45A0-AF9E-8FC72FE581AC}" type="datetime1">
               <a:rPr lang="vi-VN" smtClean="0"/>
-              <a:t>20/08/2022</a:t>
+              <a:t>05/09/2022</a:t>
             </a:fld>
             <a:endParaRPr lang="vi-VN"/>
           </a:p>
@@ -3670,7 +3670,7 @@
           <a:p>
             <a:fld id="{5DF12F3C-C493-42D5-9F6C-9A56AA909FBF}" type="datetime1">
               <a:rPr lang="vi-VN" smtClean="0"/>
-              <a:t>20/08/2022</a:t>
+              <a:t>05/09/2022</a:t>
             </a:fld>
             <a:endParaRPr lang="vi-VN"/>
           </a:p>
@@ -4313,19 +4313,7 @@
                       <a:rPr lang="en-US" i="1" smtClean="0">
                         <a:latin typeface="Cambria Math" panose="02040503050406030204" pitchFamily="18" charset="0"/>
                       </a:rPr>
-                      <m:t>0</m:t>
-                    </m:r>
-                    <m:r>
-                      <a:rPr lang="en-US" i="1" smtClean="0">
-                        <a:latin typeface="Cambria Math" panose="02040503050406030204" pitchFamily="18" charset="0"/>
-                      </a:rPr>
-                      <m:t>→</m:t>
-                    </m:r>
-                    <m:r>
-                      <a:rPr lang="en-US" i="1" smtClean="0">
-                        <a:latin typeface="Cambria Math" panose="02040503050406030204" pitchFamily="18" charset="0"/>
-                      </a:rPr>
-                      <m:t>2</m:t>
+                      <m:t>0→2</m:t>
                     </m:r>
                     <m:sSup>
                       <m:sSupPr>
@@ -4573,19 +4561,7 @@
                           <a:rPr lang="en-US" b="0" i="1" smtClean="0">
                             <a:latin typeface="Cambria Math" panose="02040503050406030204" pitchFamily="18" charset="0"/>
                           </a:rPr>
-                          <m:t>0</m:t>
-                        </m:r>
-                        <m:r>
-                          <a:rPr lang="en-US" b="0" i="1" smtClean="0">
-                            <a:latin typeface="Cambria Math" panose="02040503050406030204" pitchFamily="18" charset="0"/>
-                          </a:rPr>
-                          <m:t>,</m:t>
-                        </m:r>
-                        <m:r>
-                          <a:rPr lang="en-US" b="0" i="1" smtClean="0">
-                            <a:latin typeface="Cambria Math" panose="02040503050406030204" pitchFamily="18" charset="0"/>
-                          </a:rPr>
-                          <m:t>2</m:t>
+                          <m:t>0,2</m:t>
                         </m:r>
                         <m:r>
                           <a:rPr lang="en-US" b="0" i="1" smtClean="0">
@@ -7358,8 +7334,8 @@
           </a:p>
         </p:txBody>
       </p:sp>
-      <mc:AlternateContent xmlns:mc="http://schemas.openxmlformats.org/markup-compatibility/2006">
-        <mc:Choice xmlns:p14="http://schemas.microsoft.com/office/powerpoint/2010/main" Requires="p14">
+      <mc:AlternateContent xmlns:mc="http://schemas.openxmlformats.org/markup-compatibility/2006" xmlns:p14="http://schemas.microsoft.com/office/powerpoint/2010/main">
+        <mc:Choice Requires="p14">
           <p:contentPart p14:bwMode="auto" r:id="rId4">
             <p14:nvContentPartPr>
               <p14:cNvPr id="3" name="Viết tay 2">
@@ -7378,7 +7354,7 @@
             </p14:xfrm>
           </p:contentPart>
         </mc:Choice>
-        <mc:Fallback>
+        <mc:Fallback xmlns="">
           <p:pic>
             <p:nvPicPr>
               <p:cNvPr id="3" name="Viết tay 2">
@@ -7905,8 +7881,8 @@
           </a:p>
         </p:txBody>
       </p:sp>
-      <mc:AlternateContent xmlns:mc="http://schemas.openxmlformats.org/markup-compatibility/2006">
-        <mc:Choice xmlns:a14="http://schemas.microsoft.com/office/drawing/2010/main" Requires="a14">
+      <mc:AlternateContent xmlns:mc="http://schemas.openxmlformats.org/markup-compatibility/2006" xmlns:a14="http://schemas.microsoft.com/office/drawing/2010/main">
+        <mc:Choice Requires="a14">
           <p:sp>
             <p:nvSpPr>
               <p:cNvPr id="11" name="Hộp Văn bản 10">
@@ -7976,7 +7952,7 @@
             </p:txBody>
           </p:sp>
         </mc:Choice>
-        <mc:Fallback>
+        <mc:Fallback xmlns="">
           <p:sp>
             <p:nvSpPr>
               <p:cNvPr id="11" name="Hộp Văn bản 10">
@@ -8249,13 +8225,7 @@
                                         <a:rPr lang="vi-VN" sz="2800" b="0" i="1" smtClean="0">
                                           <a:latin typeface="Cambria Math" panose="02040503050406030204" pitchFamily="18" charset="0"/>
                                         </a:rPr>
-                                        <m:t>.</m:t>
-                                      </m:r>
-                                      <m:r>
-                                        <a:rPr lang="vi-VN" sz="2800" b="0" i="1" smtClean="0">
-                                          <a:latin typeface="Cambria Math" panose="02040503050406030204" pitchFamily="18" charset="0"/>
-                                        </a:rPr>
-                                        <m:t>77</m:t>
+                                        <m:t>.77</m:t>
                                       </m:r>
                                     </m:e>
                                   </m:mr>
@@ -8265,19 +8235,7 @@
                                         <a:rPr lang="vi-VN" sz="2800" b="0" i="1" smtClean="0">
                                           <a:latin typeface="Cambria Math" panose="02040503050406030204" pitchFamily="18" charset="0"/>
                                         </a:rPr>
-                                        <m:t>0</m:t>
-                                      </m:r>
-                                      <m:r>
-                                        <a:rPr lang="vi-VN" sz="2800" b="0" i="1" smtClean="0">
-                                          <a:latin typeface="Cambria Math" panose="02040503050406030204" pitchFamily="18" charset="0"/>
-                                        </a:rPr>
-                                        <m:t>.</m:t>
-                                      </m:r>
-                                      <m:r>
-                                        <a:rPr lang="vi-VN" sz="2800" b="0" i="1" smtClean="0">
-                                          <a:latin typeface="Cambria Math" panose="02040503050406030204" pitchFamily="18" charset="0"/>
-                                        </a:rPr>
-                                        <m:t>61</m:t>
+                                        <m:t>0.61</m:t>
                                       </m:r>
                                     </m:e>
                                   </m:mr>
@@ -8300,19 +8258,7 @@
                                   <a:rPr lang="vi-VN" sz="2800" b="0" i="1" smtClean="0">
                                     <a:latin typeface="Cambria Math" panose="02040503050406030204" pitchFamily="18" charset="0"/>
                                   </a:rPr>
-                                  <m:t>0</m:t>
-                                </m:r>
-                                <m:r>
-                                  <a:rPr lang="vi-VN" sz="2800" b="0" i="1" smtClean="0">
-                                    <a:latin typeface="Cambria Math" panose="02040503050406030204" pitchFamily="18" charset="0"/>
-                                  </a:rPr>
-                                  <m:t>.</m:t>
-                                </m:r>
-                                <m:r>
-                                  <a:rPr lang="vi-VN" sz="2800" b="0" i="1" smtClean="0">
-                                    <a:latin typeface="Cambria Math" panose="02040503050406030204" pitchFamily="18" charset="0"/>
-                                  </a:rPr>
-                                  <m:t>71</m:t>
+                                  <m:t>0.71</m:t>
                                 </m:r>
                               </m:e>
                             </m:mr>
@@ -8442,8 +8388,8 @@
           </a:p>
         </p:txBody>
       </p:sp>
-      <mc:AlternateContent xmlns:mc="http://schemas.openxmlformats.org/markup-compatibility/2006">
-        <mc:Choice xmlns:p14="http://schemas.microsoft.com/office/powerpoint/2010/main" Requires="p14">
+      <mc:AlternateContent xmlns:mc="http://schemas.openxmlformats.org/markup-compatibility/2006" xmlns:p14="http://schemas.microsoft.com/office/powerpoint/2010/main">
+        <mc:Choice Requires="p14">
           <p:contentPart p14:bwMode="auto" r:id="rId7">
             <p14:nvContentPartPr>
               <p14:cNvPr id="15" name="Viết tay 14">
@@ -8462,7 +8408,7 @@
             </p14:xfrm>
           </p:contentPart>
         </mc:Choice>
-        <mc:Fallback>
+        <mc:Fallback xmlns="">
           <p:pic>
             <p:nvPicPr>
               <p:cNvPr id="15" name="Viết tay 14">
@@ -8832,8 +8778,8 @@
           </a:p>
         </p:txBody>
       </p:sp>
-      <mc:AlternateContent xmlns:mc="http://schemas.openxmlformats.org/markup-compatibility/2006">
-        <mc:Choice xmlns:p14="http://schemas.microsoft.com/office/powerpoint/2010/main" Requires="p14">
+      <mc:AlternateContent xmlns:mc="http://schemas.openxmlformats.org/markup-compatibility/2006" xmlns:p14="http://schemas.microsoft.com/office/powerpoint/2010/main">
+        <mc:Choice Requires="p14">
           <p:contentPart p14:bwMode="auto" r:id="rId2">
             <p14:nvContentPartPr>
               <p14:cNvPr id="5" name="Viết tay 4">
@@ -8852,7 +8798,7 @@
             </p14:xfrm>
           </p:contentPart>
         </mc:Choice>
-        <mc:Fallback>
+        <mc:Fallback xmlns="">
           <p:pic>
             <p:nvPicPr>
               <p:cNvPr id="5" name="Viết tay 4">
@@ -9450,8 +9396,8 @@
           </a:p>
         </p:txBody>
       </p:sp>
-      <mc:AlternateContent xmlns:mc="http://schemas.openxmlformats.org/markup-compatibility/2006">
-        <mc:Choice xmlns:p14="http://schemas.microsoft.com/office/powerpoint/2010/main" Requires="p14">
+      <mc:AlternateContent xmlns:mc="http://schemas.openxmlformats.org/markup-compatibility/2006" xmlns:p14="http://schemas.microsoft.com/office/powerpoint/2010/main">
+        <mc:Choice Requires="p14">
           <p:contentPart p14:bwMode="auto" r:id="rId4">
             <p14:nvContentPartPr>
               <p14:cNvPr id="3" name="Viết tay 2">
@@ -9470,7 +9416,7 @@
             </p14:xfrm>
           </p:contentPart>
         </mc:Choice>
-        <mc:Fallback>
+        <mc:Fallback xmlns="">
           <p:pic>
             <p:nvPicPr>
               <p:cNvPr id="3" name="Viết tay 2">
@@ -13790,19 +13736,7 @@
                       <a:rPr lang="en-US" b="0" i="1" smtClean="0">
                         <a:latin typeface="Cambria Math" panose="02040503050406030204" pitchFamily="18" charset="0"/>
                       </a:rPr>
-                      <m:t>|</m:t>
-                    </m:r>
-                    <m:r>
-                      <a:rPr lang="en-US" b="0" i="1" smtClean="0">
-                        <a:latin typeface="Cambria Math" panose="02040503050406030204" pitchFamily="18" charset="0"/>
-                      </a:rPr>
-                      <m:t>0</m:t>
-                    </m:r>
-                    <m:r>
-                      <a:rPr lang="en-US" b="0" i="1" smtClean="0">
-                        <a:latin typeface="Cambria Math" panose="02040503050406030204" pitchFamily="18" charset="0"/>
-                      </a:rPr>
-                      <m:t>⟩</m:t>
+                      <m:t>|0⟩</m:t>
                     </m:r>
                   </m:oMath>
                 </a14:m>

--- a/thesis/Quanvolutional neural network.pptx
+++ b/thesis/Quanvolutional neural network.pptx
@@ -132,6 +132,51 @@
     </a:lvl9pPr>
   </p:defaultTextStyle>
   <p:extLst>
+    <p:ext uri="{521415D9-36F7-43E2-AB2F-B90AF26B5E84}">
+      <p14:sectionLst xmlns:p14="http://schemas.microsoft.com/office/powerpoint/2010/main">
+        <p14:section name="Phần Mặc định" id="{41C71EBA-C9D7-4B6E-87E8-0D8D420F276F}">
+          <p14:sldIdLst>
+            <p14:sldId id="256"/>
+          </p14:sldIdLst>
+        </p14:section>
+        <p14:section name="Background" id="{D047D8A0-D1FB-4635-9C1E-BC64252338DA}">
+          <p14:sldIdLst>
+            <p14:sldId id="274"/>
+            <p14:sldId id="272"/>
+            <p14:sldId id="271"/>
+            <p14:sldId id="273"/>
+            <p14:sldId id="257"/>
+            <p14:sldId id="258"/>
+            <p14:sldId id="265"/>
+            <p14:sldId id="266"/>
+            <p14:sldId id="267"/>
+            <p14:sldId id="268"/>
+            <p14:sldId id="259"/>
+            <p14:sldId id="269"/>
+            <p14:sldId id="263"/>
+          </p14:sldIdLst>
+        </p14:section>
+        <p14:section name="Setup" id="{6517F6D2-2E1E-4314-88CB-2DD2A4B1603E}">
+          <p14:sldIdLst>
+            <p14:sldId id="270"/>
+            <p14:sldId id="260"/>
+            <p14:sldId id="262"/>
+          </p14:sldIdLst>
+        </p14:section>
+        <p14:section name="Stage 1" id="{4D1F368D-38A8-4564-8D36-30114662966D}">
+          <p14:sldIdLst>
+            <p14:sldId id="275"/>
+            <p14:sldId id="276"/>
+            <p14:sldId id="277"/>
+            <p14:sldId id="278"/>
+            <p14:sldId id="279"/>
+            <p14:sldId id="280"/>
+            <p14:sldId id="281"/>
+            <p14:sldId id="282"/>
+          </p14:sldIdLst>
+        </p14:section>
+      </p14:sectionLst>
+    </p:ext>
     <p:ext uri="{EFAFB233-063F-42B5-8137-9DF3F51BA10A}">
       <p15:sldGuideLst xmlns:p15="http://schemas.microsoft.com/office/powerpoint/2012/main"/>
     </p:ext>
@@ -203,66 +248,6 @@
   <inkml:trace contextRef="#ctx0" brushRef="#br0" timeOffset="32045.8">30361 12353 0,'0'25'47,"0"-1"-32,-25 26 1,25 0 0,0-26-1,0 1 1,0 0-1,25 0 1,0-25 0,0 0-1,-1 0-15,1 0 16,0 0-16,0 0 16,0 0-1,-25-25 1,24 0-16,-24-24 15,0-1-15,0 25 16,0 0-16,0 1 16,0 48 77,0 1-77,0 74-16,25-49 16,0 0-16,0-1 15,0-24-15,-25 49 16,0-49-16,0-74 94,0 24-94,0 0 15,0 0-15,49 0 16,-49 1 0,25-1-16,0 25 15,0 0 48,-1 0-48,-24 25-15,25 24 16,0-24 0,0-25-1,0 0-15,-1 0 16,1 0-1</inkml:trace>
   <inkml:trace contextRef="#ctx0" brushRef="#br0" timeOffset="32448.57">31080 12452 0,'-25'50'47,"1"-26"-32,24 26-15,0-25 16,0 0-16,0-1 16,0 1 46,74-25-46,-49-25-1,0 1 1,-1-26 0,-24 25-16</inkml:trace>
   <inkml:trace contextRef="#ctx0" brushRef="#br0" timeOffset="33186.14">31204 12502 0,'25'0'16,"-25"24"0,0 1-16,50 25 15,-25-50 17,-1 0 30,1 0-46,25-25-16,-25-25 15,24-24-15,-24 0 16,0 49-16,0-74 16,-25 49-16,24-25 15,-24 26-15,0-50 16,0 49-16,0-24 15,0-26-15,0 26 16,0 24-16,0-24 16,-24 24-16,24 1 15,0 24 1,-25 0-16,25 0 16,0 125 93,0-1-93,0 25-16,25-25 15,-1-74 1,1 0-16,0-1 0,0 1 15,0 0-15,-1 25 16,1-1 0,25-49-16,-25 25 15,-1 0 1,1-25 0,0 0 15</inkml:trace>
-</inkml:ink>
-</file>
-
-<file path=ppt/ink/ink10.xml><?xml version="1.0" encoding="utf-8"?>
-<inkml:ink xmlns:inkml="http://www.w3.org/2003/InkML">
-  <inkml:definitions>
-    <inkml:context xml:id="ctx0">
-      <inkml:inkSource xml:id="inkSrc0">
-        <inkml:traceFormat>
-          <inkml:channel name="X" type="integer" max="1366" units="cm"/>
-          <inkml:channel name="Y" type="integer" max="768" units="cm"/>
-          <inkml:channel name="T" type="integer" max="2.14748E9" units="dev"/>
-        </inkml:traceFormat>
-        <inkml:channelProperties>
-          <inkml:channelProperty channel="X" name="resolution" value="39.7093" units="1/cm"/>
-          <inkml:channelProperty channel="Y" name="resolution" value="39.58763" units="1/cm"/>
-          <inkml:channelProperty channel="T" name="resolution" value="1" units="1/dev"/>
-        </inkml:channelProperties>
-      </inkml:inkSource>
-      <inkml:timestamp xml:id="ts0" timeString="2022-08-20T08:05:38.104"/>
-    </inkml:context>
-    <inkml:brush xml:id="br0">
-      <inkml:brushProperty name="width" value="0.05292" units="cm"/>
-      <inkml:brushProperty name="height" value="0.05292" units="cm"/>
-      <inkml:brushProperty name="color" value="#FF0000"/>
-    </inkml:brush>
-  </inkml:definitions>
-  <inkml:trace contextRef="#ctx0" brushRef="#br0">4638 11981 0,'25'0'31,"0"0"-15,25-50-16,74 25 15,-75 25-15,26-25 16,74 1-16,49-1 15,50 25-15,0 0 16,50 0-16,-50 0 16,49 0-16,1 0 15,-25 0-15,-25 0 16,-25 0-16,0 0 16,-24 0-16,49 0 15,-74 0-15,49 0 16,-50-25-1,26 0-15,-25 0 16,24 25-16,-24 0 16,24 0-16,-24 0 0,24-24 15,-24 24 1,24 0-16,1 0 16,24 0-16,0 0 15,0 0-15,-24 0 16,49 0-16,-50 0 15,50 0-15,-49 0 16,-1 0-16,1 0 16,-26 0-16,1 0 15,0-25-15,-26 25 16,26 0-16,-50-25 16,-25 0-16,-49 25 15,-1 0-15,-24 0 31</inkml:trace>
-  <inkml:trace contextRef="#ctx0" brushRef="#br0" timeOffset="1109.51">5333 13444 0,'25'0'47,"0"0"-31,24 0-16,26 0 15,49 0-15,0 0 16,49 0-16,26 0 16,24 0-1,50 0-15,49 0 0,-24 0 16,24 0-16,50 0 16,1 0-16,23 0 15,-23 0-15,-51 0 16,75 0-1,-75 0-15,1 0 16,-1 0-16,-24 0 16,-25 0-16,24 0 15,-24 0-15,-50 0 0,1 0 16,-51 0 0,26 0-16,-75 0 15,-25 0-15,0 0 16,-49 0-16,-25 0 15</inkml:trace>
-</inkml:ink>
-</file>
-
-<file path=ppt/ink/ink11.xml><?xml version="1.0" encoding="utf-8"?>
-<inkml:ink xmlns:inkml="http://www.w3.org/2003/InkML">
-  <inkml:definitions>
-    <inkml:context xml:id="ctx0">
-      <inkml:inkSource xml:id="inkSrc0">
-        <inkml:traceFormat>
-          <inkml:channel name="X" type="integer" max="1366" units="cm"/>
-          <inkml:channel name="Y" type="integer" max="768" units="cm"/>
-          <inkml:channel name="T" type="integer" max="2.14748E9" units="dev"/>
-        </inkml:traceFormat>
-        <inkml:channelProperties>
-          <inkml:channelProperty channel="X" name="resolution" value="39.7093" units="1/cm"/>
-          <inkml:channelProperty channel="Y" name="resolution" value="39.58763" units="1/cm"/>
-          <inkml:channelProperty channel="T" name="resolution" value="1" units="1/dev"/>
-        </inkml:channelProperties>
-      </inkml:inkSource>
-      <inkml:timestamp xml:id="ts0" timeString="2022-08-20T08:06:08.694"/>
-    </inkml:context>
-    <inkml:brush xml:id="br0">
-      <inkml:brushProperty name="width" value="0.05292" units="cm"/>
-      <inkml:brushProperty name="height" value="0.05292" units="cm"/>
-      <inkml:brushProperty name="color" value="#FF0000"/>
-    </inkml:brush>
-  </inkml:definitions>
-  <inkml:trace contextRef="#ctx0" brushRef="#br0">12328 9128 0,'25'0'141,"0"0"-141,-1 0 16,1 0-16,0 0 15,25 0-15,-26 0 31,26 0-31,-25 0 0,0 0 16,-1 0-16,1 0 16,0 0-1,0 0 1,24 0 0,-24 0-16,50 0 15,-51 0-15,26 0 16,0 0-16,-26 0 15,51 0-15,-50 0 16,-1 0-16,1 0 16,0 0-16,0 0 15,0 0-15,0 0 16,-1 0 0,1 0-16,0 0 15,0 0 1,0 0-1,-1 0-15,1 0 16,25 0 0,-1 0-16,1 0 15,0 25 1,-26-25-16,1 0 0,0 0 31,0 0-31,24 0 16,-24 25-1,0-25-15,0 0 16,0 25-16,-1-25 16,1 0-16,0 0 15,0 0-15,24 0 16,1 0 0,-25 24 15,0-24-31,24 0 0,-24 0 15,0 0 1,0 0-16,24 0 0,-24 0 16,25 0-1,-25 0 1,-1 0-16,1 0 16,0 0-1,0 0 1,0 0-16,-1 0 15,1 0 1,0 0-16,0 0 16,0 0-16,-1 0 15,1 0-15,25 0 16,-25 0 0,49 0-1,-49 0 1,0 0-16,-1 0 15,1 0 1,25 0-16,-25 0 16,24 0-16,-24 0 15,25 0-15,-26 0 0,1 0 16,0-24-16,0 24 16,0 0-1,-1 0-15,1 0 16,0 0 15,0-25 47,-25 0-47,0-25-15,0 26 0,0-1-1,0 0-15,0 0 16,0-25-16,0 26 16,0-1-1,0 0-15,0 0 16,0 0-1,0 1 17,0-1-32,0 0 31,0 0-15,0 0-1,0-24 16,-25 24 1,25 0-17,-25 25-15,25-25 32,-25 25-1,1 0-16,-1 0 1,0 0 0,0 0-16,0 0 15,1-24-15,-1 24 16,-25 0 0,25 0-16,1 0 15,-1 0 1,0 0-16,0 0 15,-24 0-15,-26 0 16,50 0 0,-24 0-16,-1 0 15,-49 0-15,74 0 16,-49 0-16,49 0 16,-25 0-16,-24 0 0,24 0 15,-24 0 1,-1 0-16,26 0 15,-1 0-15,-24 0 16,49 0-16,-25 0 16,-24 0-16,49 0 15,0 0-15,1 0 16,-1 0-16,-25 0 16,25 0-16,-24 0 15,-1 0 1,1 0-16,-1 0 15,0 0-15,1 0 0,24 0 16,0 0-16,0 0 16,-24 0-16,-1 0 15,0 0 1,1 0 0,24 0-16,0 0 15,0 0-15,1 0 16,-51 0-16,50 0 15,1 0 1,-26 0 0,25 0-1,0 0 1,1 0-16,-26 0 31,25 0-31,0 0 31,1 0-15,-1 0 0,0 0-1,0 0 1,-24 0 0,24 0 15,0 0 0,0 0-31,0 0 16,1 24-1,-1-24 32,0 25-31,0-25-1,25 25 1,-25 0 0,25 0 77,0-1-61,0 1 15</inkml:trace>
-  <inkml:trace contextRef="#ctx0" brushRef="#br0" timeOffset="5074.38">12650 8582 0,'-24'0'15,"-1"0"16,0 0-15,0 0 47,0 0-32,1 0 16,-1 0-32,0 0 17,0 0-17,0 0 16,1 0-15,24 25 0,-25 0-1,0 0 48,0 0-48,25-1 17,0 1-17,0 0 1,-25 0 0,25 0 15,0-1-31,0 1 31,0 0-15,0 0-16,0 0 15,0-1 1,0 1-16,0 0 0,-24 0 16,24 0-1,0 0-15,0-1 47,0 1-16,-25-25-15,25 25 15,0 0 32,0 24-32,0-24-15,0 25-1,0-25-15,0-1 16,0 1-16,0 25 15,0-25 1,0-1-16,0 1 16,0 0-1,0 0-15,0 0 32,0-1-17,0 26 1,0-25-1,0 0-15,0-1 16,0 26 0,0-25-1,0 0-15,0 24 16,0-24-16,0 0 16,0 0-16,0-1 15,0 1 1,0 0-1,0 0-15,0 0 16,0 0-16,0 24 0,0-24 16,0 0 15,0 0-31,0-1 16,0 26-16,0-25 15,0 24 1,0 1-16,0 0 15,0-26 1,0 26-16,0-25 16,0 0-16,0-1 15,0 1-15,0 0 16,0 0 0,0 24-1,0-24-15,0 0 0,0 0 31,0 0 16,0-1-47,0 1 16,0 25 0,0-25-1,0-1 1,0 1 15,0 0 0,0 0 1,25-25-17,-25 25-15,0-1 16,0 1-1,24-25 1,-24 25-16,25 0 63,0 0-1,0 0-31,0-25-31,-1 0 16,1 0-16,0 24 16,25-24-16,-26 0 15,26 0-15,24 0 16,-24 0-1,0 0-15,-1 0 16,1 0-16,24 0 16,-49 0-16,25 0 0,-1 25 15,-24-25 1,0 0-16,24 0 16,-24 0-1,0 0-15,25 50 16,-1-50-1,-24 0 1,0 0-16,0 0 16,0 0-1,-1 0 1,1 0 15,0 0-15,0 0-1,0 0-15,-1 0 0,1 0 16,0 0 0,25 0-16,-26 0 15,1 0-15,0 0 16,49 0-16,-49 0 16,0 0-16,0 0 15,0 0-15,-1 0 16,1 0-16,0 0 15,0 0 1,0 0 0,-1 0-16,26 0 15,-25 0 1,0 0-16,49 0 16,-49 0-16,0 0 15,24 0 1,-24 0-16,0 0 15,0 0-15,24 0 16,-24 0 0,0 0-16,0 0 0,0 0 15,-1 0 1,1 0-16,0 0 16,0 0-1,0 0-15,-1 0 16,1 0-16,0 0 15,0 0-15,0 0 16,-1 0-16,26 0 16,-25 0-16,0 0 15,-1 0 1,1 0 0,0 0-1,0 0-15,0 0 31,-1 0-31,1 0 16,0 0-16,25 0 16,-26 0-1,1 0 1,0 0 0,0 0-16,0 0 15,-1 0-15,1 0 16,0 0-16,0 0 15,25 0 1,-26 0-16,1 0 0,0 0 31,25 0-15,-26-25 15,26 0-15,-25 0 15,-25 1-31,25 24 16,-25-25-16,24 25 15,1-25-15,-25 0 16,0 0 0,0 0-16,0-24 15,0-1 1,0 25-1,0 1-15,0-1 16,0-25-16,0 25 16,0-24-1,0-1-15,0 25 0,0 1 16,-25-76-16,25 76 16,0-51-1,0 50-15,-24 1 16,-1-51-16,25 50 15,0 1-15,0-51 16,0 50-16,0-24 16,-25-26-16,25 51 15,0-26-15,-25 25 16,0-49-16,25 24 16,0 25-16,0 0 15,0 1-15,0-1 16,0 0-1,-24-74-15,24 74 16,-25 0-16,25 0 16,0 1-16,0-1 15,0 0-15,0 0 16,-25 0 0,25 1-16,0-1 15,0 0-15,-25 0 16,25 0-1,0 1 1,0-1 0,0 0-1,0 0-15,-25 0 16,25 1 0,0-1-1,0 0 16,0 0-31,0 0 32,0 1-17,-24-26 1,24 25 0,0 0 15,0 0 0,0 1-15,0-1 15,0 0 0,0 0-15,0 0 31,0 1 0,0-1-1,0 0-30,0 0 62</inkml:trace>
-  <inkml:trace contextRef="#ctx0" brushRef="#br0" timeOffset="20720.34">14114 11832 0,'0'-25'79,"0"0"-64,0 0 1,0 1-1,0-1 1,0 0-16,0 0 0,0 0 31,0 1-15,0-1 15,0 0 0,0 0-15,0 0 15,-25 1-31,25-1 78,-25 25-62,25-25 0,-25 0 62,1 25-63,-1 0 1,0 0 0,0 0 31,0 0-47,1 0 15,-1-25 1,0 25-16,-25 0 15,26 0-15,-1 0 16,-25 0-16,25 0 16,-24 0-16,24 0 15,-25 0-15,26 0 16,-1 0 0,-25 0-16,25 0 15,-24 0 1,-1 0-16,25 0 15,1 0-15,-1 0 16,-25 0 0,0 0-16,-24 0 15,49 0-15,0 0 16,-24 0-16,-1 0 16,25 0-16,-24 0 15,24 0 1,0 0-16,0 0 15,1 0 1,-1 0 0,0 0-16,-25 0 15,26 0-15,-1 0 16,0 0-16,0 0 47,0 0-32,1 0 1,-1 0-16,0 0 16,0 0-16,0 0 31,1 0-15,-1 0-1,0 0-15,0 0 16,0 0-16,1 0 15,-1 0-15,0 0 16,0 0 0,0 0 31,0 0-16,25 25-16,0 0 1,-24-25-16,24 25 0,0 24 16,0 1-1,0-25-15,0 24 16,0-24 0,0 25-1,0-25 1,0-1-1,0 1 17,0 0-17,24-25 1,-24 25 0,25-25 15,0 25-16,0-25 32,0 0-47,0 0 16,-1 0 15,1 0-31,0 0 16,0 0-1,0 0 1,24 0 0,-24 0-1,0 0-15,0 0 16,-1 0-16,1 0 16,0 0 15,0 0-16,0 0-15,-1 0 16,1 0 0,0 0-1,0 0 1,0 0 0,49 0-1,-24 0-15,-1 0 16,26 0-16,-26 0 15,26 0-15,-1 0 0,-49 0 16,0 0 0,0 0-16,-1 0 15,1 0-15,0 0 63,0 0-48,0 0 1,-1 0 0,1 0-1,0 0-15,0 0 16,0 24-16,-1-24 16,26 0-16,0 0 15,-26 0 1,1 0-16,0 0 15,25 0-15,-26 0 16,1 25-16,0-25 31,0 0 1,0 0-1,-1 0-16,1 0 1,0 0 0,0 0-1,0 0 17,-1 0-32,1 0 31,0 0 0,0 0 0,0 0 1,-1 0 46,1 0-63,-25-25 1,0 1 46,0-1-46,0 0 15,0 0-15,0 0 0,0 1 15,0-1-16,0 0 1,0 0 15,0 0 16,-25 1-16,25-1-15,0 0 0,-24-25 46,24 26 1,0-1-16,-25 0 78</inkml:trace>
-  <inkml:trace contextRef="#ctx0" brushRef="#br0" timeOffset="34725.85">18008 8062 0,'0'-25'110,"0"-25"-95,0 25-15,0 0 16,0-24-16,0 24 16,0 0-1,0-24-15,0 24 16,0 0 0,0 0 30,0 0-14,0 1-17,0-1 32,25 25-31,-25-50-1,0 25 32,0 1-15,25-1-32,-25 0 15,0 0 1,0 0-1,0 1-15,25-1 32,-25 0-32,0 0 31,0 0-31,0 1 16,0-1-1,0 0 1,0 0-1,24 25 1,-24-25 0,0 1-1,0-1 1,0 0 0,25 0-1,-25 0 1,0 1 15,0-1-15,0 0-1,25 25-15,-25-25 16,0 0-16,0 1 31,0-1-31,0 0 16,25 0-1,-25 0 1,0 0 0,0 1-16,25-1 31,-25 0-15,0 0-16,0 0 15,24 1 1,-24-1 15,25 0 0,-25 0-15,0 0 0,0 1-1,25-1-15,-25 0 16,25-25-1,0 26 1,-25-1 0,0 0-1,24 25-15,-24-25 16,0 0-16,0 1 31,25 24-31,-25-25 16,25 0-1,-25 0 17,0 0-17,25 25-15,0 0 16,-25-24 0,0-1-1,24 25-15,-24-25 16,0 0-1,25 0 1,-25 1 0,0-1-1,25 25 1,-25-25-16,25 25 16,0-25-1,0 0 32,-25 1-47,24-1 16,1 0 15,0 0-31,-25 0 16,25 25-16,-25-25 15,25 1 1,-1 24 15,-24-25-31,25 25 16,-25-25-1,25 0-15,-25 0 16,25 25 0,0-24-16,-25-1 46,24 25-46,1-25 16,0 25 0,25-25-16,-26 25 15,26-25-15,-25 1 16,0 24-16,-1 0 16,26-25-16,-25 0 15,0 25-15,-1 0 16,26-25-1,-25 25-15,0-25 16,-1 25 0,1 0-16,0 0 15,0 0 1,24-24-16,1 24 16,0 0-1,-25 0 1,-1 0-1,1-25-15,0 25 16,0 0 0,0-25-16,-1 25 15,1 0 17,0 0-32,0 0 15,-25-25-15,25 25 16,-1 0-16,1 0 15,0 0 1,0-25-16,0 25 16,-1 0-1,1 0 1,0 0 0,-25-24-16,25 24 15,24 0-15,-24 0 31,0-25-15,0 25 0,0 0 15,-25-25-31,24 25 16,1 0-1,0 0 32,0 0-31,0 0-1,-1 0 17,1 0-1,0 0-16,0 0 1,0 0 0,-1 0-1,1 0-15,0 0 16,0 0 0,0 0-1,-1 0-15,1 0 31,0 0-31,0 0 32,0 0-17,0 0 1,-1 25 0,1-25-16,0 0 15,0 0 16,0 0-31,-1 25 32,1-25-17,0 0 1,0 24 0,24-24-1,-24 0 1,0 0-1,25 25 1,-26-25 0,1 0-16,0 0 15,0 0 1,0 0 0,-1 0-1,1 0 1,0 0-1,0 0 1,0 0-16,-25 25 16,24-25-16,1 0 31,0 0-15,0 0-16,0 0 31,-1 0-16,1 0 1,0 0 15,0 0-31,0 0 16,-1 0 0,1 0-1,-25 25 1,25-25-1,0 0 1,0 0 0,0 0-1,-1 0 1,1 0 15,0 0-15,0 0-1,0 0 1,-1 0-16,1 25 16,0-25-1,0 0 1,0 0 0,-1 0-1,1 0 1,0 0 15,0 0-31,0 0 16,-1 0-1,1 0-15,-25 24 16,25-24 0,0 0-16,0 0 31,-1 0 0,1 25-15,0-25-16,0 0 31,0 0-31,-1 0 31,1 0 0,0 0-15,0 0-16,0 0 16,-1 0-1,1 0 1,0 0 15,0 0-15,0 0-1,-1 0 1,1 0 0,0 0-1,0 0 1,0 0-16,0 0 16,-1 0-1,1 0-15,0 0 16,0 0-1,0 0 1,-1 0 0,1 0-1,0 0-15,0 0 16,0 0 0,-1 0-1,1-25 1,0 25 15,0 0-31,0 0 16,-1 0-1,1-24-15,25 24 32,-25 0-17,49-25 16,-49 25-15,0-25 0,-1 25-1,1 0 17,0 0-17,0-25 1,0 25-1,-1 0-15,1 0 16,0 0 15,0 0-15,0 0-16,-1 0 47,-24-25-47,25 25 31,25 0-15,-25 0-1,-1-49 1,1 49 31,0 0-32,0 0 1,0 0 31,24 0 0,-24 0 0,0 0-16,0 0-15,0 0 15,-1 0 0,1 0-15,0 0-1,0 0 1,0 0-16,-1 0 0,1 0 16,0 0-1,0 0 1,0 0-16,-1 0 31,26 0-15,-25 0 15,0 0-31,-1 0 31,1 0-15,0 0-1,0 0 1,0 0 15,-1 0-31,1 0 32,0 0-1,0 0 0,0 0-15,-1 0-1,1 0 1,0 0-16,0 0 16,0 0-16,-1 0 31,1 0-16,0 0 1,0 0-16,0 0 16,24 0-1,-24 0-15,0 0 16,0 0 0,0 0-16,-1 0 15,1 0-15,0 0 16,0 0-1,0 0-15,-1 0 16,1 0 0,0 0-16,0 0 15,0 0 1,-1 0-16,1 0 31,0 0-31,0 0 16,0 0-1,-1 0 32,1 0-47,0 25 32,0-25-17,0 0 1,-1 0-16,1 0 15,0 0 1,0 0 0,0 0-1,-1 0 1,1 0 31,25 0-16,-25 0 16,-1 24 0,1-24-32,0 0 17,0 0-17,0 0 1,0 0 0,-1 0 15,1 0 0,0 0 16,0 0 0,0 0-32,-1 0 32,1 0 16,0 0-16,0 0-32,-25 25 1,25-25 31,-1 0-16,1 25 0,0-25 32,0 25 15,0-25 250,-1 0-265,1 0-32</inkml:trace>
 </inkml:ink>
 </file>
 
@@ -477,7 +462,7 @@
           <inkml:channelProperty channel="T" name="resolution" value="1" units="1/dev"/>
         </inkml:channelProperties>
       </inkml:inkSource>
-      <inkml:timestamp xml:id="ts0" timeString="2022-08-20T08:02:12.730"/>
+      <inkml:timestamp xml:id="ts0" timeString="2022-08-20T08:06:08.694"/>
     </inkml:context>
     <inkml:brush xml:id="br0">
       <inkml:brushProperty name="width" value="0.05292" units="cm"/>
@@ -485,42 +470,10 @@
       <inkml:brushProperty name="color" value="#FF0000"/>
     </inkml:brush>
   </inkml:definitions>
-  <inkml:trace contextRef="#ctx0" brushRef="#br0">6400 17835 0,'24'0'110,"1"0"-95,0 0-15,0 0 16,24 0-16,1 0 15,-25 0-15,24 0 0,1 0 16,49 0 0,1 0-16,-1 0 15,0 0-15,25 0 16,-25-25-16,-49 25 16,-1 0-16,51 0 15,24 0-15,-25 0 16,0 0-16,25 0 15,-49 0-15,24 0 16,0 0 0,-49 0-16,-1 0 15,-24 0-15,25 0 0,-26 0 16,1 0-16,0 0 16,0 0 15,0 0 16,-1 0 359,1 0-359,25 0-32,-25 0 1,-1 0 0,1 0-1,0 0 17</inkml:trace>
-  <inkml:trace contextRef="#ctx0" brushRef="#br0" timeOffset="7696.25">2555 6921 0,'0'0'0,"-25"0"79,0 0-64,25 24 1,-25 1-16,25 25 15,-24-25 1,24-1-16,-25 26 16,25-25-16,-25 24 15,25-24-15,0 0 16,0 25 0,-25 24-16,25-49 15,0 49-15,0-49 0,-25 25 16,25 24-1,0-49-15,0 0 16,0 49-16,-24-24 16,-1 24-16,25-24 15,0 24-15,0 1 16,0-1-16,0 25 16,0-49-16,0-1 15,0 51-15,0-76 16,0 26-16,0 0 15,0 24-15,0-24 16,0-1-16,0-24 16,0 25-16,0-26 15,0 76-15,0-51 16,0-24 0,0 0-16,0 0 15,0 49 1,0-49-16,0 0 15,0 0-15,0-1 16,0 1-16,0 0 0,0 0 31,0 0-31,0-1 16,0 1-16,0 0 31,0 0-31,0 0 16,-25-1-16,0 1 15,0 25 1,1-50 0,-1 25-1,0-25 1,0 0 0,0 0-16,1 0 15,-51 0-15,50 0 16,1 0-1,-1 0 1,0 0 15,0 0-15,0 0 15,1 24 63,24 1-78,0 0-1,0 0-15,24 0 16,1-1-1,0 51-15,0-50 16,0 24-16,-25-24 0,24 0 16,1 24-1,-25-24-15,25 0 16,0 0-16,-25 25 16,0-26-16,25 1 15,-1 25-15,-24-1 16,0-24-16,25 0 15,-25 0-15,0 0 16,0-1-16,25 26 16,-25-25-16,0 24 15,25-24-15,-25 25 16,25-1 0,-25-24 15,0 25-31,0-25 15,0-1-15,0 26 16,0 0 15,24-26-31,-24 26 16,25-25-16,-25 0 16,25 24-16,-25-24 15,0 0 1,0 24-16,0 1 15,0-25-15,0 25 16,25-26-16,-25 1 16,0 25-1,0-25-15,0-1 16,0 1-16,0 0 16,0 25-1,0-1-15,0-24 16,25 49-16,-25-24 0,0-25 15,0 24 1,0-24-16,0 0 16,0 25-16,24-26 15,-24 26 1,0-25 0,0 0-16,0-1 15,0 1-15,0 0 16,0 25-16,0-26 15,0 26-15,0-25 32,0 0-32,0 24 0,0-24 15,25 25 1,-25-25 0,0-1-1,0 1 1,0 0-16,25 0 15,-25 0 1,0-1 0,0 1-16,25 0 31,-25 0-15,0 0-1,25-25-15,-25 24 16,24-24 15,1 0 16,-25 25-16,25-25-15,0 25 46,0-25-30,-1 0 14,1 0-14</inkml:trace>
-  <inkml:trace contextRef="#ctx0" brushRef="#br0" timeOffset="25818.1">10344 6896 0,'-25'0'32,"0"0"-1,0 0-16,0 0 1,1 0 0,24 25-1,0-1-15,-25 1 16,25 25-16,0-25 16,0 24-16,0 1 15,-25-1-15,25-24 16,0 25-1,-25 24-15,25-49 0,0 0 16,0 0-16,-25 24 16,25 26-16,0-51 15,0 26 1,0-25-16,0 24 16,0 1-16,0-25 15,0 0-15,0-1 16,0 1-16,0 0 15,0 0-15,0 0 16,0 49-16,0-49 16,0 0-16,0 0 15,0-1-15,0 26 16,0-25-16,0 0 16,0-1-16,0 1 15,0 0-15,0 0 16,0 0-16,0-1 15,0 1 1,0 0 0,0 0-16,0 0 15,-24-25-15,-1 24 0,25 1 16,-25 0 0,0-25-1,0 0 32,75 25 78,-50 0-125,25-25 16,0 24-1,-25 1-15,24 0 16,-24 0-16,25 0 16,-25-1-1,25 1-15,-25 0 16,0 0-1,0 24-15,0-24 16,0 0-16,25 25 16,-25-1-16,25 26 15,-25-1-15,0-24 16,0-1-16,0 1 16,0 0-16,0 24 15,0-24-15,0-1 16,0 1-1,0-1-15,0 1 16,0 0-16,0-1 16,0 1-16,0-1 0,0 1 15,0 0-15,0-1 32,0-24-32,0 50 15,0-51 1,0 26-16,0-25 15,0 0-15,0-1 16,0 26-16,49-25 16,-49 0-1,25-1 1,-25 1-16,25-25 31,-25 25-15</inkml:trace>
-  <inkml:trace contextRef="#ctx0" brushRef="#br0" timeOffset="49231.78">5904 17338 0,'0'-24'16,"0"-1"15,0 0-31,0 0 31,0 0-15,0-24 15,0 24 1,0 0-17,0 0 16,24 1-15,1-1-16,0 0 31,25 25-15,-50-25 0,24 25-16,1 0 15,0 0 1,0 0-1,0 0-15,-1 0 16,26 0-16,0 0 16,-26 0-1,-24 25 1,50-25-16,0 50 0,-26-26 16,26 1-1,-25-25-15,0 25 0,24 0 16,-24 0-16,0-25 15,0 24 1,-25 1 0,24-25-16,1 25 15,-25 0 17,25 0-17,-25-1 16,0 1-31,0 25 16,0-25-16,0 49 16,0-49-1,0 0-15,0 0 16,0-1-16,0 1 16,0 0-1,-25 25-15,25-26 16,-49-24-16,49 25 15,-25-25-15,0 25 16,0-25-16,0 25 16,-24-25-16,-26 0 15,26 0-15,-1 0 16,-24 0-16,49 0 16,0 0-16,0 0 15,1 0-15</inkml:trace>
-  <inkml:trace contextRef="#ctx0" brushRef="#br0" timeOffset="60842.27">23614 7565 0,'0'50'31,"-50"24"-15,26 26-16,-76 24 16,76-75-16,-26 26 0,-24 74 15,-50 49 1,-50 50-16,-49 74 16,24 51-16,-24-1 15,0-50-15,49 1 16,25-100-16,0 0 15,25-25-15,-24 26 16,-26-26-16,0 1 16,1-26-16,-1-24 15,0-50 1,50-49-16,0-25 0,50-25 16,0 0-16,24 0 15</inkml:trace>
-  <inkml:trace contextRef="#ctx0" brushRef="#br0" timeOffset="61313.92">20439 7417 0,'0'0'0,"50"24"0,-1 51 15,26 49 1,24 25-16,50 24 0,49 26 16,25 74-1,-49-50-15,49 25 16,1 50-16,48-50 16,-24 0-16,25 49 15,50 51-15,-1 24 16,-74-50-16,0-24 15,-24-25-15,24 24 16,-100-74-16,1 1 16,-50-75-16,1-50 15</inkml:trace>
-  <inkml:trace contextRef="#ctx0" brushRef="#br0" timeOffset="-166877.6">17661 13692 0,'-25'0'15,"0"0"-15,1 0 16,-1-25-16,-25 1 16,0 24-16,1-25 15,24 0-15,-25 0 16,26 0-16,-26 25 15,25-24 1,0-1-16,-24 0 0,24 0 16,0 25-16,0-25 15,-24 25-15,24-24 16,-74-1-16,24-25 16,1 50-1,-25-25-15,-50 1 16,-50-1-16,-24-25 15,-50 0-15,25 26 16,0-1-16,25 0 16,0 25-16,24 0 15,1-25-15,-1 25 16,26 0-16,24 0 16,0 0-16,50 0 15,-25 0-15,0 0 16,25 0-16,-25 0 15,24 0-15,1 0 16,-25 0-16,25 0 16,25 0-1,-50 0-15,0 0 16,0 0-16,-25 0 0,49 0 16,-48 0-16,48 25 15,-48 0-15,48-25 16,51 0-1,-1 25-15,25-25 16,-24 24-16,24 1 16,0-25-16,0 25 15,25 0-15,-74 0 16,24 24 0,-24 1-16,24-25 15,1 24-15,24-24 16,-25 25-1,-24-1-15,49 1 16,-25-25-16,50 0 0,-24-1 16,-1-24-16,0 50 15,25-25-15,-25 0 16,0-1 0,-24 26-16,49-25 15,-50 49-15,25-24 16,25-1-16,-49 26 15,24-50-15,0 24 16,0 26-16,25-26 16,-49 1-16,24-25 15,25 24-15,0 26 16,0-50-16,0 24 16,0 1-16,0-25 15,0 49-15,0-49 16,0 0-16,0-1 15,0 26-15,0 0 16,0 24 0,0 0-16,74 1 15,-74-1-15,50 25 16,-25-49-16,0 0 0,24 49 16,-49-49-16,50 24 15,24 0 1,-24 1-16,-50-50 15,49 49-15,-24-49 16,-25 0 0,25-1-16,-25 1 15,25 0-15,0-25 16,-1 50-16,1-26 16,25 1-16,-1 0 15,26 0-15,-1 0 16,50 24-1,-49-24-15,-1-25 0,25 25 16,25 0-16,25-1 16,0 1-16,50 0 15,24 25 1,-25-25-16,25-1 16,-49 1-16,0 0 15,-50 0-15,-25 0 16,50-1-16,-50 1 15,25-25-15,0 0 16,0 0-16,25 0 16,0 0-16,24 0 15,1 0-15,-25 0 16,0 0-16,-25 0 16,0 0-16,-25 0 15,-25 0-15,1 0 16,24 0-16,-25 0 15,26-25 1,-76 25-16,26-24 0,24-1 16,1 0-16,-1 0 15,1-24-15,-26 24 16,50 0-16,-49 0 16,0 0-1,-25 0-15,24 1 16,1-26-16,24 25 15,-49-24-15,49-1 16,-49 50-16,74-50 16,-49 26-16,-25-1 15,0 0-15,-1 0 16,-24-24-16,50 24 16,-50 0-16,25-25 15,0 26 1,-25-1-16,24-25 0,1 1 15,-25-1-15,25 0 16,-25 1-16,25-50 16,0-26-1,-1 51-15,26 0 16,-50 24-16,25 0 16,0-24-16,-1 0 0,1-1 15,0 26 1,-25-26-16,50 26 15,-50 24-15,0-25 16,24 25 0,-24 1-16,0-26 15,0 25 1,25 25-16,-25-25 16,0 1-1,0-1 1,0 0-16,25-25 15,0 25-15,-25 1 16,0-51 0,0 50-16,0 1 0,0-1 15,0-25-15,25 25 16,-25-24 0,0 24-1,0 0 1,0 0-16,0 1 15,0-1-15,0 0 16,25 0-16,-25 0 16,0-24-16,0 24 31,0 0-15,24 0 15,-24 1-31</inkml:trace>
-</inkml:ink>
-</file>
-
-<file path=ppt/ink/ink9.xml><?xml version="1.0" encoding="utf-8"?>
-<inkml:ink xmlns:inkml="http://www.w3.org/2003/InkML">
-  <inkml:definitions>
-    <inkml:context xml:id="ctx0">
-      <inkml:inkSource xml:id="inkSrc0">
-        <inkml:traceFormat>
-          <inkml:channel name="X" type="integer" max="1366" units="cm"/>
-          <inkml:channel name="Y" type="integer" max="768" units="cm"/>
-          <inkml:channel name="T" type="integer" max="2.14748E9" units="dev"/>
-        </inkml:traceFormat>
-        <inkml:channelProperties>
-          <inkml:channelProperty channel="X" name="resolution" value="39.7093" units="1/cm"/>
-          <inkml:channelProperty channel="Y" name="resolution" value="39.58763" units="1/cm"/>
-          <inkml:channelProperty channel="T" name="resolution" value="1" units="1/dev"/>
-        </inkml:channelProperties>
-      </inkml:inkSource>
-      <inkml:timestamp xml:id="ts0" timeString="2022-08-20T08:03:40.876"/>
-    </inkml:context>
-    <inkml:brush xml:id="br0">
-      <inkml:brushProperty name="width" value="0.05292" units="cm"/>
-      <inkml:brushProperty name="height" value="0.05292" units="cm"/>
-      <inkml:brushProperty name="color" value="#FF0000"/>
-    </inkml:brush>
-  </inkml:definitions>
-  <inkml:trace contextRef="#ctx0" brushRef="#br0">18901 6722 0,'0'-25'63,"0"-24"-63,0-1 16,0-49-16,-25-25 15,25 49-15,0 26 16,-24-26-16,24-49 15,-25 25-15,0-50 16,0 50-16,25-25 16,0 74-16,0-24 15,-25 0-15,1 24 16,-1-24-16,0-1 16,0 26-16,25-26 15,-49 50-15,49-24 16,-25-1-16,-25-24 15,-24-1 1,24 1-16,0-1 0,1 26 16,-26-50-1,-24 24-15,25 26 16,-1-51-16,-49 26 16,0 24-16,-49-24 15,49 24-15,-50-24 16,0 49-16,26-24 15,-51 24-15,50 0 16,-49 25-16,49 0 16,-49 0-16,49 0 15,-25 0-15,50 0 16,-25 0-16,-24 0 16,24 0-16,-25 0 15,1 0-15,-51 0 16,51 0-16,24 0 15,-50 0-15,51 0 16,-51 25-16,26 0 16,-1 24-1,0-24-15,25 0 16,25 0-16,50-1 16,0 1-16,24 0 15,25 0-15,25 0 16,-49-1-1,24 1 1,-25 25-16,25-1 16,-49 1-16,24 49 15,1-49-15,-1-1 16,50-24-16,-49 25 16,49-1-16,-25 26 15,-25-26 1,25 26-1,0 24-15,1-24 16,-1-1-16,0-24 0,25 24 16,-25-49-1,25 24-15,-25 1 16,25 0-16,0 49 16,0 25-16,0-25 15,0-49-15,0 24 16,-24 75-16,24-25 15,0 0-15,0 0 16,0-25-16,0 0 16,0 25-16,0-24 15,0-1-15,0 25 16,0-50 0,0 26-16,0 48 0,0-24 15,0 50-15,0-50 16,0 25-16,0 0 15,0-25-15,0 0 16,0 0 0,0 0-16,0 0 15,0 0-15,0 0 16,0 0-16,0 0 16,0 0-16,0 25 15,0-25-15,0 25 16,0-25-16,0-25 15,0 50-15,0-25 16,0 0-16,0 25 16,0-50-16,0 25 15,0 0-15,0-25 16,0-25-16,0 26 16,0-51-16,0 26 15,0 24 1,24-49-16,-24-26 0,25 1 15,0 0 1,-25 25-16,50-26 16,-26 26-16,1-50 15,25 25-15,0 0 16,-1-25-16,1 0 16,24 24-16,50 1 15,0 0-15,50-25 16,-1 0-16,26 0 15,-25 0-15,49 0 16,-50 0-16,26 0 16,-26 0-16,1 0 15,25 0-15,-51 0 16,1 0-16,-25 0 16,50 0-16,-50 0 15,50-25-15,-50 25 16,0 0-16,0-25 15,-25 25 1,25-24-16,-50 24 16,1 0-16,49 0 15,-50 0-15,1 0 16,24-25-16,0 0 16,-25 0-16,-24 25 15,49-25-15,-49 25 16,-1-24-16,1-1 15,-25 25-15,49-25 16,-24 25-16,-25 0 16,74-50-16,-25 50 15,25-24-15,-49-1 16,25 25-16,24-25 16,-25-25-1,-49 50-15,74-24 16,-24-1-16,-1 25 0,-49 0 15,49 0-15,-24-25 16,-25 25-16,24-50 16,-24 25-1,25-24-15,-26-26 16,26 1-16,24 0 16,-24-26-16,25-24 15,-26 50-15,1-25 16,-25 49-16,24-24 15,-24-50-15,25 0 16,-26 24-16,1-48 16,-25-1-16,25-25 15,0 25-15,-25 1 16,25-1-16,-1 0 16,1 25-16,-25-50 15,0 50-15,0 0 16,0-49-1,0 73-15,0-49 16,0 25-16,0 25 16,0-50-16,0 50 0,25 0 15,-25 25-15,0-1 16,0 1 0,0-1-16,0 26 15,0-26-15,0 1 16,0 49-16,0 0 15,0 0-15,0 1 16,0-26-16,0 25 16,-50-24-1,50 24-15,0-25 16,0 25 0,-24-24-16,24 24 0,-25 0 15,25 0-15,0 1 16,-25-1-1</inkml:trace>
-  <inkml:trace contextRef="#ctx0" brushRef="#br0" timeOffset="97431.38">17884 7714 0,'25'0'125,"-50"-49"-94,25 24-15,-25 25-1,25-25-15,0 0 16,-24 0-16,-1 1 31,25-1-31,-25 0 16,0 0-16,-24 0 15,49 1 17,-25-1-32,25 0 15,-25 25 1,25-25-16,-25 25 15,25-25-15,-25 25 16,25-24 15,-24 24-31,24-25 16,-25 25 0,0 0-1,0-25 1,0 25-16,0 0 31,1 0-15,-1 0-16,0 0 15,25-25-15,-50 25 0,1 0 16,24 0 0,0 0-1,0 0 1,-24 0-1,24 0-15,0 0 16,0 0 0,1 0-1,-1 0-15,-25 0 16,25 0 0,1 0-16,24 25 15,-25-25-15,0 0 16,0 0-1,0 25-15,1-25 16,-1 25 15,25-1-15,-25-24 0,0 25-16,25 0 15,-25 0 1,25 0-1,0-1 1,-24-24 0,24 25-16,-25 25 15,0-25 1,25 24 0,-25-49-1,25 25-15,0 0 16,0 0-16,0-1 31,-25 1-31,25 0 0,0 0 16,0 0-1,0-1-15,0 1 16,0 0 0,0 0-1,0 0 1,0-1-16,0 1 15,0 25 1,0-25 0,0 0-1,0-1-15,0 26 16,0-25-16,25 0 16,0-1-1,0 1-15,0 0 16,-25 25-16,24-26 15,1 1-15,-25 0 16,25-25-16,-25 25 16,25 0-1,-25-1-15,25-24 16,-1 25-16,-24 0 16,25-25-16,0 25 0,-25 0 31,25-25-16,0 0-15,24 24 16,-24-24 0,0 0-16,0 0 15,-1 0 1,1 0-16,0 0 16,0 0-1,0 0 1,-1 0-16,1 0 31,0 0-15,0 0-1,0 0-15,24 0 32,-24 0-1,0 0-16,0-24 1,-1 24 0,26-50-16,-25 50 15,0-25 1,0 25 0,-25-25-16,24 25 15,-24-24-15,25 24 16,-25-25-16,25 0 15,25 25 17,-26-50-17,1 50 1,-25-24-16,25 24 16,-25-25-16,25 0 31,-25 0-31,25 0 15,-1 1 17,1-1-1,-25 0 0,25 25-15,0-25-1,-25 0 17,0 1-32,25-1 15,-25 0 1,0 0 0,24 25-1,-24-25-15,0 0 47,0 1-31,0-1 15,0 0-15,0 0-1,0 0 1,0 1-1,0-1 17,0 0-17,0 0 32,0 0-16</inkml:trace>
+  <inkml:trace contextRef="#ctx0" brushRef="#br0">12328 9128 0,'25'0'141,"0"0"-141,-1 0 16,1 0-16,0 0 15,25 0-15,-26 0 31,26 0-31,-25 0 0,0 0 16,-1 0-16,1 0 16,0 0-1,0 0 1,24 0 0,-24 0-16,50 0 15,-51 0-15,26 0 16,0 0-16,-26 0 15,51 0-15,-50 0 16,-1 0-16,1 0 16,0 0-16,0 0 15,0 0-15,0 0 16,-1 0 0,1 0-16,0 0 15,0 0 1,0 0-1,-1 0-15,1 0 16,25 0 0,-1 0-16,1 0 15,0 25 1,-26-25-16,1 0 0,0 0 31,0 0-31,24 0 16,-24 25-1,0-25-15,0 0 16,0 25-16,-1-25 16,1 0-16,0 0 15,0 0-15,24 0 16,1 0 0,-25 24 15,0-24-31,24 0 0,-24 0 15,0 0 1,0 0-16,24 0 0,-24 0 16,25 0-1,-25 0 1,-1 0-16,1 0 16,0 0-1,0 0 1,0 0-16,-1 0 15,1 0 1,0 0-16,0 0 16,0 0-16,-1 0 15,1 0-15,25 0 16,-25 0 0,49 0-1,-49 0 1,0 0-16,-1 0 15,1 0 1,25 0-16,-25 0 16,24 0-16,-24 0 15,25 0-15,-26 0 0,1 0 16,0-24-16,0 24 16,0 0-1,-1 0-15,1 0 16,0 0 15,0-25 47,-25 0-47,0-25-15,0 26 0,0-1-1,0 0-15,0 0 16,0-25-16,0 26 16,0-1-1,0 0-15,0 0 16,0 0-1,0 1 17,0-1-32,0 0 31,0 0-15,0 0-1,0-24 16,-25 24 1,25 0-17,-25 25-15,25-25 32,-25 25-1,1 0-16,-1 0 1,0 0 0,0 0-16,0 0 15,1-24-15,-1 24 16,-25 0 0,25 0-16,1 0 15,-1 0 1,0 0-16,0 0 15,-24 0-15,-26 0 16,50 0 0,-24 0-16,-1 0 15,-49 0-15,74 0 16,-49 0-16,49 0 16,-25 0-16,-24 0 0,24 0 15,-24 0 1,-1 0-16,26 0 15,-1 0-15,-24 0 16,49 0-16,-25 0 16,-24 0-16,49 0 15,0 0-15,1 0 16,-1 0-16,-25 0 16,25 0-16,-24 0 15,-1 0 1,1 0-16,-1 0 15,0 0-15,1 0 0,24 0 16,0 0-16,0 0 16,-24 0-16,-1 0 15,0 0 1,1 0 0,24 0-16,0 0 15,0 0-15,1 0 16,-51 0-16,50 0 15,1 0 1,-26 0 0,25 0-1,0 0 1,1 0-16,-26 0 31,25 0-31,0 0 31,1 0-15,-1 0 0,0 0-1,0 0 1,-24 0 0,24 0 15,0 0 0,0 0-31,0 0 16,1 24-1,-1-24 32,0 25-31,0-25-1,25 25 1,-25 0 0,25 0 77,0-1-61,0 1 15</inkml:trace>
+  <inkml:trace contextRef="#ctx0" brushRef="#br0" timeOffset="5074.38">12650 8582 0,'-24'0'15,"-1"0"16,0 0-15,0 0 47,0 0-32,1 0 16,-1 0-32,0 0 17,0 0-17,0 0 16,1 0-15,24 25 0,-25 0-1,0 0 48,0 0-48,25-1 17,0 1-17,0 0 1,-25 0 0,25 0 15,0-1-31,0 1 31,0 0-15,0 0-16,0 0 15,0-1 1,0 1-16,0 0 0,-24 0 16,24 0-1,0 0-15,0-1 47,0 1-16,-25-25-15,25 25 15,0 0 32,0 24-32,0-24-15,0 25-1,0-25-15,0-1 16,0 1-16,0 25 15,0-25 1,0-1-16,0 1 16,0 0-1,0 0-15,0 0 32,0-1-17,0 26 1,0-25-1,0 0-15,0-1 16,0 26 0,0-25-1,0 0-15,0 24 16,0-24-16,0 0 16,0 0-16,0-1 15,0 1 1,0 0-1,0 0-15,0 0 16,0 0-16,0 24 0,0-24 16,0 0 15,0 0-31,0-1 16,0 26-16,0-25 15,0 24 1,0 1-16,0 0 15,0-26 1,0 26-16,0-25 16,0 0-16,0-1 15,0 1-15,0 0 16,0 0 0,0 24-1,0-24-15,0 0 0,0 0 31,0 0 16,0-1-47,0 1 16,0 25 0,0-25-1,0-1 1,0 1 15,0 0 0,0 0 1,25-25-17,-25 25-15,0-1 16,0 1-1,24-25 1,-24 25-16,25 0 63,0 0-1,0 0-31,0-25-31,-1 0 16,1 0-16,0 24 16,25-24-16,-26 0 15,26 0-15,24 0 16,-24 0-1,0 0-15,-1 0 16,1 0-16,24 0 16,-49 0-16,25 0 0,-1 25 15,-24-25 1,0 0-16,24 0 16,-24 0-1,0 0-15,25 50 16,-1-50-1,-24 0 1,0 0-16,0 0 16,0 0-1,-1 0 1,1 0 15,0 0-15,0 0-1,0 0-15,-1 0 0,1 0 16,0 0 0,25 0-16,-26 0 15,1 0-15,0 0 16,49 0-16,-49 0 16,0 0-16,0 0 15,0 0-15,-1 0 16,1 0-16,0 0 15,0 0 1,0 0 0,-1 0-16,26 0 15,-25 0 1,0 0-16,49 0 16,-49 0-16,0 0 15,24 0 1,-24 0-16,0 0 15,0 0-15,24 0 16,-24 0 0,0 0-16,0 0 0,0 0 15,-1 0 1,1 0-16,0 0 16,0 0-1,0 0-15,-1 0 16,1 0-16,0 0 15,0 0-15,0 0 16,-1 0-16,26 0 16,-25 0-16,0 0 15,-1 0 1,1 0 0,0 0-1,0 0-15,0 0 31,-1 0-31,1 0 16,0 0-16,25 0 16,-26 0-1,1 0 1,0 0 0,0 0-16,0 0 15,-1 0-15,1 0 16,0 0-16,0 0 15,25 0 1,-26 0-16,1 0 0,0 0 31,25 0-15,-26-25 15,26 0-15,-25 0 15,-25 1-31,25 24 16,-25-25-16,24 25 15,1-25-15,-25 0 16,0 0 0,0 0-16,0-24 15,0-1 1,0 25-1,0 1-15,0-1 16,0-25-16,0 25 16,0-24-1,0-1-15,0 25 0,0 1 16,-25-76-16,25 76 16,0-51-1,0 50-15,-24 1 16,-1-51-16,25 50 15,0 1-15,0-51 16,0 50-16,0-24 16,-25-26-16,25 51 15,0-26-15,-25 25 16,0-49-16,25 24 16,0 25-16,0 0 15,0 1-15,0-1 16,0 0-1,-24-74-15,24 74 16,-25 0-16,25 0 16,0 1-16,0-1 15,0 0-15,0 0 16,-25 0 0,25 1-16,0-1 15,0 0-15,-25 0 16,25 0-1,0 1 1,0-1 0,0 0-1,0 0-15,-25 0 16,25 1 0,0-1-1,0 0 16,0 0-31,0 0 32,0 1-17,-24-26 1,24 25 0,0 0 15,0 0 0,0 1-15,0-1 15,0 0 0,0 0-15,0 0 31,0 1 0,0-1-1,0 0-30,0 0 62</inkml:trace>
+  <inkml:trace contextRef="#ctx0" brushRef="#br0" timeOffset="20720.34">14114 11832 0,'0'-25'79,"0"0"-64,0 0 1,0 1-1,0-1 1,0 0-16,0 0 0,0 0 31,0 1-15,0-1 15,0 0 0,0 0-15,0 0 15,-25 1-31,25-1 78,-25 25-62,25-25 0,-25 0 62,1 25-63,-1 0 1,0 0 0,0 0 31,0 0-47,1 0 15,-1-25 1,0 25-16,-25 0 15,26 0-15,-1 0 16,-25 0-16,25 0 16,-24 0-16,24 0 15,-25 0-15,26 0 16,-1 0 0,-25 0-16,25 0 15,-24 0 1,-1 0-16,25 0 15,1 0-15,-1 0 16,-25 0 0,0 0-16,-24 0 15,49 0-15,0 0 16,-24 0-16,-1 0 16,25 0-16,-24 0 15,24 0 1,0 0-16,0 0 15,1 0 1,-1 0 0,0 0-16,-25 0 15,26 0-15,-1 0 16,0 0-16,0 0 47,0 0-32,1 0 1,-1 0-16,0 0 16,0 0-16,0 0 31,1 0-15,-1 0-1,0 0-15,0 0 16,0 0-16,1 0 15,-1 0-15,0 0 16,0 0 0,0 0 31,0 0-16,25 25-16,0 0 1,-24-25-16,24 25 0,0 24 16,0 1-1,0-25-15,0 24 16,0-24 0,0 25-1,0-25 1,0-1-1,0 1 17,0 0-17,24-25 1,-24 25 0,25-25 15,0 25-16,0-25 32,0 0-47,0 0 16,-1 0 15,1 0-31,0 0 16,0 0-1,0 0 1,24 0 0,-24 0-1,0 0-15,0 0 16,-1 0-16,1 0 16,0 0 15,0 0-16,0 0-15,-1 0 16,1 0 0,0 0-1,0 0 1,0 0 0,49 0-1,-24 0-15,-1 0 16,26 0-16,-26 0 15,26 0-15,-1 0 0,-49 0 16,0 0 0,0 0-16,-1 0 15,1 0-15,0 0 63,0 0-48,0 0 1,-1 0 0,1 0-1,0 0-15,0 0 16,0 24-16,-1-24 16,26 0-16,0 0 15,-26 0 1,1 0-16,0 0 15,25 0-15,-26 0 16,1 25-16,0-25 31,0 0 1,0 0-1,-1 0-16,1 0 1,0 0 0,0 0-1,0 0 17,-1 0-32,1 0 31,0 0 0,0 0 0,0 0 1,-1 0 46,1 0-63,-25-25 1,0 1 46,0-1-46,0 0 15,0 0-15,0 0 0,0 1 15,0-1-16,0 0 1,0 0 15,0 0 16,-25 1-16,25-1-15,0 0 0,-24-25 46,24 26 1,0-1-16,-25 0 78</inkml:trace>
+  <inkml:trace contextRef="#ctx0" brushRef="#br0" timeOffset="34725.85">18008 8062 0,'0'-25'110,"0"-25"-95,0 25-15,0 0 16,0-24-16,0 24 16,0 0-1,0-24-15,0 24 16,0 0 0,0 0 30,0 0-14,0 1-17,0-1 32,25 25-31,-25-50-1,0 25 32,0 1-15,25-1-32,-25 0 15,0 0 1,0 0-1,0 1-15,25-1 32,-25 0-32,0 0 31,0 0-31,0 1 16,0-1-1,0 0 1,0 0-1,24 25 1,-24-25 0,0 1-1,0-1 1,0 0 0,25 0-1,-25 0 1,0 1 15,0-1-15,0 0-1,25 25-15,-25-25 16,0 0-16,0 1 31,0-1-31,0 0 16,25 0-1,-25 0 1,0 0 0,0 1-16,25-1 31,-25 0-15,0 0-16,0 0 15,24 1 1,-24-1 15,25 0 0,-25 0-15,0 0 0,0 1-1,25-1-15,-25 0 16,25-25-1,0 26 1,-25-1 0,0 0-1,24 25-15,-24-25 16,0 0-16,0 1 31,25 24-31,-25-25 16,25 0-1,-25 0 17,0 0-17,25 25-15,0 0 16,-25-24 0,0-1-1,24 25-15,-24-25 16,0 0-1,25 0 1,-25 1 0,0-1-1,25 25 1,-25-25-16,25 25 16,0-25-1,0 0 32,-25 1-47,24-1 16,1 0 15,0 0-31,-25 0 16,25 25-16,-25-25 15,25 1 1,-1 24 15,-24-25-31,25 25 16,-25-25-1,25 0-15,-25 0 16,25 25 0,0-24-16,-25-1 46,24 25-46,1-25 16,0 25 0,25-25-16,-26 25 15,26-25-15,-25 1 16,0 24-16,-1 0 16,26-25-16,-25 0 15,0 25-15,-1 0 16,26-25-1,-25 25-15,0-25 16,-1 25 0,1 0-16,0 0 15,0 0 1,24-24-16,1 24 16,0 0-1,-25 0 1,-1 0-1,1-25-15,0 25 16,0 0 0,0-25-16,-1 25 15,1 0 17,0 0-32,0 0 15,-25-25-15,25 25 16,-1 0-16,1 0 15,0 0 1,0-25-16,0 25 16,-1 0-1,1 0 1,0 0 0,-25-24-16,25 24 15,24 0-15,-24 0 31,0-25-15,0 25 0,0 0 15,-25-25-31,24 25 16,1 0-1,0 0 32,0 0-31,0 0-1,-1 0 17,1 0-1,0 0-16,0 0 1,0 0 0,-1 0-1,1 0-15,0 0 16,0 0 0,0 0-1,-1 0-15,1 0 31,0 0-31,0 0 32,0 0-17,0 0 1,-1 25 0,1-25-16,0 0 15,0 0 16,0 0-31,-1 25 32,1-25-17,0 0 1,0 24 0,24-24-1,-24 0 1,0 0-1,25 25 1,-26-25 0,1 0-16,0 0 15,0 0 1,0 0 0,-1 0-1,1 0 1,0 0-1,0 0 1,0 0-16,-25 25 16,24-25-16,1 0 31,0 0-15,0 0-16,0 0 31,-1 0-16,1 0 1,0 0 15,0 0-31,0 0 16,-1 0 0,1 0-1,-25 25 1,25-25-1,0 0 1,0 0 0,0 0-1,-1 0 1,1 0 15,0 0-15,0 0-1,0 0 1,-1 0-16,1 25 16,0-25-1,0 0 1,0 0 0,-1 0-1,1 0 1,0 0 15,0 0-31,0 0 16,-1 0-1,1 0-15,-25 24 16,25-24 0,0 0-16,0 0 31,-1 0 0,1 25-15,0-25-16,0 0 31,0 0-31,-1 0 31,1 0 0,0 0-15,0 0-16,0 0 16,-1 0-1,1 0 1,0 0 15,0 0-15,0 0-1,-1 0 1,1 0 0,0 0-1,0 0 1,0 0-16,0 0 16,-1 0-1,1 0-15,0 0 16,0 0-1,0 0 1,-1 0 0,1 0-1,0 0-15,0 0 16,0 0 0,-1 0-1,1-25 1,0 25 15,0 0-31,0 0 16,-1 0-1,1-24-15,25 24 32,-25 0-17,49-25 16,-49 25-15,0-25 0,-1 25-1,1 0 17,0 0-17,0-25 1,0 25-1,-1 0-15,1 0 16,0 0 15,0 0-15,0 0-16,-1 0 47,-24-25-47,25 25 31,25 0-15,-25 0-1,-1-49 1,1 49 31,0 0-32,0 0 1,0 0 31,24 0 0,-24 0 0,0 0-16,0 0-15,0 0 15,-1 0 0,1 0-15,0 0-1,0 0 1,0 0-16,-1 0 0,1 0 16,0 0-1,0 0 1,0 0-16,-1 0 31,26 0-15,-25 0 15,0 0-31,-1 0 31,1 0-15,0 0-1,0 0 1,0 0 15,-1 0-31,1 0 32,0 0-1,0 0 0,0 0-15,-1 0-1,1 0 1,0 0-16,0 0 16,0 0-16,-1 0 31,1 0-16,0 0 1,0 0-16,0 0 16,24 0-1,-24 0-15,0 0 16,0 0 0,0 0-16,-1 0 15,1 0-15,0 0 16,0 0-1,0 0-15,-1 0 16,1 0 0,0 0-16,0 0 15,0 0 1,-1 0-16,1 0 31,0 0-31,0 0 16,0 0-1,-1 0 32,1 0-47,0 25 32,0-25-17,0 0 1,-1 0-16,1 0 15,0 0 1,0 0 0,0 0-1,-1 0 1,1 0 31,25 0-16,-25 0 16,-1 24 0,1-24-32,0 0 17,0 0-17,0 0 1,0 0 0,-1 0 15,1 0 0,0 0 16,0 0 0,0 0-32,-1 0 32,1 0 16,0 0-16,0 0-32,-25 25 1,25-25 31,-1 0-16,1 25 0,0-25 32,0 25 15,0-25 250,-1 0-265,1 0-32</inkml:trace>
 </inkml:ink>
 </file>
 
@@ -606,7 +559,7 @@
           <a:p>
             <a:fld id="{C713C089-A006-49EC-A57B-51E39300CD8B}" type="datetimeFigureOut">
               <a:rPr lang="vi-VN" smtClean="0"/>
-              <a:t>05/09/2022</a:t>
+              <a:t>20/09/2022</a:t>
             </a:fld>
             <a:endParaRPr lang="vi-VN"/>
           </a:p>
@@ -1020,7 +973,7 @@
           <a:p>
             <a:fld id="{79A0D75B-382B-44F1-95AD-65E71C3FFDF2}" type="datetime1">
               <a:rPr lang="vi-VN" smtClean="0"/>
-              <a:t>05/09/2022</a:t>
+              <a:t>20/09/2022</a:t>
             </a:fld>
             <a:endParaRPr lang="vi-VN"/>
           </a:p>
@@ -1218,7 +1171,7 @@
           <a:p>
             <a:fld id="{EF91B0C2-1DC0-4DA6-B6E3-3AB131C5DF69}" type="datetime1">
               <a:rPr lang="vi-VN" smtClean="0"/>
-              <a:t>05/09/2022</a:t>
+              <a:t>20/09/2022</a:t>
             </a:fld>
             <a:endParaRPr lang="vi-VN"/>
           </a:p>
@@ -1426,7 +1379,7 @@
           <a:p>
             <a:fld id="{E5A84FD5-1303-4CA3-ADA5-7736F53F9041}" type="datetime1">
               <a:rPr lang="vi-VN" smtClean="0"/>
-              <a:t>05/09/2022</a:t>
+              <a:t>20/09/2022</a:t>
             </a:fld>
             <a:endParaRPr lang="vi-VN"/>
           </a:p>
@@ -1624,7 +1577,7 @@
           <a:p>
             <a:fld id="{B6814BC3-EFEE-4CE9-96F6-461933B4C9B3}" type="datetime1">
               <a:rPr lang="vi-VN" smtClean="0"/>
-              <a:t>05/09/2022</a:t>
+              <a:t>20/09/2022</a:t>
             </a:fld>
             <a:endParaRPr lang="vi-VN"/>
           </a:p>
@@ -1899,7 +1852,7 @@
           <a:p>
             <a:fld id="{D685A125-1797-4A1F-B73C-042C34C130AE}" type="datetime1">
               <a:rPr lang="vi-VN" smtClean="0"/>
-              <a:t>05/09/2022</a:t>
+              <a:t>20/09/2022</a:t>
             </a:fld>
             <a:endParaRPr lang="vi-VN"/>
           </a:p>
@@ -2164,7 +2117,7 @@
           <a:p>
             <a:fld id="{A73AC773-7551-4A21-8CD9-725D1D0E13D4}" type="datetime1">
               <a:rPr lang="vi-VN" smtClean="0"/>
-              <a:t>05/09/2022</a:t>
+              <a:t>20/09/2022</a:t>
             </a:fld>
             <a:endParaRPr lang="vi-VN"/>
           </a:p>
@@ -2576,7 +2529,7 @@
           <a:p>
             <a:fld id="{6A2BF65D-F379-40CD-8A40-B3417345A7D0}" type="datetime1">
               <a:rPr lang="vi-VN" smtClean="0"/>
-              <a:t>05/09/2022</a:t>
+              <a:t>20/09/2022</a:t>
             </a:fld>
             <a:endParaRPr lang="vi-VN"/>
           </a:p>
@@ -2717,7 +2670,7 @@
           <a:p>
             <a:fld id="{4973F540-CEFB-4C74-8464-337235A29738}" type="datetime1">
               <a:rPr lang="vi-VN" smtClean="0"/>
-              <a:t>05/09/2022</a:t>
+              <a:t>20/09/2022</a:t>
             </a:fld>
             <a:endParaRPr lang="vi-VN"/>
           </a:p>
@@ -2830,7 +2783,7 @@
           <a:p>
             <a:fld id="{DD4E0017-27D1-4ABF-9EB5-1031ABAE9439}" type="datetime1">
               <a:rPr lang="vi-VN" smtClean="0"/>
-              <a:t>05/09/2022</a:t>
+              <a:t>20/09/2022</a:t>
             </a:fld>
             <a:endParaRPr lang="vi-VN"/>
           </a:p>
@@ -3141,7 +3094,7 @@
           <a:p>
             <a:fld id="{53E46112-6ACE-4A63-B1D7-5B3B6755E5A6}" type="datetime1">
               <a:rPr lang="vi-VN" smtClean="0"/>
-              <a:t>05/09/2022</a:t>
+              <a:t>20/09/2022</a:t>
             </a:fld>
             <a:endParaRPr lang="vi-VN"/>
           </a:p>
@@ -3429,7 +3382,7 @@
           <a:p>
             <a:fld id="{580E5B30-9BCE-45A0-AF9E-8FC72FE581AC}" type="datetime1">
               <a:rPr lang="vi-VN" smtClean="0"/>
-              <a:t>05/09/2022</a:t>
+              <a:t>20/09/2022</a:t>
             </a:fld>
             <a:endParaRPr lang="vi-VN"/>
           </a:p>
@@ -3670,7 +3623,7 @@
           <a:p>
             <a:fld id="{5DF12F3C-C493-42D5-9F6C-9A56AA909FBF}" type="datetime1">
               <a:rPr lang="vi-VN" smtClean="0"/>
-              <a:t>05/09/2022</a:t>
+              <a:t>20/09/2022</a:t>
             </a:fld>
             <a:endParaRPr lang="vi-VN"/>
           </a:p>
@@ -4313,7 +4266,19 @@
                       <a:rPr lang="en-US" i="1" smtClean="0">
                         <a:latin typeface="Cambria Math" panose="02040503050406030204" pitchFamily="18" charset="0"/>
                       </a:rPr>
-                      <m:t>0→2</m:t>
+                      <m:t>0</m:t>
+                    </m:r>
+                    <m:r>
+                      <a:rPr lang="en-US" i="1" smtClean="0">
+                        <a:latin typeface="Cambria Math" panose="02040503050406030204" pitchFamily="18" charset="0"/>
+                      </a:rPr>
+                      <m:t>→</m:t>
+                    </m:r>
+                    <m:r>
+                      <a:rPr lang="en-US" i="1" smtClean="0">
+                        <a:latin typeface="Cambria Math" panose="02040503050406030204" pitchFamily="18" charset="0"/>
+                      </a:rPr>
+                      <m:t>2</m:t>
                     </m:r>
                     <m:sSup>
                       <m:sSupPr>
@@ -4561,7 +4526,19 @@
                           <a:rPr lang="en-US" b="0" i="1" smtClean="0">
                             <a:latin typeface="Cambria Math" panose="02040503050406030204" pitchFamily="18" charset="0"/>
                           </a:rPr>
-                          <m:t>0,2</m:t>
+                          <m:t>0</m:t>
+                        </m:r>
+                        <m:r>
+                          <a:rPr lang="en-US" b="0" i="1" smtClean="0">
+                            <a:latin typeface="Cambria Math" panose="02040503050406030204" pitchFamily="18" charset="0"/>
+                          </a:rPr>
+                          <m:t>,</m:t>
+                        </m:r>
+                        <m:r>
+                          <a:rPr lang="en-US" b="0" i="1" smtClean="0">
+                            <a:latin typeface="Cambria Math" panose="02040503050406030204" pitchFamily="18" charset="0"/>
+                          </a:rPr>
+                          <m:t>2</m:t>
                         </m:r>
                         <m:r>
                           <a:rPr lang="en-US" b="0" i="1" smtClean="0">
@@ -7334,57 +7311,6 @@
           </a:p>
         </p:txBody>
       </p:sp>
-      <mc:AlternateContent xmlns:mc="http://schemas.openxmlformats.org/markup-compatibility/2006" xmlns:p14="http://schemas.microsoft.com/office/powerpoint/2010/main">
-        <mc:Choice Requires="p14">
-          <p:contentPart p14:bwMode="auto" r:id="rId4">
-            <p14:nvContentPartPr>
-              <p14:cNvPr id="3" name="Viết tay 2">
-                <a:extLst>
-                  <a:ext uri="{FF2B5EF4-FFF2-40B4-BE49-F238E27FC236}">
-                    <a16:creationId xmlns:a16="http://schemas.microsoft.com/office/drawing/2014/main" id="{8340B130-B781-3992-B6B0-AE150036B9D2}"/>
-                  </a:ext>
-                </a:extLst>
-              </p14:cNvPr>
-              <p14:cNvContentPartPr/>
-              <p14:nvPr/>
-            </p14:nvContentPartPr>
-            <p14:xfrm>
-              <a:off x="660960" y="2482560"/>
-              <a:ext cx="8269200" cy="3938400"/>
-            </p14:xfrm>
-          </p:contentPart>
-        </mc:Choice>
-        <mc:Fallback xmlns="">
-          <p:pic>
-            <p:nvPicPr>
-              <p:cNvPr id="3" name="Viết tay 2">
-                <a:extLst>
-                  <a:ext uri="{FF2B5EF4-FFF2-40B4-BE49-F238E27FC236}">
-                    <a16:creationId xmlns:a16="http://schemas.microsoft.com/office/drawing/2014/main" id="{8340B130-B781-3992-B6B0-AE150036B9D2}"/>
-                  </a:ext>
-                </a:extLst>
-              </p:cNvPr>
-              <p:cNvPicPr/>
-              <p:nvPr/>
-            </p:nvPicPr>
-            <p:blipFill>
-              <a:blip r:embed="rId5"/>
-              <a:stretch>
-                <a:fillRect/>
-              </a:stretch>
-            </p:blipFill>
-            <p:spPr>
-              <a:xfrm>
-                <a:off x="651600" y="2473200"/>
-                <a:ext cx="8287920" cy="3957120"/>
-              </a:xfrm>
-              <a:prstGeom prst="rect">
-                <a:avLst/>
-              </a:prstGeom>
-            </p:spPr>
-          </p:pic>
-        </mc:Fallback>
-      </mc:AlternateContent>
     </p:spTree>
     <p:extLst>
       <p:ext uri="{BB962C8B-B14F-4D97-AF65-F5344CB8AC3E}">
@@ -8225,7 +8151,13 @@
                                         <a:rPr lang="vi-VN" sz="2800" b="0" i="1" smtClean="0">
                                           <a:latin typeface="Cambria Math" panose="02040503050406030204" pitchFamily="18" charset="0"/>
                                         </a:rPr>
-                                        <m:t>.77</m:t>
+                                        <m:t>.</m:t>
+                                      </m:r>
+                                      <m:r>
+                                        <a:rPr lang="vi-VN" sz="2800" b="0" i="1" smtClean="0">
+                                          <a:latin typeface="Cambria Math" panose="02040503050406030204" pitchFamily="18" charset="0"/>
+                                        </a:rPr>
+                                        <m:t>77</m:t>
                                       </m:r>
                                     </m:e>
                                   </m:mr>
@@ -8235,7 +8167,19 @@
                                         <a:rPr lang="vi-VN" sz="2800" b="0" i="1" smtClean="0">
                                           <a:latin typeface="Cambria Math" panose="02040503050406030204" pitchFamily="18" charset="0"/>
                                         </a:rPr>
-                                        <m:t>0.61</m:t>
+                                        <m:t>0</m:t>
+                                      </m:r>
+                                      <m:r>
+                                        <a:rPr lang="vi-VN" sz="2800" b="0" i="1" smtClean="0">
+                                          <a:latin typeface="Cambria Math" panose="02040503050406030204" pitchFamily="18" charset="0"/>
+                                        </a:rPr>
+                                        <m:t>.</m:t>
+                                      </m:r>
+                                      <m:r>
+                                        <a:rPr lang="vi-VN" sz="2800" b="0" i="1" smtClean="0">
+                                          <a:latin typeface="Cambria Math" panose="02040503050406030204" pitchFamily="18" charset="0"/>
+                                        </a:rPr>
+                                        <m:t>61</m:t>
                                       </m:r>
                                     </m:e>
                                   </m:mr>
@@ -8258,7 +8202,19 @@
                                   <a:rPr lang="vi-VN" sz="2800" b="0" i="1" smtClean="0">
                                     <a:latin typeface="Cambria Math" panose="02040503050406030204" pitchFamily="18" charset="0"/>
                                   </a:rPr>
-                                  <m:t>0.71</m:t>
+                                  <m:t>0</m:t>
+                                </m:r>
+                                <m:r>
+                                  <a:rPr lang="vi-VN" sz="2800" b="0" i="1" smtClean="0">
+                                    <a:latin typeface="Cambria Math" panose="02040503050406030204" pitchFamily="18" charset="0"/>
+                                  </a:rPr>
+                                  <m:t>.</m:t>
+                                </m:r>
+                                <m:r>
+                                  <a:rPr lang="vi-VN" sz="2800" b="0" i="1" smtClean="0">
+                                    <a:latin typeface="Cambria Math" panose="02040503050406030204" pitchFamily="18" charset="0"/>
+                                  </a:rPr>
+                                  <m:t>71</m:t>
                                 </m:r>
                               </m:e>
                             </m:mr>
@@ -8388,57 +8344,6 @@
           </a:p>
         </p:txBody>
       </p:sp>
-      <mc:AlternateContent xmlns:mc="http://schemas.openxmlformats.org/markup-compatibility/2006" xmlns:p14="http://schemas.microsoft.com/office/powerpoint/2010/main">
-        <mc:Choice Requires="p14">
-          <p:contentPart p14:bwMode="auto" r:id="rId7">
-            <p14:nvContentPartPr>
-              <p14:cNvPr id="15" name="Viết tay 14">
-                <a:extLst>
-                  <a:ext uri="{FF2B5EF4-FFF2-40B4-BE49-F238E27FC236}">
-                    <a16:creationId xmlns:a16="http://schemas.microsoft.com/office/drawing/2014/main" id="{A9D475A5-43B5-9627-4341-4CC81BB5D14C}"/>
-                  </a:ext>
-                </a:extLst>
-              </p14:cNvPr>
-              <p14:cNvContentPartPr/>
-              <p14:nvPr/>
-            </p14:nvContentPartPr>
-            <p14:xfrm>
-              <a:off x="4313160" y="1375200"/>
-              <a:ext cx="2545200" cy="2831040"/>
-            </p14:xfrm>
-          </p:contentPart>
-        </mc:Choice>
-        <mc:Fallback xmlns="">
-          <p:pic>
-            <p:nvPicPr>
-              <p:cNvPr id="15" name="Viết tay 14">
-                <a:extLst>
-                  <a:ext uri="{FF2B5EF4-FFF2-40B4-BE49-F238E27FC236}">
-                    <a16:creationId xmlns:a16="http://schemas.microsoft.com/office/drawing/2014/main" id="{A9D475A5-43B5-9627-4341-4CC81BB5D14C}"/>
-                  </a:ext>
-                </a:extLst>
-              </p:cNvPr>
-              <p:cNvPicPr/>
-              <p:nvPr/>
-            </p:nvPicPr>
-            <p:blipFill>
-              <a:blip r:embed="rId8"/>
-              <a:stretch>
-                <a:fillRect/>
-              </a:stretch>
-            </p:blipFill>
-            <p:spPr>
-              <a:xfrm>
-                <a:off x="4303800" y="1365840"/>
-                <a:ext cx="2563920" cy="2849760"/>
-              </a:xfrm>
-              <a:prstGeom prst="rect">
-                <a:avLst/>
-              </a:prstGeom>
-            </p:spPr>
-          </p:pic>
-        </mc:Fallback>
-      </mc:AlternateContent>
     </p:spTree>
     <p:extLst>
       <p:ext uri="{BB962C8B-B14F-4D97-AF65-F5344CB8AC3E}">
@@ -8778,57 +8683,6 @@
           </a:p>
         </p:txBody>
       </p:sp>
-      <mc:AlternateContent xmlns:mc="http://schemas.openxmlformats.org/markup-compatibility/2006" xmlns:p14="http://schemas.microsoft.com/office/powerpoint/2010/main">
-        <mc:Choice Requires="p14">
-          <p:contentPart p14:bwMode="auto" r:id="rId2">
-            <p14:nvContentPartPr>
-              <p14:cNvPr id="5" name="Viết tay 4">
-                <a:extLst>
-                  <a:ext uri="{FF2B5EF4-FFF2-40B4-BE49-F238E27FC236}">
-                    <a16:creationId xmlns:a16="http://schemas.microsoft.com/office/drawing/2014/main" id="{8EC31813-4349-56AA-7B3C-C15CF9D1D0CD}"/>
-                  </a:ext>
-                </a:extLst>
-              </p14:cNvPr>
-              <p14:cNvContentPartPr/>
-              <p14:nvPr/>
-            </p14:nvContentPartPr>
-            <p14:xfrm>
-              <a:off x="1669680" y="4196880"/>
-              <a:ext cx="3438360" cy="643320"/>
-            </p14:xfrm>
-          </p:contentPart>
-        </mc:Choice>
-        <mc:Fallback xmlns="">
-          <p:pic>
-            <p:nvPicPr>
-              <p:cNvPr id="5" name="Viết tay 4">
-                <a:extLst>
-                  <a:ext uri="{FF2B5EF4-FFF2-40B4-BE49-F238E27FC236}">
-                    <a16:creationId xmlns:a16="http://schemas.microsoft.com/office/drawing/2014/main" id="{8EC31813-4349-56AA-7B3C-C15CF9D1D0CD}"/>
-                  </a:ext>
-                </a:extLst>
-              </p:cNvPr>
-              <p:cNvPicPr/>
-              <p:nvPr/>
-            </p:nvPicPr>
-            <p:blipFill>
-              <a:blip r:embed="rId3"/>
-              <a:stretch>
-                <a:fillRect/>
-              </a:stretch>
-            </p:blipFill>
-            <p:spPr>
-              <a:xfrm>
-                <a:off x="1660320" y="4187520"/>
-                <a:ext cx="3457080" cy="662040"/>
-              </a:xfrm>
-              <a:prstGeom prst="rect">
-                <a:avLst/>
-              </a:prstGeom>
-            </p:spPr>
-          </p:pic>
-        </mc:Fallback>
-      </mc:AlternateContent>
     </p:spTree>
     <p:extLst>
       <p:ext uri="{BB962C8B-B14F-4D97-AF65-F5344CB8AC3E}">
@@ -10350,6 +10204,41 @@
           <a:chExt cx="0" cy="0"/>
         </a:xfrm>
       </p:grpSpPr>
+      <p:pic>
+        <p:nvPicPr>
+          <p:cNvPr id="13" name="Chỗ dành sẵn cho Nội dung 12">
+            <a:extLst>
+              <a:ext uri="{FF2B5EF4-FFF2-40B4-BE49-F238E27FC236}">
+                <a16:creationId xmlns:a16="http://schemas.microsoft.com/office/drawing/2014/main" id="{2538CC4E-EB1B-3BE2-18F8-09511AA4B56E}"/>
+              </a:ext>
+            </a:extLst>
+          </p:cNvPr>
+          <p:cNvPicPr>
+            <a:picLocks noGrp="1" noChangeAspect="1"/>
+          </p:cNvPicPr>
+          <p:nvPr>
+            <p:ph idx="1"/>
+          </p:nvPr>
+        </p:nvPicPr>
+        <p:blipFill>
+          <a:blip r:embed="rId2">
+            <a:extLst>
+              <a:ext uri="{28A0092B-C50C-407E-A947-70E740481C1C}">
+                <a14:useLocalDpi xmlns:a14="http://schemas.microsoft.com/office/drawing/2010/main" val="0"/>
+              </a:ext>
+            </a:extLst>
+          </a:blip>
+          <a:stretch>
+            <a:fillRect/>
+          </a:stretch>
+        </p:blipFill>
+        <p:spPr>
+          <a:xfrm>
+            <a:off x="838200" y="1940359"/>
+            <a:ext cx="6927376" cy="4630032"/>
+          </a:xfrm>
+        </p:spPr>
+      </p:pic>
       <p:sp>
         <p:nvSpPr>
           <p:cNvPr id="2" name="Tiêu đề 1">
@@ -10371,38 +10260,13 @@
           <a:bodyPr/>
           <a:lstStyle/>
           <a:p>
+            <a:r>
+              <a:rPr lang="vi-VN">
+                <a:latin typeface="Calibri Light (Đầu đề)"/>
+              </a:rPr>
+              <a:t>Different between quanv filters (4x4, 4 filter) and conv filter</a:t>
+            </a:r>
             <a:endParaRPr lang="vi-VN"/>
-          </a:p>
-        </p:txBody>
-      </p:sp>
-      <p:sp>
-        <p:nvSpPr>
-          <p:cNvPr id="3" name="Chỗ dành sẵn cho Nội dung 2">
-            <a:extLst>
-              <a:ext uri="{FF2B5EF4-FFF2-40B4-BE49-F238E27FC236}">
-                <a16:creationId xmlns:a16="http://schemas.microsoft.com/office/drawing/2014/main" id="{FD3CAD8F-EC08-4BD2-8ECB-03BABF5307D4}"/>
-              </a:ext>
-            </a:extLst>
-          </p:cNvPr>
-          <p:cNvSpPr>
-            <a:spLocks noGrp="1"/>
-          </p:cNvSpPr>
-          <p:nvPr>
-            <p:ph idx="1"/>
-          </p:nvPr>
-        </p:nvSpPr>
-        <p:spPr/>
-        <p:txBody>
-          <a:bodyPr/>
-          <a:lstStyle/>
-          <a:p>
-            <a:pPr marL="0" indent="0">
-              <a:buNone/>
-            </a:pPr>
-            <a:r>
-              <a:rPr lang="vi-VN"/>
-              <a:t>Cần làm nhiều filter hơn cho quanv filter</a:t>
-            </a:r>
           </a:p>
         </p:txBody>
       </p:sp>
@@ -10432,6 +10296,180 @@
               <a:t>25</a:t>
             </a:fld>
             <a:endParaRPr lang="vi-VN"/>
+          </a:p>
+        </p:txBody>
+      </p:sp>
+      <p:sp>
+        <p:nvSpPr>
+          <p:cNvPr id="7" name="Hình chữ nhật 6">
+            <a:extLst>
+              <a:ext uri="{FF2B5EF4-FFF2-40B4-BE49-F238E27FC236}">
+                <a16:creationId xmlns:a16="http://schemas.microsoft.com/office/drawing/2014/main" id="{1C762145-B8F4-48C3-D144-843C929D7843}"/>
+              </a:ext>
+            </a:extLst>
+          </p:cNvPr>
+          <p:cNvSpPr/>
+          <p:nvPr/>
+        </p:nvSpPr>
+        <p:spPr>
+          <a:xfrm>
+            <a:off x="1746913" y="2579225"/>
+            <a:ext cx="586854" cy="423282"/>
+          </a:xfrm>
+          <a:prstGeom prst="rect">
+            <a:avLst/>
+          </a:prstGeom>
+          <a:noFill/>
+          <a:ln>
+            <a:solidFill>
+              <a:schemeClr val="tx1"/>
+            </a:solidFill>
+          </a:ln>
+        </p:spPr>
+        <p:style>
+          <a:lnRef idx="2">
+            <a:schemeClr val="accent1">
+              <a:shade val="50000"/>
+            </a:schemeClr>
+          </a:lnRef>
+          <a:fillRef idx="1">
+            <a:schemeClr val="accent1"/>
+          </a:fillRef>
+          <a:effectRef idx="0">
+            <a:schemeClr val="accent1"/>
+          </a:effectRef>
+          <a:fontRef idx="minor">
+            <a:schemeClr val="lt1"/>
+          </a:fontRef>
+        </p:style>
+        <p:txBody>
+          <a:bodyPr rtlCol="0" anchor="ctr"/>
+          <a:lstStyle/>
+          <a:p>
+            <a:pPr algn="ctr"/>
+            <a:endParaRPr lang="vi-VN"/>
+          </a:p>
+        </p:txBody>
+      </p:sp>
+      <p:sp>
+        <p:nvSpPr>
+          <p:cNvPr id="8" name="Hình chữ nhật 7">
+            <a:extLst>
+              <a:ext uri="{FF2B5EF4-FFF2-40B4-BE49-F238E27FC236}">
+                <a16:creationId xmlns:a16="http://schemas.microsoft.com/office/drawing/2014/main" id="{B19E0AAF-17ED-778F-6A42-19BB88E22A5B}"/>
+              </a:ext>
+            </a:extLst>
+          </p:cNvPr>
+          <p:cNvSpPr/>
+          <p:nvPr/>
+        </p:nvSpPr>
+        <p:spPr>
+          <a:xfrm>
+            <a:off x="2040339" y="4492388"/>
+            <a:ext cx="1439839" cy="1321558"/>
+          </a:xfrm>
+          <a:prstGeom prst="rect">
+            <a:avLst/>
+          </a:prstGeom>
+          <a:noFill/>
+          <a:ln>
+            <a:solidFill>
+              <a:schemeClr val="tx1"/>
+            </a:solidFill>
+          </a:ln>
+        </p:spPr>
+        <p:style>
+          <a:lnRef idx="2">
+            <a:schemeClr val="accent1">
+              <a:shade val="50000"/>
+            </a:schemeClr>
+          </a:lnRef>
+          <a:fillRef idx="1">
+            <a:schemeClr val="accent1"/>
+          </a:fillRef>
+          <a:effectRef idx="0">
+            <a:schemeClr val="accent1"/>
+          </a:effectRef>
+          <a:fontRef idx="minor">
+            <a:schemeClr val="lt1"/>
+          </a:fontRef>
+        </p:style>
+        <p:txBody>
+          <a:bodyPr rtlCol="0" anchor="ctr"/>
+          <a:lstStyle/>
+          <a:p>
+            <a:pPr algn="ctr"/>
+            <a:endParaRPr lang="vi-VN"/>
+          </a:p>
+        </p:txBody>
+      </p:sp>
+      <p:sp>
+        <p:nvSpPr>
+          <p:cNvPr id="9" name="Hộp Văn bản 8">
+            <a:extLst>
+              <a:ext uri="{FF2B5EF4-FFF2-40B4-BE49-F238E27FC236}">
+                <a16:creationId xmlns:a16="http://schemas.microsoft.com/office/drawing/2014/main" id="{6BFC68B9-5018-98BF-9F87-AD9A80D5A5D5}"/>
+              </a:ext>
+            </a:extLst>
+          </p:cNvPr>
+          <p:cNvSpPr txBox="1"/>
+          <p:nvPr/>
+        </p:nvSpPr>
+        <p:spPr>
+          <a:xfrm>
+            <a:off x="1746913" y="3124809"/>
+            <a:ext cx="900752" cy="646331"/>
+          </a:xfrm>
+          <a:prstGeom prst="rect">
+            <a:avLst/>
+          </a:prstGeom>
+          <a:noFill/>
+        </p:spPr>
+        <p:txBody>
+          <a:bodyPr wrap="square" rtlCol="0">
+            <a:spAutoFit/>
+          </a:bodyPr>
+          <a:lstStyle/>
+          <a:p>
+            <a:r>
+              <a:rPr lang="vi-VN"/>
+              <a:t>Filter 0 2x2 </a:t>
+            </a:r>
+          </a:p>
+        </p:txBody>
+      </p:sp>
+      <p:sp>
+        <p:nvSpPr>
+          <p:cNvPr id="14" name="Hộp Văn bản 13">
+            <a:extLst>
+              <a:ext uri="{FF2B5EF4-FFF2-40B4-BE49-F238E27FC236}">
+                <a16:creationId xmlns:a16="http://schemas.microsoft.com/office/drawing/2014/main" id="{4756F1F1-DF94-416F-FD23-98E95A68BCC0}"/>
+              </a:ext>
+            </a:extLst>
+          </p:cNvPr>
+          <p:cNvSpPr txBox="1"/>
+          <p:nvPr/>
+        </p:nvSpPr>
+        <p:spPr>
+          <a:xfrm>
+            <a:off x="3657029" y="4830001"/>
+            <a:ext cx="1965848" cy="646331"/>
+          </a:xfrm>
+          <a:prstGeom prst="rect">
+            <a:avLst/>
+          </a:prstGeom>
+          <a:noFill/>
+        </p:spPr>
+        <p:txBody>
+          <a:bodyPr wrap="square" rtlCol="0">
+            <a:spAutoFit/>
+          </a:bodyPr>
+          <a:lstStyle/>
+          <a:p>
+            <a:r>
+              <a:rPr lang="vi-VN"/>
+              <a:t>1, 5, 10, 20, 50 conv filter</a:t>
+            </a:r>
           </a:p>
         </p:txBody>
       </p:sp>
@@ -13736,7 +13774,19 @@
                       <a:rPr lang="en-US" b="0" i="1" smtClean="0">
                         <a:latin typeface="Cambria Math" panose="02040503050406030204" pitchFamily="18" charset="0"/>
                       </a:rPr>
-                      <m:t>|0⟩</m:t>
+                      <m:t>|</m:t>
+                    </m:r>
+                    <m:r>
+                      <a:rPr lang="en-US" b="0" i="1" smtClean="0">
+                        <a:latin typeface="Cambria Math" panose="02040503050406030204" pitchFamily="18" charset="0"/>
+                      </a:rPr>
+                      <m:t>0</m:t>
+                    </m:r>
+                    <m:r>
+                      <a:rPr lang="en-US" b="0" i="1" smtClean="0">
+                        <a:latin typeface="Cambria Math" panose="02040503050406030204" pitchFamily="18" charset="0"/>
+                      </a:rPr>
+                      <m:t>⟩</m:t>
                     </m:r>
                   </m:oMath>
                 </a14:m>

--- a/thesis/Quanvolutional neural network.pptx
+++ b/thesis/Quanvolutional neural network.pptx
@@ -5,7 +5,7 @@
     <p:sldMasterId id="2147483648" r:id="rId1"/>
   </p:sldMasterIdLst>
   <p:notesMasterIdLst>
-    <p:notesMasterId r:id="rId27"/>
+    <p:notesMasterId r:id="rId31"/>
   </p:notesMasterIdLst>
   <p:sldIdLst>
     <p:sldId id="256" r:id="rId2"/>
@@ -27,12 +27,16 @@
     <p:sldId id="262" r:id="rId18"/>
     <p:sldId id="275" r:id="rId19"/>
     <p:sldId id="276" r:id="rId20"/>
-    <p:sldId id="277" r:id="rId21"/>
-    <p:sldId id="278" r:id="rId22"/>
-    <p:sldId id="279" r:id="rId23"/>
-    <p:sldId id="280" r:id="rId24"/>
-    <p:sldId id="281" r:id="rId25"/>
-    <p:sldId id="282" r:id="rId26"/>
+    <p:sldId id="285" r:id="rId21"/>
+    <p:sldId id="281" r:id="rId22"/>
+    <p:sldId id="280" r:id="rId23"/>
+    <p:sldId id="286" r:id="rId24"/>
+    <p:sldId id="282" r:id="rId25"/>
+    <p:sldId id="287" r:id="rId26"/>
+    <p:sldId id="278" r:id="rId27"/>
+    <p:sldId id="289" r:id="rId28"/>
+    <p:sldId id="288" r:id="rId29"/>
+    <p:sldId id="284" r:id="rId30"/>
   </p:sldIdLst>
   <p:sldSz cx="12192000" cy="6858000"/>
   <p:notesSz cx="6858000" cy="9144000"/>
@@ -167,12 +171,16 @@
           <p14:sldIdLst>
             <p14:sldId id="275"/>
             <p14:sldId id="276"/>
-            <p14:sldId id="277"/>
+            <p14:sldId id="285"/>
+            <p14:sldId id="281"/>
+            <p14:sldId id="280"/>
+            <p14:sldId id="286"/>
+            <p14:sldId id="282"/>
+            <p14:sldId id="287"/>
             <p14:sldId id="278"/>
-            <p14:sldId id="279"/>
-            <p14:sldId id="280"/>
-            <p14:sldId id="281"/>
-            <p14:sldId id="282"/>
+            <p14:sldId id="289"/>
+            <p14:sldId id="288"/>
+            <p14:sldId id="284"/>
           </p14:sldIdLst>
         </p14:section>
       </p14:sectionLst>
@@ -446,37 +454,6 @@
 </inkml:ink>
 </file>
 
-<file path=ppt/ink/ink8.xml><?xml version="1.0" encoding="utf-8"?>
-<inkml:ink xmlns:inkml="http://www.w3.org/2003/InkML">
-  <inkml:definitions>
-    <inkml:context xml:id="ctx0">
-      <inkml:inkSource xml:id="inkSrc0">
-        <inkml:traceFormat>
-          <inkml:channel name="X" type="integer" max="1366" units="cm"/>
-          <inkml:channel name="Y" type="integer" max="768" units="cm"/>
-          <inkml:channel name="T" type="integer" max="2.14748E9" units="dev"/>
-        </inkml:traceFormat>
-        <inkml:channelProperties>
-          <inkml:channelProperty channel="X" name="resolution" value="39.7093" units="1/cm"/>
-          <inkml:channelProperty channel="Y" name="resolution" value="39.58763" units="1/cm"/>
-          <inkml:channelProperty channel="T" name="resolution" value="1" units="1/dev"/>
-        </inkml:channelProperties>
-      </inkml:inkSource>
-      <inkml:timestamp xml:id="ts0" timeString="2022-08-20T08:06:08.694"/>
-    </inkml:context>
-    <inkml:brush xml:id="br0">
-      <inkml:brushProperty name="width" value="0.05292" units="cm"/>
-      <inkml:brushProperty name="height" value="0.05292" units="cm"/>
-      <inkml:brushProperty name="color" value="#FF0000"/>
-    </inkml:brush>
-  </inkml:definitions>
-  <inkml:trace contextRef="#ctx0" brushRef="#br0">12328 9128 0,'25'0'141,"0"0"-141,-1 0 16,1 0-16,0 0 15,25 0-15,-26 0 31,26 0-31,-25 0 0,0 0 16,-1 0-16,1 0 16,0 0-1,0 0 1,24 0 0,-24 0-16,50 0 15,-51 0-15,26 0 16,0 0-16,-26 0 15,51 0-15,-50 0 16,-1 0-16,1 0 16,0 0-16,0 0 15,0 0-15,0 0 16,-1 0 0,1 0-16,0 0 15,0 0 1,0 0-1,-1 0-15,1 0 16,25 0 0,-1 0-16,1 0 15,0 25 1,-26-25-16,1 0 0,0 0 31,0 0-31,24 0 16,-24 25-1,0-25-15,0 0 16,0 25-16,-1-25 16,1 0-16,0 0 15,0 0-15,24 0 16,1 0 0,-25 24 15,0-24-31,24 0 0,-24 0 15,0 0 1,0 0-16,24 0 0,-24 0 16,25 0-1,-25 0 1,-1 0-16,1 0 16,0 0-1,0 0 1,0 0-16,-1 0 15,1 0 1,0 0-16,0 0 16,0 0-16,-1 0 15,1 0-15,25 0 16,-25 0 0,49 0-1,-49 0 1,0 0-16,-1 0 15,1 0 1,25 0-16,-25 0 16,24 0-16,-24 0 15,25 0-15,-26 0 0,1 0 16,0-24-16,0 24 16,0 0-1,-1 0-15,1 0 16,0 0 15,0-25 47,-25 0-47,0-25-15,0 26 0,0-1-1,0 0-15,0 0 16,0-25-16,0 26 16,0-1-1,0 0-15,0 0 16,0 0-1,0 1 17,0-1-32,0 0 31,0 0-15,0 0-1,0-24 16,-25 24 1,25 0-17,-25 25-15,25-25 32,-25 25-1,1 0-16,-1 0 1,0 0 0,0 0-16,0 0 15,1-24-15,-1 24 16,-25 0 0,25 0-16,1 0 15,-1 0 1,0 0-16,0 0 15,-24 0-15,-26 0 16,50 0 0,-24 0-16,-1 0 15,-49 0-15,74 0 16,-49 0-16,49 0 16,-25 0-16,-24 0 0,24 0 15,-24 0 1,-1 0-16,26 0 15,-1 0-15,-24 0 16,49 0-16,-25 0 16,-24 0-16,49 0 15,0 0-15,1 0 16,-1 0-16,-25 0 16,25 0-16,-24 0 15,-1 0 1,1 0-16,-1 0 15,0 0-15,1 0 0,24 0 16,0 0-16,0 0 16,-24 0-16,-1 0 15,0 0 1,1 0 0,24 0-16,0 0 15,0 0-15,1 0 16,-51 0-16,50 0 15,1 0 1,-26 0 0,25 0-1,0 0 1,1 0-16,-26 0 31,25 0-31,0 0 31,1 0-15,-1 0 0,0 0-1,0 0 1,-24 0 0,24 0 15,0 0 0,0 0-31,0 0 16,1 24-1,-1-24 32,0 25-31,0-25-1,25 25 1,-25 0 0,25 0 77,0-1-61,0 1 15</inkml:trace>
-  <inkml:trace contextRef="#ctx0" brushRef="#br0" timeOffset="5074.38">12650 8582 0,'-24'0'15,"-1"0"16,0 0-15,0 0 47,0 0-32,1 0 16,-1 0-32,0 0 17,0 0-17,0 0 16,1 0-15,24 25 0,-25 0-1,0 0 48,0 0-48,25-1 17,0 1-17,0 0 1,-25 0 0,25 0 15,0-1-31,0 1 31,0 0-15,0 0-16,0 0 15,0-1 1,0 1-16,0 0 0,-24 0 16,24 0-1,0 0-15,0-1 47,0 1-16,-25-25-15,25 25 15,0 0 32,0 24-32,0-24-15,0 25-1,0-25-15,0-1 16,0 1-16,0 25 15,0-25 1,0-1-16,0 1 16,0 0-1,0 0-15,0 0 32,0-1-17,0 26 1,0-25-1,0 0-15,0-1 16,0 26 0,0-25-1,0 0-15,0 24 16,0-24-16,0 0 16,0 0-16,0-1 15,0 1 1,0 0-1,0 0-15,0 0 16,0 0-16,0 24 0,0-24 16,0 0 15,0 0-31,0-1 16,0 26-16,0-25 15,0 24 1,0 1-16,0 0 15,0-26 1,0 26-16,0-25 16,0 0-16,0-1 15,0 1-15,0 0 16,0 0 0,0 24-1,0-24-15,0 0 0,0 0 31,0 0 16,0-1-47,0 1 16,0 25 0,0-25-1,0-1 1,0 1 15,0 0 0,0 0 1,25-25-17,-25 25-15,0-1 16,0 1-1,24-25 1,-24 25-16,25 0 63,0 0-1,0 0-31,0-25-31,-1 0 16,1 0-16,0 24 16,25-24-16,-26 0 15,26 0-15,24 0 16,-24 0-1,0 0-15,-1 0 16,1 0-16,24 0 16,-49 0-16,25 0 0,-1 25 15,-24-25 1,0 0-16,24 0 16,-24 0-1,0 0-15,25 50 16,-1-50-1,-24 0 1,0 0-16,0 0 16,0 0-1,-1 0 1,1 0 15,0 0-15,0 0-1,0 0-15,-1 0 0,1 0 16,0 0 0,25 0-16,-26 0 15,1 0-15,0 0 16,49 0-16,-49 0 16,0 0-16,0 0 15,0 0-15,-1 0 16,1 0-16,0 0 15,0 0 1,0 0 0,-1 0-16,26 0 15,-25 0 1,0 0-16,49 0 16,-49 0-16,0 0 15,24 0 1,-24 0-16,0 0 15,0 0-15,24 0 16,-24 0 0,0 0-16,0 0 0,0 0 15,-1 0 1,1 0-16,0 0 16,0 0-1,0 0-15,-1 0 16,1 0-16,0 0 15,0 0-15,0 0 16,-1 0-16,26 0 16,-25 0-16,0 0 15,-1 0 1,1 0 0,0 0-1,0 0-15,0 0 31,-1 0-31,1 0 16,0 0-16,25 0 16,-26 0-1,1 0 1,0 0 0,0 0-16,0 0 15,-1 0-15,1 0 16,0 0-16,0 0 15,25 0 1,-26 0-16,1 0 0,0 0 31,25 0-15,-26-25 15,26 0-15,-25 0 15,-25 1-31,25 24 16,-25-25-16,24 25 15,1-25-15,-25 0 16,0 0 0,0 0-16,0-24 15,0-1 1,0 25-1,0 1-15,0-1 16,0-25-16,0 25 16,0-24-1,0-1-15,0 25 0,0 1 16,-25-76-16,25 76 16,0-51-1,0 50-15,-24 1 16,-1-51-16,25 50 15,0 1-15,0-51 16,0 50-16,0-24 16,-25-26-16,25 51 15,0-26-15,-25 25 16,0-49-16,25 24 16,0 25-16,0 0 15,0 1-15,0-1 16,0 0-1,-24-74-15,24 74 16,-25 0-16,25 0 16,0 1-16,0-1 15,0 0-15,0 0 16,-25 0 0,25 1-16,0-1 15,0 0-15,-25 0 16,25 0-1,0 1 1,0-1 0,0 0-1,0 0-15,-25 0 16,25 1 0,0-1-1,0 0 16,0 0-31,0 0 32,0 1-17,-24-26 1,24 25 0,0 0 15,0 0 0,0 1-15,0-1 15,0 0 0,0 0-15,0 0 31,0 1 0,0-1-1,0 0-30,0 0 62</inkml:trace>
-  <inkml:trace contextRef="#ctx0" brushRef="#br0" timeOffset="20720.34">14114 11832 0,'0'-25'79,"0"0"-64,0 0 1,0 1-1,0-1 1,0 0-16,0 0 0,0 0 31,0 1-15,0-1 15,0 0 0,0 0-15,0 0 15,-25 1-31,25-1 78,-25 25-62,25-25 0,-25 0 62,1 25-63,-1 0 1,0 0 0,0 0 31,0 0-47,1 0 15,-1-25 1,0 25-16,-25 0 15,26 0-15,-1 0 16,-25 0-16,25 0 16,-24 0-16,24 0 15,-25 0-15,26 0 16,-1 0 0,-25 0-16,25 0 15,-24 0 1,-1 0-16,25 0 15,1 0-15,-1 0 16,-25 0 0,0 0-16,-24 0 15,49 0-15,0 0 16,-24 0-16,-1 0 16,25 0-16,-24 0 15,24 0 1,0 0-16,0 0 15,1 0 1,-1 0 0,0 0-16,-25 0 15,26 0-15,-1 0 16,0 0-16,0 0 47,0 0-32,1 0 1,-1 0-16,0 0 16,0 0-16,0 0 31,1 0-15,-1 0-1,0 0-15,0 0 16,0 0-16,1 0 15,-1 0-15,0 0 16,0 0 0,0 0 31,0 0-16,25 25-16,0 0 1,-24-25-16,24 25 0,0 24 16,0 1-1,0-25-15,0 24 16,0-24 0,0 25-1,0-25 1,0-1-1,0 1 17,0 0-17,24-25 1,-24 25 0,25-25 15,0 25-16,0-25 32,0 0-47,0 0 16,-1 0 15,1 0-31,0 0 16,0 0-1,0 0 1,24 0 0,-24 0-1,0 0-15,0 0 16,-1 0-16,1 0 16,0 0 15,0 0-16,0 0-15,-1 0 16,1 0 0,0 0-1,0 0 1,0 0 0,49 0-1,-24 0-15,-1 0 16,26 0-16,-26 0 15,26 0-15,-1 0 0,-49 0 16,0 0 0,0 0-16,-1 0 15,1 0-15,0 0 63,0 0-48,0 0 1,-1 0 0,1 0-1,0 0-15,0 0 16,0 24-16,-1-24 16,26 0-16,0 0 15,-26 0 1,1 0-16,0 0 15,25 0-15,-26 0 16,1 25-16,0-25 31,0 0 1,0 0-1,-1 0-16,1 0 1,0 0 0,0 0-1,0 0 17,-1 0-32,1 0 31,0 0 0,0 0 0,0 0 1,-1 0 46,1 0-63,-25-25 1,0 1 46,0-1-46,0 0 15,0 0-15,0 0 0,0 1 15,0-1-16,0 0 1,0 0 15,0 0 16,-25 1-16,25-1-15,0 0 0,-24-25 46,24 26 1,0-1-16,-25 0 78</inkml:trace>
-  <inkml:trace contextRef="#ctx0" brushRef="#br0" timeOffset="34725.85">18008 8062 0,'0'-25'110,"0"-25"-95,0 25-15,0 0 16,0-24-16,0 24 16,0 0-1,0-24-15,0 24 16,0 0 0,0 0 30,0 0-14,0 1-17,0-1 32,25 25-31,-25-50-1,0 25 32,0 1-15,25-1-32,-25 0 15,0 0 1,0 0-1,0 1-15,25-1 32,-25 0-32,0 0 31,0 0-31,0 1 16,0-1-1,0 0 1,0 0-1,24 25 1,-24-25 0,0 1-1,0-1 1,0 0 0,25 0-1,-25 0 1,0 1 15,0-1-15,0 0-1,25 25-15,-25-25 16,0 0-16,0 1 31,0-1-31,0 0 16,25 0-1,-25 0 1,0 0 0,0 1-16,25-1 31,-25 0-15,0 0-16,0 0 15,24 1 1,-24-1 15,25 0 0,-25 0-15,0 0 0,0 1-1,25-1-15,-25 0 16,25-25-1,0 26 1,-25-1 0,0 0-1,24 25-15,-24-25 16,0 0-16,0 1 31,25 24-31,-25-25 16,25 0-1,-25 0 17,0 0-17,25 25-15,0 0 16,-25-24 0,0-1-1,24 25-15,-24-25 16,0 0-1,25 0 1,-25 1 0,0-1-1,25 25 1,-25-25-16,25 25 16,0-25-1,0 0 32,-25 1-47,24-1 16,1 0 15,0 0-31,-25 0 16,25 25-16,-25-25 15,25 1 1,-1 24 15,-24-25-31,25 25 16,-25-25-1,25 0-15,-25 0 16,25 25 0,0-24-16,-25-1 46,24 25-46,1-25 16,0 25 0,25-25-16,-26 25 15,26-25-15,-25 1 16,0 24-16,-1 0 16,26-25-16,-25 0 15,0 25-15,-1 0 16,26-25-1,-25 25-15,0-25 16,-1 25 0,1 0-16,0 0 15,0 0 1,24-24-16,1 24 16,0 0-1,-25 0 1,-1 0-1,1-25-15,0 25 16,0 0 0,0-25-16,-1 25 15,1 0 17,0 0-32,0 0 15,-25-25-15,25 25 16,-1 0-16,1 0 15,0 0 1,0-25-16,0 25 16,-1 0-1,1 0 1,0 0 0,-25-24-16,25 24 15,24 0-15,-24 0 31,0-25-15,0 25 0,0 0 15,-25-25-31,24 25 16,1 0-1,0 0 32,0 0-31,0 0-1,-1 0 17,1 0-1,0 0-16,0 0 1,0 0 0,-1 0-1,1 0-15,0 0 16,0 0 0,0 0-1,-1 0-15,1 0 31,0 0-31,0 0 32,0 0-17,0 0 1,-1 25 0,1-25-16,0 0 15,0 0 16,0 0-31,-1 25 32,1-25-17,0 0 1,0 24 0,24-24-1,-24 0 1,0 0-1,25 25 1,-26-25 0,1 0-16,0 0 15,0 0 1,0 0 0,-1 0-1,1 0 1,0 0-1,0 0 1,0 0-16,-25 25 16,24-25-16,1 0 31,0 0-15,0 0-16,0 0 31,-1 0-16,1 0 1,0 0 15,0 0-31,0 0 16,-1 0 0,1 0-1,-25 25 1,25-25-1,0 0 1,0 0 0,0 0-1,-1 0 1,1 0 15,0 0-15,0 0-1,0 0 1,-1 0-16,1 25 16,0-25-1,0 0 1,0 0 0,-1 0-1,1 0 1,0 0 15,0 0-31,0 0 16,-1 0-1,1 0-15,-25 24 16,25-24 0,0 0-16,0 0 31,-1 0 0,1 25-15,0-25-16,0 0 31,0 0-31,-1 0 31,1 0 0,0 0-15,0 0-16,0 0 16,-1 0-1,1 0 1,0 0 15,0 0-15,0 0-1,-1 0 1,1 0 0,0 0-1,0 0 1,0 0-16,0 0 16,-1 0-1,1 0-15,0 0 16,0 0-1,0 0 1,-1 0 0,1 0-1,0 0-15,0 0 16,0 0 0,-1 0-1,1-25 1,0 25 15,0 0-31,0 0 16,-1 0-1,1-24-15,25 24 32,-25 0-17,49-25 16,-49 25-15,0-25 0,-1 25-1,1 0 17,0 0-17,0-25 1,0 25-1,-1 0-15,1 0 16,0 0 15,0 0-15,0 0-16,-1 0 47,-24-25-47,25 25 31,25 0-15,-25 0-1,-1-49 1,1 49 31,0 0-32,0 0 1,0 0 31,24 0 0,-24 0 0,0 0-16,0 0-15,0 0 15,-1 0 0,1 0-15,0 0-1,0 0 1,0 0-16,-1 0 0,1 0 16,0 0-1,0 0 1,0 0-16,-1 0 31,26 0-15,-25 0 15,0 0-31,-1 0 31,1 0-15,0 0-1,0 0 1,0 0 15,-1 0-31,1 0 32,0 0-1,0 0 0,0 0-15,-1 0-1,1 0 1,0 0-16,0 0 16,0 0-16,-1 0 31,1 0-16,0 0 1,0 0-16,0 0 16,24 0-1,-24 0-15,0 0 16,0 0 0,0 0-16,-1 0 15,1 0-15,0 0 16,0 0-1,0 0-15,-1 0 16,1 0 0,0 0-16,0 0 15,0 0 1,-1 0-16,1 0 31,0 0-31,0 0 16,0 0-1,-1 0 32,1 0-47,0 25 32,0-25-17,0 0 1,-1 0-16,1 0 15,0 0 1,0 0 0,0 0-1,-1 0 1,1 0 31,25 0-16,-25 0 16,-1 24 0,1-24-32,0 0 17,0 0-17,0 0 1,0 0 0,-1 0 15,1 0 0,0 0 16,0 0 0,0 0-32,-1 0 32,1 0 16,0 0-16,0 0-32,-25 25 1,25-25 31,-1 0-16,1 25 0,0-25 32,0 25 15,0-25 250,-1 0-265,1 0-32</inkml:trace>
-</inkml:ink>
-</file>
-
 <file path=ppt/notesMasters/notesMaster1.xml><?xml version="1.0" encoding="utf-8"?>
 <p:notesMaster xmlns:a="http://schemas.openxmlformats.org/drawingml/2006/main" xmlns:r="http://schemas.openxmlformats.org/officeDocument/2006/relationships" xmlns:p="http://schemas.openxmlformats.org/presentationml/2006/main">
   <p:cSld>
@@ -559,7 +536,7 @@
           <a:p>
             <a:fld id="{C713C089-A006-49EC-A57B-51E39300CD8B}" type="datetimeFigureOut">
               <a:rPr lang="vi-VN" smtClean="0"/>
-              <a:t>20/09/2022</a:t>
+              <a:t>07/10/2022</a:t>
             </a:fld>
             <a:endParaRPr lang="vi-VN"/>
           </a:p>
@@ -973,7 +950,7 @@
           <a:p>
             <a:fld id="{79A0D75B-382B-44F1-95AD-65E71C3FFDF2}" type="datetime1">
               <a:rPr lang="vi-VN" smtClean="0"/>
-              <a:t>20/09/2022</a:t>
+              <a:t>07/10/2022</a:t>
             </a:fld>
             <a:endParaRPr lang="vi-VN"/>
           </a:p>
@@ -1171,7 +1148,7 @@
           <a:p>
             <a:fld id="{EF91B0C2-1DC0-4DA6-B6E3-3AB131C5DF69}" type="datetime1">
               <a:rPr lang="vi-VN" smtClean="0"/>
-              <a:t>20/09/2022</a:t>
+              <a:t>07/10/2022</a:t>
             </a:fld>
             <a:endParaRPr lang="vi-VN"/>
           </a:p>
@@ -1379,7 +1356,7 @@
           <a:p>
             <a:fld id="{E5A84FD5-1303-4CA3-ADA5-7736F53F9041}" type="datetime1">
               <a:rPr lang="vi-VN" smtClean="0"/>
-              <a:t>20/09/2022</a:t>
+              <a:t>07/10/2022</a:t>
             </a:fld>
             <a:endParaRPr lang="vi-VN"/>
           </a:p>
@@ -1577,7 +1554,7 @@
           <a:p>
             <a:fld id="{B6814BC3-EFEE-4CE9-96F6-461933B4C9B3}" type="datetime1">
               <a:rPr lang="vi-VN" smtClean="0"/>
-              <a:t>20/09/2022</a:t>
+              <a:t>07/10/2022</a:t>
             </a:fld>
             <a:endParaRPr lang="vi-VN"/>
           </a:p>
@@ -1852,7 +1829,7 @@
           <a:p>
             <a:fld id="{D685A125-1797-4A1F-B73C-042C34C130AE}" type="datetime1">
               <a:rPr lang="vi-VN" smtClean="0"/>
-              <a:t>20/09/2022</a:t>
+              <a:t>07/10/2022</a:t>
             </a:fld>
             <a:endParaRPr lang="vi-VN"/>
           </a:p>
@@ -2117,7 +2094,7 @@
           <a:p>
             <a:fld id="{A73AC773-7551-4A21-8CD9-725D1D0E13D4}" type="datetime1">
               <a:rPr lang="vi-VN" smtClean="0"/>
-              <a:t>20/09/2022</a:t>
+              <a:t>07/10/2022</a:t>
             </a:fld>
             <a:endParaRPr lang="vi-VN"/>
           </a:p>
@@ -2529,7 +2506,7 @@
           <a:p>
             <a:fld id="{6A2BF65D-F379-40CD-8A40-B3417345A7D0}" type="datetime1">
               <a:rPr lang="vi-VN" smtClean="0"/>
-              <a:t>20/09/2022</a:t>
+              <a:t>07/10/2022</a:t>
             </a:fld>
             <a:endParaRPr lang="vi-VN"/>
           </a:p>
@@ -2670,7 +2647,7 @@
           <a:p>
             <a:fld id="{4973F540-CEFB-4C74-8464-337235A29738}" type="datetime1">
               <a:rPr lang="vi-VN" smtClean="0"/>
-              <a:t>20/09/2022</a:t>
+              <a:t>07/10/2022</a:t>
             </a:fld>
             <a:endParaRPr lang="vi-VN"/>
           </a:p>
@@ -2783,7 +2760,7 @@
           <a:p>
             <a:fld id="{DD4E0017-27D1-4ABF-9EB5-1031ABAE9439}" type="datetime1">
               <a:rPr lang="vi-VN" smtClean="0"/>
-              <a:t>20/09/2022</a:t>
+              <a:t>07/10/2022</a:t>
             </a:fld>
             <a:endParaRPr lang="vi-VN"/>
           </a:p>
@@ -3094,7 +3071,7 @@
           <a:p>
             <a:fld id="{53E46112-6ACE-4A63-B1D7-5B3B6755E5A6}" type="datetime1">
               <a:rPr lang="vi-VN" smtClean="0"/>
-              <a:t>20/09/2022</a:t>
+              <a:t>07/10/2022</a:t>
             </a:fld>
             <a:endParaRPr lang="vi-VN"/>
           </a:p>
@@ -3382,7 +3359,7 @@
           <a:p>
             <a:fld id="{580E5B30-9BCE-45A0-AF9E-8FC72FE581AC}" type="datetime1">
               <a:rPr lang="vi-VN" smtClean="0"/>
-              <a:t>20/09/2022</a:t>
+              <a:t>07/10/2022</a:t>
             </a:fld>
             <a:endParaRPr lang="vi-VN"/>
           </a:p>
@@ -3623,7 +3600,7 @@
           <a:p>
             <a:fld id="{5DF12F3C-C493-42D5-9F6C-9A56AA909FBF}" type="datetime1">
               <a:rPr lang="vi-VN" smtClean="0"/>
-              <a:t>20/09/2022</a:t>
+              <a:t>07/10/2022</a:t>
             </a:fld>
             <a:endParaRPr lang="vi-VN"/>
           </a:p>
@@ -5783,8 +5760,8 @@
           </a:p>
         </p:txBody>
       </p:sp>
-      <mc:AlternateContent xmlns:mc="http://schemas.openxmlformats.org/markup-compatibility/2006" xmlns:a14="http://schemas.microsoft.com/office/drawing/2010/main">
-        <mc:Choice Requires="a14">
+      <mc:AlternateContent xmlns:mc="http://schemas.openxmlformats.org/markup-compatibility/2006">
+        <mc:Choice xmlns:a14="http://schemas.microsoft.com/office/drawing/2010/main" Requires="a14">
           <p:sp>
             <p:nvSpPr>
               <p:cNvPr id="5" name="Hình chữ nhật 4">
@@ -5849,13 +5826,13 @@
                 </a14:m>
                 <a:r>
                   <a:rPr lang="vi-VN" sz="1400"/>
-                  <a:t> 5x5 filter</a:t>
+                  <a:t> filter</a:t>
                 </a:r>
               </a:p>
             </p:txBody>
           </p:sp>
         </mc:Choice>
-        <mc:Fallback xmlns="">
+        <mc:Fallback>
           <p:sp>
             <p:nvSpPr>
               <p:cNvPr id="5" name="Hình chữ nhật 4">
@@ -5955,8 +5932,8 @@
           </a:p>
         </p:txBody>
       </p:sp>
-      <mc:AlternateContent xmlns:mc="http://schemas.openxmlformats.org/markup-compatibility/2006" xmlns:a14="http://schemas.microsoft.com/office/drawing/2010/main">
-        <mc:Choice Requires="a14">
+      <mc:AlternateContent xmlns:mc="http://schemas.openxmlformats.org/markup-compatibility/2006">
+        <mc:Choice xmlns:a14="http://schemas.microsoft.com/office/drawing/2010/main" Requires="a14">
           <p:sp>
             <p:nvSpPr>
               <p:cNvPr id="7" name="Hình chữ nhật 6">
@@ -6021,13 +5998,13 @@
                 </a14:m>
                 <a:r>
                   <a:rPr lang="vi-VN" sz="1400"/>
-                  <a:t> 5x5 filter</a:t>
+                  <a:t> filter</a:t>
                 </a:r>
               </a:p>
             </p:txBody>
           </p:sp>
         </mc:Choice>
-        <mc:Fallback xmlns="">
+        <mc:Fallback>
           <p:sp>
             <p:nvSpPr>
               <p:cNvPr id="7" name="Hình chữ nhật 6">
@@ -8304,7 +8281,7 @@
           <a:p>
             <a:r>
               <a:rPr lang="vi-VN" sz="1600"/>
-              <a:t>Probabilities</a:t>
+              <a:t>Probability vector</a:t>
             </a:r>
           </a:p>
         </p:txBody>
@@ -8549,7 +8526,7 @@
           <p:cNvPr id="2" name="Tiêu đề 1">
             <a:extLst>
               <a:ext uri="{FF2B5EF4-FFF2-40B4-BE49-F238E27FC236}">
-                <a16:creationId xmlns:a16="http://schemas.microsoft.com/office/drawing/2014/main" id="{BEEC5218-1556-4A39-B217-1EBE1F6F498C}"/>
+                <a16:creationId xmlns:a16="http://schemas.microsoft.com/office/drawing/2014/main" id="{00488099-E7F0-7BF7-B5FE-6C8ABAB9FD96}"/>
               </a:ext>
             </a:extLst>
           </p:cNvPr>
@@ -8567,7 +8544,7 @@
           <a:p>
             <a:r>
               <a:rPr lang="en-US"/>
-              <a:t>Dataset</a:t>
+              <a:t>Accuracy QNN vs CNN:</a:t>
             </a:r>
             <a:endParaRPr lang="vi-VN"/>
           </a:p>
@@ -8578,7 +8555,7 @@
           <p:cNvPr id="3" name="Chỗ dành sẵn cho Nội dung 2">
             <a:extLst>
               <a:ext uri="{FF2B5EF4-FFF2-40B4-BE49-F238E27FC236}">
-                <a16:creationId xmlns:a16="http://schemas.microsoft.com/office/drawing/2014/main" id="{A3F30167-8899-4601-B002-A02AFD8C27DD}"/>
+                <a16:creationId xmlns:a16="http://schemas.microsoft.com/office/drawing/2014/main" id="{E59F3C5B-E375-6E70-0F48-729FD9AFCEFF}"/>
               </a:ext>
             </a:extLst>
           </p:cNvPr>
@@ -8591,8 +8568,19 @@
         </p:nvSpPr>
         <p:spPr/>
         <p:txBody>
-          <a:bodyPr/>
-          <a:lstStyle/>
+          <a:bodyPr>
+            <a:normAutofit fontScale="92500" lnSpcReduction="20000"/>
+          </a:bodyPr>
+          <a:lstStyle/>
+          <a:p>
+            <a:pPr marL="0" indent="0">
+              <a:buNone/>
+            </a:pPr>
+            <a:r>
+              <a:rPr lang="en-US"/>
+              <a:t>Dataset:</a:t>
+            </a:r>
+          </a:p>
           <a:p>
             <a:pPr marL="0" indent="0">
               <a:buNone/>
@@ -8638,20 +8626,47 @@
             </a:pPr>
             <a:r>
               <a:rPr lang="en-US"/>
-              <a:t>Batch size: 4, number of epoch: 30.</a:t>
-            </a:r>
-          </a:p>
-          <a:p>
-            <a:pPr>
-              <a:buFontTx/>
-              <a:buChar char="-"/>
+              <a:t>Batch size: 4, number of epoch: 100, Loss: cross entropy, Optimizer: Adam</a:t>
+            </a:r>
+          </a:p>
+          <a:p>
+            <a:pPr marL="0" indent="0">
+              <a:buNone/>
             </a:pPr>
             <a:r>
               <a:rPr lang="en-US"/>
-              <a:t>Loss: cross entropy, Optimizer: Adam</a:t>
+              <a:t>Compare on:</a:t>
             </a:r>
             <a:endParaRPr lang="vi-VN"/>
           </a:p>
+          <a:p>
+            <a:pPr marL="0" indent="0">
+              <a:buNone/>
+            </a:pPr>
+            <a:r>
+              <a:rPr lang="en-US"/>
+              <a:t>1. Type of quanvolution filter</a:t>
+            </a:r>
+          </a:p>
+          <a:p>
+            <a:pPr marL="0" indent="0">
+              <a:buNone/>
+            </a:pPr>
+            <a:r>
+              <a:rPr lang="en-US"/>
+              <a:t>2. Number of filter</a:t>
+            </a:r>
+          </a:p>
+          <a:p>
+            <a:pPr marL="0" indent="0">
+              <a:buNone/>
+            </a:pPr>
+            <a:r>
+              <a:rPr lang="en-US"/>
+              <a:t>3. Size of filter</a:t>
+            </a:r>
+            <a:endParaRPr lang="vi-VN"/>
+          </a:p>
         </p:txBody>
       </p:sp>
       <p:sp>
@@ -8659,7 +8674,7 @@
           <p:cNvPr id="4" name="Chỗ dành sẵn cho Số hiệu Bản chiếu 3">
             <a:extLst>
               <a:ext uri="{FF2B5EF4-FFF2-40B4-BE49-F238E27FC236}">
-                <a16:creationId xmlns:a16="http://schemas.microsoft.com/office/drawing/2014/main" id="{93A54B58-A58F-4460-ACE3-ECC3CC234CA4}"/>
+                <a16:creationId xmlns:a16="http://schemas.microsoft.com/office/drawing/2014/main" id="{8C657239-3BE4-4A4F-D3F0-10575CBCFE20}"/>
               </a:ext>
             </a:extLst>
           </p:cNvPr>
@@ -8686,7 +8701,7 @@
     </p:spTree>
     <p:extLst>
       <p:ext uri="{BB962C8B-B14F-4D97-AF65-F5344CB8AC3E}">
-        <p14:creationId xmlns:p14="http://schemas.microsoft.com/office/powerpoint/2010/main" val="4179706118"/>
+        <p14:creationId xmlns:p14="http://schemas.microsoft.com/office/powerpoint/2010/main" val="1990594452"/>
       </p:ext>
     </p:extLst>
   </p:cSld>
@@ -8718,7 +8733,7 @@
           <p:cNvPr id="2" name="Tiêu đề 1">
             <a:extLst>
               <a:ext uri="{FF2B5EF4-FFF2-40B4-BE49-F238E27FC236}">
-                <a16:creationId xmlns:a16="http://schemas.microsoft.com/office/drawing/2014/main" id="{2C81EBE6-5A53-E487-4003-150342F400B3}"/>
+                <a16:creationId xmlns:a16="http://schemas.microsoft.com/office/drawing/2014/main" id="{7E516D22-8786-53EA-E30E-9D9A0D47A77F}"/>
               </a:ext>
             </a:extLst>
           </p:cNvPr>
@@ -8735,10 +8750,52 @@
           <a:lstStyle/>
           <a:p>
             <a:r>
-              <a:rPr lang="en-US"/>
-              <a:t>Result on MNIST</a:t>
-            </a:r>
-            <a:endParaRPr lang="vi-VN"/>
+              <a:rPr lang="vi-VN">
+                <a:latin typeface="Calibri Light (Đầu đề)"/>
+              </a:rPr>
+              <a:t>1. Is entangled circuit better quanv filter?</a:t>
+            </a:r>
+          </a:p>
+        </p:txBody>
+      </p:sp>
+      <p:sp>
+        <p:nvSpPr>
+          <p:cNvPr id="3" name="Chỗ dành sẵn cho Nội dung 2">
+            <a:extLst>
+              <a:ext uri="{FF2B5EF4-FFF2-40B4-BE49-F238E27FC236}">
+                <a16:creationId xmlns:a16="http://schemas.microsoft.com/office/drawing/2014/main" id="{87E70F90-C083-EE09-85B7-38D7C6D6570C}"/>
+              </a:ext>
+            </a:extLst>
+          </p:cNvPr>
+          <p:cNvSpPr>
+            <a:spLocks noGrp="1"/>
+          </p:cNvSpPr>
+          <p:nvPr>
+            <p:ph idx="1"/>
+          </p:nvPr>
+        </p:nvSpPr>
+        <p:spPr>
+          <a:xfrm>
+            <a:off x="838200" y="6226068"/>
+            <a:ext cx="5412475" cy="365125"/>
+          </a:xfrm>
+        </p:spPr>
+        <p:txBody>
+          <a:bodyPr>
+            <a:normAutofit fontScale="85000" lnSpcReduction="20000"/>
+          </a:bodyPr>
+          <a:lstStyle/>
+          <a:p>
+            <a:pPr marL="0" indent="0">
+              <a:buNone/>
+            </a:pPr>
+            <a:r>
+              <a:rPr lang="en-US" sz="1400"/>
+              <a:t>Expressibility and entangling capability of parameterized quantum circuits for hybrid quantum-classical algorithms</a:t>
+            </a:r>
+            <a:endParaRPr lang="vi-VN" sz="1400">
+              <a:latin typeface="Calibri (Thân)"/>
+            </a:endParaRPr>
           </a:p>
         </p:txBody>
       </p:sp>
@@ -8747,7 +8804,7 @@
           <p:cNvPr id="4" name="Chỗ dành sẵn cho Số hiệu Bản chiếu 3">
             <a:extLst>
               <a:ext uri="{FF2B5EF4-FFF2-40B4-BE49-F238E27FC236}">
-                <a16:creationId xmlns:a16="http://schemas.microsoft.com/office/drawing/2014/main" id="{A928DB5D-9010-4538-721A-5428087E5B67}"/>
+                <a16:creationId xmlns:a16="http://schemas.microsoft.com/office/drawing/2014/main" id="{DB574488-C260-DDAB-351D-167CCD478EF3}"/>
               </a:ext>
             </a:extLst>
           </p:cNvPr>
@@ -8773,10 +8830,410 @@
       </p:sp>
       <p:pic>
         <p:nvPicPr>
-          <p:cNvPr id="9" name="Chỗ dành sẵn cho Nội dung 8">
-            <a:extLst>
-              <a:ext uri="{FF2B5EF4-FFF2-40B4-BE49-F238E27FC236}">
-                <a16:creationId xmlns:a16="http://schemas.microsoft.com/office/drawing/2014/main" id="{422F2121-5C7E-C507-46C2-D1EAB6725F77}"/>
+          <p:cNvPr id="6" name="Hình ảnh 5">
+            <a:extLst>
+              <a:ext uri="{FF2B5EF4-FFF2-40B4-BE49-F238E27FC236}">
+                <a16:creationId xmlns:a16="http://schemas.microsoft.com/office/drawing/2014/main" id="{110024C5-362C-E921-285C-5F9236CD6AF9}"/>
+              </a:ext>
+            </a:extLst>
+          </p:cNvPr>
+          <p:cNvPicPr>
+            <a:picLocks noChangeAspect="1"/>
+          </p:cNvPicPr>
+          <p:nvPr/>
+        </p:nvPicPr>
+        <p:blipFill rotWithShape="1">
+          <a:blip r:embed="rId2"/>
+          <a:srcRect l="25522" t="29642" r="26055" b="7294"/>
+          <a:stretch/>
+        </p:blipFill>
+        <p:spPr>
+          <a:xfrm>
+            <a:off x="346952" y="1639509"/>
+            <a:ext cx="5903723" cy="4322834"/>
+          </a:xfrm>
+          <a:prstGeom prst="rect">
+            <a:avLst/>
+          </a:prstGeom>
+        </p:spPr>
+      </p:pic>
+      <p:pic>
+        <p:nvPicPr>
+          <p:cNvPr id="8" name="Hình ảnh 7">
+            <a:extLst>
+              <a:ext uri="{FF2B5EF4-FFF2-40B4-BE49-F238E27FC236}">
+                <a16:creationId xmlns:a16="http://schemas.microsoft.com/office/drawing/2014/main" id="{7B909FFC-FE1A-B08B-1DE0-AB2FD470A4E4}"/>
+              </a:ext>
+            </a:extLst>
+          </p:cNvPr>
+          <p:cNvPicPr>
+            <a:picLocks noChangeAspect="1"/>
+          </p:cNvPicPr>
+          <p:nvPr/>
+        </p:nvPicPr>
+        <p:blipFill rotWithShape="1">
+          <a:blip r:embed="rId3"/>
+          <a:srcRect l="8789" t="18109" r="27109" b="9195"/>
+          <a:stretch/>
+        </p:blipFill>
+        <p:spPr>
+          <a:xfrm>
+            <a:off x="6278169" y="1639509"/>
+            <a:ext cx="5566879" cy="3549473"/>
+          </a:xfrm>
+          <a:prstGeom prst="rect">
+            <a:avLst/>
+          </a:prstGeom>
+        </p:spPr>
+      </p:pic>
+    </p:spTree>
+    <p:extLst>
+      <p:ext uri="{BB962C8B-B14F-4D97-AF65-F5344CB8AC3E}">
+        <p14:creationId xmlns:p14="http://schemas.microsoft.com/office/powerpoint/2010/main" val="2383563643"/>
+      </p:ext>
+    </p:extLst>
+  </p:cSld>
+  <p:clrMapOvr>
+    <a:masterClrMapping/>
+  </p:clrMapOvr>
+</p:sld>
+</file>
+
+<file path=ppt/slides/slide22.xml><?xml version="1.0" encoding="utf-8"?>
+<p:sld xmlns:a="http://schemas.openxmlformats.org/drawingml/2006/main" xmlns:r="http://schemas.openxmlformats.org/officeDocument/2006/relationships" xmlns:p="http://schemas.openxmlformats.org/presentationml/2006/main">
+  <p:cSld>
+    <p:spTree>
+      <p:nvGrpSpPr>
+        <p:cNvPr id="1" name=""/>
+        <p:cNvGrpSpPr/>
+        <p:nvPr/>
+      </p:nvGrpSpPr>
+      <p:grpSpPr>
+        <a:xfrm>
+          <a:off x="0" y="0"/>
+          <a:ext cx="0" cy="0"/>
+          <a:chOff x="0" y="0"/>
+          <a:chExt cx="0" cy="0"/>
+        </a:xfrm>
+      </p:grpSpPr>
+      <p:sp>
+        <p:nvSpPr>
+          <p:cNvPr id="2" name="Tiêu đề 1">
+            <a:extLst>
+              <a:ext uri="{FF2B5EF4-FFF2-40B4-BE49-F238E27FC236}">
+                <a16:creationId xmlns:a16="http://schemas.microsoft.com/office/drawing/2014/main" id="{7E516D22-8786-53EA-E30E-9D9A0D47A77F}"/>
+              </a:ext>
+            </a:extLst>
+          </p:cNvPr>
+          <p:cNvSpPr>
+            <a:spLocks noGrp="1"/>
+          </p:cNvSpPr>
+          <p:nvPr>
+            <p:ph type="title"/>
+          </p:nvPr>
+        </p:nvSpPr>
+        <p:spPr/>
+        <p:txBody>
+          <a:bodyPr/>
+          <a:lstStyle/>
+          <a:p>
+            <a:r>
+              <a:rPr lang="vi-VN">
+                <a:latin typeface="Calibri Light (Đầu đề)"/>
+              </a:rPr>
+              <a:t>1. Expressibility</a:t>
+            </a:r>
+          </a:p>
+        </p:txBody>
+      </p:sp>
+      <p:sp>
+        <p:nvSpPr>
+          <p:cNvPr id="4" name="Chỗ dành sẵn cho Số hiệu Bản chiếu 3">
+            <a:extLst>
+              <a:ext uri="{FF2B5EF4-FFF2-40B4-BE49-F238E27FC236}">
+                <a16:creationId xmlns:a16="http://schemas.microsoft.com/office/drawing/2014/main" id="{DB574488-C260-DDAB-351D-167CCD478EF3}"/>
+              </a:ext>
+            </a:extLst>
+          </p:cNvPr>
+          <p:cNvSpPr>
+            <a:spLocks noGrp="1"/>
+          </p:cNvSpPr>
+          <p:nvPr>
+            <p:ph type="sldNum" sz="quarter" idx="12"/>
+          </p:nvPr>
+        </p:nvSpPr>
+        <p:spPr/>
+        <p:txBody>
+          <a:bodyPr/>
+          <a:lstStyle/>
+          <a:p>
+            <a:fld id="{8ABE2698-B386-4030-AF28-2C9E17A48886}" type="slidenum">
+              <a:rPr lang="vi-VN" smtClean="0"/>
+              <a:t>22</a:t>
+            </a:fld>
+            <a:endParaRPr lang="vi-VN"/>
+          </a:p>
+        </p:txBody>
+      </p:sp>
+      <p:pic>
+        <p:nvPicPr>
+          <p:cNvPr id="12" name="Hình ảnh 11">
+            <a:extLst>
+              <a:ext uri="{FF2B5EF4-FFF2-40B4-BE49-F238E27FC236}">
+                <a16:creationId xmlns:a16="http://schemas.microsoft.com/office/drawing/2014/main" id="{E877144E-B5A5-9C72-3BD2-CB97D140E56B}"/>
+              </a:ext>
+            </a:extLst>
+          </p:cNvPr>
+          <p:cNvPicPr>
+            <a:picLocks noChangeAspect="1"/>
+          </p:cNvPicPr>
+          <p:nvPr/>
+        </p:nvPicPr>
+        <p:blipFill rotWithShape="1">
+          <a:blip r:embed="rId2"/>
+          <a:srcRect l="18281" t="20610" r="18204" b="8268"/>
+          <a:stretch/>
+        </p:blipFill>
+        <p:spPr>
+          <a:xfrm>
+            <a:off x="838200" y="1409043"/>
+            <a:ext cx="8305800" cy="5228952"/>
+          </a:xfrm>
+          <a:prstGeom prst="rect">
+            <a:avLst/>
+          </a:prstGeom>
+        </p:spPr>
+      </p:pic>
+    </p:spTree>
+    <p:extLst>
+      <p:ext uri="{BB962C8B-B14F-4D97-AF65-F5344CB8AC3E}">
+        <p14:creationId xmlns:p14="http://schemas.microsoft.com/office/powerpoint/2010/main" val="3900091587"/>
+      </p:ext>
+    </p:extLst>
+  </p:cSld>
+  <p:clrMapOvr>
+    <a:masterClrMapping/>
+  </p:clrMapOvr>
+</p:sld>
+</file>
+
+<file path=ppt/slides/slide23.xml><?xml version="1.0" encoding="utf-8"?>
+<p:sld xmlns:a="http://schemas.openxmlformats.org/drawingml/2006/main" xmlns:r="http://schemas.openxmlformats.org/officeDocument/2006/relationships" xmlns:p="http://schemas.openxmlformats.org/presentationml/2006/main">
+  <p:cSld>
+    <p:spTree>
+      <p:nvGrpSpPr>
+        <p:cNvPr id="1" name=""/>
+        <p:cNvGrpSpPr/>
+        <p:nvPr/>
+      </p:nvGrpSpPr>
+      <p:grpSpPr>
+        <a:xfrm>
+          <a:off x="0" y="0"/>
+          <a:ext cx="0" cy="0"/>
+          <a:chOff x="0" y="0"/>
+          <a:chExt cx="0" cy="0"/>
+        </a:xfrm>
+      </p:grpSpPr>
+      <p:sp>
+        <p:nvSpPr>
+          <p:cNvPr id="2" name="Tiêu đề 1">
+            <a:extLst>
+              <a:ext uri="{FF2B5EF4-FFF2-40B4-BE49-F238E27FC236}">
+                <a16:creationId xmlns:a16="http://schemas.microsoft.com/office/drawing/2014/main" id="{7BC34731-7141-572B-A24D-B9EC7B2B9450}"/>
+              </a:ext>
+            </a:extLst>
+          </p:cNvPr>
+          <p:cNvSpPr>
+            <a:spLocks noGrp="1"/>
+          </p:cNvSpPr>
+          <p:nvPr>
+            <p:ph type="title"/>
+          </p:nvPr>
+        </p:nvSpPr>
+        <p:spPr/>
+        <p:txBody>
+          <a:bodyPr/>
+          <a:lstStyle/>
+          <a:p>
+            <a:r>
+              <a:rPr lang="en-US"/>
+              <a:t>1. Something about quanv filter</a:t>
+            </a:r>
+            <a:endParaRPr lang="vi-VN"/>
+          </a:p>
+        </p:txBody>
+      </p:sp>
+      <p:sp>
+        <p:nvSpPr>
+          <p:cNvPr id="3" name="Chỗ dành sẵn cho Nội dung 2">
+            <a:extLst>
+              <a:ext uri="{FF2B5EF4-FFF2-40B4-BE49-F238E27FC236}">
+                <a16:creationId xmlns:a16="http://schemas.microsoft.com/office/drawing/2014/main" id="{31989CCD-4D41-7694-98E4-CF3062309A81}"/>
+              </a:ext>
+            </a:extLst>
+          </p:cNvPr>
+          <p:cNvSpPr>
+            <a:spLocks noGrp="1"/>
+          </p:cNvSpPr>
+          <p:nvPr>
+            <p:ph idx="1"/>
+          </p:nvPr>
+        </p:nvSpPr>
+        <p:spPr/>
+        <p:txBody>
+          <a:bodyPr/>
+          <a:lstStyle/>
+          <a:p>
+            <a:pPr marL="0" indent="0">
+              <a:buNone/>
+            </a:pPr>
+            <a:r>
+              <a:rPr lang="vi-VN">
+                <a:latin typeface="Calibri (Thân)"/>
+              </a:rPr>
+              <a:t>Entangled properties in quantum filter acts as a compresser.</a:t>
+            </a:r>
+          </a:p>
+          <a:p>
+            <a:pPr marL="0" indent="0">
+              <a:buNone/>
+            </a:pPr>
+            <a:r>
+              <a:rPr lang="vi-VN">
+                <a:latin typeface="Calibri (Thân)"/>
+              </a:rPr>
+              <a:t>More entangle, less number of iteration.</a:t>
+            </a:r>
+          </a:p>
+        </p:txBody>
+      </p:sp>
+      <p:sp>
+        <p:nvSpPr>
+          <p:cNvPr id="4" name="Chỗ dành sẵn cho Số hiệu Bản chiếu 3">
+            <a:extLst>
+              <a:ext uri="{FF2B5EF4-FFF2-40B4-BE49-F238E27FC236}">
+                <a16:creationId xmlns:a16="http://schemas.microsoft.com/office/drawing/2014/main" id="{B88303AD-22DF-87E8-48DC-0B5DD8FA0C18}"/>
+              </a:ext>
+            </a:extLst>
+          </p:cNvPr>
+          <p:cNvSpPr>
+            <a:spLocks noGrp="1"/>
+          </p:cNvSpPr>
+          <p:nvPr>
+            <p:ph type="sldNum" sz="quarter" idx="12"/>
+          </p:nvPr>
+        </p:nvSpPr>
+        <p:spPr/>
+        <p:txBody>
+          <a:bodyPr/>
+          <a:lstStyle/>
+          <a:p>
+            <a:fld id="{8ABE2698-B386-4030-AF28-2C9E17A48886}" type="slidenum">
+              <a:rPr lang="vi-VN" smtClean="0"/>
+              <a:t>23</a:t>
+            </a:fld>
+            <a:endParaRPr lang="vi-VN"/>
+          </a:p>
+        </p:txBody>
+      </p:sp>
+    </p:spTree>
+    <p:extLst>
+      <p:ext uri="{BB962C8B-B14F-4D97-AF65-F5344CB8AC3E}">
+        <p14:creationId xmlns:p14="http://schemas.microsoft.com/office/powerpoint/2010/main" val="1285520024"/>
+      </p:ext>
+    </p:extLst>
+  </p:cSld>
+  <p:clrMapOvr>
+    <a:masterClrMapping/>
+  </p:clrMapOvr>
+</p:sld>
+</file>
+
+<file path=ppt/slides/slide24.xml><?xml version="1.0" encoding="utf-8"?>
+<p:sld xmlns:a="http://schemas.openxmlformats.org/drawingml/2006/main" xmlns:r="http://schemas.openxmlformats.org/officeDocument/2006/relationships" xmlns:p="http://schemas.openxmlformats.org/presentationml/2006/main">
+  <p:cSld>
+    <p:spTree>
+      <p:nvGrpSpPr>
+        <p:cNvPr id="1" name=""/>
+        <p:cNvGrpSpPr/>
+        <p:nvPr/>
+      </p:nvGrpSpPr>
+      <p:grpSpPr>
+        <a:xfrm>
+          <a:off x="0" y="0"/>
+          <a:ext cx="0" cy="0"/>
+          <a:chOff x="0" y="0"/>
+          <a:chExt cx="0" cy="0"/>
+        </a:xfrm>
+      </p:grpSpPr>
+      <p:sp>
+        <p:nvSpPr>
+          <p:cNvPr id="2" name="Tiêu đề 1">
+            <a:extLst>
+              <a:ext uri="{FF2B5EF4-FFF2-40B4-BE49-F238E27FC236}">
+                <a16:creationId xmlns:a16="http://schemas.microsoft.com/office/drawing/2014/main" id="{4F01CED8-3DE4-943A-9984-D38972149135}"/>
+              </a:ext>
+            </a:extLst>
+          </p:cNvPr>
+          <p:cNvSpPr>
+            <a:spLocks noGrp="1"/>
+          </p:cNvSpPr>
+          <p:nvPr>
+            <p:ph type="title"/>
+          </p:nvPr>
+        </p:nvSpPr>
+        <p:spPr/>
+        <p:txBody>
+          <a:bodyPr>
+            <a:normAutofit/>
+          </a:bodyPr>
+          <a:lstStyle/>
+          <a:p>
+            <a:r>
+              <a:rPr lang="vi-VN" sz="4000">
+                <a:latin typeface="Calibri Light (Đầu đề)"/>
+              </a:rPr>
+              <a:t>1. Different between quanv filters (4x4, 4 filter)</a:t>
+            </a:r>
+            <a:endParaRPr lang="vi-VN" sz="4000"/>
+          </a:p>
+        </p:txBody>
+      </p:sp>
+      <p:sp>
+        <p:nvSpPr>
+          <p:cNvPr id="4" name="Chỗ dành sẵn cho Số hiệu Bản chiếu 3">
+            <a:extLst>
+              <a:ext uri="{FF2B5EF4-FFF2-40B4-BE49-F238E27FC236}">
+                <a16:creationId xmlns:a16="http://schemas.microsoft.com/office/drawing/2014/main" id="{3DA5315A-B37D-82A5-2A07-EFD6BF4C5FA1}"/>
+              </a:ext>
+            </a:extLst>
+          </p:cNvPr>
+          <p:cNvSpPr>
+            <a:spLocks noGrp="1"/>
+          </p:cNvSpPr>
+          <p:nvPr>
+            <p:ph type="sldNum" sz="quarter" idx="12"/>
+          </p:nvPr>
+        </p:nvSpPr>
+        <p:spPr/>
+        <p:txBody>
+          <a:bodyPr/>
+          <a:lstStyle/>
+          <a:p>
+            <a:fld id="{8ABE2698-B386-4030-AF28-2C9E17A48886}" type="slidenum">
+              <a:rPr lang="vi-VN" smtClean="0"/>
+              <a:t>24</a:t>
+            </a:fld>
+            <a:endParaRPr lang="vi-VN"/>
+          </a:p>
+        </p:txBody>
+      </p:sp>
+      <p:pic>
+        <p:nvPicPr>
+          <p:cNvPr id="10" name="Chỗ dành sẵn cho Nội dung 9">
+            <a:extLst>
+              <a:ext uri="{FF2B5EF4-FFF2-40B4-BE49-F238E27FC236}">
+                <a16:creationId xmlns:a16="http://schemas.microsoft.com/office/drawing/2014/main" id="{FA63DF05-5D73-D858-1842-8D55C7595A48}"/>
               </a:ext>
             </a:extLst>
           </p:cNvPr>
@@ -8801,17 +9258,536 @@
         </p:blipFill>
         <p:spPr>
           <a:xfrm>
-            <a:off x="5739787" y="1690688"/>
+            <a:off x="838199" y="1690688"/>
+            <a:ext cx="5620881" cy="3700178"/>
+          </a:xfrm>
+        </p:spPr>
+      </p:pic>
+      <p:sp>
+        <p:nvSpPr>
+          <p:cNvPr id="11" name="Hộp Văn bản 10">
+            <a:extLst>
+              <a:ext uri="{FF2B5EF4-FFF2-40B4-BE49-F238E27FC236}">
+                <a16:creationId xmlns:a16="http://schemas.microsoft.com/office/drawing/2014/main" id="{B72DF0A1-BC95-31BA-828D-C3DCFBED15BB}"/>
+              </a:ext>
+            </a:extLst>
+          </p:cNvPr>
+          <p:cNvSpPr txBox="1"/>
+          <p:nvPr/>
+        </p:nvSpPr>
+        <p:spPr>
+          <a:xfrm>
+            <a:off x="2402004" y="2624295"/>
+            <a:ext cx="1528549" cy="338554"/>
+          </a:xfrm>
+          <a:prstGeom prst="rect">
+            <a:avLst/>
+          </a:prstGeom>
+          <a:noFill/>
+        </p:spPr>
+        <p:txBody>
+          <a:bodyPr wrap="square" rtlCol="0">
+            <a:spAutoFit/>
+          </a:bodyPr>
+          <a:lstStyle/>
+          <a:p>
+            <a:r>
+              <a:rPr lang="vi-VN" sz="1600"/>
+              <a:t>4x4 circuit 0</a:t>
+            </a:r>
+          </a:p>
+        </p:txBody>
+      </p:sp>
+      <p:sp>
+        <p:nvSpPr>
+          <p:cNvPr id="12" name="Hình chữ nhật 11">
+            <a:extLst>
+              <a:ext uri="{FF2B5EF4-FFF2-40B4-BE49-F238E27FC236}">
+                <a16:creationId xmlns:a16="http://schemas.microsoft.com/office/drawing/2014/main" id="{1864DA3C-B20F-61C6-A12D-4950BEEB0E49}"/>
+              </a:ext>
+            </a:extLst>
+          </p:cNvPr>
+          <p:cNvSpPr/>
+          <p:nvPr/>
+        </p:nvSpPr>
+        <p:spPr>
+          <a:xfrm>
+            <a:off x="1801504" y="2624295"/>
+            <a:ext cx="485984" cy="338554"/>
+          </a:xfrm>
+          <a:prstGeom prst="rect">
+            <a:avLst/>
+          </a:prstGeom>
+          <a:noFill/>
+        </p:spPr>
+        <p:style>
+          <a:lnRef idx="2">
+            <a:schemeClr val="accent1">
+              <a:shade val="50000"/>
+            </a:schemeClr>
+          </a:lnRef>
+          <a:fillRef idx="1">
+            <a:schemeClr val="accent1"/>
+          </a:fillRef>
+          <a:effectRef idx="0">
+            <a:schemeClr val="accent1"/>
+          </a:effectRef>
+          <a:fontRef idx="minor">
+            <a:schemeClr val="lt1"/>
+          </a:fontRef>
+        </p:style>
+        <p:txBody>
+          <a:bodyPr rtlCol="0" anchor="ctr"/>
+          <a:lstStyle/>
+          <a:p>
+            <a:pPr algn="ctr"/>
+            <a:endParaRPr lang="vi-VN"/>
+          </a:p>
+        </p:txBody>
+      </p:sp>
+      <p:sp>
+        <p:nvSpPr>
+          <p:cNvPr id="15" name="Hộp Văn bản 14">
+            <a:extLst>
+              <a:ext uri="{FF2B5EF4-FFF2-40B4-BE49-F238E27FC236}">
+                <a16:creationId xmlns:a16="http://schemas.microsoft.com/office/drawing/2014/main" id="{E255BC75-2C45-681E-2F6C-48C13613DF98}"/>
+              </a:ext>
+            </a:extLst>
+          </p:cNvPr>
+          <p:cNvSpPr txBox="1"/>
+          <p:nvPr/>
+        </p:nvSpPr>
+        <p:spPr>
+          <a:xfrm>
+            <a:off x="2202621" y="3129133"/>
+            <a:ext cx="1727932" cy="338554"/>
+          </a:xfrm>
+          <a:prstGeom prst="rect">
+            <a:avLst/>
+          </a:prstGeom>
+          <a:noFill/>
+        </p:spPr>
+        <p:txBody>
+          <a:bodyPr wrap="square" rtlCol="0">
+            <a:spAutoFit/>
+          </a:bodyPr>
+          <a:lstStyle/>
+          <a:p>
+            <a:r>
+              <a:rPr lang="vi-VN" sz="1600"/>
+              <a:t>2x2 circuit 0</a:t>
+            </a:r>
+          </a:p>
+        </p:txBody>
+      </p:sp>
+      <p:sp>
+        <p:nvSpPr>
+          <p:cNvPr id="16" name="Hình chữ nhật 15">
+            <a:extLst>
+              <a:ext uri="{FF2B5EF4-FFF2-40B4-BE49-F238E27FC236}">
+                <a16:creationId xmlns:a16="http://schemas.microsoft.com/office/drawing/2014/main" id="{B8E32DF4-1D1B-A57F-207A-51281EAC9ACA}"/>
+              </a:ext>
+            </a:extLst>
+          </p:cNvPr>
+          <p:cNvSpPr/>
+          <p:nvPr/>
+        </p:nvSpPr>
+        <p:spPr>
+          <a:xfrm>
+            <a:off x="1615772" y="3108463"/>
+            <a:ext cx="485984" cy="320537"/>
+          </a:xfrm>
+          <a:prstGeom prst="rect">
+            <a:avLst/>
+          </a:prstGeom>
+          <a:noFill/>
+        </p:spPr>
+        <p:style>
+          <a:lnRef idx="2">
+            <a:schemeClr val="accent1">
+              <a:shade val="50000"/>
+            </a:schemeClr>
+          </a:lnRef>
+          <a:fillRef idx="1">
+            <a:schemeClr val="accent1"/>
+          </a:fillRef>
+          <a:effectRef idx="0">
+            <a:schemeClr val="accent1"/>
+          </a:effectRef>
+          <a:fontRef idx="minor">
+            <a:schemeClr val="lt1"/>
+          </a:fontRef>
+        </p:style>
+        <p:txBody>
+          <a:bodyPr rtlCol="0" anchor="ctr"/>
+          <a:lstStyle/>
+          <a:p>
+            <a:pPr algn="ctr"/>
+            <a:endParaRPr lang="vi-VN"/>
+          </a:p>
+        </p:txBody>
+      </p:sp>
+      <p:pic>
+        <p:nvPicPr>
+          <p:cNvPr id="18" name="Hình ảnh 17">
+            <a:extLst>
+              <a:ext uri="{FF2B5EF4-FFF2-40B4-BE49-F238E27FC236}">
+                <a16:creationId xmlns:a16="http://schemas.microsoft.com/office/drawing/2014/main" id="{41F0BF82-51E8-10C0-0FA0-2CAD457ABCF3}"/>
+              </a:ext>
+            </a:extLst>
+          </p:cNvPr>
+          <p:cNvPicPr>
+            <a:picLocks noChangeAspect="1"/>
+          </p:cNvPicPr>
+          <p:nvPr/>
+        </p:nvPicPr>
+        <p:blipFill rotWithShape="1">
+          <a:blip r:embed="rId3">
+            <a:extLst>
+              <a:ext uri="{28A0092B-C50C-407E-A947-70E740481C1C}">
+                <a14:useLocalDpi xmlns:a14="http://schemas.microsoft.com/office/drawing/2010/main" val="0"/>
+              </a:ext>
+            </a:extLst>
+          </a:blip>
+          <a:srcRect l="4265"/>
+          <a:stretch/>
+        </p:blipFill>
+        <p:spPr>
+          <a:xfrm>
+            <a:off x="6459080" y="1690688"/>
+            <a:ext cx="5381172" cy="3700178"/>
+          </a:xfrm>
+          <a:prstGeom prst="rect">
+            <a:avLst/>
+          </a:prstGeom>
+        </p:spPr>
+      </p:pic>
+      <p:sp>
+        <p:nvSpPr>
+          <p:cNvPr id="19" name="Hộp Văn bản 18">
+            <a:extLst>
+              <a:ext uri="{FF2B5EF4-FFF2-40B4-BE49-F238E27FC236}">
+                <a16:creationId xmlns:a16="http://schemas.microsoft.com/office/drawing/2014/main" id="{C18CA1E4-1D91-07DE-4DC3-FC04C0290447}"/>
+              </a:ext>
+            </a:extLst>
+          </p:cNvPr>
+          <p:cNvSpPr txBox="1"/>
+          <p:nvPr/>
+        </p:nvSpPr>
+        <p:spPr>
+          <a:xfrm>
+            <a:off x="3648639" y="5493645"/>
+            <a:ext cx="2295803" cy="369332"/>
+          </a:xfrm>
+          <a:prstGeom prst="rect">
+            <a:avLst/>
+          </a:prstGeom>
+          <a:noFill/>
+        </p:spPr>
+        <p:txBody>
+          <a:bodyPr wrap="square" rtlCol="0">
+            <a:spAutoFit/>
+          </a:bodyPr>
+          <a:lstStyle/>
+          <a:p>
+            <a:r>
+              <a:rPr lang="vi-VN"/>
+              <a:t>MNIST</a:t>
+            </a:r>
+          </a:p>
+        </p:txBody>
+      </p:sp>
+      <p:sp>
+        <p:nvSpPr>
+          <p:cNvPr id="20" name="Hộp Văn bản 19">
+            <a:extLst>
+              <a:ext uri="{FF2B5EF4-FFF2-40B4-BE49-F238E27FC236}">
+                <a16:creationId xmlns:a16="http://schemas.microsoft.com/office/drawing/2014/main" id="{8930F435-C8D8-3863-A609-AED3D09B7943}"/>
+              </a:ext>
+            </a:extLst>
+          </p:cNvPr>
+          <p:cNvSpPr txBox="1"/>
+          <p:nvPr/>
+        </p:nvSpPr>
+        <p:spPr>
+          <a:xfrm>
+            <a:off x="9008076" y="5493645"/>
+            <a:ext cx="2295803" cy="369332"/>
+          </a:xfrm>
+          <a:prstGeom prst="rect">
+            <a:avLst/>
+          </a:prstGeom>
+          <a:noFill/>
+        </p:spPr>
+        <p:txBody>
+          <a:bodyPr wrap="square" rtlCol="0">
+            <a:spAutoFit/>
+          </a:bodyPr>
+          <a:lstStyle/>
+          <a:p>
+            <a:r>
+              <a:rPr lang="vi-VN"/>
+              <a:t>MNIST Fashion</a:t>
+            </a:r>
+          </a:p>
+        </p:txBody>
+      </p:sp>
+    </p:spTree>
+    <p:extLst>
+      <p:ext uri="{BB962C8B-B14F-4D97-AF65-F5344CB8AC3E}">
+        <p14:creationId xmlns:p14="http://schemas.microsoft.com/office/powerpoint/2010/main" val="1800492772"/>
+      </p:ext>
+    </p:extLst>
+  </p:cSld>
+  <p:clrMapOvr>
+    <a:masterClrMapping/>
+  </p:clrMapOvr>
+</p:sld>
+</file>
+
+<file path=ppt/slides/slide25.xml><?xml version="1.0" encoding="utf-8"?>
+<p:sld xmlns:a="http://schemas.openxmlformats.org/drawingml/2006/main" xmlns:r="http://schemas.openxmlformats.org/officeDocument/2006/relationships" xmlns:p="http://schemas.openxmlformats.org/presentationml/2006/main">
+  <p:cSld>
+    <p:spTree>
+      <p:nvGrpSpPr>
+        <p:cNvPr id="1" name=""/>
+        <p:cNvGrpSpPr/>
+        <p:nvPr/>
+      </p:nvGrpSpPr>
+      <p:grpSpPr>
+        <a:xfrm>
+          <a:off x="0" y="0"/>
+          <a:ext cx="0" cy="0"/>
+          <a:chOff x="0" y="0"/>
+          <a:chExt cx="0" cy="0"/>
+        </a:xfrm>
+      </p:grpSpPr>
+      <p:sp>
+        <p:nvSpPr>
+          <p:cNvPr id="2" name="Tiêu đề 1">
+            <a:extLst>
+              <a:ext uri="{FF2B5EF4-FFF2-40B4-BE49-F238E27FC236}">
+                <a16:creationId xmlns:a16="http://schemas.microsoft.com/office/drawing/2014/main" id="{3AF9C5AE-1ED4-4EFC-8855-C13BEA0D4969}"/>
+              </a:ext>
+            </a:extLst>
+          </p:cNvPr>
+          <p:cNvSpPr>
+            <a:spLocks noGrp="1"/>
+          </p:cNvSpPr>
+          <p:nvPr>
+            <p:ph type="title"/>
+          </p:nvPr>
+        </p:nvSpPr>
+        <p:spPr/>
+        <p:txBody>
+          <a:bodyPr/>
+          <a:lstStyle/>
+          <a:p>
+            <a:r>
+              <a:rPr lang="en-US"/>
+              <a:t>2. Different </a:t>
+            </a:r>
+            <a:r>
+              <a:rPr lang="vi-VN" sz="4400">
+                <a:latin typeface="Calibri Light (Đầu đề)"/>
+              </a:rPr>
+              <a:t>between </a:t>
+            </a:r>
+            <a:r>
+              <a:rPr lang="en-US" sz="4400">
+                <a:latin typeface="Calibri Light (Đầu đề)"/>
+              </a:rPr>
+              <a:t>number of filter</a:t>
+            </a:r>
+            <a:endParaRPr lang="vi-VN"/>
+          </a:p>
+        </p:txBody>
+      </p:sp>
+      <p:sp>
+        <p:nvSpPr>
+          <p:cNvPr id="4" name="Chỗ dành sẵn cho Số hiệu Bản chiếu 3">
+            <a:extLst>
+              <a:ext uri="{FF2B5EF4-FFF2-40B4-BE49-F238E27FC236}">
+                <a16:creationId xmlns:a16="http://schemas.microsoft.com/office/drawing/2014/main" id="{07EA8ED1-0F56-3816-BC84-CAF88B19EC3C}"/>
+              </a:ext>
+            </a:extLst>
+          </p:cNvPr>
+          <p:cNvSpPr>
+            <a:spLocks noGrp="1"/>
+          </p:cNvSpPr>
+          <p:nvPr>
+            <p:ph type="sldNum" sz="quarter" idx="12"/>
+          </p:nvPr>
+        </p:nvSpPr>
+        <p:spPr/>
+        <p:txBody>
+          <a:bodyPr/>
+          <a:lstStyle/>
+          <a:p>
+            <a:fld id="{8ABE2698-B386-4030-AF28-2C9E17A48886}" type="slidenum">
+              <a:rPr lang="vi-VN" smtClean="0"/>
+              <a:t>25</a:t>
+            </a:fld>
+            <a:endParaRPr lang="vi-VN"/>
+          </a:p>
+        </p:txBody>
+      </p:sp>
+      <p:sp>
+        <p:nvSpPr>
+          <p:cNvPr id="8" name="Chỗ dành sẵn cho Nội dung 7">
+            <a:extLst>
+              <a:ext uri="{FF2B5EF4-FFF2-40B4-BE49-F238E27FC236}">
+                <a16:creationId xmlns:a16="http://schemas.microsoft.com/office/drawing/2014/main" id="{2893A49C-7CDF-E924-D2C1-1BDFDEA69001}"/>
+              </a:ext>
+            </a:extLst>
+          </p:cNvPr>
+          <p:cNvSpPr>
+            <a:spLocks noGrp="1"/>
+          </p:cNvSpPr>
+          <p:nvPr>
+            <p:ph idx="1"/>
+          </p:nvPr>
+        </p:nvSpPr>
+        <p:spPr>
+          <a:xfrm>
+            <a:off x="838200" y="5682229"/>
+            <a:ext cx="10515600" cy="494733"/>
+          </a:xfrm>
+        </p:spPr>
+        <p:txBody>
+          <a:bodyPr>
+            <a:normAutofit/>
+          </a:bodyPr>
+          <a:lstStyle/>
+          <a:p>
+            <a:pPr marL="0" indent="0">
+              <a:buNone/>
+            </a:pPr>
+            <a:r>
+              <a:rPr lang="vi-VN" sz="2400">
+                <a:latin typeface="Calibri (Thân)"/>
+              </a:rPr>
+              <a:t>From 1 to 100 filters</a:t>
+            </a:r>
+          </a:p>
+        </p:txBody>
+      </p:sp>
+      <p:sp>
+        <p:nvSpPr>
+          <p:cNvPr id="9" name="Hộp Văn bản 8">
+            <a:extLst>
+              <a:ext uri="{FF2B5EF4-FFF2-40B4-BE49-F238E27FC236}">
+                <a16:creationId xmlns:a16="http://schemas.microsoft.com/office/drawing/2014/main" id="{B67B96F8-EBA5-9E9F-3165-55F256FCC0C2}"/>
+              </a:ext>
+            </a:extLst>
+          </p:cNvPr>
+          <p:cNvSpPr txBox="1"/>
+          <p:nvPr/>
+        </p:nvSpPr>
+        <p:spPr>
+          <a:xfrm>
+            <a:off x="838200" y="5202695"/>
+            <a:ext cx="3172930" cy="369332"/>
+          </a:xfrm>
+          <a:prstGeom prst="rect">
+            <a:avLst/>
+          </a:prstGeom>
+          <a:noFill/>
+        </p:spPr>
+        <p:txBody>
+          <a:bodyPr wrap="square" rtlCol="0">
+            <a:spAutoFit/>
+          </a:bodyPr>
+          <a:lstStyle/>
+          <a:p>
+            <a:r>
+              <a:rPr lang="vi-VN">
+                <a:latin typeface="Calibri (Thân)"/>
+              </a:rPr>
+              <a:t>Train and test on MNIST</a:t>
+            </a:r>
+          </a:p>
+        </p:txBody>
+      </p:sp>
+      <p:sp>
+        <p:nvSpPr>
+          <p:cNvPr id="10" name="Hộp Văn bản 9">
+            <a:extLst>
+              <a:ext uri="{FF2B5EF4-FFF2-40B4-BE49-F238E27FC236}">
+                <a16:creationId xmlns:a16="http://schemas.microsoft.com/office/drawing/2014/main" id="{3033B70F-3E99-FC9D-E2A6-21692EA3F197}"/>
+              </a:ext>
+            </a:extLst>
+          </p:cNvPr>
+          <p:cNvSpPr txBox="1"/>
+          <p:nvPr/>
+        </p:nvSpPr>
+        <p:spPr>
+          <a:xfrm>
+            <a:off x="6096000" y="5202695"/>
+            <a:ext cx="3811258" cy="369332"/>
+          </a:xfrm>
+          <a:prstGeom prst="rect">
+            <a:avLst/>
+          </a:prstGeom>
+          <a:noFill/>
+        </p:spPr>
+        <p:txBody>
+          <a:bodyPr wrap="square" rtlCol="0">
+            <a:spAutoFit/>
+          </a:bodyPr>
+          <a:lstStyle/>
+          <a:p>
+            <a:r>
+              <a:rPr lang="vi-VN">
+                <a:latin typeface="Calibri (Thân)"/>
+              </a:rPr>
+              <a:t>Train and test on MNIST Fashion</a:t>
+            </a:r>
+          </a:p>
+        </p:txBody>
+      </p:sp>
+      <p:pic>
+        <p:nvPicPr>
+          <p:cNvPr id="11" name="Chỗ dành sẵn cho Nội dung 6">
+            <a:extLst>
+              <a:ext uri="{FF2B5EF4-FFF2-40B4-BE49-F238E27FC236}">
+                <a16:creationId xmlns:a16="http://schemas.microsoft.com/office/drawing/2014/main" id="{532BE144-2ABE-9B1A-6776-5D45CFF0321C}"/>
+              </a:ext>
+            </a:extLst>
+          </p:cNvPr>
+          <p:cNvPicPr>
+            <a:picLocks noChangeAspect="1"/>
+          </p:cNvPicPr>
+          <p:nvPr/>
+        </p:nvPicPr>
+        <p:blipFill>
+          <a:blip r:embed="rId2">
+            <a:extLst>
+              <a:ext uri="{28A0092B-C50C-407E-A947-70E740481C1C}">
+                <a14:useLocalDpi xmlns:a14="http://schemas.microsoft.com/office/drawing/2010/main" val="0"/>
+              </a:ext>
+            </a:extLst>
+          </a:blip>
+          <a:stretch>
+            <a:fillRect/>
+          </a:stretch>
+        </p:blipFill>
+        <p:spPr>
+          <a:xfrm>
+            <a:off x="838200" y="1765508"/>
             <a:ext cx="4901587" cy="3326984"/>
           </a:xfrm>
+          <a:prstGeom prst="rect">
+            <a:avLst/>
+          </a:prstGeom>
         </p:spPr>
       </p:pic>
       <p:pic>
         <p:nvPicPr>
-          <p:cNvPr id="11" name="Hình ảnh 10">
-            <a:extLst>
-              <a:ext uri="{FF2B5EF4-FFF2-40B4-BE49-F238E27FC236}">
-                <a16:creationId xmlns:a16="http://schemas.microsoft.com/office/drawing/2014/main" id="{EA7DE505-D3D6-94AA-4669-9DA06AF33518}"/>
+          <p:cNvPr id="12" name="Hình ảnh 11">
+            <a:extLst>
+              <a:ext uri="{FF2B5EF4-FFF2-40B4-BE49-F238E27FC236}">
+                <a16:creationId xmlns:a16="http://schemas.microsoft.com/office/drawing/2014/main" id="{EA1B3E7F-0914-525F-1FF3-32512C6C3203}"/>
               </a:ext>
             </a:extLst>
           </p:cNvPr>
@@ -8834,7 +9810,7 @@
         </p:blipFill>
         <p:spPr>
           <a:xfrm>
-            <a:off x="838200" y="1690688"/>
+            <a:off x="5924874" y="1765508"/>
             <a:ext cx="4901587" cy="3326984"/>
           </a:xfrm>
           <a:prstGeom prst="rect">
@@ -8842,6 +9818,112 @@
           </a:prstGeom>
         </p:spPr>
       </p:pic>
+    </p:spTree>
+    <p:extLst>
+      <p:ext uri="{BB962C8B-B14F-4D97-AF65-F5344CB8AC3E}">
+        <p14:creationId xmlns:p14="http://schemas.microsoft.com/office/powerpoint/2010/main" val="1665987890"/>
+      </p:ext>
+    </p:extLst>
+  </p:cSld>
+  <p:clrMapOvr>
+    <a:masterClrMapping/>
+  </p:clrMapOvr>
+</p:sld>
+</file>
+
+<file path=ppt/slides/slide26.xml><?xml version="1.0" encoding="utf-8"?>
+<p:sld xmlns:a="http://schemas.openxmlformats.org/drawingml/2006/main" xmlns:r="http://schemas.openxmlformats.org/officeDocument/2006/relationships" xmlns:p="http://schemas.openxmlformats.org/presentationml/2006/main">
+  <p:cSld>
+    <p:spTree>
+      <p:nvGrpSpPr>
+        <p:cNvPr id="1" name=""/>
+        <p:cNvGrpSpPr/>
+        <p:nvPr/>
+      </p:nvGrpSpPr>
+      <p:grpSpPr>
+        <a:xfrm>
+          <a:off x="0" y="0"/>
+          <a:ext cx="0" cy="0"/>
+          <a:chOff x="0" y="0"/>
+          <a:chExt cx="0" cy="0"/>
+        </a:xfrm>
+      </p:grpSpPr>
+      <p:sp>
+        <p:nvSpPr>
+          <p:cNvPr id="2" name="Tiêu đề 1">
+            <a:extLst>
+              <a:ext uri="{FF2B5EF4-FFF2-40B4-BE49-F238E27FC236}">
+                <a16:creationId xmlns:a16="http://schemas.microsoft.com/office/drawing/2014/main" id="{2C81EBE6-5A53-E487-4003-150342F400B3}"/>
+              </a:ext>
+            </a:extLst>
+          </p:cNvPr>
+          <p:cNvSpPr>
+            <a:spLocks noGrp="1"/>
+          </p:cNvSpPr>
+          <p:nvPr>
+            <p:ph type="title"/>
+          </p:nvPr>
+        </p:nvSpPr>
+        <p:spPr/>
+        <p:txBody>
+          <a:bodyPr>
+            <a:normAutofit/>
+          </a:bodyPr>
+          <a:lstStyle/>
+          <a:p>
+            <a:r>
+              <a:rPr lang="en-US" sz="3600"/>
+              <a:t>2. Different </a:t>
+            </a:r>
+            <a:r>
+              <a:rPr lang="vi-VN" sz="3600">
+                <a:latin typeface="Calibri Light (Đầu đề)"/>
+              </a:rPr>
+              <a:t>between </a:t>
+            </a:r>
+            <a:r>
+              <a:rPr lang="en-US" sz="3600">
+                <a:latin typeface="Calibri Light (Đầu đề)"/>
+              </a:rPr>
+              <a:t>number of filter</a:t>
+            </a:r>
+            <a:r>
+              <a:rPr lang="en-US" sz="3600"/>
+              <a:t> on MNIST</a:t>
+            </a:r>
+            <a:endParaRPr lang="vi-VN" sz="3600"/>
+          </a:p>
+        </p:txBody>
+      </p:sp>
+      <p:sp>
+        <p:nvSpPr>
+          <p:cNvPr id="4" name="Chỗ dành sẵn cho Số hiệu Bản chiếu 3">
+            <a:extLst>
+              <a:ext uri="{FF2B5EF4-FFF2-40B4-BE49-F238E27FC236}">
+                <a16:creationId xmlns:a16="http://schemas.microsoft.com/office/drawing/2014/main" id="{A928DB5D-9010-4538-721A-5428087E5B67}"/>
+              </a:ext>
+            </a:extLst>
+          </p:cNvPr>
+          <p:cNvSpPr>
+            <a:spLocks noGrp="1"/>
+          </p:cNvSpPr>
+          <p:nvPr>
+            <p:ph type="sldNum" sz="quarter" idx="12"/>
+          </p:nvPr>
+        </p:nvSpPr>
+        <p:spPr/>
+        <p:txBody>
+          <a:bodyPr/>
+          <a:lstStyle/>
+          <a:p>
+            <a:fld id="{8ABE2698-B386-4030-AF28-2C9E17A48886}" type="slidenum">
+              <a:rPr lang="vi-VN" smtClean="0"/>
+              <a:t>26</a:t>
+            </a:fld>
+            <a:endParaRPr lang="vi-VN"/>
+          </a:p>
+        </p:txBody>
+      </p:sp>
       <p:sp>
         <p:nvSpPr>
           <p:cNvPr id="12" name="Chỗ dành sẵn cho Nội dung 2">
@@ -8858,7 +9940,7 @@
         </p:nvSpPr>
         <p:spPr>
           <a:xfrm>
-            <a:off x="7898172" y="5167312"/>
+            <a:off x="8717037" y="5500199"/>
             <a:ext cx="2743201" cy="482405"/>
           </a:xfrm>
           <a:prstGeom prst="rect">
@@ -9062,7 +10144,7 @@
         </p:nvSpPr>
         <p:spPr>
           <a:xfrm>
-            <a:off x="2755241" y="5167312"/>
+            <a:off x="2844421" y="5512598"/>
             <a:ext cx="2743201" cy="482405"/>
           </a:xfrm>
           <a:prstGeom prst="rect">
@@ -9250,57 +10332,76 @@
           </a:p>
         </p:txBody>
       </p:sp>
-      <mc:AlternateContent xmlns:mc="http://schemas.openxmlformats.org/markup-compatibility/2006" xmlns:p14="http://schemas.microsoft.com/office/powerpoint/2010/main">
-        <mc:Choice Requires="p14">
-          <p:contentPart p14:bwMode="auto" r:id="rId4">
-            <p14:nvContentPartPr>
-              <p14:cNvPr id="3" name="Viết tay 2">
-                <a:extLst>
-                  <a:ext uri="{FF2B5EF4-FFF2-40B4-BE49-F238E27FC236}">
-                    <a16:creationId xmlns:a16="http://schemas.microsoft.com/office/drawing/2014/main" id="{34D94A1F-3672-C073-0560-B740728E05B9}"/>
-                  </a:ext>
-                </a:extLst>
-              </p14:cNvPr>
-              <p14:cNvContentPartPr/>
-              <p14:nvPr/>
-            </p14:nvContentPartPr>
-            <p14:xfrm>
-              <a:off x="4357800" y="1875240"/>
-              <a:ext cx="5143680" cy="2411280"/>
-            </p14:xfrm>
-          </p:contentPart>
-        </mc:Choice>
-        <mc:Fallback xmlns="">
-          <p:pic>
-            <p:nvPicPr>
-              <p:cNvPr id="3" name="Viết tay 2">
-                <a:extLst>
-                  <a:ext uri="{FF2B5EF4-FFF2-40B4-BE49-F238E27FC236}">
-                    <a16:creationId xmlns:a16="http://schemas.microsoft.com/office/drawing/2014/main" id="{34D94A1F-3672-C073-0560-B740728E05B9}"/>
-                  </a:ext>
-                </a:extLst>
-              </p:cNvPr>
-              <p:cNvPicPr/>
-              <p:nvPr/>
-            </p:nvPicPr>
-            <p:blipFill>
-              <a:blip r:embed="rId5"/>
-              <a:stretch>
-                <a:fillRect/>
-              </a:stretch>
-            </p:blipFill>
-            <p:spPr>
-              <a:xfrm>
-                <a:off x="4348440" y="1865880"/>
-                <a:ext cx="5162400" cy="2430000"/>
-              </a:xfrm>
-              <a:prstGeom prst="rect">
-                <a:avLst/>
-              </a:prstGeom>
-            </p:spPr>
-          </p:pic>
-        </mc:Fallback>
-      </mc:AlternateContent>
+      <p:pic>
+        <p:nvPicPr>
+          <p:cNvPr id="8" name="Chỗ dành sẵn cho Nội dung 7">
+            <a:extLst>
+              <a:ext uri="{FF2B5EF4-FFF2-40B4-BE49-F238E27FC236}">
+                <a16:creationId xmlns:a16="http://schemas.microsoft.com/office/drawing/2014/main" id="{BE9C09EF-A28E-7D92-8F7E-8A852004AA98}"/>
+              </a:ext>
+            </a:extLst>
+          </p:cNvPr>
+          <p:cNvPicPr>
+            <a:picLocks noGrp="1" noChangeAspect="1"/>
+          </p:cNvPicPr>
+          <p:nvPr>
+            <p:ph idx="1"/>
+          </p:nvPr>
+        </p:nvPicPr>
+        <p:blipFill>
+          <a:blip r:embed="rId2">
+            <a:extLst>
+              <a:ext uri="{28A0092B-C50C-407E-A947-70E740481C1C}">
+                <a14:useLocalDpi xmlns:a14="http://schemas.microsoft.com/office/drawing/2010/main" val="0"/>
+              </a:ext>
+            </a:extLst>
+          </a:blip>
+          <a:stretch>
+            <a:fillRect/>
+          </a:stretch>
+        </p:blipFill>
+        <p:spPr>
+          <a:xfrm>
+            <a:off x="6450688" y="1690687"/>
+            <a:ext cx="5612488" cy="3809513"/>
+          </a:xfrm>
+        </p:spPr>
+      </p:pic>
+      <p:pic>
+        <p:nvPicPr>
+          <p:cNvPr id="14" name="Hình ảnh 13">
+            <a:extLst>
+              <a:ext uri="{FF2B5EF4-FFF2-40B4-BE49-F238E27FC236}">
+                <a16:creationId xmlns:a16="http://schemas.microsoft.com/office/drawing/2014/main" id="{5678FC9A-FC55-92B0-A822-04C7A372828A}"/>
+              </a:ext>
+            </a:extLst>
+          </p:cNvPr>
+          <p:cNvPicPr>
+            <a:picLocks noChangeAspect="1"/>
+          </p:cNvPicPr>
+          <p:nvPr/>
+        </p:nvPicPr>
+        <p:blipFill>
+          <a:blip r:embed="rId3">
+            <a:extLst>
+              <a:ext uri="{28A0092B-C50C-407E-A947-70E740481C1C}">
+                <a14:useLocalDpi xmlns:a14="http://schemas.microsoft.com/office/drawing/2010/main" val="0"/>
+              </a:ext>
+            </a:extLst>
+          </a:blip>
+          <a:srcRect/>
+          <a:stretch/>
+        </p:blipFill>
+        <p:spPr>
+          <a:xfrm>
+            <a:off x="838200" y="1690687"/>
+            <a:ext cx="5612488" cy="3809512"/>
+          </a:xfrm>
+          <a:prstGeom prst="rect">
+            <a:avLst/>
+          </a:prstGeom>
+        </p:spPr>
+      </p:pic>
     </p:spTree>
     <p:extLst>
       <p:ext uri="{BB962C8B-B14F-4D97-AF65-F5344CB8AC3E}">
@@ -9314,7 +10415,7 @@
 </p:sld>
 </file>
 
-<file path=ppt/slides/slide22.xml><?xml version="1.0" encoding="utf-8"?>
+<file path=ppt/slides/slide27.xml><?xml version="1.0" encoding="utf-8"?>
 <p:sld xmlns:a="http://schemas.openxmlformats.org/drawingml/2006/main" xmlns:r="http://schemas.openxmlformats.org/officeDocument/2006/relationships" xmlns:p="http://schemas.openxmlformats.org/presentationml/2006/main">
   <p:cSld>
     <p:spTree>
@@ -9349,14 +10450,32 @@
         </p:nvSpPr>
         <p:spPr/>
         <p:txBody>
-          <a:bodyPr/>
-          <a:lstStyle/>
-          <a:p>
-            <a:r>
-              <a:rPr lang="en-US"/>
-              <a:t>Result on MNIST Fashion</a:t>
-            </a:r>
-            <a:endParaRPr lang="vi-VN"/>
+          <a:bodyPr>
+            <a:normAutofit/>
+          </a:bodyPr>
+          <a:lstStyle/>
+          <a:p>
+            <a:r>
+              <a:rPr lang="en-US" sz="3600"/>
+              <a:t>2. Different </a:t>
+            </a:r>
+            <a:r>
+              <a:rPr lang="vi-VN" sz="3600">
+                <a:latin typeface="Calibri Light (Đầu đề)"/>
+              </a:rPr>
+              <a:t>between </a:t>
+            </a:r>
+            <a:r>
+              <a:rPr lang="en-US" sz="3600">
+                <a:latin typeface="Calibri Light (Đầu đề)"/>
+              </a:rPr>
+              <a:t>number of filter</a:t>
+            </a:r>
+            <a:r>
+              <a:rPr lang="en-US" sz="3600"/>
+              <a:t> on MNIST Fashion</a:t>
+            </a:r>
+            <a:endParaRPr lang="vi-VN" sz="3600"/>
           </a:p>
         </p:txBody>
       </p:sp>
@@ -9383,7 +10502,7 @@
           <a:p>
             <a:fld id="{8ABE2698-B386-4030-AF28-2C9E17A48886}" type="slidenum">
               <a:rPr lang="vi-VN" smtClean="0"/>
-              <a:t>22</a:t>
+              <a:t>27</a:t>
             </a:fld>
             <a:endParaRPr lang="vi-VN"/>
           </a:p>
@@ -9405,7 +10524,7 @@
         </p:nvSpPr>
         <p:spPr>
           <a:xfrm>
-            <a:off x="7898172" y="5167312"/>
+            <a:off x="8717037" y="5500199"/>
             <a:ext cx="2743201" cy="482405"/>
           </a:xfrm>
           <a:prstGeom prst="rect">
@@ -9609,7 +10728,7 @@
         </p:nvSpPr>
         <p:spPr>
           <a:xfrm>
-            <a:off x="2755241" y="5167312"/>
+            <a:off x="2844421" y="5512598"/>
             <a:ext cx="2743201" cy="482405"/>
           </a:xfrm>
           <a:prstGeom prst="rect">
@@ -9797,81 +10916,35 @@
           </a:p>
         </p:txBody>
       </p:sp>
-      <p:pic>
-        <p:nvPicPr>
-          <p:cNvPr id="7" name="Chỗ dành sẵn cho Nội dung 6">
-            <a:extLst>
-              <a:ext uri="{FF2B5EF4-FFF2-40B4-BE49-F238E27FC236}">
-                <a16:creationId xmlns:a16="http://schemas.microsoft.com/office/drawing/2014/main" id="{AD7A737B-4FFD-AC46-F545-018DF71FE674}"/>
-              </a:ext>
-            </a:extLst>
-          </p:cNvPr>
-          <p:cNvPicPr>
-            <a:picLocks noGrp="1" noChangeAspect="1"/>
-          </p:cNvPicPr>
+      <p:sp>
+        <p:nvSpPr>
+          <p:cNvPr id="5" name="Chỗ dành sẵn cho Nội dung 4">
+            <a:extLst>
+              <a:ext uri="{FF2B5EF4-FFF2-40B4-BE49-F238E27FC236}">
+                <a16:creationId xmlns:a16="http://schemas.microsoft.com/office/drawing/2014/main" id="{C03691B7-1DEB-7FB4-1DB3-0E61F0ECCFCA}"/>
+              </a:ext>
+            </a:extLst>
+          </p:cNvPr>
+          <p:cNvSpPr>
+            <a:spLocks noGrp="1"/>
+          </p:cNvSpPr>
           <p:nvPr>
             <p:ph idx="1"/>
           </p:nvPr>
-        </p:nvPicPr>
-        <p:blipFill>
-          <a:blip r:embed="rId2">
-            <a:extLst>
-              <a:ext uri="{28A0092B-C50C-407E-A947-70E740481C1C}">
-                <a14:useLocalDpi xmlns:a14="http://schemas.microsoft.com/office/drawing/2010/main" val="0"/>
-              </a:ext>
-            </a:extLst>
-          </a:blip>
-          <a:stretch>
-            <a:fillRect/>
-          </a:stretch>
-        </p:blipFill>
-        <p:spPr>
-          <a:xfrm>
-            <a:off x="5739787" y="1690688"/>
-            <a:ext cx="4901587" cy="3352381"/>
-          </a:xfrm>
-        </p:spPr>
-      </p:pic>
-      <p:pic>
-        <p:nvPicPr>
-          <p:cNvPr id="10" name="Hình ảnh 9">
-            <a:extLst>
-              <a:ext uri="{FF2B5EF4-FFF2-40B4-BE49-F238E27FC236}">
-                <a16:creationId xmlns:a16="http://schemas.microsoft.com/office/drawing/2014/main" id="{6007FE16-48F0-8F7B-D3F8-611ED0E8D30C}"/>
-              </a:ext>
-            </a:extLst>
-          </p:cNvPr>
-          <p:cNvPicPr>
-            <a:picLocks noChangeAspect="1"/>
-          </p:cNvPicPr>
-          <p:nvPr/>
-        </p:nvPicPr>
-        <p:blipFill>
-          <a:blip r:embed="rId3">
-            <a:extLst>
-              <a:ext uri="{28A0092B-C50C-407E-A947-70E740481C1C}">
-                <a14:useLocalDpi xmlns:a14="http://schemas.microsoft.com/office/drawing/2010/main" val="0"/>
-              </a:ext>
-            </a:extLst>
-          </a:blip>
-          <a:stretch>
-            <a:fillRect/>
-          </a:stretch>
-        </p:blipFill>
-        <p:spPr>
-          <a:xfrm>
-            <a:off x="838200" y="1765508"/>
-            <a:ext cx="4901587" cy="3326984"/>
-          </a:xfrm>
-          <a:prstGeom prst="rect">
-            <a:avLst/>
-          </a:prstGeom>
-        </p:spPr>
-      </p:pic>
+        </p:nvSpPr>
+        <p:spPr/>
+        <p:txBody>
+          <a:bodyPr/>
+          <a:lstStyle/>
+          <a:p>
+            <a:endParaRPr lang="vi-VN"/>
+          </a:p>
+        </p:txBody>
+      </p:sp>
     </p:spTree>
     <p:extLst>
       <p:ext uri="{BB962C8B-B14F-4D97-AF65-F5344CB8AC3E}">
-        <p14:creationId xmlns:p14="http://schemas.microsoft.com/office/powerpoint/2010/main" val="618820179"/>
+        <p14:creationId xmlns:p14="http://schemas.microsoft.com/office/powerpoint/2010/main" val="3160327485"/>
       </p:ext>
     </p:extLst>
   </p:cSld>
@@ -9881,7 +10954,7 @@
 </p:sld>
 </file>
 
-<file path=ppt/slides/slide23.xml><?xml version="1.0" encoding="utf-8"?>
+<file path=ppt/slides/slide28.xml><?xml version="1.0" encoding="utf-8"?>
 <p:sld xmlns:a="http://schemas.openxmlformats.org/drawingml/2006/main" xmlns:r="http://schemas.openxmlformats.org/officeDocument/2006/relationships" xmlns:p="http://schemas.openxmlformats.org/presentationml/2006/main">
   <p:cSld>
     <p:spTree>
@@ -9903,7 +10976,7 @@
           <p:cNvPr id="2" name="Tiêu đề 1">
             <a:extLst>
               <a:ext uri="{FF2B5EF4-FFF2-40B4-BE49-F238E27FC236}">
-                <a16:creationId xmlns:a16="http://schemas.microsoft.com/office/drawing/2014/main" id="{7E516D22-8786-53EA-E30E-9D9A0D47A77F}"/>
+                <a16:creationId xmlns:a16="http://schemas.microsoft.com/office/drawing/2014/main" id="{BEEC5218-1556-4A39-B217-1EBE1F6F498C}"/>
               </a:ext>
             </a:extLst>
           </p:cNvPr>
@@ -9920,11 +10993,10 @@
           <a:lstStyle/>
           <a:p>
             <a:r>
-              <a:rPr lang="vi-VN">
-                <a:latin typeface="Calibri Light (Đầu đề)"/>
-              </a:rPr>
-              <a:t>Expressibility</a:t>
-            </a:r>
+              <a:rPr lang="en-US"/>
+              <a:t>3. Filter size</a:t>
+            </a:r>
+            <a:endParaRPr lang="vi-VN"/>
           </a:p>
         </p:txBody>
       </p:sp>
@@ -9933,7 +11005,7 @@
           <p:cNvPr id="4" name="Chỗ dành sẵn cho Số hiệu Bản chiếu 3">
             <a:extLst>
               <a:ext uri="{FF2B5EF4-FFF2-40B4-BE49-F238E27FC236}">
-                <a16:creationId xmlns:a16="http://schemas.microsoft.com/office/drawing/2014/main" id="{DB574488-C260-DDAB-351D-167CCD478EF3}"/>
+                <a16:creationId xmlns:a16="http://schemas.microsoft.com/office/drawing/2014/main" id="{93A54B58-A58F-4460-ACE3-ECC3CC234CA4}"/>
               </a:ext>
             </a:extLst>
           </p:cNvPr>
@@ -9951,7 +11023,7 @@
           <a:p>
             <a:fld id="{8ABE2698-B386-4030-AF28-2C9E17A48886}" type="slidenum">
               <a:rPr lang="vi-VN" smtClean="0"/>
-              <a:t>23</a:t>
+              <a:t>28</a:t>
             </a:fld>
             <a:endParaRPr lang="vi-VN"/>
           </a:p>
@@ -9959,37 +11031,43 @@
       </p:sp>
       <p:pic>
         <p:nvPicPr>
-          <p:cNvPr id="12" name="Hình ảnh 11">
-            <a:extLst>
-              <a:ext uri="{FF2B5EF4-FFF2-40B4-BE49-F238E27FC236}">
-                <a16:creationId xmlns:a16="http://schemas.microsoft.com/office/drawing/2014/main" id="{E877144E-B5A5-9C72-3BD2-CB97D140E56B}"/>
+          <p:cNvPr id="5" name="Chỗ dành sẵn cho Nội dung 5">
+            <a:extLst>
+              <a:ext uri="{FF2B5EF4-FFF2-40B4-BE49-F238E27FC236}">
+                <a16:creationId xmlns:a16="http://schemas.microsoft.com/office/drawing/2014/main" id="{75442CDF-9544-B9BC-72F3-79CA7E131C1A}"/>
               </a:ext>
             </a:extLst>
           </p:cNvPr>
           <p:cNvPicPr>
-            <a:picLocks noChangeAspect="1"/>
+            <a:picLocks noGrp="1" noChangeAspect="1"/>
           </p:cNvPicPr>
-          <p:nvPr/>
+          <p:nvPr>
+            <p:ph idx="1"/>
+          </p:nvPr>
         </p:nvPicPr>
-        <p:blipFill rotWithShape="1">
-          <a:blip r:embed="rId2"/>
-          <a:srcRect l="18281" t="20610" r="18204" b="8268"/>
-          <a:stretch/>
+        <p:blipFill>
+          <a:blip r:embed="rId2">
+            <a:extLst>
+              <a:ext uri="{28A0092B-C50C-407E-A947-70E740481C1C}">
+                <a14:useLocalDpi xmlns:a14="http://schemas.microsoft.com/office/drawing/2010/main" val="0"/>
+              </a:ext>
+            </a:extLst>
+          </a:blip>
+          <a:stretch>
+            <a:fillRect/>
+          </a:stretch>
         </p:blipFill>
         <p:spPr>
           <a:xfrm>
-            <a:off x="1001973" y="1617717"/>
-            <a:ext cx="7743825" cy="4875158"/>
+            <a:off x="838200" y="1765508"/>
+            <a:ext cx="4850793" cy="3326984"/>
           </a:xfrm>
-          <a:prstGeom prst="rect">
-            <a:avLst/>
-          </a:prstGeom>
         </p:spPr>
       </p:pic>
     </p:spTree>
     <p:extLst>
       <p:ext uri="{BB962C8B-B14F-4D97-AF65-F5344CB8AC3E}">
-        <p14:creationId xmlns:p14="http://schemas.microsoft.com/office/powerpoint/2010/main" val="3900091587"/>
+        <p14:creationId xmlns:p14="http://schemas.microsoft.com/office/powerpoint/2010/main" val="2345528141"/>
       </p:ext>
     </p:extLst>
   </p:cSld>
@@ -9999,7 +11077,7 @@
 </p:sld>
 </file>
 
-<file path=ppt/slides/slide24.xml><?xml version="1.0" encoding="utf-8"?>
+<file path=ppt/slides/slide29.xml><?xml version="1.0" encoding="utf-8"?>
 <p:sld xmlns:a="http://schemas.openxmlformats.org/drawingml/2006/main" xmlns:r="http://schemas.openxmlformats.org/officeDocument/2006/relationships" xmlns:p="http://schemas.openxmlformats.org/presentationml/2006/main">
   <p:cSld>
     <p:spTree>
@@ -10021,7 +11099,7 @@
           <p:cNvPr id="2" name="Tiêu đề 1">
             <a:extLst>
               <a:ext uri="{FF2B5EF4-FFF2-40B4-BE49-F238E27FC236}">
-                <a16:creationId xmlns:a16="http://schemas.microsoft.com/office/drawing/2014/main" id="{7E516D22-8786-53EA-E30E-9D9A0D47A77F}"/>
+                <a16:creationId xmlns:a16="http://schemas.microsoft.com/office/drawing/2014/main" id="{BEEC5218-1556-4A39-B217-1EBE1F6F498C}"/>
               </a:ext>
             </a:extLst>
           </p:cNvPr>
@@ -10038,61 +11116,218 @@
           <a:lstStyle/>
           <a:p>
             <a:r>
-              <a:rPr lang="vi-VN">
-                <a:latin typeface="Calibri Light (Đầu đề)"/>
-              </a:rPr>
-              <a:t>Is entangled circuit better quanv filter?</a:t>
-            </a:r>
-          </a:p>
-        </p:txBody>
-      </p:sp>
-      <p:sp>
-        <p:nvSpPr>
-          <p:cNvPr id="3" name="Chỗ dành sẵn cho Nội dung 2">
-            <a:extLst>
-              <a:ext uri="{FF2B5EF4-FFF2-40B4-BE49-F238E27FC236}">
-                <a16:creationId xmlns:a16="http://schemas.microsoft.com/office/drawing/2014/main" id="{87E70F90-C083-EE09-85B7-38D7C6D6570C}"/>
-              </a:ext>
-            </a:extLst>
-          </p:cNvPr>
-          <p:cNvSpPr>
-            <a:spLocks noGrp="1"/>
-          </p:cNvSpPr>
-          <p:nvPr>
-            <p:ph idx="1"/>
-          </p:nvPr>
-        </p:nvSpPr>
-        <p:spPr>
-          <a:xfrm>
-            <a:off x="838200" y="6226068"/>
-            <a:ext cx="5412475" cy="365125"/>
-          </a:xfrm>
-        </p:spPr>
-        <p:txBody>
-          <a:bodyPr>
-            <a:normAutofit fontScale="85000" lnSpcReduction="20000"/>
-          </a:bodyPr>
-          <a:lstStyle/>
-          <a:p>
-            <a:pPr marL="0" indent="0">
-              <a:buNone/>
-            </a:pPr>
-            <a:r>
-              <a:rPr lang="en-US" sz="1400"/>
-              <a:t>Expressibility and entangling capability of parameterized quantum circuits for hybrid quantum-classical algorithms</a:t>
-            </a:r>
-            <a:endParaRPr lang="vi-VN" sz="1400">
-              <a:latin typeface="Calibri (Thân)"/>
-            </a:endParaRPr>
-          </a:p>
-        </p:txBody>
-      </p:sp>
+              <a:rPr lang="en-US"/>
+              <a:t>Advanced of quanv filter</a:t>
+            </a:r>
+            <a:endParaRPr lang="vi-VN"/>
+          </a:p>
+        </p:txBody>
+      </p:sp>
+      <mc:AlternateContent xmlns:mc="http://schemas.openxmlformats.org/markup-compatibility/2006" xmlns:a14="http://schemas.microsoft.com/office/drawing/2010/main">
+        <mc:Choice Requires="a14">
+          <p:sp>
+            <p:nvSpPr>
+              <p:cNvPr id="3" name="Chỗ dành sẵn cho Nội dung 2">
+                <a:extLst>
+                  <a:ext uri="{FF2B5EF4-FFF2-40B4-BE49-F238E27FC236}">
+                    <a16:creationId xmlns:a16="http://schemas.microsoft.com/office/drawing/2014/main" id="{A3F30167-8899-4601-B002-A02AFD8C27DD}"/>
+                  </a:ext>
+                </a:extLst>
+              </p:cNvPr>
+              <p:cNvSpPr>
+                <a:spLocks noGrp="1"/>
+              </p:cNvSpPr>
+              <p:nvPr>
+                <p:ph idx="1"/>
+              </p:nvPr>
+            </p:nvSpPr>
+            <p:spPr/>
+            <p:txBody>
+              <a:bodyPr/>
+              <a:lstStyle/>
+              <a:p>
+                <a:pPr marL="0" indent="0">
+                  <a:buNone/>
+                </a:pPr>
+                <a:r>
+                  <a:rPr lang="en-US"/>
+                  <a:t>We increase the number of quanv filter by adding more random circuit.</a:t>
+                </a:r>
+              </a:p>
+              <a:p>
+                <a:pPr marL="0" indent="0">
+                  <a:buNone/>
+                </a:pPr>
+                <a:r>
+                  <a:rPr lang="en-US"/>
+                  <a:t>One random circuit </a:t>
+                </a:r>
+                <a14:m>
+                  <m:oMath xmlns:m="http://schemas.openxmlformats.org/officeDocument/2006/math">
+                    <m:r>
+                      <a:rPr lang="en-US" i="1" smtClean="0">
+                        <a:latin typeface="Cambria Math" panose="02040503050406030204" pitchFamily="18" charset="0"/>
+                      </a:rPr>
+                      <m:t>𝑛</m:t>
+                    </m:r>
+                  </m:oMath>
+                </a14:m>
+                <a:r>
+                  <a:rPr lang="en-US"/>
+                  <a:t> qubit is equivalent to </a:t>
+                </a:r>
+                <a14:m>
+                  <m:oMath xmlns:m="http://schemas.openxmlformats.org/officeDocument/2006/math">
+                    <m:sSup>
+                      <m:sSupPr>
+                        <m:ctrlPr>
+                          <a:rPr lang="en-US" i="1" smtClean="0">
+                            <a:latin typeface="Cambria Math" panose="02040503050406030204" pitchFamily="18" charset="0"/>
+                          </a:rPr>
+                        </m:ctrlPr>
+                      </m:sSupPr>
+                      <m:e>
+                        <m:r>
+                          <a:rPr lang="en-US" i="1" smtClean="0">
+                            <a:latin typeface="Cambria Math" panose="02040503050406030204" pitchFamily="18" charset="0"/>
+                          </a:rPr>
+                          <m:t>2</m:t>
+                        </m:r>
+                      </m:e>
+                      <m:sup>
+                        <m:r>
+                          <a:rPr lang="en-US" i="1" smtClean="0">
+                            <a:latin typeface="Cambria Math" panose="02040503050406030204" pitchFamily="18" charset="0"/>
+                          </a:rPr>
+                          <m:t>𝑛</m:t>
+                        </m:r>
+                      </m:sup>
+                    </m:sSup>
+                  </m:oMath>
+                </a14:m>
+                <a:r>
+                  <a:rPr lang="en-US"/>
+                  <a:t> filter </a:t>
+                </a:r>
+                <a14:m>
+                  <m:oMath xmlns:m="http://schemas.openxmlformats.org/officeDocument/2006/math">
+                    <m:sSup>
+                      <m:sSupPr>
+                        <m:ctrlPr>
+                          <a:rPr lang="en-US" i="1" smtClean="0">
+                            <a:latin typeface="Cambria Math" panose="02040503050406030204" pitchFamily="18" charset="0"/>
+                          </a:rPr>
+                        </m:ctrlPr>
+                      </m:sSupPr>
+                      <m:e>
+                        <m:r>
+                          <a:rPr lang="en-US" i="1" smtClean="0">
+                            <a:latin typeface="Cambria Math" panose="02040503050406030204" pitchFamily="18" charset="0"/>
+                          </a:rPr>
+                          <m:t>2</m:t>
+                        </m:r>
+                      </m:e>
+                      <m:sup>
+                        <m:r>
+                          <a:rPr lang="en-US" i="1" smtClean="0">
+                            <a:latin typeface="Cambria Math" panose="02040503050406030204" pitchFamily="18" charset="0"/>
+                          </a:rPr>
+                          <m:t>𝑛</m:t>
+                        </m:r>
+                      </m:sup>
+                    </m:sSup>
+                    <m:r>
+                      <a:rPr lang="en-US" b="0" i="1" smtClean="0">
+                        <a:latin typeface="Cambria Math" panose="02040503050406030204" pitchFamily="18" charset="0"/>
+                      </a:rPr>
+                      <m:t>𝑥</m:t>
+                    </m:r>
+                    <m:sSup>
+                      <m:sSupPr>
+                        <m:ctrlPr>
+                          <a:rPr lang="en-US" b="0" i="1" smtClean="0">
+                            <a:latin typeface="Cambria Math" panose="02040503050406030204" pitchFamily="18" charset="0"/>
+                          </a:rPr>
+                        </m:ctrlPr>
+                      </m:sSupPr>
+                      <m:e>
+                        <m:r>
+                          <a:rPr lang="en-US" b="0" i="1" smtClean="0">
+                            <a:latin typeface="Cambria Math" panose="02040503050406030204" pitchFamily="18" charset="0"/>
+                          </a:rPr>
+                          <m:t>2</m:t>
+                        </m:r>
+                      </m:e>
+                      <m:sup>
+                        <m:r>
+                          <a:rPr lang="en-US" b="0" i="1" smtClean="0">
+                            <a:latin typeface="Cambria Math" panose="02040503050406030204" pitchFamily="18" charset="0"/>
+                          </a:rPr>
+                          <m:t>𝑛</m:t>
+                        </m:r>
+                      </m:sup>
+                    </m:sSup>
+                  </m:oMath>
+                </a14:m>
+                <a:r>
+                  <a:rPr lang="en-US" i="1"/>
+                  <a:t>. </a:t>
+                </a:r>
+                <a:r>
+                  <a:rPr lang="en-US"/>
+                  <a:t>That means we can increase the number of quanv filter rapidly.</a:t>
+                </a:r>
+                <a:endParaRPr lang="en-US" i="1"/>
+              </a:p>
+            </p:txBody>
+          </p:sp>
+        </mc:Choice>
+        <mc:Fallback xmlns="">
+          <p:sp>
+            <p:nvSpPr>
+              <p:cNvPr id="3" name="Chỗ dành sẵn cho Nội dung 2">
+                <a:extLst>
+                  <a:ext uri="{FF2B5EF4-FFF2-40B4-BE49-F238E27FC236}">
+                    <a16:creationId xmlns:a16="http://schemas.microsoft.com/office/drawing/2014/main" id="{A3F30167-8899-4601-B002-A02AFD8C27DD}"/>
+                  </a:ext>
+                </a:extLst>
+              </p:cNvPr>
+              <p:cNvSpPr>
+                <a:spLocks noGrp="1" noRot="1" noChangeAspect="1" noMove="1" noResize="1" noEditPoints="1" noAdjustHandles="1" noChangeArrowheads="1" noChangeShapeType="1" noTextEdit="1"/>
+              </p:cNvSpPr>
+              <p:nvPr>
+                <p:ph idx="1"/>
+              </p:nvPr>
+            </p:nvSpPr>
+            <p:spPr>
+              <a:blipFill>
+                <a:blip r:embed="rId2"/>
+                <a:stretch>
+                  <a:fillRect l="-1217" t="-2241" r="-928"/>
+                </a:stretch>
+              </a:blipFill>
+            </p:spPr>
+            <p:txBody>
+              <a:bodyPr/>
+              <a:lstStyle/>
+              <a:p>
+                <a:r>
+                  <a:rPr lang="vi-VN">
+                    <a:noFill/>
+                  </a:rPr>
+                  <a:t> </a:t>
+                </a:r>
+              </a:p>
+            </p:txBody>
+          </p:sp>
+        </mc:Fallback>
+      </mc:AlternateContent>
       <p:sp>
         <p:nvSpPr>
           <p:cNvPr id="4" name="Chỗ dành sẵn cho Số hiệu Bản chiếu 3">
             <a:extLst>
               <a:ext uri="{FF2B5EF4-FFF2-40B4-BE49-F238E27FC236}">
-                <a16:creationId xmlns:a16="http://schemas.microsoft.com/office/drawing/2014/main" id="{DB574488-C260-DDAB-351D-167CCD478EF3}"/>
+                <a16:creationId xmlns:a16="http://schemas.microsoft.com/office/drawing/2014/main" id="{93A54B58-A58F-4460-ACE3-ECC3CC234CA4}"/>
               </a:ext>
             </a:extLst>
           </p:cNvPr>
@@ -10110,373 +11345,16 @@
           <a:p>
             <a:fld id="{8ABE2698-B386-4030-AF28-2C9E17A48886}" type="slidenum">
               <a:rPr lang="vi-VN" smtClean="0"/>
-              <a:t>24</a:t>
+              <a:t>29</a:t>
             </a:fld>
             <a:endParaRPr lang="vi-VN"/>
           </a:p>
         </p:txBody>
       </p:sp>
-      <p:pic>
-        <p:nvPicPr>
-          <p:cNvPr id="6" name="Hình ảnh 5">
-            <a:extLst>
-              <a:ext uri="{FF2B5EF4-FFF2-40B4-BE49-F238E27FC236}">
-                <a16:creationId xmlns:a16="http://schemas.microsoft.com/office/drawing/2014/main" id="{110024C5-362C-E921-285C-5F9236CD6AF9}"/>
-              </a:ext>
-            </a:extLst>
-          </p:cNvPr>
-          <p:cNvPicPr>
-            <a:picLocks noChangeAspect="1"/>
-          </p:cNvPicPr>
-          <p:nvPr/>
-        </p:nvPicPr>
-        <p:blipFill rotWithShape="1">
-          <a:blip r:embed="rId2"/>
-          <a:srcRect l="25522" t="29642" r="26055" b="7294"/>
-          <a:stretch/>
-        </p:blipFill>
-        <p:spPr>
-          <a:xfrm>
-            <a:off x="346952" y="1639509"/>
-            <a:ext cx="5903723" cy="4322834"/>
-          </a:xfrm>
-          <a:prstGeom prst="rect">
-            <a:avLst/>
-          </a:prstGeom>
-        </p:spPr>
-      </p:pic>
-      <p:pic>
-        <p:nvPicPr>
-          <p:cNvPr id="8" name="Hình ảnh 7">
-            <a:extLst>
-              <a:ext uri="{FF2B5EF4-FFF2-40B4-BE49-F238E27FC236}">
-                <a16:creationId xmlns:a16="http://schemas.microsoft.com/office/drawing/2014/main" id="{7B909FFC-FE1A-B08B-1DE0-AB2FD470A4E4}"/>
-              </a:ext>
-            </a:extLst>
-          </p:cNvPr>
-          <p:cNvPicPr>
-            <a:picLocks noChangeAspect="1"/>
-          </p:cNvPicPr>
-          <p:nvPr/>
-        </p:nvPicPr>
-        <p:blipFill rotWithShape="1">
-          <a:blip r:embed="rId3"/>
-          <a:srcRect l="8789" t="18109" r="27109" b="9195"/>
-          <a:stretch/>
-        </p:blipFill>
-        <p:spPr>
-          <a:xfrm>
-            <a:off x="6278169" y="1639509"/>
-            <a:ext cx="5566879" cy="3549473"/>
-          </a:xfrm>
-          <a:prstGeom prst="rect">
-            <a:avLst/>
-          </a:prstGeom>
-        </p:spPr>
-      </p:pic>
     </p:spTree>
     <p:extLst>
       <p:ext uri="{BB962C8B-B14F-4D97-AF65-F5344CB8AC3E}">
-        <p14:creationId xmlns:p14="http://schemas.microsoft.com/office/powerpoint/2010/main" val="2383563643"/>
-      </p:ext>
-    </p:extLst>
-  </p:cSld>
-  <p:clrMapOvr>
-    <a:masterClrMapping/>
-  </p:clrMapOvr>
-</p:sld>
-</file>
-
-<file path=ppt/slides/slide25.xml><?xml version="1.0" encoding="utf-8"?>
-<p:sld xmlns:a="http://schemas.openxmlformats.org/drawingml/2006/main" xmlns:r="http://schemas.openxmlformats.org/officeDocument/2006/relationships" xmlns:p="http://schemas.openxmlformats.org/presentationml/2006/main">
-  <p:cSld>
-    <p:spTree>
-      <p:nvGrpSpPr>
-        <p:cNvPr id="1" name=""/>
-        <p:cNvGrpSpPr/>
-        <p:nvPr/>
-      </p:nvGrpSpPr>
-      <p:grpSpPr>
-        <a:xfrm>
-          <a:off x="0" y="0"/>
-          <a:ext cx="0" cy="0"/>
-          <a:chOff x="0" y="0"/>
-          <a:chExt cx="0" cy="0"/>
-        </a:xfrm>
-      </p:grpSpPr>
-      <p:pic>
-        <p:nvPicPr>
-          <p:cNvPr id="13" name="Chỗ dành sẵn cho Nội dung 12">
-            <a:extLst>
-              <a:ext uri="{FF2B5EF4-FFF2-40B4-BE49-F238E27FC236}">
-                <a16:creationId xmlns:a16="http://schemas.microsoft.com/office/drawing/2014/main" id="{2538CC4E-EB1B-3BE2-18F8-09511AA4B56E}"/>
-              </a:ext>
-            </a:extLst>
-          </p:cNvPr>
-          <p:cNvPicPr>
-            <a:picLocks noGrp="1" noChangeAspect="1"/>
-          </p:cNvPicPr>
-          <p:nvPr>
-            <p:ph idx="1"/>
-          </p:nvPr>
-        </p:nvPicPr>
-        <p:blipFill>
-          <a:blip r:embed="rId2">
-            <a:extLst>
-              <a:ext uri="{28A0092B-C50C-407E-A947-70E740481C1C}">
-                <a14:useLocalDpi xmlns:a14="http://schemas.microsoft.com/office/drawing/2010/main" val="0"/>
-              </a:ext>
-            </a:extLst>
-          </a:blip>
-          <a:stretch>
-            <a:fillRect/>
-          </a:stretch>
-        </p:blipFill>
-        <p:spPr>
-          <a:xfrm>
-            <a:off x="838200" y="1940359"/>
-            <a:ext cx="6927376" cy="4630032"/>
-          </a:xfrm>
-        </p:spPr>
-      </p:pic>
-      <p:sp>
-        <p:nvSpPr>
-          <p:cNvPr id="2" name="Tiêu đề 1">
-            <a:extLst>
-              <a:ext uri="{FF2B5EF4-FFF2-40B4-BE49-F238E27FC236}">
-                <a16:creationId xmlns:a16="http://schemas.microsoft.com/office/drawing/2014/main" id="{4F01CED8-3DE4-943A-9984-D38972149135}"/>
-              </a:ext>
-            </a:extLst>
-          </p:cNvPr>
-          <p:cNvSpPr>
-            <a:spLocks noGrp="1"/>
-          </p:cNvSpPr>
-          <p:nvPr>
-            <p:ph type="title"/>
-          </p:nvPr>
-        </p:nvSpPr>
-        <p:spPr/>
-        <p:txBody>
-          <a:bodyPr/>
-          <a:lstStyle/>
-          <a:p>
-            <a:r>
-              <a:rPr lang="vi-VN">
-                <a:latin typeface="Calibri Light (Đầu đề)"/>
-              </a:rPr>
-              <a:t>Different between quanv filters (4x4, 4 filter) and conv filter</a:t>
-            </a:r>
-            <a:endParaRPr lang="vi-VN"/>
-          </a:p>
-        </p:txBody>
-      </p:sp>
-      <p:sp>
-        <p:nvSpPr>
-          <p:cNvPr id="4" name="Chỗ dành sẵn cho Số hiệu Bản chiếu 3">
-            <a:extLst>
-              <a:ext uri="{FF2B5EF4-FFF2-40B4-BE49-F238E27FC236}">
-                <a16:creationId xmlns:a16="http://schemas.microsoft.com/office/drawing/2014/main" id="{3DA5315A-B37D-82A5-2A07-EFD6BF4C5FA1}"/>
-              </a:ext>
-            </a:extLst>
-          </p:cNvPr>
-          <p:cNvSpPr>
-            <a:spLocks noGrp="1"/>
-          </p:cNvSpPr>
-          <p:nvPr>
-            <p:ph type="sldNum" sz="quarter" idx="12"/>
-          </p:nvPr>
-        </p:nvSpPr>
-        <p:spPr/>
-        <p:txBody>
-          <a:bodyPr/>
-          <a:lstStyle/>
-          <a:p>
-            <a:fld id="{8ABE2698-B386-4030-AF28-2C9E17A48886}" type="slidenum">
-              <a:rPr lang="vi-VN" smtClean="0"/>
-              <a:t>25</a:t>
-            </a:fld>
-            <a:endParaRPr lang="vi-VN"/>
-          </a:p>
-        </p:txBody>
-      </p:sp>
-      <p:sp>
-        <p:nvSpPr>
-          <p:cNvPr id="7" name="Hình chữ nhật 6">
-            <a:extLst>
-              <a:ext uri="{FF2B5EF4-FFF2-40B4-BE49-F238E27FC236}">
-                <a16:creationId xmlns:a16="http://schemas.microsoft.com/office/drawing/2014/main" id="{1C762145-B8F4-48C3-D144-843C929D7843}"/>
-              </a:ext>
-            </a:extLst>
-          </p:cNvPr>
-          <p:cNvSpPr/>
-          <p:nvPr/>
-        </p:nvSpPr>
-        <p:spPr>
-          <a:xfrm>
-            <a:off x="1746913" y="2579225"/>
-            <a:ext cx="586854" cy="423282"/>
-          </a:xfrm>
-          <a:prstGeom prst="rect">
-            <a:avLst/>
-          </a:prstGeom>
-          <a:noFill/>
-          <a:ln>
-            <a:solidFill>
-              <a:schemeClr val="tx1"/>
-            </a:solidFill>
-          </a:ln>
-        </p:spPr>
-        <p:style>
-          <a:lnRef idx="2">
-            <a:schemeClr val="accent1">
-              <a:shade val="50000"/>
-            </a:schemeClr>
-          </a:lnRef>
-          <a:fillRef idx="1">
-            <a:schemeClr val="accent1"/>
-          </a:fillRef>
-          <a:effectRef idx="0">
-            <a:schemeClr val="accent1"/>
-          </a:effectRef>
-          <a:fontRef idx="minor">
-            <a:schemeClr val="lt1"/>
-          </a:fontRef>
-        </p:style>
-        <p:txBody>
-          <a:bodyPr rtlCol="0" anchor="ctr"/>
-          <a:lstStyle/>
-          <a:p>
-            <a:pPr algn="ctr"/>
-            <a:endParaRPr lang="vi-VN"/>
-          </a:p>
-        </p:txBody>
-      </p:sp>
-      <p:sp>
-        <p:nvSpPr>
-          <p:cNvPr id="8" name="Hình chữ nhật 7">
-            <a:extLst>
-              <a:ext uri="{FF2B5EF4-FFF2-40B4-BE49-F238E27FC236}">
-                <a16:creationId xmlns:a16="http://schemas.microsoft.com/office/drawing/2014/main" id="{B19E0AAF-17ED-778F-6A42-19BB88E22A5B}"/>
-              </a:ext>
-            </a:extLst>
-          </p:cNvPr>
-          <p:cNvSpPr/>
-          <p:nvPr/>
-        </p:nvSpPr>
-        <p:spPr>
-          <a:xfrm>
-            <a:off x="2040339" y="4492388"/>
-            <a:ext cx="1439839" cy="1321558"/>
-          </a:xfrm>
-          <a:prstGeom prst="rect">
-            <a:avLst/>
-          </a:prstGeom>
-          <a:noFill/>
-          <a:ln>
-            <a:solidFill>
-              <a:schemeClr val="tx1"/>
-            </a:solidFill>
-          </a:ln>
-        </p:spPr>
-        <p:style>
-          <a:lnRef idx="2">
-            <a:schemeClr val="accent1">
-              <a:shade val="50000"/>
-            </a:schemeClr>
-          </a:lnRef>
-          <a:fillRef idx="1">
-            <a:schemeClr val="accent1"/>
-          </a:fillRef>
-          <a:effectRef idx="0">
-            <a:schemeClr val="accent1"/>
-          </a:effectRef>
-          <a:fontRef idx="minor">
-            <a:schemeClr val="lt1"/>
-          </a:fontRef>
-        </p:style>
-        <p:txBody>
-          <a:bodyPr rtlCol="0" anchor="ctr"/>
-          <a:lstStyle/>
-          <a:p>
-            <a:pPr algn="ctr"/>
-            <a:endParaRPr lang="vi-VN"/>
-          </a:p>
-        </p:txBody>
-      </p:sp>
-      <p:sp>
-        <p:nvSpPr>
-          <p:cNvPr id="9" name="Hộp Văn bản 8">
-            <a:extLst>
-              <a:ext uri="{FF2B5EF4-FFF2-40B4-BE49-F238E27FC236}">
-                <a16:creationId xmlns:a16="http://schemas.microsoft.com/office/drawing/2014/main" id="{6BFC68B9-5018-98BF-9F87-AD9A80D5A5D5}"/>
-              </a:ext>
-            </a:extLst>
-          </p:cNvPr>
-          <p:cNvSpPr txBox="1"/>
-          <p:nvPr/>
-        </p:nvSpPr>
-        <p:spPr>
-          <a:xfrm>
-            <a:off x="1746913" y="3124809"/>
-            <a:ext cx="900752" cy="646331"/>
-          </a:xfrm>
-          <a:prstGeom prst="rect">
-            <a:avLst/>
-          </a:prstGeom>
-          <a:noFill/>
-        </p:spPr>
-        <p:txBody>
-          <a:bodyPr wrap="square" rtlCol="0">
-            <a:spAutoFit/>
-          </a:bodyPr>
-          <a:lstStyle/>
-          <a:p>
-            <a:r>
-              <a:rPr lang="vi-VN"/>
-              <a:t>Filter 0 2x2 </a:t>
-            </a:r>
-          </a:p>
-        </p:txBody>
-      </p:sp>
-      <p:sp>
-        <p:nvSpPr>
-          <p:cNvPr id="14" name="Hộp Văn bản 13">
-            <a:extLst>
-              <a:ext uri="{FF2B5EF4-FFF2-40B4-BE49-F238E27FC236}">
-                <a16:creationId xmlns:a16="http://schemas.microsoft.com/office/drawing/2014/main" id="{4756F1F1-DF94-416F-FD23-98E95A68BCC0}"/>
-              </a:ext>
-            </a:extLst>
-          </p:cNvPr>
-          <p:cNvSpPr txBox="1"/>
-          <p:nvPr/>
-        </p:nvSpPr>
-        <p:spPr>
-          <a:xfrm>
-            <a:off x="3657029" y="4830001"/>
-            <a:ext cx="1965848" cy="646331"/>
-          </a:xfrm>
-          <a:prstGeom prst="rect">
-            <a:avLst/>
-          </a:prstGeom>
-          <a:noFill/>
-        </p:spPr>
-        <p:txBody>
-          <a:bodyPr wrap="square" rtlCol="0">
-            <a:spAutoFit/>
-          </a:bodyPr>
-          <a:lstStyle/>
-          <a:p>
-            <a:r>
-              <a:rPr lang="vi-VN"/>
-              <a:t>1, 5, 10, 20, 50 conv filter</a:t>
-            </a:r>
-          </a:p>
-        </p:txBody>
-      </p:sp>
-    </p:spTree>
-    <p:extLst>
-      <p:ext uri="{BB962C8B-B14F-4D97-AF65-F5344CB8AC3E}">
-        <p14:creationId xmlns:p14="http://schemas.microsoft.com/office/powerpoint/2010/main" val="1800492772"/>
+        <p14:creationId xmlns:p14="http://schemas.microsoft.com/office/powerpoint/2010/main" val="2918839860"/>
       </p:ext>
     </p:extLst>
   </p:cSld>

--- a/thesis/Quanvolutional neural network.pptx
+++ b/thesis/Quanvolutional neural network.pptx
@@ -5760,8 +5760,8 @@
           </a:p>
         </p:txBody>
       </p:sp>
-      <mc:AlternateContent xmlns:mc="http://schemas.openxmlformats.org/markup-compatibility/2006">
-        <mc:Choice xmlns:a14="http://schemas.microsoft.com/office/drawing/2010/main" Requires="a14">
+      <mc:AlternateContent xmlns:mc="http://schemas.openxmlformats.org/markup-compatibility/2006" xmlns:a14="http://schemas.microsoft.com/office/drawing/2010/main">
+        <mc:Choice Requires="a14">
           <p:sp>
             <p:nvSpPr>
               <p:cNvPr id="5" name="Hình chữ nhật 4">
@@ -5832,7 +5832,7 @@
             </p:txBody>
           </p:sp>
         </mc:Choice>
-        <mc:Fallback>
+        <mc:Fallback xmlns="">
           <p:sp>
             <p:nvSpPr>
               <p:cNvPr id="5" name="Hình chữ nhật 4">
@@ -5932,8 +5932,8 @@
           </a:p>
         </p:txBody>
       </p:sp>
-      <mc:AlternateContent xmlns:mc="http://schemas.openxmlformats.org/markup-compatibility/2006">
-        <mc:Choice xmlns:a14="http://schemas.microsoft.com/office/drawing/2010/main" Requires="a14">
+      <mc:AlternateContent xmlns:mc="http://schemas.openxmlformats.org/markup-compatibility/2006" xmlns:a14="http://schemas.microsoft.com/office/drawing/2010/main">
+        <mc:Choice Requires="a14">
           <p:sp>
             <p:nvSpPr>
               <p:cNvPr id="7" name="Hình chữ nhật 6">
@@ -6004,7 +6004,7 @@
             </p:txBody>
           </p:sp>
         </mc:Choice>
-        <mc:Fallback>
+        <mc:Fallback xmlns="">
           <p:sp>
             <p:nvSpPr>
               <p:cNvPr id="7" name="Hình chữ nhật 6">
@@ -8128,13 +8128,7 @@
                                         <a:rPr lang="vi-VN" sz="2800" b="0" i="1" smtClean="0">
                                           <a:latin typeface="Cambria Math" panose="02040503050406030204" pitchFamily="18" charset="0"/>
                                         </a:rPr>
-                                        <m:t>.</m:t>
-                                      </m:r>
-                                      <m:r>
-                                        <a:rPr lang="vi-VN" sz="2800" b="0" i="1" smtClean="0">
-                                          <a:latin typeface="Cambria Math" panose="02040503050406030204" pitchFamily="18" charset="0"/>
-                                        </a:rPr>
-                                        <m:t>77</m:t>
+                                        <m:t>.77</m:t>
                                       </m:r>
                                     </m:e>
                                   </m:mr>
@@ -8144,19 +8138,7 @@
                                         <a:rPr lang="vi-VN" sz="2800" b="0" i="1" smtClean="0">
                                           <a:latin typeface="Cambria Math" panose="02040503050406030204" pitchFamily="18" charset="0"/>
                                         </a:rPr>
-                                        <m:t>0</m:t>
-                                      </m:r>
-                                      <m:r>
-                                        <a:rPr lang="vi-VN" sz="2800" b="0" i="1" smtClean="0">
-                                          <a:latin typeface="Cambria Math" panose="02040503050406030204" pitchFamily="18" charset="0"/>
-                                        </a:rPr>
-                                        <m:t>.</m:t>
-                                      </m:r>
-                                      <m:r>
-                                        <a:rPr lang="vi-VN" sz="2800" b="0" i="1" smtClean="0">
-                                          <a:latin typeface="Cambria Math" panose="02040503050406030204" pitchFamily="18" charset="0"/>
-                                        </a:rPr>
-                                        <m:t>61</m:t>
+                                        <m:t>0.61</m:t>
                                       </m:r>
                                     </m:e>
                                   </m:mr>
@@ -8179,19 +8161,7 @@
                                   <a:rPr lang="vi-VN" sz="2800" b="0" i="1" smtClean="0">
                                     <a:latin typeface="Cambria Math" panose="02040503050406030204" pitchFamily="18" charset="0"/>
                                   </a:rPr>
-                                  <m:t>0</m:t>
-                                </m:r>
-                                <m:r>
-                                  <a:rPr lang="vi-VN" sz="2800" b="0" i="1" smtClean="0">
-                                    <a:latin typeface="Cambria Math" panose="02040503050406030204" pitchFamily="18" charset="0"/>
-                                  </a:rPr>
-                                  <m:t>.</m:t>
-                                </m:r>
-                                <m:r>
-                                  <a:rPr lang="vi-VN" sz="2800" b="0" i="1" smtClean="0">
-                                    <a:latin typeface="Cambria Math" panose="02040503050406030204" pitchFamily="18" charset="0"/>
-                                  </a:rPr>
-                                  <m:t>71</m:t>
+                                  <m:t>0.71</m:t>
                                 </m:r>
                               </m:e>
                             </m:mr>
@@ -14652,19 +14622,7 @@
                       <a:rPr lang="en-US" b="0" i="1" smtClean="0">
                         <a:latin typeface="Cambria Math" panose="02040503050406030204" pitchFamily="18" charset="0"/>
                       </a:rPr>
-                      <m:t>|</m:t>
-                    </m:r>
-                    <m:r>
-                      <a:rPr lang="en-US" b="0" i="1" smtClean="0">
-                        <a:latin typeface="Cambria Math" panose="02040503050406030204" pitchFamily="18" charset="0"/>
-                      </a:rPr>
-                      <m:t>0</m:t>
-                    </m:r>
-                    <m:r>
-                      <a:rPr lang="en-US" b="0" i="1" smtClean="0">
-                        <a:latin typeface="Cambria Math" panose="02040503050406030204" pitchFamily="18" charset="0"/>
-                      </a:rPr>
-                      <m:t>⟩</m:t>
+                      <m:t>|0⟩</m:t>
                     </m:r>
                   </m:oMath>
                 </a14:m>

--- a/thesis/Quanvolutional neural network.pptx
+++ b/thesis/Quanvolutional neural network.pptx
@@ -4243,19 +4243,7 @@
                       <a:rPr lang="en-US" i="1" smtClean="0">
                         <a:latin typeface="Cambria Math" panose="02040503050406030204" pitchFamily="18" charset="0"/>
                       </a:rPr>
-                      <m:t>0</m:t>
-                    </m:r>
-                    <m:r>
-                      <a:rPr lang="en-US" i="1" smtClean="0">
-                        <a:latin typeface="Cambria Math" panose="02040503050406030204" pitchFamily="18" charset="0"/>
-                      </a:rPr>
-                      <m:t>→</m:t>
-                    </m:r>
-                    <m:r>
-                      <a:rPr lang="en-US" i="1" smtClean="0">
-                        <a:latin typeface="Cambria Math" panose="02040503050406030204" pitchFamily="18" charset="0"/>
-                      </a:rPr>
-                      <m:t>2</m:t>
+                      <m:t>0→2</m:t>
                     </m:r>
                     <m:sSup>
                       <m:sSupPr>
@@ -4503,19 +4491,7 @@
                           <a:rPr lang="en-US" b="0" i="1" smtClean="0">
                             <a:latin typeface="Cambria Math" panose="02040503050406030204" pitchFamily="18" charset="0"/>
                           </a:rPr>
-                          <m:t>0</m:t>
-                        </m:r>
-                        <m:r>
-                          <a:rPr lang="en-US" b="0" i="1" smtClean="0">
-                            <a:latin typeface="Cambria Math" panose="02040503050406030204" pitchFamily="18" charset="0"/>
-                          </a:rPr>
-                          <m:t>,</m:t>
-                        </m:r>
-                        <m:r>
-                          <a:rPr lang="en-US" b="0" i="1" smtClean="0">
-                            <a:latin typeface="Cambria Math" panose="02040503050406030204" pitchFamily="18" charset="0"/>
-                          </a:rPr>
-                          <m:t>2</m:t>
+                          <m:t>0,2</m:t>
                         </m:r>
                         <m:r>
                           <a:rPr lang="en-US" b="0" i="1" smtClean="0">
@@ -8128,7 +8104,13 @@
                                         <a:rPr lang="vi-VN" sz="2800" b="0" i="1" smtClean="0">
                                           <a:latin typeface="Cambria Math" panose="02040503050406030204" pitchFamily="18" charset="0"/>
                                         </a:rPr>
-                                        <m:t>.77</m:t>
+                                        <m:t>.</m:t>
+                                      </m:r>
+                                      <m:r>
+                                        <a:rPr lang="vi-VN" sz="2800" b="0" i="1" smtClean="0">
+                                          <a:latin typeface="Cambria Math" panose="02040503050406030204" pitchFamily="18" charset="0"/>
+                                        </a:rPr>
+                                        <m:t>77</m:t>
                                       </m:r>
                                     </m:e>
                                   </m:mr>
@@ -8138,7 +8120,19 @@
                                         <a:rPr lang="vi-VN" sz="2800" b="0" i="1" smtClean="0">
                                           <a:latin typeface="Cambria Math" panose="02040503050406030204" pitchFamily="18" charset="0"/>
                                         </a:rPr>
-                                        <m:t>0.61</m:t>
+                                        <m:t>0</m:t>
+                                      </m:r>
+                                      <m:r>
+                                        <a:rPr lang="vi-VN" sz="2800" b="0" i="1" smtClean="0">
+                                          <a:latin typeface="Cambria Math" panose="02040503050406030204" pitchFamily="18" charset="0"/>
+                                        </a:rPr>
+                                        <m:t>.</m:t>
+                                      </m:r>
+                                      <m:r>
+                                        <a:rPr lang="vi-VN" sz="2800" b="0" i="1" smtClean="0">
+                                          <a:latin typeface="Cambria Math" panose="02040503050406030204" pitchFamily="18" charset="0"/>
+                                        </a:rPr>
+                                        <m:t>61</m:t>
                                       </m:r>
                                     </m:e>
                                   </m:mr>
@@ -8161,7 +8155,19 @@
                                   <a:rPr lang="vi-VN" sz="2800" b="0" i="1" smtClean="0">
                                     <a:latin typeface="Cambria Math" panose="02040503050406030204" pitchFamily="18" charset="0"/>
                                   </a:rPr>
-                                  <m:t>0.71</m:t>
+                                  <m:t>0</m:t>
+                                </m:r>
+                                <m:r>
+                                  <a:rPr lang="vi-VN" sz="2800" b="0" i="1" smtClean="0">
+                                    <a:latin typeface="Cambria Math" panose="02040503050406030204" pitchFamily="18" charset="0"/>
+                                  </a:rPr>
+                                  <m:t>.</m:t>
+                                </m:r>
+                                <m:r>
+                                  <a:rPr lang="vi-VN" sz="2800" b="0" i="1" smtClean="0">
+                                    <a:latin typeface="Cambria Math" panose="02040503050406030204" pitchFamily="18" charset="0"/>
+                                  </a:rPr>
+                                  <m:t>71</m:t>
                                 </m:r>
                               </m:e>
                             </m:mr>
@@ -10886,31 +10892,77 @@
           </a:p>
         </p:txBody>
       </p:sp>
-      <p:sp>
-        <p:nvSpPr>
-          <p:cNvPr id="5" name="Chỗ dành sẵn cho Nội dung 4">
-            <a:extLst>
-              <a:ext uri="{FF2B5EF4-FFF2-40B4-BE49-F238E27FC236}">
-                <a16:creationId xmlns:a16="http://schemas.microsoft.com/office/drawing/2014/main" id="{C03691B7-1DEB-7FB4-1DB3-0E61F0ECCFCA}"/>
-              </a:ext>
-            </a:extLst>
-          </p:cNvPr>
-          <p:cNvSpPr>
-            <a:spLocks noGrp="1"/>
-          </p:cNvSpPr>
+      <p:pic>
+        <p:nvPicPr>
+          <p:cNvPr id="6" name="Chỗ dành sẵn cho Nội dung 5">
+            <a:extLst>
+              <a:ext uri="{FF2B5EF4-FFF2-40B4-BE49-F238E27FC236}">
+                <a16:creationId xmlns:a16="http://schemas.microsoft.com/office/drawing/2014/main" id="{42CEE08F-B6D9-388E-94BB-84BC85FAD3AF}"/>
+              </a:ext>
+            </a:extLst>
+          </p:cNvPr>
+          <p:cNvPicPr>
+            <a:picLocks noGrp="1" noChangeAspect="1"/>
+          </p:cNvPicPr>
           <p:nvPr>
             <p:ph idx="1"/>
           </p:nvPr>
-        </p:nvSpPr>
-        <p:spPr/>
-        <p:txBody>
-          <a:bodyPr/>
-          <a:lstStyle/>
-          <a:p>
-            <a:endParaRPr lang="vi-VN"/>
-          </a:p>
-        </p:txBody>
-      </p:sp>
+        </p:nvPicPr>
+        <p:blipFill>
+          <a:blip r:embed="rId2">
+            <a:extLst>
+              <a:ext uri="{28A0092B-C50C-407E-A947-70E740481C1C}">
+                <a14:useLocalDpi xmlns:a14="http://schemas.microsoft.com/office/drawing/2010/main" val="0"/>
+              </a:ext>
+            </a:extLst>
+          </a:blip>
+          <a:stretch>
+            <a:fillRect/>
+          </a:stretch>
+        </p:blipFill>
+        <p:spPr>
+          <a:xfrm>
+            <a:off x="838200" y="1690687"/>
+            <a:ext cx="5494361" cy="3729333"/>
+          </a:xfrm>
+        </p:spPr>
+      </p:pic>
+      <p:pic>
+        <p:nvPicPr>
+          <p:cNvPr id="8" name="Hình ảnh 7">
+            <a:extLst>
+              <a:ext uri="{FF2B5EF4-FFF2-40B4-BE49-F238E27FC236}">
+                <a16:creationId xmlns:a16="http://schemas.microsoft.com/office/drawing/2014/main" id="{E49DDDFE-4D00-DB6C-57B5-E5523012C4E9}"/>
+              </a:ext>
+            </a:extLst>
+          </p:cNvPr>
+          <p:cNvPicPr>
+            <a:picLocks noChangeAspect="1"/>
+          </p:cNvPicPr>
+          <p:nvPr/>
+        </p:nvPicPr>
+        <p:blipFill>
+          <a:blip r:embed="rId3">
+            <a:extLst>
+              <a:ext uri="{28A0092B-C50C-407E-A947-70E740481C1C}">
+                <a14:useLocalDpi xmlns:a14="http://schemas.microsoft.com/office/drawing/2010/main" val="0"/>
+              </a:ext>
+            </a:extLst>
+          </a:blip>
+          <a:stretch>
+            <a:fillRect/>
+          </a:stretch>
+        </p:blipFill>
+        <p:spPr>
+          <a:xfrm>
+            <a:off x="6266243" y="1690685"/>
+            <a:ext cx="5494361" cy="3729333"/>
+          </a:xfrm>
+          <a:prstGeom prst="rect">
+            <a:avLst/>
+          </a:prstGeom>
+        </p:spPr>
+      </p:pic>
     </p:spTree>
     <p:extLst>
       <p:ext uri="{BB962C8B-B14F-4D97-AF65-F5344CB8AC3E}">
@@ -14622,7 +14674,19 @@
                       <a:rPr lang="en-US" b="0" i="1" smtClean="0">
                         <a:latin typeface="Cambria Math" panose="02040503050406030204" pitchFamily="18" charset="0"/>
                       </a:rPr>
-                      <m:t>|0⟩</m:t>
+                      <m:t>|</m:t>
+                    </m:r>
+                    <m:r>
+                      <a:rPr lang="en-US" b="0" i="1" smtClean="0">
+                        <a:latin typeface="Cambria Math" panose="02040503050406030204" pitchFamily="18" charset="0"/>
+                      </a:rPr>
+                      <m:t>0</m:t>
+                    </m:r>
+                    <m:r>
+                      <a:rPr lang="en-US" b="0" i="1" smtClean="0">
+                        <a:latin typeface="Cambria Math" panose="02040503050406030204" pitchFamily="18" charset="0"/>
+                      </a:rPr>
+                      <m:t>⟩</m:t>
                     </m:r>
                   </m:oMath>
                 </a14:m>

--- a/thesis/Quanvolutional neural network.pptx
+++ b/thesis/Quanvolutional neural network.pptx
@@ -5,7 +5,7 @@
     <p:sldMasterId id="2147483648" r:id="rId1"/>
   </p:sldMasterIdLst>
   <p:notesMasterIdLst>
-    <p:notesMasterId r:id="rId31"/>
+    <p:notesMasterId r:id="rId34"/>
   </p:notesMasterIdLst>
   <p:sldIdLst>
     <p:sldId id="256" r:id="rId2"/>
@@ -36,7 +36,10 @@
     <p:sldId id="278" r:id="rId27"/>
     <p:sldId id="289" r:id="rId28"/>
     <p:sldId id="288" r:id="rId29"/>
-    <p:sldId id="284" r:id="rId30"/>
+    <p:sldId id="290" r:id="rId30"/>
+    <p:sldId id="284" r:id="rId31"/>
+    <p:sldId id="291" r:id="rId32"/>
+    <p:sldId id="292" r:id="rId33"/>
   </p:sldIdLst>
   <p:sldSz cx="12192000" cy="6858000"/>
   <p:notesSz cx="6858000" cy="9144000"/>
@@ -180,7 +183,10 @@
             <p14:sldId id="278"/>
             <p14:sldId id="289"/>
             <p14:sldId id="288"/>
+            <p14:sldId id="290"/>
             <p14:sldId id="284"/>
+            <p14:sldId id="291"/>
+            <p14:sldId id="292"/>
           </p14:sldIdLst>
         </p14:section>
       </p14:sectionLst>
@@ -536,7 +542,7 @@
           <a:p>
             <a:fld id="{C713C089-A006-49EC-A57B-51E39300CD8B}" type="datetimeFigureOut">
               <a:rPr lang="vi-VN" smtClean="0"/>
-              <a:t>07/10/2022</a:t>
+              <a:t>21/12/2022</a:t>
             </a:fld>
             <a:endParaRPr lang="vi-VN"/>
           </a:p>
@@ -950,7 +956,7 @@
           <a:p>
             <a:fld id="{79A0D75B-382B-44F1-95AD-65E71C3FFDF2}" type="datetime1">
               <a:rPr lang="vi-VN" smtClean="0"/>
-              <a:t>07/10/2022</a:t>
+              <a:t>21/12/2022</a:t>
             </a:fld>
             <a:endParaRPr lang="vi-VN"/>
           </a:p>
@@ -1148,7 +1154,7 @@
           <a:p>
             <a:fld id="{EF91B0C2-1DC0-4DA6-B6E3-3AB131C5DF69}" type="datetime1">
               <a:rPr lang="vi-VN" smtClean="0"/>
-              <a:t>07/10/2022</a:t>
+              <a:t>21/12/2022</a:t>
             </a:fld>
             <a:endParaRPr lang="vi-VN"/>
           </a:p>
@@ -1356,7 +1362,7 @@
           <a:p>
             <a:fld id="{E5A84FD5-1303-4CA3-ADA5-7736F53F9041}" type="datetime1">
               <a:rPr lang="vi-VN" smtClean="0"/>
-              <a:t>07/10/2022</a:t>
+              <a:t>21/12/2022</a:t>
             </a:fld>
             <a:endParaRPr lang="vi-VN"/>
           </a:p>
@@ -1554,7 +1560,7 @@
           <a:p>
             <a:fld id="{B6814BC3-EFEE-4CE9-96F6-461933B4C9B3}" type="datetime1">
               <a:rPr lang="vi-VN" smtClean="0"/>
-              <a:t>07/10/2022</a:t>
+              <a:t>21/12/2022</a:t>
             </a:fld>
             <a:endParaRPr lang="vi-VN"/>
           </a:p>
@@ -1829,7 +1835,7 @@
           <a:p>
             <a:fld id="{D685A125-1797-4A1F-B73C-042C34C130AE}" type="datetime1">
               <a:rPr lang="vi-VN" smtClean="0"/>
-              <a:t>07/10/2022</a:t>
+              <a:t>21/12/2022</a:t>
             </a:fld>
             <a:endParaRPr lang="vi-VN"/>
           </a:p>
@@ -2094,7 +2100,7 @@
           <a:p>
             <a:fld id="{A73AC773-7551-4A21-8CD9-725D1D0E13D4}" type="datetime1">
               <a:rPr lang="vi-VN" smtClean="0"/>
-              <a:t>07/10/2022</a:t>
+              <a:t>21/12/2022</a:t>
             </a:fld>
             <a:endParaRPr lang="vi-VN"/>
           </a:p>
@@ -2506,7 +2512,7 @@
           <a:p>
             <a:fld id="{6A2BF65D-F379-40CD-8A40-B3417345A7D0}" type="datetime1">
               <a:rPr lang="vi-VN" smtClean="0"/>
-              <a:t>07/10/2022</a:t>
+              <a:t>21/12/2022</a:t>
             </a:fld>
             <a:endParaRPr lang="vi-VN"/>
           </a:p>
@@ -2647,7 +2653,7 @@
           <a:p>
             <a:fld id="{4973F540-CEFB-4C74-8464-337235A29738}" type="datetime1">
               <a:rPr lang="vi-VN" smtClean="0"/>
-              <a:t>07/10/2022</a:t>
+              <a:t>21/12/2022</a:t>
             </a:fld>
             <a:endParaRPr lang="vi-VN"/>
           </a:p>
@@ -2760,7 +2766,7 @@
           <a:p>
             <a:fld id="{DD4E0017-27D1-4ABF-9EB5-1031ABAE9439}" type="datetime1">
               <a:rPr lang="vi-VN" smtClean="0"/>
-              <a:t>07/10/2022</a:t>
+              <a:t>21/12/2022</a:t>
             </a:fld>
             <a:endParaRPr lang="vi-VN"/>
           </a:p>
@@ -3071,7 +3077,7 @@
           <a:p>
             <a:fld id="{53E46112-6ACE-4A63-B1D7-5B3B6755E5A6}" type="datetime1">
               <a:rPr lang="vi-VN" smtClean="0"/>
-              <a:t>07/10/2022</a:t>
+              <a:t>21/12/2022</a:t>
             </a:fld>
             <a:endParaRPr lang="vi-VN"/>
           </a:p>
@@ -3359,7 +3365,7 @@
           <a:p>
             <a:fld id="{580E5B30-9BCE-45A0-AF9E-8FC72FE581AC}" type="datetime1">
               <a:rPr lang="vi-VN" smtClean="0"/>
-              <a:t>07/10/2022</a:t>
+              <a:t>21/12/2022</a:t>
             </a:fld>
             <a:endParaRPr lang="vi-VN"/>
           </a:p>
@@ -3600,7 +3606,7 @@
           <a:p>
             <a:fld id="{5DF12F3C-C493-42D5-9F6C-9A56AA909FBF}" type="datetime1">
               <a:rPr lang="vi-VN" smtClean="0"/>
-              <a:t>07/10/2022</a:t>
+              <a:t>21/12/2022</a:t>
             </a:fld>
             <a:endParaRPr lang="vi-VN"/>
           </a:p>
@@ -4243,7 +4249,19 @@
                       <a:rPr lang="en-US" i="1" smtClean="0">
                         <a:latin typeface="Cambria Math" panose="02040503050406030204" pitchFamily="18" charset="0"/>
                       </a:rPr>
-                      <m:t>0→2</m:t>
+                      <m:t>0</m:t>
+                    </m:r>
+                    <m:r>
+                      <a:rPr lang="en-US" i="1" smtClean="0">
+                        <a:latin typeface="Cambria Math" panose="02040503050406030204" pitchFamily="18" charset="0"/>
+                      </a:rPr>
+                      <m:t>→</m:t>
+                    </m:r>
+                    <m:r>
+                      <a:rPr lang="en-US" i="1" smtClean="0">
+                        <a:latin typeface="Cambria Math" panose="02040503050406030204" pitchFamily="18" charset="0"/>
+                      </a:rPr>
+                      <m:t>2</m:t>
                     </m:r>
                     <m:sSup>
                       <m:sSupPr>
@@ -4491,7 +4509,19 @@
                           <a:rPr lang="en-US" b="0" i="1" smtClean="0">
                             <a:latin typeface="Cambria Math" panose="02040503050406030204" pitchFamily="18" charset="0"/>
                           </a:rPr>
-                          <m:t>0,2</m:t>
+                          <m:t>0</m:t>
+                        </m:r>
+                        <m:r>
+                          <a:rPr lang="en-US" b="0" i="1" smtClean="0">
+                            <a:latin typeface="Cambria Math" panose="02040503050406030204" pitchFamily="18" charset="0"/>
+                          </a:rPr>
+                          <m:t>,</m:t>
+                        </m:r>
+                        <m:r>
+                          <a:rPr lang="en-US" b="0" i="1" smtClean="0">
+                            <a:latin typeface="Cambria Math" panose="02040503050406030204" pitchFamily="18" charset="0"/>
+                          </a:rPr>
+                          <m:t>2</m:t>
                         </m:r>
                         <m:r>
                           <a:rPr lang="en-US" b="0" i="1" smtClean="0">
@@ -5758,11 +5788,11 @@
               <a:prstGeom prst="rect">
                 <a:avLst/>
               </a:prstGeom>
-              <a:solidFill>
-                <a:schemeClr val="accent2"/>
-              </a:solidFill>
+              <a:noFill/>
               <a:ln>
-                <a:noFill/>
+                <a:solidFill>
+                  <a:schemeClr val="tx1"/>
+                </a:solidFill>
               </a:ln>
             </p:spPr>
             <p:style>
@@ -5787,13 +5817,20 @@
               <a:p>
                 <a:pPr algn="ctr"/>
                 <a:r>
-                  <a:rPr lang="vi-VN" sz="1400"/>
+                  <a:rPr lang="vi-VN" sz="1400">
+                    <a:solidFill>
+                      <a:schemeClr val="tx1"/>
+                    </a:solidFill>
+                  </a:rPr>
                   <a:t>Conv1: </a:t>
                 </a:r>
                 <a14:m>
                   <m:oMath xmlns:m="http://schemas.openxmlformats.org/officeDocument/2006/math">
                     <m:r>
                       <a:rPr lang="vi-VN" sz="1400" i="1" smtClean="0">
+                        <a:solidFill>
+                          <a:schemeClr val="tx1"/>
+                        </a:solidFill>
                         <a:latin typeface="Cambria Math" panose="02040503050406030204" pitchFamily="18" charset="0"/>
                       </a:rPr>
                       <m:t>𝑛</m:t>
@@ -5801,7 +5838,11 @@
                   </m:oMath>
                 </a14:m>
                 <a:r>
-                  <a:rPr lang="vi-VN" sz="1400"/>
+                  <a:rPr lang="vi-VN" sz="1400">
+                    <a:solidFill>
+                      <a:schemeClr val="tx1"/>
+                    </a:solidFill>
+                  </a:rPr>
                   <a:t> filter</a:t>
                 </a:r>
               </a:p>
@@ -5834,11 +5875,13 @@
               <a:blipFill>
                 <a:blip r:embed="rId2"/>
                 <a:stretch>
-                  <a:fillRect b="-10000"/>
+                  <a:fillRect b="-8065"/>
                 </a:stretch>
               </a:blipFill>
               <a:ln>
-                <a:noFill/>
+                <a:solidFill>
+                  <a:schemeClr val="tx1"/>
+                </a:solidFill>
               </a:ln>
             </p:spPr>
             <p:txBody>
@@ -5876,8 +5919,11 @@
           <a:prstGeom prst="rect">
             <a:avLst/>
           </a:prstGeom>
+          <a:noFill/>
           <a:ln>
-            <a:noFill/>
+            <a:solidFill>
+              <a:schemeClr val="tx1"/>
+            </a:solidFill>
           </a:ln>
         </p:spPr>
         <p:style>
@@ -5902,7 +5948,11 @@
           <a:p>
             <a:pPr algn="ctr"/>
             <a:r>
-              <a:rPr lang="vi-VN" sz="1400"/>
+              <a:rPr lang="vi-VN" sz="1400">
+                <a:solidFill>
+                  <a:schemeClr val="tx1"/>
+                </a:solidFill>
+              </a:rPr>
               <a:t>MaxPool1</a:t>
             </a:r>
           </a:p>
@@ -5930,11 +5980,11 @@
               <a:prstGeom prst="rect">
                 <a:avLst/>
               </a:prstGeom>
-              <a:solidFill>
-                <a:schemeClr val="accent2"/>
-              </a:solidFill>
+              <a:noFill/>
               <a:ln>
-                <a:noFill/>
+                <a:solidFill>
+                  <a:schemeClr val="tx1"/>
+                </a:solidFill>
               </a:ln>
             </p:spPr>
             <p:style>
@@ -5959,13 +6009,20 @@
               <a:p>
                 <a:pPr algn="ctr"/>
                 <a:r>
-                  <a:rPr lang="vi-VN" sz="1400"/>
+                  <a:rPr lang="vi-VN" sz="1400">
+                    <a:solidFill>
+                      <a:schemeClr val="tx1"/>
+                    </a:solidFill>
+                  </a:rPr>
                   <a:t>Conv2: </a:t>
                 </a:r>
                 <a14:m>
                   <m:oMath xmlns:m="http://schemas.openxmlformats.org/officeDocument/2006/math">
                     <m:r>
                       <a:rPr lang="vi-VN" sz="1400" i="1" smtClean="0">
+                        <a:solidFill>
+                          <a:schemeClr val="tx1"/>
+                        </a:solidFill>
                         <a:latin typeface="Cambria Math" panose="02040503050406030204" pitchFamily="18" charset="0"/>
                       </a:rPr>
                       <m:t>𝑛</m:t>
@@ -5973,7 +6030,11 @@
                   </m:oMath>
                 </a14:m>
                 <a:r>
-                  <a:rPr lang="vi-VN" sz="1400"/>
+                  <a:rPr lang="vi-VN" sz="1400">
+                    <a:solidFill>
+                      <a:schemeClr val="tx1"/>
+                    </a:solidFill>
+                  </a:rPr>
                   <a:t> filter</a:t>
                 </a:r>
               </a:p>
@@ -6006,11 +6067,13 @@
               <a:blipFill>
                 <a:blip r:embed="rId3"/>
                 <a:stretch>
-                  <a:fillRect b="-10000"/>
+                  <a:fillRect b="-8065"/>
                 </a:stretch>
               </a:blipFill>
               <a:ln>
-                <a:noFill/>
+                <a:solidFill>
+                  <a:schemeClr val="tx1"/>
+                </a:solidFill>
               </a:ln>
             </p:spPr>
             <p:txBody>
@@ -6048,8 +6111,11 @@
           <a:prstGeom prst="rect">
             <a:avLst/>
           </a:prstGeom>
+          <a:noFill/>
           <a:ln>
-            <a:noFill/>
+            <a:solidFill>
+              <a:schemeClr val="tx1"/>
+            </a:solidFill>
           </a:ln>
         </p:spPr>
         <p:style>
@@ -6074,7 +6140,11 @@
           <a:p>
             <a:pPr algn="ctr"/>
             <a:r>
-              <a:rPr lang="vi-VN" sz="1400"/>
+              <a:rPr lang="vi-VN" sz="1400">
+                <a:solidFill>
+                  <a:schemeClr val="tx1"/>
+                </a:solidFill>
+              </a:rPr>
               <a:t>MaxPool2</a:t>
             </a:r>
           </a:p>
@@ -6100,13 +6170,11 @@
           <a:prstGeom prst="rect">
             <a:avLst/>
           </a:prstGeom>
-          <a:solidFill>
-            <a:schemeClr val="accent4">
-              <a:lumMod val="75000"/>
-            </a:schemeClr>
-          </a:solidFill>
+          <a:noFill/>
           <a:ln>
-            <a:noFill/>
+            <a:solidFill>
+              <a:schemeClr val="tx1"/>
+            </a:solidFill>
           </a:ln>
         </p:spPr>
         <p:style>
@@ -6131,7 +6199,11 @@
           <a:p>
             <a:pPr algn="ctr"/>
             <a:r>
-              <a:rPr lang="vi-VN" sz="1400"/>
+              <a:rPr lang="vi-VN" sz="1400">
+                <a:solidFill>
+                  <a:schemeClr val="tx1"/>
+                </a:solidFill>
+              </a:rPr>
               <a:t>FC1: 1024. Dropout  = 0.4</a:t>
             </a:r>
           </a:p>
@@ -6157,13 +6229,11 @@
           <a:prstGeom prst="rect">
             <a:avLst/>
           </a:prstGeom>
-          <a:solidFill>
-            <a:schemeClr val="accent4">
-              <a:lumMod val="75000"/>
-            </a:schemeClr>
-          </a:solidFill>
+          <a:noFill/>
           <a:ln>
-            <a:noFill/>
+            <a:solidFill>
+              <a:schemeClr val="tx1"/>
+            </a:solidFill>
           </a:ln>
         </p:spPr>
         <p:style>
@@ -6188,7 +6258,11 @@
           <a:p>
             <a:pPr algn="ctr"/>
             <a:r>
-              <a:rPr lang="vi-VN" sz="1400"/>
+              <a:rPr lang="vi-VN" sz="1400">
+                <a:solidFill>
+                  <a:schemeClr val="tx1"/>
+                </a:solidFill>
+              </a:rPr>
               <a:t>FC2: 10. Dropout = 0.4</a:t>
             </a:r>
           </a:p>
@@ -6439,9 +6513,7 @@
           <a:prstGeom prst="rect">
             <a:avLst/>
           </a:prstGeom>
-          <a:solidFill>
-            <a:schemeClr val="bg1"/>
-          </a:solidFill>
+          <a:noFill/>
           <a:ln>
             <a:solidFill>
               <a:schemeClr val="tx1"/>
@@ -6582,13 +6654,11 @@
           <a:prstGeom prst="rect">
             <a:avLst/>
           </a:prstGeom>
-          <a:solidFill>
-            <a:schemeClr val="accent4">
-              <a:lumMod val="75000"/>
-            </a:schemeClr>
-          </a:solidFill>
+          <a:noFill/>
           <a:ln>
-            <a:noFill/>
+            <a:solidFill>
+              <a:schemeClr val="tx1"/>
+            </a:solidFill>
           </a:ln>
         </p:spPr>
         <p:style>
@@ -6613,7 +6683,11 @@
           <a:p>
             <a:pPr algn="ctr"/>
             <a:r>
-              <a:rPr lang="vi-VN" sz="1400"/>
+              <a:rPr lang="vi-VN" sz="1400">
+                <a:solidFill>
+                  <a:schemeClr val="tx1"/>
+                </a:solidFill>
+              </a:rPr>
               <a:t>FC1: 1024. Dropout  = 0.4</a:t>
             </a:r>
           </a:p>
@@ -6639,13 +6713,11 @@
           <a:prstGeom prst="rect">
             <a:avLst/>
           </a:prstGeom>
-          <a:solidFill>
-            <a:schemeClr val="accent4">
-              <a:lumMod val="75000"/>
-            </a:schemeClr>
-          </a:solidFill>
+          <a:noFill/>
           <a:ln>
-            <a:noFill/>
+            <a:solidFill>
+              <a:schemeClr val="tx1"/>
+            </a:solidFill>
           </a:ln>
         </p:spPr>
         <p:style>
@@ -6670,7 +6742,11 @@
           <a:p>
             <a:pPr algn="ctr"/>
             <a:r>
-              <a:rPr lang="vi-VN" sz="1400"/>
+              <a:rPr lang="vi-VN" sz="1400">
+                <a:solidFill>
+                  <a:schemeClr val="tx1"/>
+                </a:solidFill>
+              </a:rPr>
               <a:t>FC2: 10. Dropout = 0.4</a:t>
             </a:r>
           </a:p>
@@ -6787,9 +6863,7 @@
           <a:prstGeom prst="rect">
             <a:avLst/>
           </a:prstGeom>
-          <a:solidFill>
-            <a:schemeClr val="bg1"/>
-          </a:solidFill>
+          <a:noFill/>
           <a:ln>
             <a:solidFill>
               <a:schemeClr val="tx1"/>
@@ -6930,8 +7004,11 @@
           <a:prstGeom prst="rect">
             <a:avLst/>
           </a:prstGeom>
+          <a:noFill/>
           <a:ln>
-            <a:noFill/>
+            <a:solidFill>
+              <a:schemeClr val="tx1"/>
+            </a:solidFill>
           </a:ln>
         </p:spPr>
         <p:style>
@@ -6956,8 +7033,12 @@
           <a:p>
             <a:pPr algn="ctr"/>
             <a:r>
-              <a:rPr lang="vi-VN" sz="1400"/>
-              <a:t>Quanvolutional filter</a:t>
+              <a:rPr lang="vi-VN" sz="1400">
+                <a:solidFill>
+                  <a:schemeClr val="tx1"/>
+                </a:solidFill>
+              </a:rPr>
+              <a:t>Quantum filters</a:t>
             </a:r>
           </a:p>
         </p:txBody>
@@ -6982,13 +7063,11 @@
           <a:prstGeom prst="rect">
             <a:avLst/>
           </a:prstGeom>
-          <a:solidFill>
-            <a:schemeClr val="accent4">
-              <a:lumMod val="75000"/>
-            </a:schemeClr>
-          </a:solidFill>
+          <a:noFill/>
           <a:ln>
-            <a:noFill/>
+            <a:solidFill>
+              <a:schemeClr val="tx1"/>
+            </a:solidFill>
           </a:ln>
         </p:spPr>
         <p:style>
@@ -7013,7 +7092,11 @@
           <a:p>
             <a:pPr algn="ctr"/>
             <a:r>
-              <a:rPr lang="vi-VN" sz="1400"/>
+              <a:rPr lang="vi-VN" sz="1400">
+                <a:solidFill>
+                  <a:schemeClr val="tx1"/>
+                </a:solidFill>
+              </a:rPr>
               <a:t>FC1: 1024. Dropout  = 0.4</a:t>
             </a:r>
           </a:p>
@@ -7039,13 +7122,11 @@
           <a:prstGeom prst="rect">
             <a:avLst/>
           </a:prstGeom>
-          <a:solidFill>
-            <a:schemeClr val="accent4">
-              <a:lumMod val="75000"/>
-            </a:schemeClr>
-          </a:solidFill>
+          <a:noFill/>
           <a:ln>
-            <a:noFill/>
+            <a:solidFill>
+              <a:schemeClr val="tx1"/>
+            </a:solidFill>
           </a:ln>
         </p:spPr>
         <p:style>
@@ -7070,7 +7151,11 @@
           <a:p>
             <a:pPr algn="ctr"/>
             <a:r>
-              <a:rPr lang="vi-VN" sz="1400"/>
+              <a:rPr lang="vi-VN" sz="1400">
+                <a:solidFill>
+                  <a:schemeClr val="tx1"/>
+                </a:solidFill>
+              </a:rPr>
               <a:t>FC2: 10. Dropout = 0.4</a:t>
             </a:r>
           </a:p>
@@ -7187,9 +7272,7 @@
           <a:prstGeom prst="rect">
             <a:avLst/>
           </a:prstGeom>
-          <a:solidFill>
-            <a:schemeClr val="bg1"/>
-          </a:solidFill>
+          <a:noFill/>
           <a:ln>
             <a:solidFill>
               <a:schemeClr val="tx1"/>
@@ -8104,13 +8187,7 @@
                                         <a:rPr lang="vi-VN" sz="2800" b="0" i="1" smtClean="0">
                                           <a:latin typeface="Cambria Math" panose="02040503050406030204" pitchFamily="18" charset="0"/>
                                         </a:rPr>
-                                        <m:t>.</m:t>
-                                      </m:r>
-                                      <m:r>
-                                        <a:rPr lang="vi-VN" sz="2800" b="0" i="1" smtClean="0">
-                                          <a:latin typeface="Cambria Math" panose="02040503050406030204" pitchFamily="18" charset="0"/>
-                                        </a:rPr>
-                                        <m:t>77</m:t>
+                                        <m:t>.77</m:t>
                                       </m:r>
                                     </m:e>
                                   </m:mr>
@@ -8120,19 +8197,7 @@
                                         <a:rPr lang="vi-VN" sz="2800" b="0" i="1" smtClean="0">
                                           <a:latin typeface="Cambria Math" panose="02040503050406030204" pitchFamily="18" charset="0"/>
                                         </a:rPr>
-                                        <m:t>0</m:t>
-                                      </m:r>
-                                      <m:r>
-                                        <a:rPr lang="vi-VN" sz="2800" b="0" i="1" smtClean="0">
-                                          <a:latin typeface="Cambria Math" panose="02040503050406030204" pitchFamily="18" charset="0"/>
-                                        </a:rPr>
-                                        <m:t>.</m:t>
-                                      </m:r>
-                                      <m:r>
-                                        <a:rPr lang="vi-VN" sz="2800" b="0" i="1" smtClean="0">
-                                          <a:latin typeface="Cambria Math" panose="02040503050406030204" pitchFamily="18" charset="0"/>
-                                        </a:rPr>
-                                        <m:t>61</m:t>
+                                        <m:t>0.61</m:t>
                                       </m:r>
                                     </m:e>
                                   </m:mr>
@@ -8155,19 +8220,7 @@
                                   <a:rPr lang="vi-VN" sz="2800" b="0" i="1" smtClean="0">
                                     <a:latin typeface="Cambria Math" panose="02040503050406030204" pitchFamily="18" charset="0"/>
                                   </a:rPr>
-                                  <m:t>0</m:t>
-                                </m:r>
-                                <m:r>
-                                  <a:rPr lang="vi-VN" sz="2800" b="0" i="1" smtClean="0">
-                                    <a:latin typeface="Cambria Math" panose="02040503050406030204" pitchFamily="18" charset="0"/>
-                                  </a:rPr>
-                                  <m:t>.</m:t>
-                                </m:r>
-                                <m:r>
-                                  <a:rPr lang="vi-VN" sz="2800" b="0" i="1" smtClean="0">
-                                    <a:latin typeface="Cambria Math" panose="02040503050406030204" pitchFamily="18" charset="0"/>
-                                  </a:rPr>
-                                  <m:t>71</m:t>
+                                  <m:t>0.71</m:t>
                                 </m:r>
                               </m:e>
                             </m:mr>
@@ -11100,6 +11153,354 @@
 </file>
 
 <file path=ppt/slides/slide29.xml><?xml version="1.0" encoding="utf-8"?>
+<p:sld xmlns:a="http://schemas.openxmlformats.org/drawingml/2006/main" xmlns:r="http://schemas.openxmlformats.org/officeDocument/2006/relationships" xmlns:p="http://schemas.openxmlformats.org/presentationml/2006/main">
+  <p:cSld>
+    <p:spTree>
+      <p:nvGrpSpPr>
+        <p:cNvPr id="1" name=""/>
+        <p:cNvGrpSpPr/>
+        <p:nvPr/>
+      </p:nvGrpSpPr>
+      <p:grpSpPr>
+        <a:xfrm>
+          <a:off x="0" y="0"/>
+          <a:ext cx="0" cy="0"/>
+          <a:chOff x="0" y="0"/>
+          <a:chExt cx="0" cy="0"/>
+        </a:xfrm>
+      </p:grpSpPr>
+      <p:sp>
+        <p:nvSpPr>
+          <p:cNvPr id="2" name="Tiêu đề 1">
+            <a:extLst>
+              <a:ext uri="{FF2B5EF4-FFF2-40B4-BE49-F238E27FC236}">
+                <a16:creationId xmlns:a16="http://schemas.microsoft.com/office/drawing/2014/main" id="{A349675D-5F53-5F53-E994-026AB78E96ED}"/>
+              </a:ext>
+            </a:extLst>
+          </p:cNvPr>
+          <p:cNvSpPr>
+            <a:spLocks noGrp="1"/>
+          </p:cNvSpPr>
+          <p:nvPr>
+            <p:ph type="title"/>
+          </p:nvPr>
+        </p:nvSpPr>
+        <p:spPr/>
+        <p:txBody>
+          <a:bodyPr/>
+          <a:lstStyle/>
+          <a:p>
+            <a:r>
+              <a:rPr lang="en-US"/>
+              <a:t>3. Filter size</a:t>
+            </a:r>
+            <a:endParaRPr lang="vi-VN"/>
+          </a:p>
+        </p:txBody>
+      </p:sp>
+      <p:pic>
+        <p:nvPicPr>
+          <p:cNvPr id="6" name="Chỗ dành sẵn cho Nội dung 5">
+            <a:extLst>
+              <a:ext uri="{FF2B5EF4-FFF2-40B4-BE49-F238E27FC236}">
+                <a16:creationId xmlns:a16="http://schemas.microsoft.com/office/drawing/2014/main" id="{AA1F59B3-CBEF-24D4-FA2C-E4947D33416E}"/>
+              </a:ext>
+            </a:extLst>
+          </p:cNvPr>
+          <p:cNvPicPr>
+            <a:picLocks noGrp="1" noChangeAspect="1"/>
+          </p:cNvPicPr>
+          <p:nvPr>
+            <p:ph idx="1"/>
+          </p:nvPr>
+        </p:nvPicPr>
+        <p:blipFill>
+          <a:blip r:embed="rId2">
+            <a:extLst>
+              <a:ext uri="{28A0092B-C50C-407E-A947-70E740481C1C}">
+                <a14:useLocalDpi xmlns:a14="http://schemas.microsoft.com/office/drawing/2010/main" val="0"/>
+              </a:ext>
+            </a:extLst>
+          </a:blip>
+          <a:srcRect/>
+          <a:stretch/>
+        </p:blipFill>
+        <p:spPr>
+          <a:xfrm>
+            <a:off x="838200" y="1690688"/>
+            <a:ext cx="4901587" cy="3326984"/>
+          </a:xfrm>
+        </p:spPr>
+      </p:pic>
+      <p:sp>
+        <p:nvSpPr>
+          <p:cNvPr id="4" name="Chỗ dành sẵn cho Số hiệu Bản chiếu 3">
+            <a:extLst>
+              <a:ext uri="{FF2B5EF4-FFF2-40B4-BE49-F238E27FC236}">
+                <a16:creationId xmlns:a16="http://schemas.microsoft.com/office/drawing/2014/main" id="{75218B52-ECE3-92DB-E640-3C7BDAA1104B}"/>
+              </a:ext>
+            </a:extLst>
+          </p:cNvPr>
+          <p:cNvSpPr>
+            <a:spLocks noGrp="1"/>
+          </p:cNvSpPr>
+          <p:nvPr>
+            <p:ph type="sldNum" sz="quarter" idx="12"/>
+          </p:nvPr>
+        </p:nvSpPr>
+        <p:spPr/>
+        <p:txBody>
+          <a:bodyPr/>
+          <a:lstStyle/>
+          <a:p>
+            <a:fld id="{8ABE2698-B386-4030-AF28-2C9E17A48886}" type="slidenum">
+              <a:rPr lang="vi-VN" smtClean="0"/>
+              <a:t>29</a:t>
+            </a:fld>
+            <a:endParaRPr lang="vi-VN"/>
+          </a:p>
+        </p:txBody>
+      </p:sp>
+      <p:sp>
+        <p:nvSpPr>
+          <p:cNvPr id="7" name="Hộp Văn bản 6">
+            <a:extLst>
+              <a:ext uri="{FF2B5EF4-FFF2-40B4-BE49-F238E27FC236}">
+                <a16:creationId xmlns:a16="http://schemas.microsoft.com/office/drawing/2014/main" id="{0B03CF27-8ED4-CA1C-B929-FA7EB9D8620F}"/>
+              </a:ext>
+            </a:extLst>
+          </p:cNvPr>
+          <p:cNvSpPr txBox="1"/>
+          <p:nvPr/>
+        </p:nvSpPr>
+        <p:spPr>
+          <a:xfrm>
+            <a:off x="1397760" y="5202695"/>
+            <a:ext cx="3172930" cy="369332"/>
+          </a:xfrm>
+          <a:prstGeom prst="rect">
+            <a:avLst/>
+          </a:prstGeom>
+          <a:noFill/>
+        </p:spPr>
+        <p:txBody>
+          <a:bodyPr wrap="square" rtlCol="0">
+            <a:spAutoFit/>
+          </a:bodyPr>
+          <a:lstStyle/>
+          <a:p>
+            <a:r>
+              <a:rPr lang="vi-VN">
+                <a:latin typeface="Calibri (Thân)"/>
+              </a:rPr>
+              <a:t>Train and test on MNIST</a:t>
+            </a:r>
+          </a:p>
+        </p:txBody>
+      </p:sp>
+      <p:sp>
+        <p:nvSpPr>
+          <p:cNvPr id="8" name="Hộp Văn bản 7">
+            <a:extLst>
+              <a:ext uri="{FF2B5EF4-FFF2-40B4-BE49-F238E27FC236}">
+                <a16:creationId xmlns:a16="http://schemas.microsoft.com/office/drawing/2014/main" id="{72BEE1B6-E573-6A9A-9B89-8C48102AD337}"/>
+              </a:ext>
+            </a:extLst>
+          </p:cNvPr>
+          <p:cNvSpPr txBox="1"/>
+          <p:nvPr/>
+        </p:nvSpPr>
+        <p:spPr>
+          <a:xfrm>
+            <a:off x="6655560" y="5202695"/>
+            <a:ext cx="3811258" cy="369332"/>
+          </a:xfrm>
+          <a:prstGeom prst="rect">
+            <a:avLst/>
+          </a:prstGeom>
+          <a:noFill/>
+        </p:spPr>
+        <p:txBody>
+          <a:bodyPr wrap="square" rtlCol="0">
+            <a:spAutoFit/>
+          </a:bodyPr>
+          <a:lstStyle/>
+          <a:p>
+            <a:r>
+              <a:rPr lang="vi-VN">
+                <a:latin typeface="Calibri (Thân)"/>
+              </a:rPr>
+              <a:t>Train and test on MNIST Fashion</a:t>
+            </a:r>
+          </a:p>
+        </p:txBody>
+      </p:sp>
+      <p:pic>
+        <p:nvPicPr>
+          <p:cNvPr id="10" name="Hình ảnh 9">
+            <a:extLst>
+              <a:ext uri="{FF2B5EF4-FFF2-40B4-BE49-F238E27FC236}">
+                <a16:creationId xmlns:a16="http://schemas.microsoft.com/office/drawing/2014/main" id="{A640D57A-7935-B76D-9477-8936C16F70AC}"/>
+              </a:ext>
+            </a:extLst>
+          </p:cNvPr>
+          <p:cNvPicPr>
+            <a:picLocks noChangeAspect="1"/>
+          </p:cNvPicPr>
+          <p:nvPr/>
+        </p:nvPicPr>
+        <p:blipFill>
+          <a:blip r:embed="rId3">
+            <a:extLst>
+              <a:ext uri="{28A0092B-C50C-407E-A947-70E740481C1C}">
+                <a14:useLocalDpi xmlns:a14="http://schemas.microsoft.com/office/drawing/2010/main" val="0"/>
+              </a:ext>
+            </a:extLst>
+          </a:blip>
+          <a:srcRect/>
+          <a:stretch/>
+        </p:blipFill>
+        <p:spPr>
+          <a:xfrm>
+            <a:off x="5901632" y="1690688"/>
+            <a:ext cx="4901587" cy="3326984"/>
+          </a:xfrm>
+          <a:prstGeom prst="rect">
+            <a:avLst/>
+          </a:prstGeom>
+        </p:spPr>
+      </p:pic>
+    </p:spTree>
+    <p:extLst>
+      <p:ext uri="{BB962C8B-B14F-4D97-AF65-F5344CB8AC3E}">
+        <p14:creationId xmlns:p14="http://schemas.microsoft.com/office/powerpoint/2010/main" val="34509365"/>
+      </p:ext>
+    </p:extLst>
+  </p:cSld>
+  <p:clrMapOvr>
+    <a:masterClrMapping/>
+  </p:clrMapOvr>
+</p:sld>
+</file>
+
+<file path=ppt/slides/slide3.xml><?xml version="1.0" encoding="utf-8"?>
+<p:sld xmlns:a="http://schemas.openxmlformats.org/drawingml/2006/main" xmlns:r="http://schemas.openxmlformats.org/officeDocument/2006/relationships" xmlns:p="http://schemas.openxmlformats.org/presentationml/2006/main">
+  <p:cSld>
+    <p:spTree>
+      <p:nvGrpSpPr>
+        <p:cNvPr id="1" name=""/>
+        <p:cNvGrpSpPr/>
+        <p:nvPr/>
+      </p:nvGrpSpPr>
+      <p:grpSpPr>
+        <a:xfrm>
+          <a:off x="0" y="0"/>
+          <a:ext cx="0" cy="0"/>
+          <a:chOff x="0" y="0"/>
+          <a:chExt cx="0" cy="0"/>
+        </a:xfrm>
+      </p:grpSpPr>
+      <p:sp>
+        <p:nvSpPr>
+          <p:cNvPr id="2" name="Tiêu đề 1">
+            <a:extLst>
+              <a:ext uri="{FF2B5EF4-FFF2-40B4-BE49-F238E27FC236}">
+                <a16:creationId xmlns:a16="http://schemas.microsoft.com/office/drawing/2014/main" id="{87715DF9-5532-BA97-DD90-487595A7F3E2}"/>
+              </a:ext>
+            </a:extLst>
+          </p:cNvPr>
+          <p:cNvSpPr>
+            <a:spLocks noGrp="1"/>
+          </p:cNvSpPr>
+          <p:nvPr>
+            <p:ph type="title"/>
+          </p:nvPr>
+        </p:nvSpPr>
+        <p:spPr/>
+        <p:txBody>
+          <a:bodyPr/>
+          <a:lstStyle/>
+          <a:p>
+            <a:r>
+              <a:rPr lang="en-US"/>
+              <a:t>Quantum neural network</a:t>
+            </a:r>
+            <a:endParaRPr lang="vi-VN"/>
+          </a:p>
+        </p:txBody>
+      </p:sp>
+      <p:pic>
+        <p:nvPicPr>
+          <p:cNvPr id="6" name="Chỗ dành sẵn cho Nội dung 5">
+            <a:extLst>
+              <a:ext uri="{FF2B5EF4-FFF2-40B4-BE49-F238E27FC236}">
+                <a16:creationId xmlns:a16="http://schemas.microsoft.com/office/drawing/2014/main" id="{4A249A84-2330-BAD0-6220-E62EA0D41FF2}"/>
+              </a:ext>
+            </a:extLst>
+          </p:cNvPr>
+          <p:cNvPicPr>
+            <a:picLocks noGrp="1" noChangeAspect="1"/>
+          </p:cNvPicPr>
+          <p:nvPr>
+            <p:ph idx="1"/>
+          </p:nvPr>
+        </p:nvPicPr>
+        <p:blipFill>
+          <a:blip r:embed="rId2"/>
+          <a:stretch>
+            <a:fillRect/>
+          </a:stretch>
+        </p:blipFill>
+        <p:spPr>
+          <a:xfrm>
+            <a:off x="838200" y="1690688"/>
+            <a:ext cx="8143875" cy="4257675"/>
+          </a:xfrm>
+        </p:spPr>
+      </p:pic>
+      <p:sp>
+        <p:nvSpPr>
+          <p:cNvPr id="4" name="Chỗ dành sẵn cho Số hiệu Bản chiếu 3">
+            <a:extLst>
+              <a:ext uri="{FF2B5EF4-FFF2-40B4-BE49-F238E27FC236}">
+                <a16:creationId xmlns:a16="http://schemas.microsoft.com/office/drawing/2014/main" id="{8200B507-7F99-AA91-BEF1-1A15281FFDC2}"/>
+              </a:ext>
+            </a:extLst>
+          </p:cNvPr>
+          <p:cNvSpPr>
+            <a:spLocks noGrp="1"/>
+          </p:cNvSpPr>
+          <p:nvPr>
+            <p:ph type="sldNum" sz="quarter" idx="12"/>
+          </p:nvPr>
+        </p:nvSpPr>
+        <p:spPr/>
+        <p:txBody>
+          <a:bodyPr/>
+          <a:lstStyle/>
+          <a:p>
+            <a:fld id="{8ABE2698-B386-4030-AF28-2C9E17A48886}" type="slidenum">
+              <a:rPr lang="vi-VN" smtClean="0"/>
+              <a:t>3</a:t>
+            </a:fld>
+            <a:endParaRPr lang="vi-VN"/>
+          </a:p>
+        </p:txBody>
+      </p:sp>
+    </p:spTree>
+    <p:extLst>
+      <p:ext uri="{BB962C8B-B14F-4D97-AF65-F5344CB8AC3E}">
+        <p14:creationId xmlns:p14="http://schemas.microsoft.com/office/powerpoint/2010/main" val="4105675606"/>
+      </p:ext>
+    </p:extLst>
+  </p:cSld>
+  <p:clrMapOvr>
+    <a:masterClrMapping/>
+  </p:clrMapOvr>
+</p:sld>
+</file>
+
+<file path=ppt/slides/slide30.xml><?xml version="1.0" encoding="utf-8"?>
 <p:sld xmlns:a="http://schemas.openxmlformats.org/drawingml/2006/main" xmlns:r="http://schemas.openxmlformats.org/officeDocument/2006/relationships" xmlns:p="http://schemas.openxmlformats.org/presentationml/2006/main">
   <p:cSld>
     <p:spTree>
@@ -11367,7 +11768,7 @@
           <a:p>
             <a:fld id="{8ABE2698-B386-4030-AF28-2C9E17A48886}" type="slidenum">
               <a:rPr lang="vi-VN" smtClean="0"/>
-              <a:t>29</a:t>
+              <a:t>30</a:t>
             </a:fld>
             <a:endParaRPr lang="vi-VN"/>
           </a:p>
@@ -11386,7 +11787,7 @@
 </p:sld>
 </file>
 
-<file path=ppt/slides/slide3.xml><?xml version="1.0" encoding="utf-8"?>
+<file path=ppt/slides/slide31.xml><?xml version="1.0" encoding="utf-8"?>
 <p:sld xmlns:a="http://schemas.openxmlformats.org/drawingml/2006/main" xmlns:r="http://schemas.openxmlformats.org/officeDocument/2006/relationships" xmlns:p="http://schemas.openxmlformats.org/presentationml/2006/main">
   <p:cSld>
     <p:spTree>
@@ -11408,7 +11809,7 @@
           <p:cNvPr id="2" name="Tiêu đề 1">
             <a:extLst>
               <a:ext uri="{FF2B5EF4-FFF2-40B4-BE49-F238E27FC236}">
-                <a16:creationId xmlns:a16="http://schemas.microsoft.com/office/drawing/2014/main" id="{87715DF9-5532-BA97-DD90-487595A7F3E2}"/>
+                <a16:creationId xmlns:a16="http://schemas.microsoft.com/office/drawing/2014/main" id="{BB283A88-7ECB-230A-AAD4-B8CA92A5248F}"/>
               </a:ext>
             </a:extLst>
           </p:cNvPr>
@@ -11426,47 +11827,43 @@
           <a:p>
             <a:r>
               <a:rPr lang="en-US"/>
-              <a:t>Quantum neural network</a:t>
+              <a:t>Draw</a:t>
             </a:r>
             <a:endParaRPr lang="vi-VN"/>
           </a:p>
         </p:txBody>
       </p:sp>
-      <p:pic>
-        <p:nvPicPr>
-          <p:cNvPr id="6" name="Chỗ dành sẵn cho Nội dung 5">
-            <a:extLst>
-              <a:ext uri="{FF2B5EF4-FFF2-40B4-BE49-F238E27FC236}">
-                <a16:creationId xmlns:a16="http://schemas.microsoft.com/office/drawing/2014/main" id="{4A249A84-2330-BAD0-6220-E62EA0D41FF2}"/>
-              </a:ext>
-            </a:extLst>
-          </p:cNvPr>
-          <p:cNvPicPr>
-            <a:picLocks noGrp="1" noChangeAspect="1"/>
-          </p:cNvPicPr>
+      <p:sp>
+        <p:nvSpPr>
+          <p:cNvPr id="3" name="Chỗ dành sẵn cho Nội dung 2">
+            <a:extLst>
+              <a:ext uri="{FF2B5EF4-FFF2-40B4-BE49-F238E27FC236}">
+                <a16:creationId xmlns:a16="http://schemas.microsoft.com/office/drawing/2014/main" id="{97E5BD94-A553-3F85-5758-405DDBC7F8F3}"/>
+              </a:ext>
+            </a:extLst>
+          </p:cNvPr>
+          <p:cNvSpPr>
+            <a:spLocks noGrp="1"/>
+          </p:cNvSpPr>
           <p:nvPr>
             <p:ph idx="1"/>
           </p:nvPr>
-        </p:nvPicPr>
-        <p:blipFill>
-          <a:blip r:embed="rId2"/>
-          <a:stretch>
-            <a:fillRect/>
-          </a:stretch>
-        </p:blipFill>
-        <p:spPr>
-          <a:xfrm>
-            <a:off x="838200" y="1690688"/>
-            <a:ext cx="8143875" cy="4257675"/>
-          </a:xfrm>
-        </p:spPr>
-      </p:pic>
+        </p:nvSpPr>
+        <p:spPr/>
+        <p:txBody>
+          <a:bodyPr/>
+          <a:lstStyle/>
+          <a:p>
+            <a:endParaRPr lang="vi-VN"/>
+          </a:p>
+        </p:txBody>
+      </p:sp>
       <p:sp>
         <p:nvSpPr>
           <p:cNvPr id="4" name="Chỗ dành sẵn cho Số hiệu Bản chiếu 3">
             <a:extLst>
               <a:ext uri="{FF2B5EF4-FFF2-40B4-BE49-F238E27FC236}">
-                <a16:creationId xmlns:a16="http://schemas.microsoft.com/office/drawing/2014/main" id="{8200B507-7F99-AA91-BEF1-1A15281FFDC2}"/>
+                <a16:creationId xmlns:a16="http://schemas.microsoft.com/office/drawing/2014/main" id="{78B9EB8F-59C0-BEF4-93BC-7E2B0FA1CF72}"/>
               </a:ext>
             </a:extLst>
           </p:cNvPr>
@@ -11484,7 +11881,7 @@
           <a:p>
             <a:fld id="{8ABE2698-B386-4030-AF28-2C9E17A48886}" type="slidenum">
               <a:rPr lang="vi-VN" smtClean="0"/>
-              <a:t>3</a:t>
+              <a:t>31</a:t>
             </a:fld>
             <a:endParaRPr lang="vi-VN"/>
           </a:p>
@@ -11493,7 +11890,1354 @@
     </p:spTree>
     <p:extLst>
       <p:ext uri="{BB962C8B-B14F-4D97-AF65-F5344CB8AC3E}">
-        <p14:creationId xmlns:p14="http://schemas.microsoft.com/office/powerpoint/2010/main" val="4105675606"/>
+        <p14:creationId xmlns:p14="http://schemas.microsoft.com/office/powerpoint/2010/main" val="2495828875"/>
+      </p:ext>
+    </p:extLst>
+  </p:cSld>
+  <p:clrMapOvr>
+    <a:masterClrMapping/>
+  </p:clrMapOvr>
+</p:sld>
+</file>
+
+<file path=ppt/slides/slide32.xml><?xml version="1.0" encoding="utf-8"?>
+<p:sld xmlns:a="http://schemas.openxmlformats.org/drawingml/2006/main" xmlns:r="http://schemas.openxmlformats.org/officeDocument/2006/relationships" xmlns:p="http://schemas.openxmlformats.org/presentationml/2006/main">
+  <p:cSld>
+    <p:spTree>
+      <p:nvGrpSpPr>
+        <p:cNvPr id="1" name=""/>
+        <p:cNvGrpSpPr/>
+        <p:nvPr/>
+      </p:nvGrpSpPr>
+      <p:grpSpPr>
+        <a:xfrm>
+          <a:off x="0" y="0"/>
+          <a:ext cx="0" cy="0"/>
+          <a:chOff x="0" y="0"/>
+          <a:chExt cx="0" cy="0"/>
+        </a:xfrm>
+      </p:grpSpPr>
+      <p:sp>
+        <p:nvSpPr>
+          <p:cNvPr id="4" name="Chỗ dành sẵn cho Số hiệu Bản chiếu 3">
+            <a:extLst>
+              <a:ext uri="{FF2B5EF4-FFF2-40B4-BE49-F238E27FC236}">
+                <a16:creationId xmlns:a16="http://schemas.microsoft.com/office/drawing/2014/main" id="{67F6AB50-C094-2E46-F39A-0F98E603D4C8}"/>
+              </a:ext>
+            </a:extLst>
+          </p:cNvPr>
+          <p:cNvSpPr>
+            <a:spLocks noGrp="1"/>
+          </p:cNvSpPr>
+          <p:nvPr>
+            <p:ph type="sldNum" sz="quarter" idx="12"/>
+          </p:nvPr>
+        </p:nvSpPr>
+        <p:spPr/>
+        <p:txBody>
+          <a:bodyPr/>
+          <a:lstStyle/>
+          <a:p>
+            <a:fld id="{8ABE2698-B386-4030-AF28-2C9E17A48886}" type="slidenum">
+              <a:rPr lang="vi-VN" smtClean="0"/>
+              <a:t>32</a:t>
+            </a:fld>
+            <a:endParaRPr lang="vi-VN"/>
+          </a:p>
+        </p:txBody>
+      </p:sp>
+      <p:sp>
+        <p:nvSpPr>
+          <p:cNvPr id="5" name="Hình chữ nhật 4">
+            <a:extLst>
+              <a:ext uri="{FF2B5EF4-FFF2-40B4-BE49-F238E27FC236}">
+                <a16:creationId xmlns:a16="http://schemas.microsoft.com/office/drawing/2014/main" id="{E9B4CC3B-895E-8A71-13D6-355768223568}"/>
+              </a:ext>
+            </a:extLst>
+          </p:cNvPr>
+          <p:cNvSpPr/>
+          <p:nvPr/>
+        </p:nvSpPr>
+        <p:spPr>
+          <a:xfrm>
+            <a:off x="1011070" y="1129315"/>
+            <a:ext cx="1424295" cy="365126"/>
+          </a:xfrm>
+          <a:prstGeom prst="rect">
+            <a:avLst/>
+          </a:prstGeom>
+          <a:noFill/>
+          <a:ln>
+            <a:solidFill>
+              <a:schemeClr val="tx1"/>
+            </a:solidFill>
+          </a:ln>
+        </p:spPr>
+        <p:style>
+          <a:lnRef idx="2">
+            <a:schemeClr val="accent1">
+              <a:shade val="50000"/>
+            </a:schemeClr>
+          </a:lnRef>
+          <a:fillRef idx="1">
+            <a:schemeClr val="accent1"/>
+          </a:fillRef>
+          <a:effectRef idx="0">
+            <a:schemeClr val="accent1"/>
+          </a:effectRef>
+          <a:fontRef idx="minor">
+            <a:schemeClr val="lt1"/>
+          </a:fontRef>
+        </p:style>
+        <p:txBody>
+          <a:bodyPr rtlCol="0" anchor="ctr"/>
+          <a:lstStyle/>
+          <a:p>
+            <a:pPr algn="ctr"/>
+            <a:r>
+              <a:rPr lang="vi-VN" sz="1400">
+                <a:solidFill>
+                  <a:schemeClr val="tx1"/>
+                </a:solidFill>
+                <a:latin typeface="Computer Modern Roman"/>
+              </a:rPr>
+              <a:t>Conv1</a:t>
+            </a:r>
+          </a:p>
+        </p:txBody>
+      </p:sp>
+      <p:sp>
+        <p:nvSpPr>
+          <p:cNvPr id="6" name="Hình chữ nhật 5">
+            <a:extLst>
+              <a:ext uri="{FF2B5EF4-FFF2-40B4-BE49-F238E27FC236}">
+                <a16:creationId xmlns:a16="http://schemas.microsoft.com/office/drawing/2014/main" id="{7C9301A8-EB65-1FBB-D660-DEA6CAAA8BF6}"/>
+              </a:ext>
+            </a:extLst>
+          </p:cNvPr>
+          <p:cNvSpPr/>
+          <p:nvPr/>
+        </p:nvSpPr>
+        <p:spPr>
+          <a:xfrm>
+            <a:off x="1011070" y="1708120"/>
+            <a:ext cx="1424295" cy="365126"/>
+          </a:xfrm>
+          <a:prstGeom prst="rect">
+            <a:avLst/>
+          </a:prstGeom>
+          <a:noFill/>
+          <a:ln>
+            <a:solidFill>
+              <a:schemeClr val="tx1"/>
+            </a:solidFill>
+          </a:ln>
+        </p:spPr>
+        <p:style>
+          <a:lnRef idx="2">
+            <a:schemeClr val="accent1">
+              <a:shade val="50000"/>
+            </a:schemeClr>
+          </a:lnRef>
+          <a:fillRef idx="1">
+            <a:schemeClr val="accent1"/>
+          </a:fillRef>
+          <a:effectRef idx="0">
+            <a:schemeClr val="accent1"/>
+          </a:effectRef>
+          <a:fontRef idx="minor">
+            <a:schemeClr val="lt1"/>
+          </a:fontRef>
+        </p:style>
+        <p:txBody>
+          <a:bodyPr rtlCol="0" anchor="ctr"/>
+          <a:lstStyle/>
+          <a:p>
+            <a:pPr algn="ctr"/>
+            <a:r>
+              <a:rPr lang="vi-VN" sz="1400">
+                <a:solidFill>
+                  <a:schemeClr val="tx1"/>
+                </a:solidFill>
+                <a:latin typeface="Computer Modern Roman"/>
+              </a:rPr>
+              <a:t>MaxPool1</a:t>
+            </a:r>
+          </a:p>
+        </p:txBody>
+      </p:sp>
+      <p:sp>
+        <p:nvSpPr>
+          <p:cNvPr id="7" name="Hình chữ nhật 6">
+            <a:extLst>
+              <a:ext uri="{FF2B5EF4-FFF2-40B4-BE49-F238E27FC236}">
+                <a16:creationId xmlns:a16="http://schemas.microsoft.com/office/drawing/2014/main" id="{A27C11B0-E378-CFCB-209D-A8C52C744491}"/>
+              </a:ext>
+            </a:extLst>
+          </p:cNvPr>
+          <p:cNvSpPr/>
+          <p:nvPr/>
+        </p:nvSpPr>
+        <p:spPr>
+          <a:xfrm>
+            <a:off x="1011071" y="2295159"/>
+            <a:ext cx="1421560" cy="365126"/>
+          </a:xfrm>
+          <a:prstGeom prst="rect">
+            <a:avLst/>
+          </a:prstGeom>
+          <a:noFill/>
+          <a:ln>
+            <a:solidFill>
+              <a:schemeClr val="tx1"/>
+            </a:solidFill>
+          </a:ln>
+        </p:spPr>
+        <p:style>
+          <a:lnRef idx="2">
+            <a:schemeClr val="accent1">
+              <a:shade val="50000"/>
+            </a:schemeClr>
+          </a:lnRef>
+          <a:fillRef idx="1">
+            <a:schemeClr val="accent1"/>
+          </a:fillRef>
+          <a:effectRef idx="0">
+            <a:schemeClr val="accent1"/>
+          </a:effectRef>
+          <a:fontRef idx="minor">
+            <a:schemeClr val="lt1"/>
+          </a:fontRef>
+        </p:style>
+        <p:txBody>
+          <a:bodyPr rtlCol="0" anchor="ctr"/>
+          <a:lstStyle/>
+          <a:p>
+            <a:pPr algn="ctr"/>
+            <a:r>
+              <a:rPr lang="vi-VN" sz="1400">
+                <a:solidFill>
+                  <a:schemeClr val="tx1"/>
+                </a:solidFill>
+                <a:latin typeface="Computer Modern Roman"/>
+              </a:rPr>
+              <a:t>Conv2</a:t>
+            </a:r>
+          </a:p>
+        </p:txBody>
+      </p:sp>
+      <p:sp>
+        <p:nvSpPr>
+          <p:cNvPr id="8" name="Hình chữ nhật 7">
+            <a:extLst>
+              <a:ext uri="{FF2B5EF4-FFF2-40B4-BE49-F238E27FC236}">
+                <a16:creationId xmlns:a16="http://schemas.microsoft.com/office/drawing/2014/main" id="{C2F9A6C8-30FE-BE19-ED77-CD7DA45EB8EF}"/>
+              </a:ext>
+            </a:extLst>
+          </p:cNvPr>
+          <p:cNvSpPr/>
+          <p:nvPr/>
+        </p:nvSpPr>
+        <p:spPr>
+          <a:xfrm>
+            <a:off x="1011070" y="2887931"/>
+            <a:ext cx="1421561" cy="365126"/>
+          </a:xfrm>
+          <a:prstGeom prst="rect">
+            <a:avLst/>
+          </a:prstGeom>
+          <a:noFill/>
+          <a:ln>
+            <a:solidFill>
+              <a:schemeClr val="tx1"/>
+            </a:solidFill>
+          </a:ln>
+        </p:spPr>
+        <p:style>
+          <a:lnRef idx="2">
+            <a:schemeClr val="accent1">
+              <a:shade val="50000"/>
+            </a:schemeClr>
+          </a:lnRef>
+          <a:fillRef idx="1">
+            <a:schemeClr val="accent1"/>
+          </a:fillRef>
+          <a:effectRef idx="0">
+            <a:schemeClr val="accent1"/>
+          </a:effectRef>
+          <a:fontRef idx="minor">
+            <a:schemeClr val="lt1"/>
+          </a:fontRef>
+        </p:style>
+        <p:txBody>
+          <a:bodyPr rtlCol="0" anchor="ctr"/>
+          <a:lstStyle/>
+          <a:p>
+            <a:pPr algn="ctr"/>
+            <a:r>
+              <a:rPr lang="vi-VN" sz="1400">
+                <a:solidFill>
+                  <a:schemeClr val="tx1"/>
+                </a:solidFill>
+                <a:latin typeface="Computer Modern Roman"/>
+              </a:rPr>
+              <a:t>MaxPool2</a:t>
+            </a:r>
+          </a:p>
+        </p:txBody>
+      </p:sp>
+      <p:cxnSp>
+        <p:nvCxnSpPr>
+          <p:cNvPr id="11" name="Đường kết nối Mũi tên Thẳng 10">
+            <a:extLst>
+              <a:ext uri="{FF2B5EF4-FFF2-40B4-BE49-F238E27FC236}">
+                <a16:creationId xmlns:a16="http://schemas.microsoft.com/office/drawing/2014/main" id="{8D7AC53C-6D56-A4ED-EBFB-C7C1CFD8C0BE}"/>
+              </a:ext>
+            </a:extLst>
+          </p:cNvPr>
+          <p:cNvCxnSpPr>
+            <a:stCxn id="5" idx="2"/>
+            <a:endCxn id="6" idx="0"/>
+          </p:cNvCxnSpPr>
+          <p:nvPr/>
+        </p:nvCxnSpPr>
+        <p:spPr>
+          <a:xfrm>
+            <a:off x="1723218" y="1494441"/>
+            <a:ext cx="0" cy="213679"/>
+          </a:xfrm>
+          <a:prstGeom prst="straightConnector1">
+            <a:avLst/>
+          </a:prstGeom>
+          <a:ln>
+            <a:solidFill>
+              <a:schemeClr val="tx1"/>
+            </a:solidFill>
+            <a:tailEnd type="triangle"/>
+          </a:ln>
+        </p:spPr>
+        <p:style>
+          <a:lnRef idx="1">
+            <a:schemeClr val="accent1"/>
+          </a:lnRef>
+          <a:fillRef idx="0">
+            <a:schemeClr val="accent1"/>
+          </a:fillRef>
+          <a:effectRef idx="0">
+            <a:schemeClr val="accent1"/>
+          </a:effectRef>
+          <a:fontRef idx="minor">
+            <a:schemeClr val="tx1"/>
+          </a:fontRef>
+        </p:style>
+      </p:cxnSp>
+      <p:cxnSp>
+        <p:nvCxnSpPr>
+          <p:cNvPr id="12" name="Đường kết nối Mũi tên Thẳng 11">
+            <a:extLst>
+              <a:ext uri="{FF2B5EF4-FFF2-40B4-BE49-F238E27FC236}">
+                <a16:creationId xmlns:a16="http://schemas.microsoft.com/office/drawing/2014/main" id="{84D46B3B-F1E9-5D05-03CE-FBA82A5D6FCA}"/>
+              </a:ext>
+            </a:extLst>
+          </p:cNvPr>
+          <p:cNvCxnSpPr>
+            <a:stCxn id="6" idx="2"/>
+            <a:endCxn id="7" idx="0"/>
+          </p:cNvCxnSpPr>
+          <p:nvPr/>
+        </p:nvCxnSpPr>
+        <p:spPr>
+          <a:xfrm flipH="1">
+            <a:off x="1721851" y="2073246"/>
+            <a:ext cx="1367" cy="221913"/>
+          </a:xfrm>
+          <a:prstGeom prst="straightConnector1">
+            <a:avLst/>
+          </a:prstGeom>
+          <a:ln>
+            <a:solidFill>
+              <a:schemeClr val="tx1"/>
+            </a:solidFill>
+            <a:tailEnd type="triangle"/>
+          </a:ln>
+        </p:spPr>
+        <p:style>
+          <a:lnRef idx="1">
+            <a:schemeClr val="accent1"/>
+          </a:lnRef>
+          <a:fillRef idx="0">
+            <a:schemeClr val="accent1"/>
+          </a:fillRef>
+          <a:effectRef idx="0">
+            <a:schemeClr val="accent1"/>
+          </a:effectRef>
+          <a:fontRef idx="minor">
+            <a:schemeClr val="tx1"/>
+          </a:fontRef>
+        </p:style>
+      </p:cxnSp>
+      <p:cxnSp>
+        <p:nvCxnSpPr>
+          <p:cNvPr id="13" name="Đường kết nối Mũi tên Thẳng 12">
+            <a:extLst>
+              <a:ext uri="{FF2B5EF4-FFF2-40B4-BE49-F238E27FC236}">
+                <a16:creationId xmlns:a16="http://schemas.microsoft.com/office/drawing/2014/main" id="{46052355-3E9B-F509-14E4-0986C82B132E}"/>
+              </a:ext>
+            </a:extLst>
+          </p:cNvPr>
+          <p:cNvCxnSpPr>
+            <a:stCxn id="7" idx="2"/>
+            <a:endCxn id="8" idx="0"/>
+          </p:cNvCxnSpPr>
+          <p:nvPr/>
+        </p:nvCxnSpPr>
+        <p:spPr>
+          <a:xfrm>
+            <a:off x="1721851" y="2660285"/>
+            <a:ext cx="0" cy="227646"/>
+          </a:xfrm>
+          <a:prstGeom prst="straightConnector1">
+            <a:avLst/>
+          </a:prstGeom>
+          <a:ln>
+            <a:solidFill>
+              <a:schemeClr val="tx1"/>
+            </a:solidFill>
+            <a:tailEnd type="triangle"/>
+          </a:ln>
+        </p:spPr>
+        <p:style>
+          <a:lnRef idx="1">
+            <a:schemeClr val="accent1"/>
+          </a:lnRef>
+          <a:fillRef idx="0">
+            <a:schemeClr val="accent1"/>
+          </a:fillRef>
+          <a:effectRef idx="0">
+            <a:schemeClr val="accent1"/>
+          </a:effectRef>
+          <a:fontRef idx="minor">
+            <a:schemeClr val="tx1"/>
+          </a:fontRef>
+        </p:style>
+      </p:cxnSp>
+      <p:sp>
+        <p:nvSpPr>
+          <p:cNvPr id="16" name="Hình chữ nhật 15">
+            <a:extLst>
+              <a:ext uri="{FF2B5EF4-FFF2-40B4-BE49-F238E27FC236}">
+                <a16:creationId xmlns:a16="http://schemas.microsoft.com/office/drawing/2014/main" id="{567DEE01-60EC-9146-4919-6BC0EADC1548}"/>
+              </a:ext>
+            </a:extLst>
+          </p:cNvPr>
+          <p:cNvSpPr/>
+          <p:nvPr/>
+        </p:nvSpPr>
+        <p:spPr>
+          <a:xfrm>
+            <a:off x="1006521" y="419947"/>
+            <a:ext cx="1424295" cy="365126"/>
+          </a:xfrm>
+          <a:prstGeom prst="rect">
+            <a:avLst/>
+          </a:prstGeom>
+          <a:noFill/>
+          <a:ln>
+            <a:solidFill>
+              <a:schemeClr val="tx1"/>
+            </a:solidFill>
+          </a:ln>
+        </p:spPr>
+        <p:style>
+          <a:lnRef idx="2">
+            <a:schemeClr val="accent1">
+              <a:shade val="50000"/>
+            </a:schemeClr>
+          </a:lnRef>
+          <a:fillRef idx="1">
+            <a:schemeClr val="accent1"/>
+          </a:fillRef>
+          <a:effectRef idx="0">
+            <a:schemeClr val="accent1"/>
+          </a:effectRef>
+          <a:fontRef idx="minor">
+            <a:schemeClr val="lt1"/>
+          </a:fontRef>
+        </p:style>
+        <p:txBody>
+          <a:bodyPr rtlCol="0" anchor="ctr"/>
+          <a:lstStyle/>
+          <a:p>
+            <a:pPr algn="ctr"/>
+            <a:r>
+              <a:rPr lang="vi-VN" sz="1400">
+                <a:solidFill>
+                  <a:schemeClr val="tx1"/>
+                </a:solidFill>
+                <a:latin typeface="Computer Modern Roman"/>
+              </a:rPr>
+              <a:t>Image</a:t>
+            </a:r>
+          </a:p>
+        </p:txBody>
+      </p:sp>
+      <p:cxnSp>
+        <p:nvCxnSpPr>
+          <p:cNvPr id="17" name="Đường kết nối Mũi tên Thẳng 16">
+            <a:extLst>
+              <a:ext uri="{FF2B5EF4-FFF2-40B4-BE49-F238E27FC236}">
+                <a16:creationId xmlns:a16="http://schemas.microsoft.com/office/drawing/2014/main" id="{3485A65C-DD10-53D5-19A6-EB5F923136E7}"/>
+              </a:ext>
+            </a:extLst>
+          </p:cNvPr>
+          <p:cNvCxnSpPr>
+            <a:cxnSpLocks/>
+            <a:stCxn id="16" idx="2"/>
+            <a:endCxn id="5" idx="0"/>
+          </p:cNvCxnSpPr>
+          <p:nvPr/>
+        </p:nvCxnSpPr>
+        <p:spPr>
+          <a:xfrm>
+            <a:off x="1718669" y="785073"/>
+            <a:ext cx="4549" cy="344242"/>
+          </a:xfrm>
+          <a:prstGeom prst="straightConnector1">
+            <a:avLst/>
+          </a:prstGeom>
+          <a:ln>
+            <a:solidFill>
+              <a:schemeClr val="tx1"/>
+            </a:solidFill>
+            <a:tailEnd type="triangle"/>
+          </a:ln>
+        </p:spPr>
+        <p:style>
+          <a:lnRef idx="1">
+            <a:schemeClr val="accent1"/>
+          </a:lnRef>
+          <a:fillRef idx="0">
+            <a:schemeClr val="accent1"/>
+          </a:fillRef>
+          <a:effectRef idx="0">
+            <a:schemeClr val="accent1"/>
+          </a:effectRef>
+          <a:fontRef idx="minor">
+            <a:schemeClr val="tx1"/>
+          </a:fontRef>
+        </p:style>
+      </p:cxnSp>
+      <p:sp>
+        <p:nvSpPr>
+          <p:cNvPr id="18" name="Hộp Văn bản 17">
+            <a:extLst>
+              <a:ext uri="{FF2B5EF4-FFF2-40B4-BE49-F238E27FC236}">
+                <a16:creationId xmlns:a16="http://schemas.microsoft.com/office/drawing/2014/main" id="{7C284CAE-15F5-1845-A8C6-92972E44EC00}"/>
+              </a:ext>
+            </a:extLst>
+          </p:cNvPr>
+          <p:cNvSpPr txBox="1"/>
+          <p:nvPr/>
+        </p:nvSpPr>
+        <p:spPr>
+          <a:xfrm>
+            <a:off x="1531772" y="-19026"/>
+            <a:ext cx="413097" cy="369332"/>
+          </a:xfrm>
+          <a:prstGeom prst="rect">
+            <a:avLst/>
+          </a:prstGeom>
+          <a:noFill/>
+        </p:spPr>
+        <p:txBody>
+          <a:bodyPr wrap="square" rtlCol="0">
+            <a:spAutoFit/>
+          </a:bodyPr>
+          <a:lstStyle/>
+          <a:p>
+            <a:r>
+              <a:rPr lang="en-US">
+                <a:latin typeface="Computer Modern Roman"/>
+              </a:rPr>
+              <a:t>a)</a:t>
+            </a:r>
+            <a:endParaRPr lang="vi-VN">
+              <a:latin typeface="Computer Modern Roman"/>
+            </a:endParaRPr>
+          </a:p>
+        </p:txBody>
+      </p:sp>
+      <p:sp>
+        <p:nvSpPr>
+          <p:cNvPr id="23" name="Hình chữ nhật 22">
+            <a:extLst>
+              <a:ext uri="{FF2B5EF4-FFF2-40B4-BE49-F238E27FC236}">
+                <a16:creationId xmlns:a16="http://schemas.microsoft.com/office/drawing/2014/main" id="{FC581962-5AAC-1EE9-E098-0388181DBD57}"/>
+              </a:ext>
+            </a:extLst>
+          </p:cNvPr>
+          <p:cNvSpPr/>
+          <p:nvPr/>
+        </p:nvSpPr>
+        <p:spPr>
+          <a:xfrm>
+            <a:off x="2610513" y="3968071"/>
+            <a:ext cx="1424296" cy="365126"/>
+          </a:xfrm>
+          <a:prstGeom prst="rect">
+            <a:avLst/>
+          </a:prstGeom>
+          <a:noFill/>
+          <a:ln>
+            <a:solidFill>
+              <a:schemeClr val="tx1"/>
+            </a:solidFill>
+          </a:ln>
+        </p:spPr>
+        <p:style>
+          <a:lnRef idx="2">
+            <a:schemeClr val="accent1">
+              <a:shade val="50000"/>
+            </a:schemeClr>
+          </a:lnRef>
+          <a:fillRef idx="1">
+            <a:schemeClr val="accent1"/>
+          </a:fillRef>
+          <a:effectRef idx="0">
+            <a:schemeClr val="accent1"/>
+          </a:effectRef>
+          <a:fontRef idx="minor">
+            <a:schemeClr val="lt1"/>
+          </a:fontRef>
+        </p:style>
+        <p:txBody>
+          <a:bodyPr rtlCol="0" anchor="ctr"/>
+          <a:lstStyle/>
+          <a:p>
+            <a:pPr algn="ctr"/>
+            <a:r>
+              <a:rPr lang="vi-VN" sz="1400">
+                <a:solidFill>
+                  <a:schemeClr val="tx1"/>
+                </a:solidFill>
+                <a:latin typeface="Computer Modern Roman"/>
+              </a:rPr>
+              <a:t>FC1</a:t>
+            </a:r>
+          </a:p>
+        </p:txBody>
+      </p:sp>
+      <p:sp>
+        <p:nvSpPr>
+          <p:cNvPr id="24" name="Hình chữ nhật 23">
+            <a:extLst>
+              <a:ext uri="{FF2B5EF4-FFF2-40B4-BE49-F238E27FC236}">
+                <a16:creationId xmlns:a16="http://schemas.microsoft.com/office/drawing/2014/main" id="{8FDED7D7-4107-B8B0-3FEA-349552C91506}"/>
+              </a:ext>
+            </a:extLst>
+          </p:cNvPr>
+          <p:cNvSpPr/>
+          <p:nvPr/>
+        </p:nvSpPr>
+        <p:spPr>
+          <a:xfrm>
+            <a:off x="2851150" y="4559632"/>
+            <a:ext cx="952500" cy="365126"/>
+          </a:xfrm>
+          <a:prstGeom prst="rect">
+            <a:avLst/>
+          </a:prstGeom>
+          <a:noFill/>
+          <a:ln>
+            <a:solidFill>
+              <a:schemeClr val="tx1"/>
+            </a:solidFill>
+          </a:ln>
+        </p:spPr>
+        <p:style>
+          <a:lnRef idx="2">
+            <a:schemeClr val="accent1">
+              <a:shade val="50000"/>
+            </a:schemeClr>
+          </a:lnRef>
+          <a:fillRef idx="1">
+            <a:schemeClr val="accent1"/>
+          </a:fillRef>
+          <a:effectRef idx="0">
+            <a:schemeClr val="accent1"/>
+          </a:effectRef>
+          <a:fontRef idx="minor">
+            <a:schemeClr val="lt1"/>
+          </a:fontRef>
+        </p:style>
+        <p:txBody>
+          <a:bodyPr rtlCol="0" anchor="ctr"/>
+          <a:lstStyle/>
+          <a:p>
+            <a:pPr algn="ctr"/>
+            <a:r>
+              <a:rPr lang="vi-VN" sz="1400">
+                <a:solidFill>
+                  <a:schemeClr val="tx1"/>
+                </a:solidFill>
+                <a:latin typeface="Computer Modern Roman"/>
+              </a:rPr>
+              <a:t>FC2</a:t>
+            </a:r>
+          </a:p>
+        </p:txBody>
+      </p:sp>
+      <p:cxnSp>
+        <p:nvCxnSpPr>
+          <p:cNvPr id="28" name="Đường kết nối Mũi tên Thẳng 27">
+            <a:extLst>
+              <a:ext uri="{FF2B5EF4-FFF2-40B4-BE49-F238E27FC236}">
+                <a16:creationId xmlns:a16="http://schemas.microsoft.com/office/drawing/2014/main" id="{DB0D0262-5299-6AFF-0F3B-C72D775645E1}"/>
+              </a:ext>
+            </a:extLst>
+          </p:cNvPr>
+          <p:cNvCxnSpPr>
+            <a:cxnSpLocks/>
+            <a:stCxn id="33" idx="2"/>
+            <a:endCxn id="23" idx="0"/>
+          </p:cNvCxnSpPr>
+          <p:nvPr/>
+        </p:nvCxnSpPr>
+        <p:spPr>
+          <a:xfrm flipH="1">
+            <a:off x="3322661" y="3253055"/>
+            <a:ext cx="3181" cy="715016"/>
+          </a:xfrm>
+          <a:prstGeom prst="straightConnector1">
+            <a:avLst/>
+          </a:prstGeom>
+          <a:ln>
+            <a:solidFill>
+              <a:schemeClr val="tx1"/>
+            </a:solidFill>
+            <a:tailEnd type="triangle"/>
+          </a:ln>
+        </p:spPr>
+        <p:style>
+          <a:lnRef idx="1">
+            <a:schemeClr val="accent1"/>
+          </a:lnRef>
+          <a:fillRef idx="0">
+            <a:schemeClr val="accent1"/>
+          </a:fillRef>
+          <a:effectRef idx="0">
+            <a:schemeClr val="accent1"/>
+          </a:effectRef>
+          <a:fontRef idx="minor">
+            <a:schemeClr val="tx1"/>
+          </a:fontRef>
+        </p:style>
+      </p:cxnSp>
+      <p:cxnSp>
+        <p:nvCxnSpPr>
+          <p:cNvPr id="29" name="Đường kết nối Mũi tên Thẳng 28">
+            <a:extLst>
+              <a:ext uri="{FF2B5EF4-FFF2-40B4-BE49-F238E27FC236}">
+                <a16:creationId xmlns:a16="http://schemas.microsoft.com/office/drawing/2014/main" id="{442F69A5-80B1-88CB-8C4B-9BDE81F56077}"/>
+              </a:ext>
+            </a:extLst>
+          </p:cNvPr>
+          <p:cNvCxnSpPr>
+            <a:cxnSpLocks/>
+            <a:stCxn id="23" idx="2"/>
+            <a:endCxn id="24" idx="0"/>
+          </p:cNvCxnSpPr>
+          <p:nvPr/>
+        </p:nvCxnSpPr>
+        <p:spPr>
+          <a:xfrm>
+            <a:off x="3322661" y="4333197"/>
+            <a:ext cx="4739" cy="226435"/>
+          </a:xfrm>
+          <a:prstGeom prst="straightConnector1">
+            <a:avLst/>
+          </a:prstGeom>
+          <a:ln>
+            <a:solidFill>
+              <a:schemeClr val="tx1"/>
+            </a:solidFill>
+            <a:tailEnd type="triangle"/>
+          </a:ln>
+        </p:spPr>
+        <p:style>
+          <a:lnRef idx="1">
+            <a:schemeClr val="accent1"/>
+          </a:lnRef>
+          <a:fillRef idx="0">
+            <a:schemeClr val="accent1"/>
+          </a:fillRef>
+          <a:effectRef idx="0">
+            <a:schemeClr val="accent1"/>
+          </a:effectRef>
+          <a:fontRef idx="minor">
+            <a:schemeClr val="tx1"/>
+          </a:fontRef>
+        </p:style>
+      </p:cxnSp>
+      <p:sp>
+        <p:nvSpPr>
+          <p:cNvPr id="30" name="Hình chữ nhật 29">
+            <a:extLst>
+              <a:ext uri="{FF2B5EF4-FFF2-40B4-BE49-F238E27FC236}">
+                <a16:creationId xmlns:a16="http://schemas.microsoft.com/office/drawing/2014/main" id="{8B51DABE-5EFA-963E-20F9-2D2F591DAE2C}"/>
+              </a:ext>
+            </a:extLst>
+          </p:cNvPr>
+          <p:cNvSpPr/>
+          <p:nvPr/>
+        </p:nvSpPr>
+        <p:spPr>
+          <a:xfrm>
+            <a:off x="2610513" y="419947"/>
+            <a:ext cx="1424295" cy="365126"/>
+          </a:xfrm>
+          <a:prstGeom prst="rect">
+            <a:avLst/>
+          </a:prstGeom>
+          <a:noFill/>
+          <a:ln>
+            <a:solidFill>
+              <a:schemeClr val="tx1"/>
+            </a:solidFill>
+          </a:ln>
+        </p:spPr>
+        <p:style>
+          <a:lnRef idx="2">
+            <a:schemeClr val="accent1">
+              <a:shade val="50000"/>
+            </a:schemeClr>
+          </a:lnRef>
+          <a:fillRef idx="1">
+            <a:schemeClr val="accent1"/>
+          </a:fillRef>
+          <a:effectRef idx="0">
+            <a:schemeClr val="accent1"/>
+          </a:effectRef>
+          <a:fontRef idx="minor">
+            <a:schemeClr val="lt1"/>
+          </a:fontRef>
+        </p:style>
+        <p:txBody>
+          <a:bodyPr rtlCol="0" anchor="ctr"/>
+          <a:lstStyle/>
+          <a:p>
+            <a:pPr algn="ctr"/>
+            <a:r>
+              <a:rPr lang="vi-VN" sz="1400">
+                <a:solidFill>
+                  <a:schemeClr val="tx1"/>
+                </a:solidFill>
+                <a:latin typeface="Computer Modern Roman"/>
+              </a:rPr>
+              <a:t>Image</a:t>
+            </a:r>
+          </a:p>
+        </p:txBody>
+      </p:sp>
+      <p:cxnSp>
+        <p:nvCxnSpPr>
+          <p:cNvPr id="31" name="Đường kết nối Mũi tên Thẳng 30">
+            <a:extLst>
+              <a:ext uri="{FF2B5EF4-FFF2-40B4-BE49-F238E27FC236}">
+                <a16:creationId xmlns:a16="http://schemas.microsoft.com/office/drawing/2014/main" id="{A19409D3-180A-D450-C7E3-0E4CBD4FA93D}"/>
+              </a:ext>
+            </a:extLst>
+          </p:cNvPr>
+          <p:cNvCxnSpPr>
+            <a:cxnSpLocks/>
+            <a:stCxn id="30" idx="2"/>
+            <a:endCxn id="33" idx="0"/>
+          </p:cNvCxnSpPr>
+          <p:nvPr/>
+        </p:nvCxnSpPr>
+        <p:spPr>
+          <a:xfrm>
+            <a:off x="3322661" y="785073"/>
+            <a:ext cx="3181" cy="356153"/>
+          </a:xfrm>
+          <a:prstGeom prst="straightConnector1">
+            <a:avLst/>
+          </a:prstGeom>
+          <a:ln>
+            <a:solidFill>
+              <a:schemeClr val="tx1"/>
+            </a:solidFill>
+            <a:tailEnd type="triangle"/>
+          </a:ln>
+        </p:spPr>
+        <p:style>
+          <a:lnRef idx="1">
+            <a:schemeClr val="accent1"/>
+          </a:lnRef>
+          <a:fillRef idx="0">
+            <a:schemeClr val="accent1"/>
+          </a:fillRef>
+          <a:effectRef idx="0">
+            <a:schemeClr val="accent1"/>
+          </a:effectRef>
+          <a:fontRef idx="minor">
+            <a:schemeClr val="tx1"/>
+          </a:fontRef>
+        </p:style>
+      </p:cxnSp>
+      <p:sp>
+        <p:nvSpPr>
+          <p:cNvPr id="32" name="Hộp Văn bản 31">
+            <a:extLst>
+              <a:ext uri="{FF2B5EF4-FFF2-40B4-BE49-F238E27FC236}">
+                <a16:creationId xmlns:a16="http://schemas.microsoft.com/office/drawing/2014/main" id="{60F87188-DD2D-2712-3A93-0795C552EAFC}"/>
+              </a:ext>
+            </a:extLst>
+          </p:cNvPr>
+          <p:cNvSpPr txBox="1"/>
+          <p:nvPr/>
+        </p:nvSpPr>
+        <p:spPr>
+          <a:xfrm>
+            <a:off x="3098642" y="5324"/>
+            <a:ext cx="448035" cy="369332"/>
+          </a:xfrm>
+          <a:prstGeom prst="rect">
+            <a:avLst/>
+          </a:prstGeom>
+          <a:noFill/>
+        </p:spPr>
+        <p:txBody>
+          <a:bodyPr wrap="square" rtlCol="0">
+            <a:spAutoFit/>
+          </a:bodyPr>
+          <a:lstStyle/>
+          <a:p>
+            <a:r>
+              <a:rPr lang="en-US">
+                <a:latin typeface="Computer Modern Roman"/>
+              </a:rPr>
+              <a:t>b)</a:t>
+            </a:r>
+            <a:endParaRPr lang="vi-VN">
+              <a:latin typeface="Computer Modern Roman"/>
+            </a:endParaRPr>
+          </a:p>
+        </p:txBody>
+      </p:sp>
+      <p:sp>
+        <p:nvSpPr>
+          <p:cNvPr id="33" name="Hình chữ nhật 32">
+            <a:extLst>
+              <a:ext uri="{FF2B5EF4-FFF2-40B4-BE49-F238E27FC236}">
+                <a16:creationId xmlns:a16="http://schemas.microsoft.com/office/drawing/2014/main" id="{E96DB287-65AF-E71D-F6E4-A0AEB9E678D3}"/>
+              </a:ext>
+            </a:extLst>
+          </p:cNvPr>
+          <p:cNvSpPr/>
+          <p:nvPr/>
+        </p:nvSpPr>
+        <p:spPr>
+          <a:xfrm>
+            <a:off x="2615061" y="1141226"/>
+            <a:ext cx="1421561" cy="2111829"/>
+          </a:xfrm>
+          <a:prstGeom prst="rect">
+            <a:avLst/>
+          </a:prstGeom>
+          <a:noFill/>
+          <a:ln>
+            <a:solidFill>
+              <a:schemeClr val="tx1"/>
+            </a:solidFill>
+          </a:ln>
+        </p:spPr>
+        <p:style>
+          <a:lnRef idx="2">
+            <a:schemeClr val="accent1">
+              <a:shade val="50000"/>
+            </a:schemeClr>
+          </a:lnRef>
+          <a:fillRef idx="1">
+            <a:schemeClr val="accent1"/>
+          </a:fillRef>
+          <a:effectRef idx="0">
+            <a:schemeClr val="accent1"/>
+          </a:effectRef>
+          <a:fontRef idx="minor">
+            <a:schemeClr val="lt1"/>
+          </a:fontRef>
+        </p:style>
+        <p:txBody>
+          <a:bodyPr rtlCol="0" anchor="ctr"/>
+          <a:lstStyle/>
+          <a:p>
+            <a:pPr algn="ctr"/>
+            <a:r>
+              <a:rPr lang="vi-VN" sz="1400">
+                <a:solidFill>
+                  <a:schemeClr val="tx1"/>
+                </a:solidFill>
+                <a:latin typeface="Computer Modern Roman"/>
+              </a:rPr>
+              <a:t>Quantum filters</a:t>
+            </a:r>
+          </a:p>
+        </p:txBody>
+      </p:sp>
+      <p:sp>
+        <p:nvSpPr>
+          <p:cNvPr id="40" name="Hình chữ nhật 39">
+            <a:extLst>
+              <a:ext uri="{FF2B5EF4-FFF2-40B4-BE49-F238E27FC236}">
+                <a16:creationId xmlns:a16="http://schemas.microsoft.com/office/drawing/2014/main" id="{257D6CF4-6F06-B3B0-7C0E-0A14D7F6C42A}"/>
+              </a:ext>
+            </a:extLst>
+          </p:cNvPr>
+          <p:cNvSpPr/>
+          <p:nvPr/>
+        </p:nvSpPr>
+        <p:spPr>
+          <a:xfrm>
+            <a:off x="4220421" y="419947"/>
+            <a:ext cx="1424295" cy="365126"/>
+          </a:xfrm>
+          <a:prstGeom prst="rect">
+            <a:avLst/>
+          </a:prstGeom>
+          <a:noFill/>
+          <a:ln>
+            <a:solidFill>
+              <a:schemeClr val="tx1"/>
+            </a:solidFill>
+          </a:ln>
+        </p:spPr>
+        <p:style>
+          <a:lnRef idx="2">
+            <a:schemeClr val="accent1">
+              <a:shade val="50000"/>
+            </a:schemeClr>
+          </a:lnRef>
+          <a:fillRef idx="1">
+            <a:schemeClr val="accent1"/>
+          </a:fillRef>
+          <a:effectRef idx="0">
+            <a:schemeClr val="accent1"/>
+          </a:effectRef>
+          <a:fontRef idx="minor">
+            <a:schemeClr val="lt1"/>
+          </a:fontRef>
+        </p:style>
+        <p:txBody>
+          <a:bodyPr rtlCol="0" anchor="ctr"/>
+          <a:lstStyle/>
+          <a:p>
+            <a:pPr algn="ctr"/>
+            <a:r>
+              <a:rPr lang="vi-VN" sz="1400">
+                <a:solidFill>
+                  <a:schemeClr val="tx1"/>
+                </a:solidFill>
+                <a:latin typeface="Computer Modern Roman"/>
+              </a:rPr>
+              <a:t>Image</a:t>
+            </a:r>
+          </a:p>
+        </p:txBody>
+      </p:sp>
+      <p:sp>
+        <p:nvSpPr>
+          <p:cNvPr id="42" name="Hộp Văn bản 41">
+            <a:extLst>
+              <a:ext uri="{FF2B5EF4-FFF2-40B4-BE49-F238E27FC236}">
+                <a16:creationId xmlns:a16="http://schemas.microsoft.com/office/drawing/2014/main" id="{D05D3C00-2FD2-51D5-F65A-CAB0E02526E4}"/>
+              </a:ext>
+            </a:extLst>
+          </p:cNvPr>
+          <p:cNvSpPr txBox="1"/>
+          <p:nvPr/>
+        </p:nvSpPr>
+        <p:spPr>
+          <a:xfrm>
+            <a:off x="4700450" y="5319"/>
+            <a:ext cx="619645" cy="369332"/>
+          </a:xfrm>
+          <a:prstGeom prst="rect">
+            <a:avLst/>
+          </a:prstGeom>
+          <a:noFill/>
+        </p:spPr>
+        <p:txBody>
+          <a:bodyPr wrap="square" rtlCol="0">
+            <a:spAutoFit/>
+          </a:bodyPr>
+          <a:lstStyle/>
+          <a:p>
+            <a:r>
+              <a:rPr lang="en-US">
+                <a:latin typeface="Computer Modern Roman"/>
+              </a:rPr>
+              <a:t>c)</a:t>
+            </a:r>
+            <a:endParaRPr lang="vi-VN">
+              <a:latin typeface="Computer Modern Roman"/>
+            </a:endParaRPr>
+          </a:p>
+        </p:txBody>
+      </p:sp>
+      <p:sp>
+        <p:nvSpPr>
+          <p:cNvPr id="26" name="Hình chữ nhật 25">
+            <a:extLst>
+              <a:ext uri="{FF2B5EF4-FFF2-40B4-BE49-F238E27FC236}">
+                <a16:creationId xmlns:a16="http://schemas.microsoft.com/office/drawing/2014/main" id="{E0685D1A-BDFB-B1D7-3AB0-FA0F5F8C16CD}"/>
+              </a:ext>
+            </a:extLst>
+          </p:cNvPr>
+          <p:cNvSpPr/>
+          <p:nvPr/>
+        </p:nvSpPr>
+        <p:spPr>
+          <a:xfrm>
+            <a:off x="2430816" y="3748357"/>
+            <a:ext cx="1789605" cy="1877743"/>
+          </a:xfrm>
+          <a:prstGeom prst="rect">
+            <a:avLst/>
+          </a:prstGeom>
+          <a:noFill/>
+          <a:ln>
+            <a:solidFill>
+              <a:schemeClr val="tx1"/>
+            </a:solidFill>
+            <a:prstDash val="lgDash"/>
+          </a:ln>
+        </p:spPr>
+        <p:style>
+          <a:lnRef idx="2">
+            <a:schemeClr val="accent1">
+              <a:shade val="50000"/>
+            </a:schemeClr>
+          </a:lnRef>
+          <a:fillRef idx="1">
+            <a:schemeClr val="accent1"/>
+          </a:fillRef>
+          <a:effectRef idx="0">
+            <a:schemeClr val="accent1"/>
+          </a:effectRef>
+          <a:fontRef idx="minor">
+            <a:schemeClr val="lt1"/>
+          </a:fontRef>
+        </p:style>
+        <p:txBody>
+          <a:bodyPr rtlCol="0" anchor="ctr"/>
+          <a:lstStyle/>
+          <a:p>
+            <a:pPr algn="ctr"/>
+            <a:endParaRPr lang="vi-VN"/>
+          </a:p>
+        </p:txBody>
+      </p:sp>
+      <p:cxnSp>
+        <p:nvCxnSpPr>
+          <p:cNvPr id="35" name="Đường kết nối: Mũi tên Gấp khúc 34">
+            <a:extLst>
+              <a:ext uri="{FF2B5EF4-FFF2-40B4-BE49-F238E27FC236}">
+                <a16:creationId xmlns:a16="http://schemas.microsoft.com/office/drawing/2014/main" id="{20BD2263-67D9-2FEB-6686-FEF04D1757AB}"/>
+              </a:ext>
+            </a:extLst>
+          </p:cNvPr>
+          <p:cNvCxnSpPr>
+            <a:cxnSpLocks/>
+            <a:stCxn id="8" idx="2"/>
+            <a:endCxn id="23" idx="0"/>
+          </p:cNvCxnSpPr>
+          <p:nvPr/>
+        </p:nvCxnSpPr>
+        <p:spPr>
+          <a:xfrm rot="16200000" flipH="1">
+            <a:off x="2164749" y="2810159"/>
+            <a:ext cx="715014" cy="1600810"/>
+          </a:xfrm>
+          <a:prstGeom prst="bentConnector3">
+            <a:avLst>
+              <a:gd name="adj1" fmla="val 50000"/>
+            </a:avLst>
+          </a:prstGeom>
+          <a:ln>
+            <a:tailEnd type="triangle"/>
+          </a:ln>
+        </p:spPr>
+        <p:style>
+          <a:lnRef idx="1">
+            <a:schemeClr val="dk1"/>
+          </a:lnRef>
+          <a:fillRef idx="0">
+            <a:schemeClr val="dk1"/>
+          </a:fillRef>
+          <a:effectRef idx="0">
+            <a:schemeClr val="dk1"/>
+          </a:effectRef>
+          <a:fontRef idx="minor">
+            <a:schemeClr val="tx1"/>
+          </a:fontRef>
+        </p:style>
+      </p:cxnSp>
+      <p:cxnSp>
+        <p:nvCxnSpPr>
+          <p:cNvPr id="41" name="Đường kết nối: Mũi tên Gấp khúc 40">
+            <a:extLst>
+              <a:ext uri="{FF2B5EF4-FFF2-40B4-BE49-F238E27FC236}">
+                <a16:creationId xmlns:a16="http://schemas.microsoft.com/office/drawing/2014/main" id="{7765A9D2-A73B-2210-683C-AF528EFFC557}"/>
+              </a:ext>
+            </a:extLst>
+          </p:cNvPr>
+          <p:cNvCxnSpPr>
+            <a:cxnSpLocks/>
+            <a:stCxn id="40" idx="2"/>
+            <a:endCxn id="23" idx="0"/>
+          </p:cNvCxnSpPr>
+          <p:nvPr/>
+        </p:nvCxnSpPr>
+        <p:spPr>
+          <a:xfrm rot="5400000">
+            <a:off x="2536116" y="1571618"/>
+            <a:ext cx="3182998" cy="1609908"/>
+          </a:xfrm>
+          <a:prstGeom prst="bentConnector3">
+            <a:avLst>
+              <a:gd name="adj1" fmla="val 83543"/>
+            </a:avLst>
+          </a:prstGeom>
+          <a:ln>
+            <a:tailEnd type="triangle"/>
+          </a:ln>
+        </p:spPr>
+        <p:style>
+          <a:lnRef idx="1">
+            <a:schemeClr val="dk1"/>
+          </a:lnRef>
+          <a:fillRef idx="0">
+            <a:schemeClr val="dk1"/>
+          </a:fillRef>
+          <a:effectRef idx="0">
+            <a:schemeClr val="dk1"/>
+          </a:effectRef>
+          <a:fontRef idx="minor">
+            <a:schemeClr val="tx1"/>
+          </a:fontRef>
+        </p:style>
+      </p:cxnSp>
+      <p:sp>
+        <p:nvSpPr>
+          <p:cNvPr id="58" name="Hình chữ nhật 57">
+            <a:extLst>
+              <a:ext uri="{FF2B5EF4-FFF2-40B4-BE49-F238E27FC236}">
+                <a16:creationId xmlns:a16="http://schemas.microsoft.com/office/drawing/2014/main" id="{78B9BAE5-23A5-401A-1E4D-D53F31D158A5}"/>
+              </a:ext>
+            </a:extLst>
+          </p:cNvPr>
+          <p:cNvSpPr/>
+          <p:nvPr/>
+        </p:nvSpPr>
+        <p:spPr>
+          <a:xfrm>
+            <a:off x="2946400" y="5131443"/>
+            <a:ext cx="762000" cy="365126"/>
+          </a:xfrm>
+          <a:prstGeom prst="rect">
+            <a:avLst/>
+          </a:prstGeom>
+          <a:noFill/>
+          <a:ln>
+            <a:solidFill>
+              <a:schemeClr val="tx1"/>
+            </a:solidFill>
+          </a:ln>
+        </p:spPr>
+        <p:style>
+          <a:lnRef idx="2">
+            <a:schemeClr val="accent1">
+              <a:shade val="50000"/>
+            </a:schemeClr>
+          </a:lnRef>
+          <a:fillRef idx="1">
+            <a:schemeClr val="accent1"/>
+          </a:fillRef>
+          <a:effectRef idx="0">
+            <a:schemeClr val="accent1"/>
+          </a:effectRef>
+          <a:fontRef idx="minor">
+            <a:schemeClr val="lt1"/>
+          </a:fontRef>
+        </p:style>
+        <p:txBody>
+          <a:bodyPr rtlCol="0" anchor="ctr"/>
+          <a:lstStyle/>
+          <a:p>
+            <a:pPr algn="ctr"/>
+            <a:r>
+              <a:rPr lang="vi-VN" sz="1400">
+                <a:solidFill>
+                  <a:schemeClr val="tx1"/>
+                </a:solidFill>
+                <a:latin typeface="Computer Modern Roman"/>
+              </a:rPr>
+              <a:t>Output</a:t>
+            </a:r>
+          </a:p>
+        </p:txBody>
+      </p:sp>
+      <p:cxnSp>
+        <p:nvCxnSpPr>
+          <p:cNvPr id="59" name="Đường kết nối Mũi tên Thẳng 58">
+            <a:extLst>
+              <a:ext uri="{FF2B5EF4-FFF2-40B4-BE49-F238E27FC236}">
+                <a16:creationId xmlns:a16="http://schemas.microsoft.com/office/drawing/2014/main" id="{F6E7A56B-5185-EA79-219F-59CE198C673F}"/>
+              </a:ext>
+            </a:extLst>
+          </p:cNvPr>
+          <p:cNvCxnSpPr>
+            <a:cxnSpLocks/>
+            <a:stCxn id="24" idx="2"/>
+            <a:endCxn id="58" idx="0"/>
+          </p:cNvCxnSpPr>
+          <p:nvPr/>
+        </p:nvCxnSpPr>
+        <p:spPr>
+          <a:xfrm>
+            <a:off x="3327400" y="4924758"/>
+            <a:ext cx="0" cy="206685"/>
+          </a:xfrm>
+          <a:prstGeom prst="straightConnector1">
+            <a:avLst/>
+          </a:prstGeom>
+          <a:ln>
+            <a:solidFill>
+              <a:schemeClr val="tx1"/>
+            </a:solidFill>
+            <a:tailEnd type="triangle"/>
+          </a:ln>
+        </p:spPr>
+        <p:style>
+          <a:lnRef idx="1">
+            <a:schemeClr val="accent1"/>
+          </a:lnRef>
+          <a:fillRef idx="0">
+            <a:schemeClr val="accent1"/>
+          </a:fillRef>
+          <a:effectRef idx="0">
+            <a:schemeClr val="accent1"/>
+          </a:effectRef>
+          <a:fontRef idx="minor">
+            <a:schemeClr val="tx1"/>
+          </a:fontRef>
+        </p:style>
+      </p:cxnSp>
+    </p:spTree>
+    <p:extLst>
+      <p:ext uri="{BB962C8B-B14F-4D97-AF65-F5344CB8AC3E}">
+        <p14:creationId xmlns:p14="http://schemas.microsoft.com/office/powerpoint/2010/main" val="2884812331"/>
       </p:ext>
     </p:extLst>
   </p:cSld>
@@ -14674,19 +16418,7 @@
                       <a:rPr lang="en-US" b="0" i="1" smtClean="0">
                         <a:latin typeface="Cambria Math" panose="02040503050406030204" pitchFamily="18" charset="0"/>
                       </a:rPr>
-                      <m:t>|</m:t>
-                    </m:r>
-                    <m:r>
-                      <a:rPr lang="en-US" b="0" i="1" smtClean="0">
-                        <a:latin typeface="Cambria Math" panose="02040503050406030204" pitchFamily="18" charset="0"/>
-                      </a:rPr>
-                      <m:t>0</m:t>
-                    </m:r>
-                    <m:r>
-                      <a:rPr lang="en-US" b="0" i="1" smtClean="0">
-                        <a:latin typeface="Cambria Math" panose="02040503050406030204" pitchFamily="18" charset="0"/>
-                      </a:rPr>
-                      <m:t>⟩</m:t>
+                      <m:t>|0⟩</m:t>
                     </m:r>
                   </m:oMath>
                 </a14:m>

--- a/thesis/Quanvolutional neural network.pptx
+++ b/thesis/Quanvolutional neural network.pptx
@@ -5,7 +5,7 @@
     <p:sldMasterId id="2147483648" r:id="rId1"/>
   </p:sldMasterIdLst>
   <p:notesMasterIdLst>
-    <p:notesMasterId r:id="rId34"/>
+    <p:notesMasterId r:id="rId33"/>
   </p:notesMasterIdLst>
   <p:sldIdLst>
     <p:sldId id="256" r:id="rId2"/>
@@ -39,7 +39,6 @@
     <p:sldId id="290" r:id="rId30"/>
     <p:sldId id="284" r:id="rId31"/>
     <p:sldId id="291" r:id="rId32"/>
-    <p:sldId id="292" r:id="rId33"/>
   </p:sldIdLst>
   <p:sldSz cx="12192000" cy="6858000"/>
   <p:notesSz cx="6858000" cy="9144000"/>
@@ -186,7 +185,6 @@
             <p14:sldId id="290"/>
             <p14:sldId id="284"/>
             <p14:sldId id="291"/>
-            <p14:sldId id="292"/>
           </p14:sldIdLst>
         </p14:section>
       </p14:sectionLst>
@@ -542,7 +540,7 @@
           <a:p>
             <a:fld id="{C713C089-A006-49EC-A57B-51E39300CD8B}" type="datetimeFigureOut">
               <a:rPr lang="vi-VN" smtClean="0"/>
-              <a:t>21/12/2022</a:t>
+              <a:t>30/12/2022</a:t>
             </a:fld>
             <a:endParaRPr lang="vi-VN"/>
           </a:p>
@@ -956,7 +954,7 @@
           <a:p>
             <a:fld id="{79A0D75B-382B-44F1-95AD-65E71C3FFDF2}" type="datetime1">
               <a:rPr lang="vi-VN" smtClean="0"/>
-              <a:t>21/12/2022</a:t>
+              <a:t>30/12/2022</a:t>
             </a:fld>
             <a:endParaRPr lang="vi-VN"/>
           </a:p>
@@ -1154,7 +1152,7 @@
           <a:p>
             <a:fld id="{EF91B0C2-1DC0-4DA6-B6E3-3AB131C5DF69}" type="datetime1">
               <a:rPr lang="vi-VN" smtClean="0"/>
-              <a:t>21/12/2022</a:t>
+              <a:t>30/12/2022</a:t>
             </a:fld>
             <a:endParaRPr lang="vi-VN"/>
           </a:p>
@@ -1362,7 +1360,7 @@
           <a:p>
             <a:fld id="{E5A84FD5-1303-4CA3-ADA5-7736F53F9041}" type="datetime1">
               <a:rPr lang="vi-VN" smtClean="0"/>
-              <a:t>21/12/2022</a:t>
+              <a:t>30/12/2022</a:t>
             </a:fld>
             <a:endParaRPr lang="vi-VN"/>
           </a:p>
@@ -1560,7 +1558,7 @@
           <a:p>
             <a:fld id="{B6814BC3-EFEE-4CE9-96F6-461933B4C9B3}" type="datetime1">
               <a:rPr lang="vi-VN" smtClean="0"/>
-              <a:t>21/12/2022</a:t>
+              <a:t>30/12/2022</a:t>
             </a:fld>
             <a:endParaRPr lang="vi-VN"/>
           </a:p>
@@ -1835,7 +1833,7 @@
           <a:p>
             <a:fld id="{D685A125-1797-4A1F-B73C-042C34C130AE}" type="datetime1">
               <a:rPr lang="vi-VN" smtClean="0"/>
-              <a:t>21/12/2022</a:t>
+              <a:t>30/12/2022</a:t>
             </a:fld>
             <a:endParaRPr lang="vi-VN"/>
           </a:p>
@@ -2100,7 +2098,7 @@
           <a:p>
             <a:fld id="{A73AC773-7551-4A21-8CD9-725D1D0E13D4}" type="datetime1">
               <a:rPr lang="vi-VN" smtClean="0"/>
-              <a:t>21/12/2022</a:t>
+              <a:t>30/12/2022</a:t>
             </a:fld>
             <a:endParaRPr lang="vi-VN"/>
           </a:p>
@@ -2512,7 +2510,7 @@
           <a:p>
             <a:fld id="{6A2BF65D-F379-40CD-8A40-B3417345A7D0}" type="datetime1">
               <a:rPr lang="vi-VN" smtClean="0"/>
-              <a:t>21/12/2022</a:t>
+              <a:t>30/12/2022</a:t>
             </a:fld>
             <a:endParaRPr lang="vi-VN"/>
           </a:p>
@@ -2653,7 +2651,7 @@
           <a:p>
             <a:fld id="{4973F540-CEFB-4C74-8464-337235A29738}" type="datetime1">
               <a:rPr lang="vi-VN" smtClean="0"/>
-              <a:t>21/12/2022</a:t>
+              <a:t>30/12/2022</a:t>
             </a:fld>
             <a:endParaRPr lang="vi-VN"/>
           </a:p>
@@ -2766,7 +2764,7 @@
           <a:p>
             <a:fld id="{DD4E0017-27D1-4ABF-9EB5-1031ABAE9439}" type="datetime1">
               <a:rPr lang="vi-VN" smtClean="0"/>
-              <a:t>21/12/2022</a:t>
+              <a:t>30/12/2022</a:t>
             </a:fld>
             <a:endParaRPr lang="vi-VN"/>
           </a:p>
@@ -3077,7 +3075,7 @@
           <a:p>
             <a:fld id="{53E46112-6ACE-4A63-B1D7-5B3B6755E5A6}" type="datetime1">
               <a:rPr lang="vi-VN" smtClean="0"/>
-              <a:t>21/12/2022</a:t>
+              <a:t>30/12/2022</a:t>
             </a:fld>
             <a:endParaRPr lang="vi-VN"/>
           </a:p>
@@ -3365,7 +3363,7 @@
           <a:p>
             <a:fld id="{580E5B30-9BCE-45A0-AF9E-8FC72FE581AC}" type="datetime1">
               <a:rPr lang="vi-VN" smtClean="0"/>
-              <a:t>21/12/2022</a:t>
+              <a:t>30/12/2022</a:t>
             </a:fld>
             <a:endParaRPr lang="vi-VN"/>
           </a:p>
@@ -3606,7 +3604,7 @@
           <a:p>
             <a:fld id="{5DF12F3C-C493-42D5-9F6C-9A56AA909FBF}" type="datetime1">
               <a:rPr lang="vi-VN" smtClean="0"/>
-              <a:t>21/12/2022</a:t>
+              <a:t>30/12/2022</a:t>
             </a:fld>
             <a:endParaRPr lang="vi-VN"/>
           </a:p>
@@ -8187,7 +8185,13 @@
                                         <a:rPr lang="vi-VN" sz="2800" b="0" i="1" smtClean="0">
                                           <a:latin typeface="Cambria Math" panose="02040503050406030204" pitchFamily="18" charset="0"/>
                                         </a:rPr>
-                                        <m:t>.77</m:t>
+                                        <m:t>.</m:t>
+                                      </m:r>
+                                      <m:r>
+                                        <a:rPr lang="vi-VN" sz="2800" b="0" i="1" smtClean="0">
+                                          <a:latin typeface="Cambria Math" panose="02040503050406030204" pitchFamily="18" charset="0"/>
+                                        </a:rPr>
+                                        <m:t>77</m:t>
                                       </m:r>
                                     </m:e>
                                   </m:mr>
@@ -8197,7 +8201,19 @@
                                         <a:rPr lang="vi-VN" sz="2800" b="0" i="1" smtClean="0">
                                           <a:latin typeface="Cambria Math" panose="02040503050406030204" pitchFamily="18" charset="0"/>
                                         </a:rPr>
-                                        <m:t>0.61</m:t>
+                                        <m:t>0</m:t>
+                                      </m:r>
+                                      <m:r>
+                                        <a:rPr lang="vi-VN" sz="2800" b="0" i="1" smtClean="0">
+                                          <a:latin typeface="Cambria Math" panose="02040503050406030204" pitchFamily="18" charset="0"/>
+                                        </a:rPr>
+                                        <m:t>.</m:t>
+                                      </m:r>
+                                      <m:r>
+                                        <a:rPr lang="vi-VN" sz="2800" b="0" i="1" smtClean="0">
+                                          <a:latin typeface="Cambria Math" panose="02040503050406030204" pitchFamily="18" charset="0"/>
+                                        </a:rPr>
+                                        <m:t>61</m:t>
                                       </m:r>
                                     </m:e>
                                   </m:mr>
@@ -8220,7 +8236,19 @@
                                   <a:rPr lang="vi-VN" sz="2800" b="0" i="1" smtClean="0">
                                     <a:latin typeface="Cambria Math" panose="02040503050406030204" pitchFamily="18" charset="0"/>
                                   </a:rPr>
-                                  <m:t>0.71</m:t>
+                                  <m:t>0</m:t>
+                                </m:r>
+                                <m:r>
+                                  <a:rPr lang="vi-VN" sz="2800" b="0" i="1" smtClean="0">
+                                    <a:latin typeface="Cambria Math" panose="02040503050406030204" pitchFamily="18" charset="0"/>
+                                  </a:rPr>
+                                  <m:t>.</m:t>
+                                </m:r>
+                                <m:r>
+                                  <a:rPr lang="vi-VN" sz="2800" b="0" i="1" smtClean="0">
+                                    <a:latin typeface="Cambria Math" panose="02040503050406030204" pitchFamily="18" charset="0"/>
+                                  </a:rPr>
+                                  <m:t>71</m:t>
                                 </m:r>
                               </m:e>
                             </m:mr>
@@ -11891,1353 +11919,6 @@
     <p:extLst>
       <p:ext uri="{BB962C8B-B14F-4D97-AF65-F5344CB8AC3E}">
         <p14:creationId xmlns:p14="http://schemas.microsoft.com/office/powerpoint/2010/main" val="2495828875"/>
-      </p:ext>
-    </p:extLst>
-  </p:cSld>
-  <p:clrMapOvr>
-    <a:masterClrMapping/>
-  </p:clrMapOvr>
-</p:sld>
-</file>
-
-<file path=ppt/slides/slide32.xml><?xml version="1.0" encoding="utf-8"?>
-<p:sld xmlns:a="http://schemas.openxmlformats.org/drawingml/2006/main" xmlns:r="http://schemas.openxmlformats.org/officeDocument/2006/relationships" xmlns:p="http://schemas.openxmlformats.org/presentationml/2006/main">
-  <p:cSld>
-    <p:spTree>
-      <p:nvGrpSpPr>
-        <p:cNvPr id="1" name=""/>
-        <p:cNvGrpSpPr/>
-        <p:nvPr/>
-      </p:nvGrpSpPr>
-      <p:grpSpPr>
-        <a:xfrm>
-          <a:off x="0" y="0"/>
-          <a:ext cx="0" cy="0"/>
-          <a:chOff x="0" y="0"/>
-          <a:chExt cx="0" cy="0"/>
-        </a:xfrm>
-      </p:grpSpPr>
-      <p:sp>
-        <p:nvSpPr>
-          <p:cNvPr id="4" name="Chỗ dành sẵn cho Số hiệu Bản chiếu 3">
-            <a:extLst>
-              <a:ext uri="{FF2B5EF4-FFF2-40B4-BE49-F238E27FC236}">
-                <a16:creationId xmlns:a16="http://schemas.microsoft.com/office/drawing/2014/main" id="{67F6AB50-C094-2E46-F39A-0F98E603D4C8}"/>
-              </a:ext>
-            </a:extLst>
-          </p:cNvPr>
-          <p:cNvSpPr>
-            <a:spLocks noGrp="1"/>
-          </p:cNvSpPr>
-          <p:nvPr>
-            <p:ph type="sldNum" sz="quarter" idx="12"/>
-          </p:nvPr>
-        </p:nvSpPr>
-        <p:spPr/>
-        <p:txBody>
-          <a:bodyPr/>
-          <a:lstStyle/>
-          <a:p>
-            <a:fld id="{8ABE2698-B386-4030-AF28-2C9E17A48886}" type="slidenum">
-              <a:rPr lang="vi-VN" smtClean="0"/>
-              <a:t>32</a:t>
-            </a:fld>
-            <a:endParaRPr lang="vi-VN"/>
-          </a:p>
-        </p:txBody>
-      </p:sp>
-      <p:sp>
-        <p:nvSpPr>
-          <p:cNvPr id="5" name="Hình chữ nhật 4">
-            <a:extLst>
-              <a:ext uri="{FF2B5EF4-FFF2-40B4-BE49-F238E27FC236}">
-                <a16:creationId xmlns:a16="http://schemas.microsoft.com/office/drawing/2014/main" id="{E9B4CC3B-895E-8A71-13D6-355768223568}"/>
-              </a:ext>
-            </a:extLst>
-          </p:cNvPr>
-          <p:cNvSpPr/>
-          <p:nvPr/>
-        </p:nvSpPr>
-        <p:spPr>
-          <a:xfrm>
-            <a:off x="1011070" y="1129315"/>
-            <a:ext cx="1424295" cy="365126"/>
-          </a:xfrm>
-          <a:prstGeom prst="rect">
-            <a:avLst/>
-          </a:prstGeom>
-          <a:noFill/>
-          <a:ln>
-            <a:solidFill>
-              <a:schemeClr val="tx1"/>
-            </a:solidFill>
-          </a:ln>
-        </p:spPr>
-        <p:style>
-          <a:lnRef idx="2">
-            <a:schemeClr val="accent1">
-              <a:shade val="50000"/>
-            </a:schemeClr>
-          </a:lnRef>
-          <a:fillRef idx="1">
-            <a:schemeClr val="accent1"/>
-          </a:fillRef>
-          <a:effectRef idx="0">
-            <a:schemeClr val="accent1"/>
-          </a:effectRef>
-          <a:fontRef idx="minor">
-            <a:schemeClr val="lt1"/>
-          </a:fontRef>
-        </p:style>
-        <p:txBody>
-          <a:bodyPr rtlCol="0" anchor="ctr"/>
-          <a:lstStyle/>
-          <a:p>
-            <a:pPr algn="ctr"/>
-            <a:r>
-              <a:rPr lang="vi-VN" sz="1400">
-                <a:solidFill>
-                  <a:schemeClr val="tx1"/>
-                </a:solidFill>
-                <a:latin typeface="Computer Modern Roman"/>
-              </a:rPr>
-              <a:t>Conv1</a:t>
-            </a:r>
-          </a:p>
-        </p:txBody>
-      </p:sp>
-      <p:sp>
-        <p:nvSpPr>
-          <p:cNvPr id="6" name="Hình chữ nhật 5">
-            <a:extLst>
-              <a:ext uri="{FF2B5EF4-FFF2-40B4-BE49-F238E27FC236}">
-                <a16:creationId xmlns:a16="http://schemas.microsoft.com/office/drawing/2014/main" id="{7C9301A8-EB65-1FBB-D660-DEA6CAAA8BF6}"/>
-              </a:ext>
-            </a:extLst>
-          </p:cNvPr>
-          <p:cNvSpPr/>
-          <p:nvPr/>
-        </p:nvSpPr>
-        <p:spPr>
-          <a:xfrm>
-            <a:off x="1011070" y="1708120"/>
-            <a:ext cx="1424295" cy="365126"/>
-          </a:xfrm>
-          <a:prstGeom prst="rect">
-            <a:avLst/>
-          </a:prstGeom>
-          <a:noFill/>
-          <a:ln>
-            <a:solidFill>
-              <a:schemeClr val="tx1"/>
-            </a:solidFill>
-          </a:ln>
-        </p:spPr>
-        <p:style>
-          <a:lnRef idx="2">
-            <a:schemeClr val="accent1">
-              <a:shade val="50000"/>
-            </a:schemeClr>
-          </a:lnRef>
-          <a:fillRef idx="1">
-            <a:schemeClr val="accent1"/>
-          </a:fillRef>
-          <a:effectRef idx="0">
-            <a:schemeClr val="accent1"/>
-          </a:effectRef>
-          <a:fontRef idx="minor">
-            <a:schemeClr val="lt1"/>
-          </a:fontRef>
-        </p:style>
-        <p:txBody>
-          <a:bodyPr rtlCol="0" anchor="ctr"/>
-          <a:lstStyle/>
-          <a:p>
-            <a:pPr algn="ctr"/>
-            <a:r>
-              <a:rPr lang="vi-VN" sz="1400">
-                <a:solidFill>
-                  <a:schemeClr val="tx1"/>
-                </a:solidFill>
-                <a:latin typeface="Computer Modern Roman"/>
-              </a:rPr>
-              <a:t>MaxPool1</a:t>
-            </a:r>
-          </a:p>
-        </p:txBody>
-      </p:sp>
-      <p:sp>
-        <p:nvSpPr>
-          <p:cNvPr id="7" name="Hình chữ nhật 6">
-            <a:extLst>
-              <a:ext uri="{FF2B5EF4-FFF2-40B4-BE49-F238E27FC236}">
-                <a16:creationId xmlns:a16="http://schemas.microsoft.com/office/drawing/2014/main" id="{A27C11B0-E378-CFCB-209D-A8C52C744491}"/>
-              </a:ext>
-            </a:extLst>
-          </p:cNvPr>
-          <p:cNvSpPr/>
-          <p:nvPr/>
-        </p:nvSpPr>
-        <p:spPr>
-          <a:xfrm>
-            <a:off x="1011071" y="2295159"/>
-            <a:ext cx="1421560" cy="365126"/>
-          </a:xfrm>
-          <a:prstGeom prst="rect">
-            <a:avLst/>
-          </a:prstGeom>
-          <a:noFill/>
-          <a:ln>
-            <a:solidFill>
-              <a:schemeClr val="tx1"/>
-            </a:solidFill>
-          </a:ln>
-        </p:spPr>
-        <p:style>
-          <a:lnRef idx="2">
-            <a:schemeClr val="accent1">
-              <a:shade val="50000"/>
-            </a:schemeClr>
-          </a:lnRef>
-          <a:fillRef idx="1">
-            <a:schemeClr val="accent1"/>
-          </a:fillRef>
-          <a:effectRef idx="0">
-            <a:schemeClr val="accent1"/>
-          </a:effectRef>
-          <a:fontRef idx="minor">
-            <a:schemeClr val="lt1"/>
-          </a:fontRef>
-        </p:style>
-        <p:txBody>
-          <a:bodyPr rtlCol="0" anchor="ctr"/>
-          <a:lstStyle/>
-          <a:p>
-            <a:pPr algn="ctr"/>
-            <a:r>
-              <a:rPr lang="vi-VN" sz="1400">
-                <a:solidFill>
-                  <a:schemeClr val="tx1"/>
-                </a:solidFill>
-                <a:latin typeface="Computer Modern Roman"/>
-              </a:rPr>
-              <a:t>Conv2</a:t>
-            </a:r>
-          </a:p>
-        </p:txBody>
-      </p:sp>
-      <p:sp>
-        <p:nvSpPr>
-          <p:cNvPr id="8" name="Hình chữ nhật 7">
-            <a:extLst>
-              <a:ext uri="{FF2B5EF4-FFF2-40B4-BE49-F238E27FC236}">
-                <a16:creationId xmlns:a16="http://schemas.microsoft.com/office/drawing/2014/main" id="{C2F9A6C8-30FE-BE19-ED77-CD7DA45EB8EF}"/>
-              </a:ext>
-            </a:extLst>
-          </p:cNvPr>
-          <p:cNvSpPr/>
-          <p:nvPr/>
-        </p:nvSpPr>
-        <p:spPr>
-          <a:xfrm>
-            <a:off x="1011070" y="2887931"/>
-            <a:ext cx="1421561" cy="365126"/>
-          </a:xfrm>
-          <a:prstGeom prst="rect">
-            <a:avLst/>
-          </a:prstGeom>
-          <a:noFill/>
-          <a:ln>
-            <a:solidFill>
-              <a:schemeClr val="tx1"/>
-            </a:solidFill>
-          </a:ln>
-        </p:spPr>
-        <p:style>
-          <a:lnRef idx="2">
-            <a:schemeClr val="accent1">
-              <a:shade val="50000"/>
-            </a:schemeClr>
-          </a:lnRef>
-          <a:fillRef idx="1">
-            <a:schemeClr val="accent1"/>
-          </a:fillRef>
-          <a:effectRef idx="0">
-            <a:schemeClr val="accent1"/>
-          </a:effectRef>
-          <a:fontRef idx="minor">
-            <a:schemeClr val="lt1"/>
-          </a:fontRef>
-        </p:style>
-        <p:txBody>
-          <a:bodyPr rtlCol="0" anchor="ctr"/>
-          <a:lstStyle/>
-          <a:p>
-            <a:pPr algn="ctr"/>
-            <a:r>
-              <a:rPr lang="vi-VN" sz="1400">
-                <a:solidFill>
-                  <a:schemeClr val="tx1"/>
-                </a:solidFill>
-                <a:latin typeface="Computer Modern Roman"/>
-              </a:rPr>
-              <a:t>MaxPool2</a:t>
-            </a:r>
-          </a:p>
-        </p:txBody>
-      </p:sp>
-      <p:cxnSp>
-        <p:nvCxnSpPr>
-          <p:cNvPr id="11" name="Đường kết nối Mũi tên Thẳng 10">
-            <a:extLst>
-              <a:ext uri="{FF2B5EF4-FFF2-40B4-BE49-F238E27FC236}">
-                <a16:creationId xmlns:a16="http://schemas.microsoft.com/office/drawing/2014/main" id="{8D7AC53C-6D56-A4ED-EBFB-C7C1CFD8C0BE}"/>
-              </a:ext>
-            </a:extLst>
-          </p:cNvPr>
-          <p:cNvCxnSpPr>
-            <a:stCxn id="5" idx="2"/>
-            <a:endCxn id="6" idx="0"/>
-          </p:cNvCxnSpPr>
-          <p:nvPr/>
-        </p:nvCxnSpPr>
-        <p:spPr>
-          <a:xfrm>
-            <a:off x="1723218" y="1494441"/>
-            <a:ext cx="0" cy="213679"/>
-          </a:xfrm>
-          <a:prstGeom prst="straightConnector1">
-            <a:avLst/>
-          </a:prstGeom>
-          <a:ln>
-            <a:solidFill>
-              <a:schemeClr val="tx1"/>
-            </a:solidFill>
-            <a:tailEnd type="triangle"/>
-          </a:ln>
-        </p:spPr>
-        <p:style>
-          <a:lnRef idx="1">
-            <a:schemeClr val="accent1"/>
-          </a:lnRef>
-          <a:fillRef idx="0">
-            <a:schemeClr val="accent1"/>
-          </a:fillRef>
-          <a:effectRef idx="0">
-            <a:schemeClr val="accent1"/>
-          </a:effectRef>
-          <a:fontRef idx="minor">
-            <a:schemeClr val="tx1"/>
-          </a:fontRef>
-        </p:style>
-      </p:cxnSp>
-      <p:cxnSp>
-        <p:nvCxnSpPr>
-          <p:cNvPr id="12" name="Đường kết nối Mũi tên Thẳng 11">
-            <a:extLst>
-              <a:ext uri="{FF2B5EF4-FFF2-40B4-BE49-F238E27FC236}">
-                <a16:creationId xmlns:a16="http://schemas.microsoft.com/office/drawing/2014/main" id="{84D46B3B-F1E9-5D05-03CE-FBA82A5D6FCA}"/>
-              </a:ext>
-            </a:extLst>
-          </p:cNvPr>
-          <p:cNvCxnSpPr>
-            <a:stCxn id="6" idx="2"/>
-            <a:endCxn id="7" idx="0"/>
-          </p:cNvCxnSpPr>
-          <p:nvPr/>
-        </p:nvCxnSpPr>
-        <p:spPr>
-          <a:xfrm flipH="1">
-            <a:off x="1721851" y="2073246"/>
-            <a:ext cx="1367" cy="221913"/>
-          </a:xfrm>
-          <a:prstGeom prst="straightConnector1">
-            <a:avLst/>
-          </a:prstGeom>
-          <a:ln>
-            <a:solidFill>
-              <a:schemeClr val="tx1"/>
-            </a:solidFill>
-            <a:tailEnd type="triangle"/>
-          </a:ln>
-        </p:spPr>
-        <p:style>
-          <a:lnRef idx="1">
-            <a:schemeClr val="accent1"/>
-          </a:lnRef>
-          <a:fillRef idx="0">
-            <a:schemeClr val="accent1"/>
-          </a:fillRef>
-          <a:effectRef idx="0">
-            <a:schemeClr val="accent1"/>
-          </a:effectRef>
-          <a:fontRef idx="minor">
-            <a:schemeClr val="tx1"/>
-          </a:fontRef>
-        </p:style>
-      </p:cxnSp>
-      <p:cxnSp>
-        <p:nvCxnSpPr>
-          <p:cNvPr id="13" name="Đường kết nối Mũi tên Thẳng 12">
-            <a:extLst>
-              <a:ext uri="{FF2B5EF4-FFF2-40B4-BE49-F238E27FC236}">
-                <a16:creationId xmlns:a16="http://schemas.microsoft.com/office/drawing/2014/main" id="{46052355-3E9B-F509-14E4-0986C82B132E}"/>
-              </a:ext>
-            </a:extLst>
-          </p:cNvPr>
-          <p:cNvCxnSpPr>
-            <a:stCxn id="7" idx="2"/>
-            <a:endCxn id="8" idx="0"/>
-          </p:cNvCxnSpPr>
-          <p:nvPr/>
-        </p:nvCxnSpPr>
-        <p:spPr>
-          <a:xfrm>
-            <a:off x="1721851" y="2660285"/>
-            <a:ext cx="0" cy="227646"/>
-          </a:xfrm>
-          <a:prstGeom prst="straightConnector1">
-            <a:avLst/>
-          </a:prstGeom>
-          <a:ln>
-            <a:solidFill>
-              <a:schemeClr val="tx1"/>
-            </a:solidFill>
-            <a:tailEnd type="triangle"/>
-          </a:ln>
-        </p:spPr>
-        <p:style>
-          <a:lnRef idx="1">
-            <a:schemeClr val="accent1"/>
-          </a:lnRef>
-          <a:fillRef idx="0">
-            <a:schemeClr val="accent1"/>
-          </a:fillRef>
-          <a:effectRef idx="0">
-            <a:schemeClr val="accent1"/>
-          </a:effectRef>
-          <a:fontRef idx="minor">
-            <a:schemeClr val="tx1"/>
-          </a:fontRef>
-        </p:style>
-      </p:cxnSp>
-      <p:sp>
-        <p:nvSpPr>
-          <p:cNvPr id="16" name="Hình chữ nhật 15">
-            <a:extLst>
-              <a:ext uri="{FF2B5EF4-FFF2-40B4-BE49-F238E27FC236}">
-                <a16:creationId xmlns:a16="http://schemas.microsoft.com/office/drawing/2014/main" id="{567DEE01-60EC-9146-4919-6BC0EADC1548}"/>
-              </a:ext>
-            </a:extLst>
-          </p:cNvPr>
-          <p:cNvSpPr/>
-          <p:nvPr/>
-        </p:nvSpPr>
-        <p:spPr>
-          <a:xfrm>
-            <a:off x="1006521" y="419947"/>
-            <a:ext cx="1424295" cy="365126"/>
-          </a:xfrm>
-          <a:prstGeom prst="rect">
-            <a:avLst/>
-          </a:prstGeom>
-          <a:noFill/>
-          <a:ln>
-            <a:solidFill>
-              <a:schemeClr val="tx1"/>
-            </a:solidFill>
-          </a:ln>
-        </p:spPr>
-        <p:style>
-          <a:lnRef idx="2">
-            <a:schemeClr val="accent1">
-              <a:shade val="50000"/>
-            </a:schemeClr>
-          </a:lnRef>
-          <a:fillRef idx="1">
-            <a:schemeClr val="accent1"/>
-          </a:fillRef>
-          <a:effectRef idx="0">
-            <a:schemeClr val="accent1"/>
-          </a:effectRef>
-          <a:fontRef idx="minor">
-            <a:schemeClr val="lt1"/>
-          </a:fontRef>
-        </p:style>
-        <p:txBody>
-          <a:bodyPr rtlCol="0" anchor="ctr"/>
-          <a:lstStyle/>
-          <a:p>
-            <a:pPr algn="ctr"/>
-            <a:r>
-              <a:rPr lang="vi-VN" sz="1400">
-                <a:solidFill>
-                  <a:schemeClr val="tx1"/>
-                </a:solidFill>
-                <a:latin typeface="Computer Modern Roman"/>
-              </a:rPr>
-              <a:t>Image</a:t>
-            </a:r>
-          </a:p>
-        </p:txBody>
-      </p:sp>
-      <p:cxnSp>
-        <p:nvCxnSpPr>
-          <p:cNvPr id="17" name="Đường kết nối Mũi tên Thẳng 16">
-            <a:extLst>
-              <a:ext uri="{FF2B5EF4-FFF2-40B4-BE49-F238E27FC236}">
-                <a16:creationId xmlns:a16="http://schemas.microsoft.com/office/drawing/2014/main" id="{3485A65C-DD10-53D5-19A6-EB5F923136E7}"/>
-              </a:ext>
-            </a:extLst>
-          </p:cNvPr>
-          <p:cNvCxnSpPr>
-            <a:cxnSpLocks/>
-            <a:stCxn id="16" idx="2"/>
-            <a:endCxn id="5" idx="0"/>
-          </p:cNvCxnSpPr>
-          <p:nvPr/>
-        </p:nvCxnSpPr>
-        <p:spPr>
-          <a:xfrm>
-            <a:off x="1718669" y="785073"/>
-            <a:ext cx="4549" cy="344242"/>
-          </a:xfrm>
-          <a:prstGeom prst="straightConnector1">
-            <a:avLst/>
-          </a:prstGeom>
-          <a:ln>
-            <a:solidFill>
-              <a:schemeClr val="tx1"/>
-            </a:solidFill>
-            <a:tailEnd type="triangle"/>
-          </a:ln>
-        </p:spPr>
-        <p:style>
-          <a:lnRef idx="1">
-            <a:schemeClr val="accent1"/>
-          </a:lnRef>
-          <a:fillRef idx="0">
-            <a:schemeClr val="accent1"/>
-          </a:fillRef>
-          <a:effectRef idx="0">
-            <a:schemeClr val="accent1"/>
-          </a:effectRef>
-          <a:fontRef idx="minor">
-            <a:schemeClr val="tx1"/>
-          </a:fontRef>
-        </p:style>
-      </p:cxnSp>
-      <p:sp>
-        <p:nvSpPr>
-          <p:cNvPr id="18" name="Hộp Văn bản 17">
-            <a:extLst>
-              <a:ext uri="{FF2B5EF4-FFF2-40B4-BE49-F238E27FC236}">
-                <a16:creationId xmlns:a16="http://schemas.microsoft.com/office/drawing/2014/main" id="{7C284CAE-15F5-1845-A8C6-92972E44EC00}"/>
-              </a:ext>
-            </a:extLst>
-          </p:cNvPr>
-          <p:cNvSpPr txBox="1"/>
-          <p:nvPr/>
-        </p:nvSpPr>
-        <p:spPr>
-          <a:xfrm>
-            <a:off x="1531772" y="-19026"/>
-            <a:ext cx="413097" cy="369332"/>
-          </a:xfrm>
-          <a:prstGeom prst="rect">
-            <a:avLst/>
-          </a:prstGeom>
-          <a:noFill/>
-        </p:spPr>
-        <p:txBody>
-          <a:bodyPr wrap="square" rtlCol="0">
-            <a:spAutoFit/>
-          </a:bodyPr>
-          <a:lstStyle/>
-          <a:p>
-            <a:r>
-              <a:rPr lang="en-US">
-                <a:latin typeface="Computer Modern Roman"/>
-              </a:rPr>
-              <a:t>a)</a:t>
-            </a:r>
-            <a:endParaRPr lang="vi-VN">
-              <a:latin typeface="Computer Modern Roman"/>
-            </a:endParaRPr>
-          </a:p>
-        </p:txBody>
-      </p:sp>
-      <p:sp>
-        <p:nvSpPr>
-          <p:cNvPr id="23" name="Hình chữ nhật 22">
-            <a:extLst>
-              <a:ext uri="{FF2B5EF4-FFF2-40B4-BE49-F238E27FC236}">
-                <a16:creationId xmlns:a16="http://schemas.microsoft.com/office/drawing/2014/main" id="{FC581962-5AAC-1EE9-E098-0388181DBD57}"/>
-              </a:ext>
-            </a:extLst>
-          </p:cNvPr>
-          <p:cNvSpPr/>
-          <p:nvPr/>
-        </p:nvSpPr>
-        <p:spPr>
-          <a:xfrm>
-            <a:off x="2610513" y="3968071"/>
-            <a:ext cx="1424296" cy="365126"/>
-          </a:xfrm>
-          <a:prstGeom prst="rect">
-            <a:avLst/>
-          </a:prstGeom>
-          <a:noFill/>
-          <a:ln>
-            <a:solidFill>
-              <a:schemeClr val="tx1"/>
-            </a:solidFill>
-          </a:ln>
-        </p:spPr>
-        <p:style>
-          <a:lnRef idx="2">
-            <a:schemeClr val="accent1">
-              <a:shade val="50000"/>
-            </a:schemeClr>
-          </a:lnRef>
-          <a:fillRef idx="1">
-            <a:schemeClr val="accent1"/>
-          </a:fillRef>
-          <a:effectRef idx="0">
-            <a:schemeClr val="accent1"/>
-          </a:effectRef>
-          <a:fontRef idx="minor">
-            <a:schemeClr val="lt1"/>
-          </a:fontRef>
-        </p:style>
-        <p:txBody>
-          <a:bodyPr rtlCol="0" anchor="ctr"/>
-          <a:lstStyle/>
-          <a:p>
-            <a:pPr algn="ctr"/>
-            <a:r>
-              <a:rPr lang="vi-VN" sz="1400">
-                <a:solidFill>
-                  <a:schemeClr val="tx1"/>
-                </a:solidFill>
-                <a:latin typeface="Computer Modern Roman"/>
-              </a:rPr>
-              <a:t>FC1</a:t>
-            </a:r>
-          </a:p>
-        </p:txBody>
-      </p:sp>
-      <p:sp>
-        <p:nvSpPr>
-          <p:cNvPr id="24" name="Hình chữ nhật 23">
-            <a:extLst>
-              <a:ext uri="{FF2B5EF4-FFF2-40B4-BE49-F238E27FC236}">
-                <a16:creationId xmlns:a16="http://schemas.microsoft.com/office/drawing/2014/main" id="{8FDED7D7-4107-B8B0-3FEA-349552C91506}"/>
-              </a:ext>
-            </a:extLst>
-          </p:cNvPr>
-          <p:cNvSpPr/>
-          <p:nvPr/>
-        </p:nvSpPr>
-        <p:spPr>
-          <a:xfrm>
-            <a:off x="2851150" y="4559632"/>
-            <a:ext cx="952500" cy="365126"/>
-          </a:xfrm>
-          <a:prstGeom prst="rect">
-            <a:avLst/>
-          </a:prstGeom>
-          <a:noFill/>
-          <a:ln>
-            <a:solidFill>
-              <a:schemeClr val="tx1"/>
-            </a:solidFill>
-          </a:ln>
-        </p:spPr>
-        <p:style>
-          <a:lnRef idx="2">
-            <a:schemeClr val="accent1">
-              <a:shade val="50000"/>
-            </a:schemeClr>
-          </a:lnRef>
-          <a:fillRef idx="1">
-            <a:schemeClr val="accent1"/>
-          </a:fillRef>
-          <a:effectRef idx="0">
-            <a:schemeClr val="accent1"/>
-          </a:effectRef>
-          <a:fontRef idx="minor">
-            <a:schemeClr val="lt1"/>
-          </a:fontRef>
-        </p:style>
-        <p:txBody>
-          <a:bodyPr rtlCol="0" anchor="ctr"/>
-          <a:lstStyle/>
-          <a:p>
-            <a:pPr algn="ctr"/>
-            <a:r>
-              <a:rPr lang="vi-VN" sz="1400">
-                <a:solidFill>
-                  <a:schemeClr val="tx1"/>
-                </a:solidFill>
-                <a:latin typeface="Computer Modern Roman"/>
-              </a:rPr>
-              <a:t>FC2</a:t>
-            </a:r>
-          </a:p>
-        </p:txBody>
-      </p:sp>
-      <p:cxnSp>
-        <p:nvCxnSpPr>
-          <p:cNvPr id="28" name="Đường kết nối Mũi tên Thẳng 27">
-            <a:extLst>
-              <a:ext uri="{FF2B5EF4-FFF2-40B4-BE49-F238E27FC236}">
-                <a16:creationId xmlns:a16="http://schemas.microsoft.com/office/drawing/2014/main" id="{DB0D0262-5299-6AFF-0F3B-C72D775645E1}"/>
-              </a:ext>
-            </a:extLst>
-          </p:cNvPr>
-          <p:cNvCxnSpPr>
-            <a:cxnSpLocks/>
-            <a:stCxn id="33" idx="2"/>
-            <a:endCxn id="23" idx="0"/>
-          </p:cNvCxnSpPr>
-          <p:nvPr/>
-        </p:nvCxnSpPr>
-        <p:spPr>
-          <a:xfrm flipH="1">
-            <a:off x="3322661" y="3253055"/>
-            <a:ext cx="3181" cy="715016"/>
-          </a:xfrm>
-          <a:prstGeom prst="straightConnector1">
-            <a:avLst/>
-          </a:prstGeom>
-          <a:ln>
-            <a:solidFill>
-              <a:schemeClr val="tx1"/>
-            </a:solidFill>
-            <a:tailEnd type="triangle"/>
-          </a:ln>
-        </p:spPr>
-        <p:style>
-          <a:lnRef idx="1">
-            <a:schemeClr val="accent1"/>
-          </a:lnRef>
-          <a:fillRef idx="0">
-            <a:schemeClr val="accent1"/>
-          </a:fillRef>
-          <a:effectRef idx="0">
-            <a:schemeClr val="accent1"/>
-          </a:effectRef>
-          <a:fontRef idx="minor">
-            <a:schemeClr val="tx1"/>
-          </a:fontRef>
-        </p:style>
-      </p:cxnSp>
-      <p:cxnSp>
-        <p:nvCxnSpPr>
-          <p:cNvPr id="29" name="Đường kết nối Mũi tên Thẳng 28">
-            <a:extLst>
-              <a:ext uri="{FF2B5EF4-FFF2-40B4-BE49-F238E27FC236}">
-                <a16:creationId xmlns:a16="http://schemas.microsoft.com/office/drawing/2014/main" id="{442F69A5-80B1-88CB-8C4B-9BDE81F56077}"/>
-              </a:ext>
-            </a:extLst>
-          </p:cNvPr>
-          <p:cNvCxnSpPr>
-            <a:cxnSpLocks/>
-            <a:stCxn id="23" idx="2"/>
-            <a:endCxn id="24" idx="0"/>
-          </p:cNvCxnSpPr>
-          <p:nvPr/>
-        </p:nvCxnSpPr>
-        <p:spPr>
-          <a:xfrm>
-            <a:off x="3322661" y="4333197"/>
-            <a:ext cx="4739" cy="226435"/>
-          </a:xfrm>
-          <a:prstGeom prst="straightConnector1">
-            <a:avLst/>
-          </a:prstGeom>
-          <a:ln>
-            <a:solidFill>
-              <a:schemeClr val="tx1"/>
-            </a:solidFill>
-            <a:tailEnd type="triangle"/>
-          </a:ln>
-        </p:spPr>
-        <p:style>
-          <a:lnRef idx="1">
-            <a:schemeClr val="accent1"/>
-          </a:lnRef>
-          <a:fillRef idx="0">
-            <a:schemeClr val="accent1"/>
-          </a:fillRef>
-          <a:effectRef idx="0">
-            <a:schemeClr val="accent1"/>
-          </a:effectRef>
-          <a:fontRef idx="minor">
-            <a:schemeClr val="tx1"/>
-          </a:fontRef>
-        </p:style>
-      </p:cxnSp>
-      <p:sp>
-        <p:nvSpPr>
-          <p:cNvPr id="30" name="Hình chữ nhật 29">
-            <a:extLst>
-              <a:ext uri="{FF2B5EF4-FFF2-40B4-BE49-F238E27FC236}">
-                <a16:creationId xmlns:a16="http://schemas.microsoft.com/office/drawing/2014/main" id="{8B51DABE-5EFA-963E-20F9-2D2F591DAE2C}"/>
-              </a:ext>
-            </a:extLst>
-          </p:cNvPr>
-          <p:cNvSpPr/>
-          <p:nvPr/>
-        </p:nvSpPr>
-        <p:spPr>
-          <a:xfrm>
-            <a:off x="2610513" y="419947"/>
-            <a:ext cx="1424295" cy="365126"/>
-          </a:xfrm>
-          <a:prstGeom prst="rect">
-            <a:avLst/>
-          </a:prstGeom>
-          <a:noFill/>
-          <a:ln>
-            <a:solidFill>
-              <a:schemeClr val="tx1"/>
-            </a:solidFill>
-          </a:ln>
-        </p:spPr>
-        <p:style>
-          <a:lnRef idx="2">
-            <a:schemeClr val="accent1">
-              <a:shade val="50000"/>
-            </a:schemeClr>
-          </a:lnRef>
-          <a:fillRef idx="1">
-            <a:schemeClr val="accent1"/>
-          </a:fillRef>
-          <a:effectRef idx="0">
-            <a:schemeClr val="accent1"/>
-          </a:effectRef>
-          <a:fontRef idx="minor">
-            <a:schemeClr val="lt1"/>
-          </a:fontRef>
-        </p:style>
-        <p:txBody>
-          <a:bodyPr rtlCol="0" anchor="ctr"/>
-          <a:lstStyle/>
-          <a:p>
-            <a:pPr algn="ctr"/>
-            <a:r>
-              <a:rPr lang="vi-VN" sz="1400">
-                <a:solidFill>
-                  <a:schemeClr val="tx1"/>
-                </a:solidFill>
-                <a:latin typeface="Computer Modern Roman"/>
-              </a:rPr>
-              <a:t>Image</a:t>
-            </a:r>
-          </a:p>
-        </p:txBody>
-      </p:sp>
-      <p:cxnSp>
-        <p:nvCxnSpPr>
-          <p:cNvPr id="31" name="Đường kết nối Mũi tên Thẳng 30">
-            <a:extLst>
-              <a:ext uri="{FF2B5EF4-FFF2-40B4-BE49-F238E27FC236}">
-                <a16:creationId xmlns:a16="http://schemas.microsoft.com/office/drawing/2014/main" id="{A19409D3-180A-D450-C7E3-0E4CBD4FA93D}"/>
-              </a:ext>
-            </a:extLst>
-          </p:cNvPr>
-          <p:cNvCxnSpPr>
-            <a:cxnSpLocks/>
-            <a:stCxn id="30" idx="2"/>
-            <a:endCxn id="33" idx="0"/>
-          </p:cNvCxnSpPr>
-          <p:nvPr/>
-        </p:nvCxnSpPr>
-        <p:spPr>
-          <a:xfrm>
-            <a:off x="3322661" y="785073"/>
-            <a:ext cx="3181" cy="356153"/>
-          </a:xfrm>
-          <a:prstGeom prst="straightConnector1">
-            <a:avLst/>
-          </a:prstGeom>
-          <a:ln>
-            <a:solidFill>
-              <a:schemeClr val="tx1"/>
-            </a:solidFill>
-            <a:tailEnd type="triangle"/>
-          </a:ln>
-        </p:spPr>
-        <p:style>
-          <a:lnRef idx="1">
-            <a:schemeClr val="accent1"/>
-          </a:lnRef>
-          <a:fillRef idx="0">
-            <a:schemeClr val="accent1"/>
-          </a:fillRef>
-          <a:effectRef idx="0">
-            <a:schemeClr val="accent1"/>
-          </a:effectRef>
-          <a:fontRef idx="minor">
-            <a:schemeClr val="tx1"/>
-          </a:fontRef>
-        </p:style>
-      </p:cxnSp>
-      <p:sp>
-        <p:nvSpPr>
-          <p:cNvPr id="32" name="Hộp Văn bản 31">
-            <a:extLst>
-              <a:ext uri="{FF2B5EF4-FFF2-40B4-BE49-F238E27FC236}">
-                <a16:creationId xmlns:a16="http://schemas.microsoft.com/office/drawing/2014/main" id="{60F87188-DD2D-2712-3A93-0795C552EAFC}"/>
-              </a:ext>
-            </a:extLst>
-          </p:cNvPr>
-          <p:cNvSpPr txBox="1"/>
-          <p:nvPr/>
-        </p:nvSpPr>
-        <p:spPr>
-          <a:xfrm>
-            <a:off x="3098642" y="5324"/>
-            <a:ext cx="448035" cy="369332"/>
-          </a:xfrm>
-          <a:prstGeom prst="rect">
-            <a:avLst/>
-          </a:prstGeom>
-          <a:noFill/>
-        </p:spPr>
-        <p:txBody>
-          <a:bodyPr wrap="square" rtlCol="0">
-            <a:spAutoFit/>
-          </a:bodyPr>
-          <a:lstStyle/>
-          <a:p>
-            <a:r>
-              <a:rPr lang="en-US">
-                <a:latin typeface="Computer Modern Roman"/>
-              </a:rPr>
-              <a:t>b)</a:t>
-            </a:r>
-            <a:endParaRPr lang="vi-VN">
-              <a:latin typeface="Computer Modern Roman"/>
-            </a:endParaRPr>
-          </a:p>
-        </p:txBody>
-      </p:sp>
-      <p:sp>
-        <p:nvSpPr>
-          <p:cNvPr id="33" name="Hình chữ nhật 32">
-            <a:extLst>
-              <a:ext uri="{FF2B5EF4-FFF2-40B4-BE49-F238E27FC236}">
-                <a16:creationId xmlns:a16="http://schemas.microsoft.com/office/drawing/2014/main" id="{E96DB287-65AF-E71D-F6E4-A0AEB9E678D3}"/>
-              </a:ext>
-            </a:extLst>
-          </p:cNvPr>
-          <p:cNvSpPr/>
-          <p:nvPr/>
-        </p:nvSpPr>
-        <p:spPr>
-          <a:xfrm>
-            <a:off x="2615061" y="1141226"/>
-            <a:ext cx="1421561" cy="2111829"/>
-          </a:xfrm>
-          <a:prstGeom prst="rect">
-            <a:avLst/>
-          </a:prstGeom>
-          <a:noFill/>
-          <a:ln>
-            <a:solidFill>
-              <a:schemeClr val="tx1"/>
-            </a:solidFill>
-          </a:ln>
-        </p:spPr>
-        <p:style>
-          <a:lnRef idx="2">
-            <a:schemeClr val="accent1">
-              <a:shade val="50000"/>
-            </a:schemeClr>
-          </a:lnRef>
-          <a:fillRef idx="1">
-            <a:schemeClr val="accent1"/>
-          </a:fillRef>
-          <a:effectRef idx="0">
-            <a:schemeClr val="accent1"/>
-          </a:effectRef>
-          <a:fontRef idx="minor">
-            <a:schemeClr val="lt1"/>
-          </a:fontRef>
-        </p:style>
-        <p:txBody>
-          <a:bodyPr rtlCol="0" anchor="ctr"/>
-          <a:lstStyle/>
-          <a:p>
-            <a:pPr algn="ctr"/>
-            <a:r>
-              <a:rPr lang="vi-VN" sz="1400">
-                <a:solidFill>
-                  <a:schemeClr val="tx1"/>
-                </a:solidFill>
-                <a:latin typeface="Computer Modern Roman"/>
-              </a:rPr>
-              <a:t>Quantum filters</a:t>
-            </a:r>
-          </a:p>
-        </p:txBody>
-      </p:sp>
-      <p:sp>
-        <p:nvSpPr>
-          <p:cNvPr id="40" name="Hình chữ nhật 39">
-            <a:extLst>
-              <a:ext uri="{FF2B5EF4-FFF2-40B4-BE49-F238E27FC236}">
-                <a16:creationId xmlns:a16="http://schemas.microsoft.com/office/drawing/2014/main" id="{257D6CF4-6F06-B3B0-7C0E-0A14D7F6C42A}"/>
-              </a:ext>
-            </a:extLst>
-          </p:cNvPr>
-          <p:cNvSpPr/>
-          <p:nvPr/>
-        </p:nvSpPr>
-        <p:spPr>
-          <a:xfrm>
-            <a:off x="4220421" y="419947"/>
-            <a:ext cx="1424295" cy="365126"/>
-          </a:xfrm>
-          <a:prstGeom prst="rect">
-            <a:avLst/>
-          </a:prstGeom>
-          <a:noFill/>
-          <a:ln>
-            <a:solidFill>
-              <a:schemeClr val="tx1"/>
-            </a:solidFill>
-          </a:ln>
-        </p:spPr>
-        <p:style>
-          <a:lnRef idx="2">
-            <a:schemeClr val="accent1">
-              <a:shade val="50000"/>
-            </a:schemeClr>
-          </a:lnRef>
-          <a:fillRef idx="1">
-            <a:schemeClr val="accent1"/>
-          </a:fillRef>
-          <a:effectRef idx="0">
-            <a:schemeClr val="accent1"/>
-          </a:effectRef>
-          <a:fontRef idx="minor">
-            <a:schemeClr val="lt1"/>
-          </a:fontRef>
-        </p:style>
-        <p:txBody>
-          <a:bodyPr rtlCol="0" anchor="ctr"/>
-          <a:lstStyle/>
-          <a:p>
-            <a:pPr algn="ctr"/>
-            <a:r>
-              <a:rPr lang="vi-VN" sz="1400">
-                <a:solidFill>
-                  <a:schemeClr val="tx1"/>
-                </a:solidFill>
-                <a:latin typeface="Computer Modern Roman"/>
-              </a:rPr>
-              <a:t>Image</a:t>
-            </a:r>
-          </a:p>
-        </p:txBody>
-      </p:sp>
-      <p:sp>
-        <p:nvSpPr>
-          <p:cNvPr id="42" name="Hộp Văn bản 41">
-            <a:extLst>
-              <a:ext uri="{FF2B5EF4-FFF2-40B4-BE49-F238E27FC236}">
-                <a16:creationId xmlns:a16="http://schemas.microsoft.com/office/drawing/2014/main" id="{D05D3C00-2FD2-51D5-F65A-CAB0E02526E4}"/>
-              </a:ext>
-            </a:extLst>
-          </p:cNvPr>
-          <p:cNvSpPr txBox="1"/>
-          <p:nvPr/>
-        </p:nvSpPr>
-        <p:spPr>
-          <a:xfrm>
-            <a:off x="4700450" y="5319"/>
-            <a:ext cx="619645" cy="369332"/>
-          </a:xfrm>
-          <a:prstGeom prst="rect">
-            <a:avLst/>
-          </a:prstGeom>
-          <a:noFill/>
-        </p:spPr>
-        <p:txBody>
-          <a:bodyPr wrap="square" rtlCol="0">
-            <a:spAutoFit/>
-          </a:bodyPr>
-          <a:lstStyle/>
-          <a:p>
-            <a:r>
-              <a:rPr lang="en-US">
-                <a:latin typeface="Computer Modern Roman"/>
-              </a:rPr>
-              <a:t>c)</a:t>
-            </a:r>
-            <a:endParaRPr lang="vi-VN">
-              <a:latin typeface="Computer Modern Roman"/>
-            </a:endParaRPr>
-          </a:p>
-        </p:txBody>
-      </p:sp>
-      <p:sp>
-        <p:nvSpPr>
-          <p:cNvPr id="26" name="Hình chữ nhật 25">
-            <a:extLst>
-              <a:ext uri="{FF2B5EF4-FFF2-40B4-BE49-F238E27FC236}">
-                <a16:creationId xmlns:a16="http://schemas.microsoft.com/office/drawing/2014/main" id="{E0685D1A-BDFB-B1D7-3AB0-FA0F5F8C16CD}"/>
-              </a:ext>
-            </a:extLst>
-          </p:cNvPr>
-          <p:cNvSpPr/>
-          <p:nvPr/>
-        </p:nvSpPr>
-        <p:spPr>
-          <a:xfrm>
-            <a:off x="2430816" y="3748357"/>
-            <a:ext cx="1789605" cy="1877743"/>
-          </a:xfrm>
-          <a:prstGeom prst="rect">
-            <a:avLst/>
-          </a:prstGeom>
-          <a:noFill/>
-          <a:ln>
-            <a:solidFill>
-              <a:schemeClr val="tx1"/>
-            </a:solidFill>
-            <a:prstDash val="lgDash"/>
-          </a:ln>
-        </p:spPr>
-        <p:style>
-          <a:lnRef idx="2">
-            <a:schemeClr val="accent1">
-              <a:shade val="50000"/>
-            </a:schemeClr>
-          </a:lnRef>
-          <a:fillRef idx="1">
-            <a:schemeClr val="accent1"/>
-          </a:fillRef>
-          <a:effectRef idx="0">
-            <a:schemeClr val="accent1"/>
-          </a:effectRef>
-          <a:fontRef idx="minor">
-            <a:schemeClr val="lt1"/>
-          </a:fontRef>
-        </p:style>
-        <p:txBody>
-          <a:bodyPr rtlCol="0" anchor="ctr"/>
-          <a:lstStyle/>
-          <a:p>
-            <a:pPr algn="ctr"/>
-            <a:endParaRPr lang="vi-VN"/>
-          </a:p>
-        </p:txBody>
-      </p:sp>
-      <p:cxnSp>
-        <p:nvCxnSpPr>
-          <p:cNvPr id="35" name="Đường kết nối: Mũi tên Gấp khúc 34">
-            <a:extLst>
-              <a:ext uri="{FF2B5EF4-FFF2-40B4-BE49-F238E27FC236}">
-                <a16:creationId xmlns:a16="http://schemas.microsoft.com/office/drawing/2014/main" id="{20BD2263-67D9-2FEB-6686-FEF04D1757AB}"/>
-              </a:ext>
-            </a:extLst>
-          </p:cNvPr>
-          <p:cNvCxnSpPr>
-            <a:cxnSpLocks/>
-            <a:stCxn id="8" idx="2"/>
-            <a:endCxn id="23" idx="0"/>
-          </p:cNvCxnSpPr>
-          <p:nvPr/>
-        </p:nvCxnSpPr>
-        <p:spPr>
-          <a:xfrm rot="16200000" flipH="1">
-            <a:off x="2164749" y="2810159"/>
-            <a:ext cx="715014" cy="1600810"/>
-          </a:xfrm>
-          <a:prstGeom prst="bentConnector3">
-            <a:avLst>
-              <a:gd name="adj1" fmla="val 50000"/>
-            </a:avLst>
-          </a:prstGeom>
-          <a:ln>
-            <a:tailEnd type="triangle"/>
-          </a:ln>
-        </p:spPr>
-        <p:style>
-          <a:lnRef idx="1">
-            <a:schemeClr val="dk1"/>
-          </a:lnRef>
-          <a:fillRef idx="0">
-            <a:schemeClr val="dk1"/>
-          </a:fillRef>
-          <a:effectRef idx="0">
-            <a:schemeClr val="dk1"/>
-          </a:effectRef>
-          <a:fontRef idx="minor">
-            <a:schemeClr val="tx1"/>
-          </a:fontRef>
-        </p:style>
-      </p:cxnSp>
-      <p:cxnSp>
-        <p:nvCxnSpPr>
-          <p:cNvPr id="41" name="Đường kết nối: Mũi tên Gấp khúc 40">
-            <a:extLst>
-              <a:ext uri="{FF2B5EF4-FFF2-40B4-BE49-F238E27FC236}">
-                <a16:creationId xmlns:a16="http://schemas.microsoft.com/office/drawing/2014/main" id="{7765A9D2-A73B-2210-683C-AF528EFFC557}"/>
-              </a:ext>
-            </a:extLst>
-          </p:cNvPr>
-          <p:cNvCxnSpPr>
-            <a:cxnSpLocks/>
-            <a:stCxn id="40" idx="2"/>
-            <a:endCxn id="23" idx="0"/>
-          </p:cNvCxnSpPr>
-          <p:nvPr/>
-        </p:nvCxnSpPr>
-        <p:spPr>
-          <a:xfrm rot="5400000">
-            <a:off x="2536116" y="1571618"/>
-            <a:ext cx="3182998" cy="1609908"/>
-          </a:xfrm>
-          <a:prstGeom prst="bentConnector3">
-            <a:avLst>
-              <a:gd name="adj1" fmla="val 83543"/>
-            </a:avLst>
-          </a:prstGeom>
-          <a:ln>
-            <a:tailEnd type="triangle"/>
-          </a:ln>
-        </p:spPr>
-        <p:style>
-          <a:lnRef idx="1">
-            <a:schemeClr val="dk1"/>
-          </a:lnRef>
-          <a:fillRef idx="0">
-            <a:schemeClr val="dk1"/>
-          </a:fillRef>
-          <a:effectRef idx="0">
-            <a:schemeClr val="dk1"/>
-          </a:effectRef>
-          <a:fontRef idx="minor">
-            <a:schemeClr val="tx1"/>
-          </a:fontRef>
-        </p:style>
-      </p:cxnSp>
-      <p:sp>
-        <p:nvSpPr>
-          <p:cNvPr id="58" name="Hình chữ nhật 57">
-            <a:extLst>
-              <a:ext uri="{FF2B5EF4-FFF2-40B4-BE49-F238E27FC236}">
-                <a16:creationId xmlns:a16="http://schemas.microsoft.com/office/drawing/2014/main" id="{78B9BAE5-23A5-401A-1E4D-D53F31D158A5}"/>
-              </a:ext>
-            </a:extLst>
-          </p:cNvPr>
-          <p:cNvSpPr/>
-          <p:nvPr/>
-        </p:nvSpPr>
-        <p:spPr>
-          <a:xfrm>
-            <a:off x="2946400" y="5131443"/>
-            <a:ext cx="762000" cy="365126"/>
-          </a:xfrm>
-          <a:prstGeom prst="rect">
-            <a:avLst/>
-          </a:prstGeom>
-          <a:noFill/>
-          <a:ln>
-            <a:solidFill>
-              <a:schemeClr val="tx1"/>
-            </a:solidFill>
-          </a:ln>
-        </p:spPr>
-        <p:style>
-          <a:lnRef idx="2">
-            <a:schemeClr val="accent1">
-              <a:shade val="50000"/>
-            </a:schemeClr>
-          </a:lnRef>
-          <a:fillRef idx="1">
-            <a:schemeClr val="accent1"/>
-          </a:fillRef>
-          <a:effectRef idx="0">
-            <a:schemeClr val="accent1"/>
-          </a:effectRef>
-          <a:fontRef idx="minor">
-            <a:schemeClr val="lt1"/>
-          </a:fontRef>
-        </p:style>
-        <p:txBody>
-          <a:bodyPr rtlCol="0" anchor="ctr"/>
-          <a:lstStyle/>
-          <a:p>
-            <a:pPr algn="ctr"/>
-            <a:r>
-              <a:rPr lang="vi-VN" sz="1400">
-                <a:solidFill>
-                  <a:schemeClr val="tx1"/>
-                </a:solidFill>
-                <a:latin typeface="Computer Modern Roman"/>
-              </a:rPr>
-              <a:t>Output</a:t>
-            </a:r>
-          </a:p>
-        </p:txBody>
-      </p:sp>
-      <p:cxnSp>
-        <p:nvCxnSpPr>
-          <p:cNvPr id="59" name="Đường kết nối Mũi tên Thẳng 58">
-            <a:extLst>
-              <a:ext uri="{FF2B5EF4-FFF2-40B4-BE49-F238E27FC236}">
-                <a16:creationId xmlns:a16="http://schemas.microsoft.com/office/drawing/2014/main" id="{F6E7A56B-5185-EA79-219F-59CE198C673F}"/>
-              </a:ext>
-            </a:extLst>
-          </p:cNvPr>
-          <p:cNvCxnSpPr>
-            <a:cxnSpLocks/>
-            <a:stCxn id="24" idx="2"/>
-            <a:endCxn id="58" idx="0"/>
-          </p:cNvCxnSpPr>
-          <p:nvPr/>
-        </p:nvCxnSpPr>
-        <p:spPr>
-          <a:xfrm>
-            <a:off x="3327400" y="4924758"/>
-            <a:ext cx="0" cy="206685"/>
-          </a:xfrm>
-          <a:prstGeom prst="straightConnector1">
-            <a:avLst/>
-          </a:prstGeom>
-          <a:ln>
-            <a:solidFill>
-              <a:schemeClr val="tx1"/>
-            </a:solidFill>
-            <a:tailEnd type="triangle"/>
-          </a:ln>
-        </p:spPr>
-        <p:style>
-          <a:lnRef idx="1">
-            <a:schemeClr val="accent1"/>
-          </a:lnRef>
-          <a:fillRef idx="0">
-            <a:schemeClr val="accent1"/>
-          </a:fillRef>
-          <a:effectRef idx="0">
-            <a:schemeClr val="accent1"/>
-          </a:effectRef>
-          <a:fontRef idx="minor">
-            <a:schemeClr val="tx1"/>
-          </a:fontRef>
-        </p:style>
-      </p:cxnSp>
-    </p:spTree>
-    <p:extLst>
-      <p:ext uri="{BB962C8B-B14F-4D97-AF65-F5344CB8AC3E}">
-        <p14:creationId xmlns:p14="http://schemas.microsoft.com/office/powerpoint/2010/main" val="2884812331"/>
       </p:ext>
     </p:extLst>
   </p:cSld>
@@ -16418,7 +15099,19 @@
                       <a:rPr lang="en-US" b="0" i="1" smtClean="0">
                         <a:latin typeface="Cambria Math" panose="02040503050406030204" pitchFamily="18" charset="0"/>
                       </a:rPr>
-                      <m:t>|0⟩</m:t>
+                      <m:t>|</m:t>
+                    </m:r>
+                    <m:r>
+                      <a:rPr lang="en-US" b="0" i="1" smtClean="0">
+                        <a:latin typeface="Cambria Math" panose="02040503050406030204" pitchFamily="18" charset="0"/>
+                      </a:rPr>
+                      <m:t>0</m:t>
+                    </m:r>
+                    <m:r>
+                      <a:rPr lang="en-US" b="0" i="1" smtClean="0">
+                        <a:latin typeface="Cambria Math" panose="02040503050406030204" pitchFamily="18" charset="0"/>
+                      </a:rPr>
+                      <m:t>⟩</m:t>
                     </m:r>
                   </m:oMath>
                 </a14:m>
